--- a/Documentations/Mid evaluation presentation/FINITE ELEMENT BASED STRUCTURAL ANALYSIS.pptx
+++ b/Documentations/Mid evaluation presentation/FINITE ELEMENT BASED STRUCTURAL ANALYSIS.pptx
@@ -5,8 +5,22 @@
     <p:sldMasterId id="2147483648" r:id="rId1"/>
   </p:sldMasterIdLst>
   <p:sldIdLst>
-    <p:sldId id="256" r:id="rId2"/>
-    <p:sldId id="257" r:id="rId3"/>
+    <p:sldId id="271" r:id="rId2"/>
+    <p:sldId id="261" r:id="rId3"/>
+    <p:sldId id="262" r:id="rId4"/>
+    <p:sldId id="277" r:id="rId5"/>
+    <p:sldId id="272" r:id="rId6"/>
+    <p:sldId id="273" r:id="rId7"/>
+    <p:sldId id="278" r:id="rId8"/>
+    <p:sldId id="270" r:id="rId9"/>
+    <p:sldId id="267" r:id="rId10"/>
+    <p:sldId id="268" r:id="rId11"/>
+    <p:sldId id="269" r:id="rId12"/>
+    <p:sldId id="279" r:id="rId13"/>
+    <p:sldId id="280" r:id="rId14"/>
+    <p:sldId id="281" r:id="rId15"/>
+    <p:sldId id="282" r:id="rId16"/>
+    <p:sldId id="283" r:id="rId17"/>
   </p:sldIdLst>
   <p:sldSz cx="12192000" cy="6858000"/>
   <p:notesSz cx="6858000" cy="9144000"/>
@@ -105,6 +119,11 @@
       </a:defRPr>
     </a:lvl9pPr>
   </p:defaultTextStyle>
+  <p:extLst>
+    <p:ext uri="{EFAFB233-063F-42B5-8137-9DF3F51BA10A}">
+      <p15:sldGuideLst xmlns:p15="http://schemas.microsoft.com/office/powerpoint/2012/main"/>
+    </p:ext>
+  </p:extLst>
 </p:presentation>
 </file>
 
@@ -325,6 +344,9 @@
   <p:clrMapOvr>
     <a:masterClrMapping/>
   </p:clrMapOvr>
+  <p:transition spd="slow">
+    <p:wipe/>
+  </p:transition>
 </p:sldLayout>
 </file>
 
@@ -523,6 +545,9 @@
   <p:clrMapOvr>
     <a:masterClrMapping/>
   </p:clrMapOvr>
+  <p:transition spd="slow">
+    <p:wipe/>
+  </p:transition>
 </p:sldLayout>
 </file>
 
@@ -731,6 +756,9 @@
   <p:clrMapOvr>
     <a:masterClrMapping/>
   </p:clrMapOvr>
+  <p:transition spd="slow">
+    <p:wipe/>
+  </p:transition>
 </p:sldLayout>
 </file>
 
@@ -929,6 +957,9 @@
   <p:clrMapOvr>
     <a:masterClrMapping/>
   </p:clrMapOvr>
+  <p:transition spd="slow">
+    <p:wipe/>
+  </p:transition>
 </p:sldLayout>
 </file>
 
@@ -1204,6 +1235,9 @@
   <p:clrMapOvr>
     <a:masterClrMapping/>
   </p:clrMapOvr>
+  <p:transition spd="slow">
+    <p:wipe/>
+  </p:transition>
 </p:sldLayout>
 </file>
 
@@ -1469,6 +1503,9 @@
   <p:clrMapOvr>
     <a:masterClrMapping/>
   </p:clrMapOvr>
+  <p:transition spd="slow">
+    <p:wipe/>
+  </p:transition>
 </p:sldLayout>
 </file>
 
@@ -1881,6 +1918,9 @@
   <p:clrMapOvr>
     <a:masterClrMapping/>
   </p:clrMapOvr>
+  <p:transition spd="slow">
+    <p:wipe/>
+  </p:transition>
 </p:sldLayout>
 </file>
 
@@ -2022,6 +2062,9 @@
   <p:clrMapOvr>
     <a:masterClrMapping/>
   </p:clrMapOvr>
+  <p:transition spd="slow">
+    <p:wipe/>
+  </p:transition>
 </p:sldLayout>
 </file>
 
@@ -2135,6 +2178,9 @@
   <p:clrMapOvr>
     <a:masterClrMapping/>
   </p:clrMapOvr>
+  <p:transition spd="slow">
+    <p:wipe/>
+  </p:transition>
 </p:sldLayout>
 </file>
 
@@ -2446,6 +2492,9 @@
   <p:clrMapOvr>
     <a:masterClrMapping/>
   </p:clrMapOvr>
+  <p:transition spd="slow">
+    <p:wipe/>
+  </p:transition>
 </p:sldLayout>
 </file>
 
@@ -2734,6 +2783,9 @@
   <p:clrMapOvr>
     <a:masterClrMapping/>
   </p:clrMapOvr>
+  <p:transition spd="slow">
+    <p:wipe/>
+  </p:transition>
 </p:sldLayout>
 </file>
 
@@ -3022,6 +3074,9 @@
     <p:sldLayoutId id="2147483658" r:id="rId10"/>
     <p:sldLayoutId id="2147483659" r:id="rId11"/>
   </p:sldLayoutIdLst>
+  <p:transition spd="slow">
+    <p:wipe/>
+  </p:transition>
   <p:txStyles>
     <p:titleStyle>
       <a:lvl1pPr algn="l" defTabSz="914400" rtl="0" eaLnBrk="1" latinLnBrk="0" hangingPunct="1">
@@ -3322,89 +3377,5515 @@
           <a:chExt cx="0" cy="0"/>
         </a:xfrm>
       </p:grpSpPr>
+      <p:grpSp>
+        <p:nvGrpSpPr>
+          <p:cNvPr id="6" name="Group 5">
+            <a:extLst>
+              <a:ext uri="{FF2B5EF4-FFF2-40B4-BE49-F238E27FC236}">
+                <a16:creationId xmlns:a16="http://schemas.microsoft.com/office/drawing/2014/main" id="{EA008529-F75B-4263-8DE9-1B8C147FC6A9}"/>
+              </a:ext>
+            </a:extLst>
+          </p:cNvPr>
+          <p:cNvGrpSpPr/>
+          <p:nvPr/>
+        </p:nvGrpSpPr>
+        <p:grpSpPr>
+          <a:xfrm>
+            <a:off x="0" y="1813719"/>
+            <a:ext cx="12192000" cy="2796447"/>
+            <a:chOff x="0" y="2601119"/>
+            <a:chExt cx="12192000" cy="2796447"/>
+          </a:xfrm>
+        </p:grpSpPr>
+        <p:sp>
+          <p:nvSpPr>
+            <p:cNvPr id="4" name="Subtitle 2">
+              <a:extLst>
+                <a:ext uri="{FF2B5EF4-FFF2-40B4-BE49-F238E27FC236}">
+                  <a16:creationId xmlns:a16="http://schemas.microsoft.com/office/drawing/2014/main" id="{058AA7CC-2E4A-433B-8D27-D90726407733}"/>
+                </a:ext>
+              </a:extLst>
+            </p:cNvPr>
+            <p:cNvSpPr txBox="1">
+              <a:spLocks/>
+            </p:cNvSpPr>
+            <p:nvPr/>
+          </p:nvSpPr>
+          <p:spPr>
+            <a:xfrm>
+              <a:off x="0" y="2601119"/>
+              <a:ext cx="12192000" cy="1655762"/>
+            </a:xfrm>
+            <a:prstGeom prst="rect">
+              <a:avLst/>
+            </a:prstGeom>
+          </p:spPr>
+          <p:txBody>
+            <a:bodyPr anchor="ctr"/>
+            <a:lstStyle>
+              <a:lvl1pPr marL="228600" indent="-228600" algn="l" defTabSz="914400" rtl="0" eaLnBrk="1" latinLnBrk="0" hangingPunct="1">
+                <a:lnSpc>
+                  <a:spcPct val="90000"/>
+                </a:lnSpc>
+                <a:spcBef>
+                  <a:spcPts val="1000"/>
+                </a:spcBef>
+                <a:buFont typeface="Arial" panose="020B0604020202020204" pitchFamily="34" charset="0"/>
+                <a:buChar char="•"/>
+                <a:defRPr sz="2800" kern="1200">
+                  <a:solidFill>
+                    <a:schemeClr val="tx1"/>
+                  </a:solidFill>
+                  <a:latin typeface="+mn-lt"/>
+                  <a:ea typeface="+mn-ea"/>
+                  <a:cs typeface="+mn-cs"/>
+                </a:defRPr>
+              </a:lvl1pPr>
+              <a:lvl2pPr marL="685800" indent="-228600" algn="l" defTabSz="914400" rtl="0" eaLnBrk="1" latinLnBrk="0" hangingPunct="1">
+                <a:lnSpc>
+                  <a:spcPct val="90000"/>
+                </a:lnSpc>
+                <a:spcBef>
+                  <a:spcPts val="500"/>
+                </a:spcBef>
+                <a:buFont typeface="Arial" panose="020B0604020202020204" pitchFamily="34" charset="0"/>
+                <a:buChar char="•"/>
+                <a:defRPr sz="2400" kern="1200">
+                  <a:solidFill>
+                    <a:schemeClr val="tx1"/>
+                  </a:solidFill>
+                  <a:latin typeface="+mn-lt"/>
+                  <a:ea typeface="+mn-ea"/>
+                  <a:cs typeface="+mn-cs"/>
+                </a:defRPr>
+              </a:lvl2pPr>
+              <a:lvl3pPr marL="1143000" indent="-228600" algn="l" defTabSz="914400" rtl="0" eaLnBrk="1" latinLnBrk="0" hangingPunct="1">
+                <a:lnSpc>
+                  <a:spcPct val="90000"/>
+                </a:lnSpc>
+                <a:spcBef>
+                  <a:spcPts val="500"/>
+                </a:spcBef>
+                <a:buFont typeface="Arial" panose="020B0604020202020204" pitchFamily="34" charset="0"/>
+                <a:buChar char="•"/>
+                <a:defRPr sz="2000" kern="1200">
+                  <a:solidFill>
+                    <a:schemeClr val="tx1"/>
+                  </a:solidFill>
+                  <a:latin typeface="+mn-lt"/>
+                  <a:ea typeface="+mn-ea"/>
+                  <a:cs typeface="+mn-cs"/>
+                </a:defRPr>
+              </a:lvl3pPr>
+              <a:lvl4pPr marL="1600200" indent="-228600" algn="l" defTabSz="914400" rtl="0" eaLnBrk="1" latinLnBrk="0" hangingPunct="1">
+                <a:lnSpc>
+                  <a:spcPct val="90000"/>
+                </a:lnSpc>
+                <a:spcBef>
+                  <a:spcPts val="500"/>
+                </a:spcBef>
+                <a:buFont typeface="Arial" panose="020B0604020202020204" pitchFamily="34" charset="0"/>
+                <a:buChar char="•"/>
+                <a:defRPr sz="1800" kern="1200">
+                  <a:solidFill>
+                    <a:schemeClr val="tx1"/>
+                  </a:solidFill>
+                  <a:latin typeface="+mn-lt"/>
+                  <a:ea typeface="+mn-ea"/>
+                  <a:cs typeface="+mn-cs"/>
+                </a:defRPr>
+              </a:lvl4pPr>
+              <a:lvl5pPr marL="2057400" indent="-228600" algn="l" defTabSz="914400" rtl="0" eaLnBrk="1" latinLnBrk="0" hangingPunct="1">
+                <a:lnSpc>
+                  <a:spcPct val="90000"/>
+                </a:lnSpc>
+                <a:spcBef>
+                  <a:spcPts val="500"/>
+                </a:spcBef>
+                <a:buFont typeface="Arial" panose="020B0604020202020204" pitchFamily="34" charset="0"/>
+                <a:buChar char="•"/>
+                <a:defRPr sz="1800" kern="1200">
+                  <a:solidFill>
+                    <a:schemeClr val="tx1"/>
+                  </a:solidFill>
+                  <a:latin typeface="+mn-lt"/>
+                  <a:ea typeface="+mn-ea"/>
+                  <a:cs typeface="+mn-cs"/>
+                </a:defRPr>
+              </a:lvl5pPr>
+              <a:lvl6pPr marL="2514600" indent="-228600" algn="l" defTabSz="914400" rtl="0" eaLnBrk="1" latinLnBrk="0" hangingPunct="1">
+                <a:lnSpc>
+                  <a:spcPct val="90000"/>
+                </a:lnSpc>
+                <a:spcBef>
+                  <a:spcPts val="500"/>
+                </a:spcBef>
+                <a:buFont typeface="Arial" panose="020B0604020202020204" pitchFamily="34" charset="0"/>
+                <a:buChar char="•"/>
+                <a:defRPr sz="1800" kern="1200">
+                  <a:solidFill>
+                    <a:schemeClr val="tx1"/>
+                  </a:solidFill>
+                  <a:latin typeface="+mn-lt"/>
+                  <a:ea typeface="+mn-ea"/>
+                  <a:cs typeface="+mn-cs"/>
+                </a:defRPr>
+              </a:lvl6pPr>
+              <a:lvl7pPr marL="2971800" indent="-228600" algn="l" defTabSz="914400" rtl="0" eaLnBrk="1" latinLnBrk="0" hangingPunct="1">
+                <a:lnSpc>
+                  <a:spcPct val="90000"/>
+                </a:lnSpc>
+                <a:spcBef>
+                  <a:spcPts val="500"/>
+                </a:spcBef>
+                <a:buFont typeface="Arial" panose="020B0604020202020204" pitchFamily="34" charset="0"/>
+                <a:buChar char="•"/>
+                <a:defRPr sz="1800" kern="1200">
+                  <a:solidFill>
+                    <a:schemeClr val="tx1"/>
+                  </a:solidFill>
+                  <a:latin typeface="+mn-lt"/>
+                  <a:ea typeface="+mn-ea"/>
+                  <a:cs typeface="+mn-cs"/>
+                </a:defRPr>
+              </a:lvl7pPr>
+              <a:lvl8pPr marL="3429000" indent="-228600" algn="l" defTabSz="914400" rtl="0" eaLnBrk="1" latinLnBrk="0" hangingPunct="1">
+                <a:lnSpc>
+                  <a:spcPct val="90000"/>
+                </a:lnSpc>
+                <a:spcBef>
+                  <a:spcPts val="500"/>
+                </a:spcBef>
+                <a:buFont typeface="Arial" panose="020B0604020202020204" pitchFamily="34" charset="0"/>
+                <a:buChar char="•"/>
+                <a:defRPr sz="1800" kern="1200">
+                  <a:solidFill>
+                    <a:schemeClr val="tx1"/>
+                  </a:solidFill>
+                  <a:latin typeface="+mn-lt"/>
+                  <a:ea typeface="+mn-ea"/>
+                  <a:cs typeface="+mn-cs"/>
+                </a:defRPr>
+              </a:lvl8pPr>
+              <a:lvl9pPr marL="3886200" indent="-228600" algn="l" defTabSz="914400" rtl="0" eaLnBrk="1" latinLnBrk="0" hangingPunct="1">
+                <a:lnSpc>
+                  <a:spcPct val="90000"/>
+                </a:lnSpc>
+                <a:spcBef>
+                  <a:spcPts val="500"/>
+                </a:spcBef>
+                <a:buFont typeface="Arial" panose="020B0604020202020204" pitchFamily="34" charset="0"/>
+                <a:buChar char="•"/>
+                <a:defRPr sz="1800" kern="1200">
+                  <a:solidFill>
+                    <a:schemeClr val="tx1"/>
+                  </a:solidFill>
+                  <a:latin typeface="+mn-lt"/>
+                  <a:ea typeface="+mn-ea"/>
+                  <a:cs typeface="+mn-cs"/>
+                </a:defRPr>
+              </a:lvl9pPr>
+            </a:lstStyle>
+            <a:p>
+              <a:pPr marL="0" indent="0" algn="ctr">
+                <a:buNone/>
+              </a:pPr>
+              <a:r>
+                <a:rPr lang="en-US" b="1" dirty="0">
+                  <a:solidFill>
+                    <a:srgbClr val="00B0F0"/>
+                  </a:solidFill>
+                  <a:latin typeface="Aller" panose="02000503030000020004" pitchFamily="2" charset="0"/>
+                </a:rPr>
+                <a:t>CO227 PROJECT MID EVALUATION</a:t>
+              </a:r>
+            </a:p>
+          </p:txBody>
+        </p:sp>
+        <p:sp>
+          <p:nvSpPr>
+            <p:cNvPr id="5" name="Title 1">
+              <a:extLst>
+                <a:ext uri="{FF2B5EF4-FFF2-40B4-BE49-F238E27FC236}">
+                  <a16:creationId xmlns:a16="http://schemas.microsoft.com/office/drawing/2014/main" id="{4B17A8D9-AAE7-493D-A2C5-D8530432A2EF}"/>
+                </a:ext>
+              </a:extLst>
+            </p:cNvPr>
+            <p:cNvSpPr txBox="1">
+              <a:spLocks/>
+            </p:cNvSpPr>
+            <p:nvPr/>
+          </p:nvSpPr>
+          <p:spPr>
+            <a:xfrm>
+              <a:off x="0" y="3429000"/>
+              <a:ext cx="12192000" cy="1968566"/>
+            </a:xfrm>
+            <a:prstGeom prst="rect">
+              <a:avLst/>
+            </a:prstGeom>
+          </p:spPr>
+          <p:txBody>
+            <a:bodyPr anchor="ctr"/>
+            <a:lstStyle>
+              <a:lvl1pPr algn="l" defTabSz="914400" rtl="0" eaLnBrk="1" latinLnBrk="0" hangingPunct="1">
+                <a:lnSpc>
+                  <a:spcPct val="90000"/>
+                </a:lnSpc>
+                <a:spcBef>
+                  <a:spcPct val="0"/>
+                </a:spcBef>
+                <a:buNone/>
+                <a:defRPr sz="4400" kern="1200">
+                  <a:solidFill>
+                    <a:schemeClr val="tx1"/>
+                  </a:solidFill>
+                  <a:latin typeface="+mj-lt"/>
+                  <a:ea typeface="+mj-ea"/>
+                  <a:cs typeface="+mj-cs"/>
+                </a:defRPr>
+              </a:lvl1pPr>
+            </a:lstStyle>
+            <a:p>
+              <a:pPr algn="ctr"/>
+              <a:r>
+                <a:rPr lang="en-US" sz="4800" dirty="0">
+                  <a:latin typeface="Aller Display" panose="02000503000000020003" pitchFamily="2" charset="0"/>
+                </a:rPr>
+                <a:t>FINITE ELEMENT BASED</a:t>
+              </a:r>
+            </a:p>
+            <a:p>
+              <a:pPr algn="ctr"/>
+              <a:r>
+                <a:rPr lang="en-US" sz="4800" dirty="0">
+                  <a:latin typeface="Aller Display" panose="02000503000000020003" pitchFamily="2" charset="0"/>
+                </a:rPr>
+                <a:t>STRUCTURAL ANALYSIS</a:t>
+              </a:r>
+            </a:p>
+          </p:txBody>
+        </p:sp>
+      </p:grpSp>
       <p:sp>
         <p:nvSpPr>
-          <p:cNvPr id="2" name="Title 1">
-            <a:extLst>
-              <a:ext uri="{FF2B5EF4-FFF2-40B4-BE49-F238E27FC236}">
-                <a16:creationId xmlns:a16="http://schemas.microsoft.com/office/drawing/2014/main" id="{9FBC1AD9-BE2A-4471-87DB-A9D3F32B6111}"/>
-              </a:ext>
-            </a:extLst>
-          </p:cNvPr>
-          <p:cNvSpPr>
-            <a:spLocks noGrp="1"/>
-          </p:cNvSpPr>
-          <p:nvPr>
-            <p:ph type="ctrTitle"/>
-          </p:nvPr>
+          <p:cNvPr id="7" name="Rectangle 6">
+            <a:extLst>
+              <a:ext uri="{FF2B5EF4-FFF2-40B4-BE49-F238E27FC236}">
+                <a16:creationId xmlns:a16="http://schemas.microsoft.com/office/drawing/2014/main" id="{E51B283D-B9AC-473A-84AF-CE852E84E27A}"/>
+              </a:ext>
+            </a:extLst>
+          </p:cNvPr>
+          <p:cNvSpPr/>
+          <p:nvPr/>
         </p:nvSpPr>
         <p:spPr>
           <a:xfrm>
-            <a:off x="1524000" y="1972369"/>
-            <a:ext cx="9144000" cy="1968566"/>
-          </a:xfrm>
-        </p:spPr>
+            <a:off x="342900" y="342900"/>
+            <a:ext cx="11506200" cy="6172200"/>
+          </a:xfrm>
+          <a:prstGeom prst="rect">
+            <a:avLst/>
+          </a:prstGeom>
+          <a:noFill/>
+          <a:ln w="38100">
+            <a:solidFill>
+              <a:schemeClr val="tx1"/>
+            </a:solidFill>
+          </a:ln>
+        </p:spPr>
+        <p:style>
+          <a:lnRef idx="2">
+            <a:schemeClr val="accent1">
+              <a:shade val="50000"/>
+            </a:schemeClr>
+          </a:lnRef>
+          <a:fillRef idx="1">
+            <a:schemeClr val="accent1"/>
+          </a:fillRef>
+          <a:effectRef idx="0">
+            <a:schemeClr val="accent1"/>
+          </a:effectRef>
+          <a:fontRef idx="minor">
+            <a:schemeClr val="lt1"/>
+          </a:fontRef>
+        </p:style>
         <p:txBody>
-          <a:bodyPr anchor="ctr"/>
+          <a:bodyPr rtlCol="0" anchor="ctr"/>
           <a:lstStyle/>
           <a:p>
-            <a:r>
-              <a:rPr lang="en-US" dirty="0">
-                <a:latin typeface="Aller Display" panose="02000503000000020003" pitchFamily="2" charset="0"/>
-              </a:rPr>
-              <a:t>FINITE ELEMENT BASED STRUCTURAL ANALYSIS</a:t>
-            </a:r>
-          </a:p>
-        </p:txBody>
-      </p:sp>
-      <p:sp>
-        <p:nvSpPr>
-          <p:cNvPr id="3" name="Subtitle 2">
-            <a:extLst>
-              <a:ext uri="{FF2B5EF4-FFF2-40B4-BE49-F238E27FC236}">
-                <a16:creationId xmlns:a16="http://schemas.microsoft.com/office/drawing/2014/main" id="{25C731CA-7658-45FF-BBAB-4B9565F7436E}"/>
-              </a:ext>
-            </a:extLst>
-          </p:cNvPr>
-          <p:cNvSpPr>
-            <a:spLocks noGrp="1"/>
-          </p:cNvSpPr>
-          <p:nvPr>
-            <p:ph type="subTitle" idx="1"/>
-          </p:nvPr>
-        </p:nvSpPr>
-        <p:spPr>
-          <a:xfrm>
-            <a:off x="1524000" y="3743706"/>
-            <a:ext cx="9144000" cy="1655762"/>
-          </a:xfrm>
-        </p:spPr>
-        <p:txBody>
-          <a:bodyPr anchor="ctr"/>
-          <a:lstStyle/>
-          <a:p>
-            <a:r>
-              <a:rPr lang="en-US" dirty="0">
-                <a:solidFill>
-                  <a:srgbClr val="00B0F0"/>
-                </a:solidFill>
-                <a:latin typeface="Aller" panose="02000503030000020004" pitchFamily="2" charset="0"/>
-              </a:rPr>
-              <a:t>CO227 PROJECT MID EVALUATION</a:t>
-            </a:r>
+            <a:pPr algn="ctr"/>
+            <a:endParaRPr lang="en-US"/>
           </a:p>
         </p:txBody>
       </p:sp>
     </p:spTree>
     <p:extLst>
       <p:ext uri="{BB962C8B-B14F-4D97-AF65-F5344CB8AC3E}">
-        <p14:creationId xmlns:p14="http://schemas.microsoft.com/office/powerpoint/2010/main" val="4239118429"/>
+        <p14:creationId xmlns:p14="http://schemas.microsoft.com/office/powerpoint/2010/main" val="802789380"/>
       </p:ext>
     </p:extLst>
   </p:cSld>
   <p:clrMapOvr>
     <a:masterClrMapping/>
   </p:clrMapOvr>
+  <p:transition spd="slow">
+    <p:wipe/>
+  </p:transition>
+</p:sld>
+</file>
+
+<file path=ppt/slides/slide10.xml><?xml version="1.0" encoding="utf-8"?>
+<p:sld xmlns:a="http://schemas.openxmlformats.org/drawingml/2006/main" xmlns:r="http://schemas.openxmlformats.org/officeDocument/2006/relationships" xmlns:p="http://schemas.openxmlformats.org/presentationml/2006/main">
+  <p:cSld>
+    <p:spTree>
+      <p:nvGrpSpPr>
+        <p:cNvPr id="1" name=""/>
+        <p:cNvGrpSpPr/>
+        <p:nvPr/>
+      </p:nvGrpSpPr>
+      <p:grpSpPr>
+        <a:xfrm>
+          <a:off x="0" y="0"/>
+          <a:ext cx="0" cy="0"/>
+          <a:chOff x="0" y="0"/>
+          <a:chExt cx="0" cy="0"/>
+        </a:xfrm>
+      </p:grpSpPr>
+      <p:cxnSp>
+        <p:nvCxnSpPr>
+          <p:cNvPr id="35" name="Straight Connector 34">
+            <a:extLst>
+              <a:ext uri="{FF2B5EF4-FFF2-40B4-BE49-F238E27FC236}">
+                <a16:creationId xmlns:a16="http://schemas.microsoft.com/office/drawing/2014/main" id="{EDAAB5ED-2A5E-4CF9-8688-CB78622775BD}"/>
+              </a:ext>
+            </a:extLst>
+          </p:cNvPr>
+          <p:cNvCxnSpPr>
+            <a:cxnSpLocks/>
+            <a:stCxn id="32" idx="2"/>
+          </p:cNvCxnSpPr>
+          <p:nvPr/>
+        </p:nvCxnSpPr>
+        <p:spPr>
+          <a:xfrm>
+            <a:off x="3221154" y="1666501"/>
+            <a:ext cx="773047" cy="612939"/>
+          </a:xfrm>
+          <a:prstGeom prst="line">
+            <a:avLst/>
+          </a:prstGeom>
+          <a:ln>
+            <a:solidFill>
+              <a:schemeClr val="tx1"/>
+            </a:solidFill>
+          </a:ln>
+        </p:spPr>
+        <p:style>
+          <a:lnRef idx="1">
+            <a:schemeClr val="accent1"/>
+          </a:lnRef>
+          <a:fillRef idx="0">
+            <a:schemeClr val="accent1"/>
+          </a:fillRef>
+          <a:effectRef idx="0">
+            <a:schemeClr val="accent1"/>
+          </a:effectRef>
+          <a:fontRef idx="minor">
+            <a:schemeClr val="tx1"/>
+          </a:fontRef>
+        </p:style>
+      </p:cxnSp>
+      <p:sp>
+        <p:nvSpPr>
+          <p:cNvPr id="32" name="Rectangle 31">
+            <a:extLst>
+              <a:ext uri="{FF2B5EF4-FFF2-40B4-BE49-F238E27FC236}">
+                <a16:creationId xmlns:a16="http://schemas.microsoft.com/office/drawing/2014/main" id="{2AE55394-F7EC-4D1B-BE85-776642BFC611}"/>
+              </a:ext>
+            </a:extLst>
+          </p:cNvPr>
+          <p:cNvSpPr/>
+          <p:nvPr/>
+        </p:nvSpPr>
+        <p:spPr>
+          <a:xfrm>
+            <a:off x="1131915" y="1666501"/>
+            <a:ext cx="2089239" cy="2229597"/>
+          </a:xfrm>
+          <a:custGeom>
+            <a:avLst/>
+            <a:gdLst>
+              <a:gd name="connsiteX0" fmla="*/ 0 w 2089239"/>
+              <a:gd name="connsiteY0" fmla="*/ 0 h 2229597"/>
+              <a:gd name="connsiteX1" fmla="*/ 2089239 w 2089239"/>
+              <a:gd name="connsiteY1" fmla="*/ 0 h 2229597"/>
+              <a:gd name="connsiteX2" fmla="*/ 2089239 w 2089239"/>
+              <a:gd name="connsiteY2" fmla="*/ 2229597 h 2229597"/>
+              <a:gd name="connsiteX3" fmla="*/ 0 w 2089239"/>
+              <a:gd name="connsiteY3" fmla="*/ 2229597 h 2229597"/>
+              <a:gd name="connsiteX4" fmla="*/ 0 w 2089239"/>
+              <a:gd name="connsiteY4" fmla="*/ 0 h 2229597"/>
+              <a:gd name="connsiteX0" fmla="*/ 2089239 w 2180679"/>
+              <a:gd name="connsiteY0" fmla="*/ 2229597 h 2321037"/>
+              <a:gd name="connsiteX1" fmla="*/ 0 w 2180679"/>
+              <a:gd name="connsiteY1" fmla="*/ 2229597 h 2321037"/>
+              <a:gd name="connsiteX2" fmla="*/ 0 w 2180679"/>
+              <a:gd name="connsiteY2" fmla="*/ 0 h 2321037"/>
+              <a:gd name="connsiteX3" fmla="*/ 2089239 w 2180679"/>
+              <a:gd name="connsiteY3" fmla="*/ 0 h 2321037"/>
+              <a:gd name="connsiteX4" fmla="*/ 2180679 w 2180679"/>
+              <a:gd name="connsiteY4" fmla="*/ 2321037 h 2321037"/>
+              <a:gd name="connsiteX0" fmla="*/ 2089239 w 2089239"/>
+              <a:gd name="connsiteY0" fmla="*/ 2229597 h 2229597"/>
+              <a:gd name="connsiteX1" fmla="*/ 0 w 2089239"/>
+              <a:gd name="connsiteY1" fmla="*/ 2229597 h 2229597"/>
+              <a:gd name="connsiteX2" fmla="*/ 0 w 2089239"/>
+              <a:gd name="connsiteY2" fmla="*/ 0 h 2229597"/>
+              <a:gd name="connsiteX3" fmla="*/ 2089239 w 2089239"/>
+              <a:gd name="connsiteY3" fmla="*/ 0 h 2229597"/>
+              <a:gd name="connsiteX0" fmla="*/ 0 w 2089239"/>
+              <a:gd name="connsiteY0" fmla="*/ 2229597 h 2229597"/>
+              <a:gd name="connsiteX1" fmla="*/ 0 w 2089239"/>
+              <a:gd name="connsiteY1" fmla="*/ 0 h 2229597"/>
+              <a:gd name="connsiteX2" fmla="*/ 2089239 w 2089239"/>
+              <a:gd name="connsiteY2" fmla="*/ 0 h 2229597"/>
+            </a:gdLst>
+            <a:ahLst/>
+            <a:cxnLst>
+              <a:cxn ang="0">
+                <a:pos x="connsiteX0" y="connsiteY0"/>
+              </a:cxn>
+              <a:cxn ang="0">
+                <a:pos x="connsiteX1" y="connsiteY1"/>
+              </a:cxn>
+              <a:cxn ang="0">
+                <a:pos x="connsiteX2" y="connsiteY2"/>
+              </a:cxn>
+            </a:cxnLst>
+            <a:rect l="l" t="t" r="r" b="b"/>
+            <a:pathLst>
+              <a:path w="2089239" h="2229597">
+                <a:moveTo>
+                  <a:pt x="0" y="2229597"/>
+                </a:moveTo>
+                <a:lnTo>
+                  <a:pt x="0" y="0"/>
+                </a:lnTo>
+                <a:lnTo>
+                  <a:pt x="2089239" y="0"/>
+                </a:lnTo>
+              </a:path>
+            </a:pathLst>
+          </a:custGeom>
+          <a:solidFill>
+            <a:schemeClr val="bg1"/>
+          </a:solidFill>
+          <a:ln>
+            <a:solidFill>
+              <a:schemeClr val="tx1"/>
+            </a:solidFill>
+          </a:ln>
+        </p:spPr>
+        <p:style>
+          <a:lnRef idx="2">
+            <a:schemeClr val="accent1">
+              <a:shade val="50000"/>
+            </a:schemeClr>
+          </a:lnRef>
+          <a:fillRef idx="1">
+            <a:schemeClr val="accent1"/>
+          </a:fillRef>
+          <a:effectRef idx="0">
+            <a:schemeClr val="accent1"/>
+          </a:effectRef>
+          <a:fontRef idx="minor">
+            <a:schemeClr val="lt1"/>
+          </a:fontRef>
+        </p:style>
+        <p:txBody>
+          <a:bodyPr rtlCol="0" anchor="ctr"/>
+          <a:lstStyle/>
+          <a:p>
+            <a:pPr algn="ctr"/>
+            <a:endParaRPr lang="en-US"/>
+          </a:p>
+        </p:txBody>
+      </p:sp>
+      <p:graphicFrame>
+        <p:nvGraphicFramePr>
+          <p:cNvPr id="12" name="Table 11">
+            <a:extLst>
+              <a:ext uri="{FF2B5EF4-FFF2-40B4-BE49-F238E27FC236}">
+                <a16:creationId xmlns:a16="http://schemas.microsoft.com/office/drawing/2014/main" id="{6B406F23-2233-4076-80D3-EBAD41B54E87}"/>
+              </a:ext>
+            </a:extLst>
+          </p:cNvPr>
+          <p:cNvGraphicFramePr>
+            <a:graphicFrameLocks noGrp="1"/>
+          </p:cNvGraphicFramePr>
+          <p:nvPr>
+            <p:extLst>
+              <p:ext uri="{D42A27DB-BD31-4B8C-83A1-F6EECF244321}">
+                <p14:modId xmlns:p14="http://schemas.microsoft.com/office/powerpoint/2010/main" val="2293974508"/>
+              </p:ext>
+            </p:extLst>
+          </p:nvPr>
+        </p:nvGraphicFramePr>
+        <p:xfrm>
+          <a:off x="1889080" y="2279440"/>
+          <a:ext cx="2089239" cy="2229597"/>
+        </p:xfrm>
+        <a:graphic>
+          <a:graphicData uri="http://schemas.openxmlformats.org/drawingml/2006/table">
+            <a:tbl>
+              <a:tblPr firstRow="1" bandRow="1">
+                <a:tableStyleId>{5940675A-B579-460E-94D1-54222C63F5DA}</a:tableStyleId>
+              </a:tblPr>
+              <a:tblGrid>
+                <a:gridCol w="696413">
+                  <a:extLst>
+                    <a:ext uri="{9D8B030D-6E8A-4147-A177-3AD203B41FA5}">
+                      <a16:colId xmlns:a16="http://schemas.microsoft.com/office/drawing/2014/main" val="1849184776"/>
+                    </a:ext>
+                  </a:extLst>
+                </a:gridCol>
+                <a:gridCol w="696413">
+                  <a:extLst>
+                    <a:ext uri="{9D8B030D-6E8A-4147-A177-3AD203B41FA5}">
+                      <a16:colId xmlns:a16="http://schemas.microsoft.com/office/drawing/2014/main" val="1961847864"/>
+                    </a:ext>
+                  </a:extLst>
+                </a:gridCol>
+                <a:gridCol w="696413">
+                  <a:extLst>
+                    <a:ext uri="{9D8B030D-6E8A-4147-A177-3AD203B41FA5}">
+                      <a16:colId xmlns:a16="http://schemas.microsoft.com/office/drawing/2014/main" val="2765132368"/>
+                    </a:ext>
+                  </a:extLst>
+                </a:gridCol>
+              </a:tblGrid>
+              <a:tr h="743199">
+                <a:tc>
+                  <a:txBody>
+                    <a:bodyPr/>
+                    <a:lstStyle/>
+                    <a:p>
+                      <a:endParaRPr lang="en-US" dirty="0"/>
+                    </a:p>
+                  </a:txBody>
+                  <a:tcPr>
+                    <a:solidFill>
+                      <a:schemeClr val="bg1"/>
+                    </a:solidFill>
+                  </a:tcPr>
+                </a:tc>
+                <a:tc>
+                  <a:txBody>
+                    <a:bodyPr/>
+                    <a:lstStyle/>
+                    <a:p>
+                      <a:endParaRPr lang="en-US"/>
+                    </a:p>
+                  </a:txBody>
+                  <a:tcPr>
+                    <a:solidFill>
+                      <a:schemeClr val="bg1"/>
+                    </a:solidFill>
+                  </a:tcPr>
+                </a:tc>
+                <a:tc>
+                  <a:txBody>
+                    <a:bodyPr/>
+                    <a:lstStyle/>
+                    <a:p>
+                      <a:endParaRPr lang="en-US"/>
+                    </a:p>
+                  </a:txBody>
+                  <a:tcPr>
+                    <a:solidFill>
+                      <a:schemeClr val="bg1"/>
+                    </a:solidFill>
+                  </a:tcPr>
+                </a:tc>
+                <a:extLst>
+                  <a:ext uri="{0D108BD9-81ED-4DB2-BD59-A6C34878D82A}">
+                    <a16:rowId xmlns:a16="http://schemas.microsoft.com/office/drawing/2014/main" val="1252832314"/>
+                  </a:ext>
+                </a:extLst>
+              </a:tr>
+              <a:tr h="743199">
+                <a:tc>
+                  <a:txBody>
+                    <a:bodyPr/>
+                    <a:lstStyle/>
+                    <a:p>
+                      <a:endParaRPr lang="en-US"/>
+                    </a:p>
+                  </a:txBody>
+                  <a:tcPr>
+                    <a:solidFill>
+                      <a:schemeClr val="bg1"/>
+                    </a:solidFill>
+                  </a:tcPr>
+                </a:tc>
+                <a:tc>
+                  <a:txBody>
+                    <a:bodyPr/>
+                    <a:lstStyle/>
+                    <a:p>
+                      <a:endParaRPr lang="en-US"/>
+                    </a:p>
+                  </a:txBody>
+                  <a:tcPr>
+                    <a:solidFill>
+                      <a:schemeClr val="bg1"/>
+                    </a:solidFill>
+                  </a:tcPr>
+                </a:tc>
+                <a:tc>
+                  <a:txBody>
+                    <a:bodyPr/>
+                    <a:lstStyle/>
+                    <a:p>
+                      <a:endParaRPr lang="en-US"/>
+                    </a:p>
+                  </a:txBody>
+                  <a:tcPr>
+                    <a:solidFill>
+                      <a:schemeClr val="bg1"/>
+                    </a:solidFill>
+                  </a:tcPr>
+                </a:tc>
+                <a:extLst>
+                  <a:ext uri="{0D108BD9-81ED-4DB2-BD59-A6C34878D82A}">
+                    <a16:rowId xmlns:a16="http://schemas.microsoft.com/office/drawing/2014/main" val="3920488368"/>
+                  </a:ext>
+                </a:extLst>
+              </a:tr>
+              <a:tr h="743199">
+                <a:tc>
+                  <a:txBody>
+                    <a:bodyPr/>
+                    <a:lstStyle/>
+                    <a:p>
+                      <a:endParaRPr lang="en-US" dirty="0"/>
+                    </a:p>
+                  </a:txBody>
+                  <a:tcPr>
+                    <a:solidFill>
+                      <a:schemeClr val="bg1"/>
+                    </a:solidFill>
+                  </a:tcPr>
+                </a:tc>
+                <a:tc>
+                  <a:txBody>
+                    <a:bodyPr/>
+                    <a:lstStyle/>
+                    <a:p>
+                      <a:endParaRPr lang="en-US"/>
+                    </a:p>
+                  </a:txBody>
+                  <a:tcPr>
+                    <a:solidFill>
+                      <a:schemeClr val="bg1"/>
+                    </a:solidFill>
+                  </a:tcPr>
+                </a:tc>
+                <a:tc>
+                  <a:txBody>
+                    <a:bodyPr/>
+                    <a:lstStyle/>
+                    <a:p>
+                      <a:endParaRPr lang="en-US" dirty="0"/>
+                    </a:p>
+                  </a:txBody>
+                  <a:tcPr>
+                    <a:solidFill>
+                      <a:schemeClr val="bg1"/>
+                    </a:solidFill>
+                  </a:tcPr>
+                </a:tc>
+                <a:extLst>
+                  <a:ext uri="{0D108BD9-81ED-4DB2-BD59-A6C34878D82A}">
+                    <a16:rowId xmlns:a16="http://schemas.microsoft.com/office/drawing/2014/main" val="1480803187"/>
+                  </a:ext>
+                </a:extLst>
+              </a:tr>
+            </a:tbl>
+          </a:graphicData>
+        </a:graphic>
+      </p:graphicFrame>
+      <p:sp>
+        <p:nvSpPr>
+          <p:cNvPr id="15" name="TextBox 14">
+            <a:extLst>
+              <a:ext uri="{FF2B5EF4-FFF2-40B4-BE49-F238E27FC236}">
+                <a16:creationId xmlns:a16="http://schemas.microsoft.com/office/drawing/2014/main" id="{215C7F77-5998-4917-8BC5-F02CFE0FA6CC}"/>
+              </a:ext>
+            </a:extLst>
+          </p:cNvPr>
+          <p:cNvSpPr txBox="1"/>
+          <p:nvPr/>
+        </p:nvSpPr>
+        <p:spPr>
+          <a:xfrm>
+            <a:off x="1422399" y="4921511"/>
+            <a:ext cx="3022602" cy="369332"/>
+          </a:xfrm>
+          <a:prstGeom prst="rect">
+            <a:avLst/>
+          </a:prstGeom>
+          <a:noFill/>
+        </p:spPr>
+        <p:txBody>
+          <a:bodyPr wrap="square" rtlCol="0">
+            <a:spAutoFit/>
+          </a:bodyPr>
+          <a:lstStyle/>
+          <a:p>
+            <a:pPr algn="ctr"/>
+            <a:r>
+              <a:rPr lang="en-US" b="1" dirty="0">
+                <a:latin typeface="Aller" panose="02000503030000020004" pitchFamily="2" charset="0"/>
+              </a:rPr>
+              <a:t>Structure Level</a:t>
+            </a:r>
+          </a:p>
+        </p:txBody>
+      </p:sp>
+      <p:cxnSp>
+        <p:nvCxnSpPr>
+          <p:cNvPr id="17" name="Straight Connector 16">
+            <a:extLst>
+              <a:ext uri="{FF2B5EF4-FFF2-40B4-BE49-F238E27FC236}">
+                <a16:creationId xmlns:a16="http://schemas.microsoft.com/office/drawing/2014/main" id="{AA3F8488-92AF-4184-A666-BAB55972BBD1}"/>
+              </a:ext>
+            </a:extLst>
+          </p:cNvPr>
+          <p:cNvCxnSpPr>
+            <a:cxnSpLocks/>
+          </p:cNvCxnSpPr>
+          <p:nvPr/>
+        </p:nvCxnSpPr>
+        <p:spPr>
+          <a:xfrm>
+            <a:off x="3276600" y="3022600"/>
+            <a:ext cx="701719" cy="0"/>
+          </a:xfrm>
+          <a:prstGeom prst="line">
+            <a:avLst/>
+          </a:prstGeom>
+          <a:ln w="38100">
+            <a:solidFill>
+              <a:schemeClr val="tx1"/>
+            </a:solidFill>
+          </a:ln>
+          <a:effectLst>
+            <a:glow rad="63500">
+              <a:schemeClr val="accent1">
+                <a:satMod val="175000"/>
+                <a:alpha val="40000"/>
+              </a:schemeClr>
+            </a:glow>
+          </a:effectLst>
+        </p:spPr>
+        <p:style>
+          <a:lnRef idx="1">
+            <a:schemeClr val="accent1"/>
+          </a:lnRef>
+          <a:fillRef idx="0">
+            <a:schemeClr val="accent1"/>
+          </a:fillRef>
+          <a:effectRef idx="0">
+            <a:schemeClr val="accent1"/>
+          </a:effectRef>
+          <a:fontRef idx="minor">
+            <a:schemeClr val="tx1"/>
+          </a:fontRef>
+        </p:style>
+      </p:cxnSp>
+      <p:sp>
+        <p:nvSpPr>
+          <p:cNvPr id="6" name="Arrow: Curved Down 5">
+            <a:extLst>
+              <a:ext uri="{FF2B5EF4-FFF2-40B4-BE49-F238E27FC236}">
+                <a16:creationId xmlns:a16="http://schemas.microsoft.com/office/drawing/2014/main" id="{284316D1-B2E4-4628-81C9-855BEE745BA0}"/>
+              </a:ext>
+            </a:extLst>
+          </p:cNvPr>
+          <p:cNvSpPr/>
+          <p:nvPr/>
+        </p:nvSpPr>
+        <p:spPr>
+          <a:xfrm>
+            <a:off x="3473539" y="1526801"/>
+            <a:ext cx="2781300" cy="1419599"/>
+          </a:xfrm>
+          <a:prstGeom prst="curvedDownArrow">
+            <a:avLst>
+              <a:gd name="adj1" fmla="val 25000"/>
+              <a:gd name="adj2" fmla="val 92384"/>
+              <a:gd name="adj3" fmla="val 55417"/>
+            </a:avLst>
+          </a:prstGeom>
+          <a:gradFill flip="none" rotWithShape="1">
+            <a:gsLst>
+              <a:gs pos="0">
+                <a:schemeClr val="accent1">
+                  <a:tint val="66000"/>
+                  <a:satMod val="160000"/>
+                </a:schemeClr>
+              </a:gs>
+              <a:gs pos="50000">
+                <a:schemeClr val="accent1">
+                  <a:tint val="44500"/>
+                  <a:satMod val="160000"/>
+                </a:schemeClr>
+              </a:gs>
+              <a:gs pos="100000">
+                <a:schemeClr val="accent1">
+                  <a:tint val="23500"/>
+                  <a:satMod val="160000"/>
+                </a:schemeClr>
+              </a:gs>
+            </a:gsLst>
+            <a:lin ang="10800000" scaled="1"/>
+            <a:tileRect/>
+          </a:gradFill>
+          <a:ln>
+            <a:noFill/>
+          </a:ln>
+        </p:spPr>
+        <p:style>
+          <a:lnRef idx="2">
+            <a:schemeClr val="accent1">
+              <a:shade val="50000"/>
+            </a:schemeClr>
+          </a:lnRef>
+          <a:fillRef idx="1">
+            <a:schemeClr val="accent1"/>
+          </a:fillRef>
+          <a:effectRef idx="0">
+            <a:schemeClr val="accent1"/>
+          </a:effectRef>
+          <a:fontRef idx="minor">
+            <a:schemeClr val="lt1"/>
+          </a:fontRef>
+        </p:style>
+        <p:txBody>
+          <a:bodyPr rtlCol="0" anchor="ctr"/>
+          <a:lstStyle/>
+          <a:p>
+            <a:pPr algn="ctr"/>
+            <a:endParaRPr lang="en-US">
+              <a:solidFill>
+                <a:schemeClr val="tx1"/>
+              </a:solidFill>
+            </a:endParaRPr>
+          </a:p>
+        </p:txBody>
+      </p:sp>
+      <p:cxnSp>
+        <p:nvCxnSpPr>
+          <p:cNvPr id="8" name="Straight Connector 7">
+            <a:extLst>
+              <a:ext uri="{FF2B5EF4-FFF2-40B4-BE49-F238E27FC236}">
+                <a16:creationId xmlns:a16="http://schemas.microsoft.com/office/drawing/2014/main" id="{B9513B59-5659-4368-9DF9-C30F1D3AE89D}"/>
+              </a:ext>
+            </a:extLst>
+          </p:cNvPr>
+          <p:cNvCxnSpPr/>
+          <p:nvPr/>
+        </p:nvCxnSpPr>
+        <p:spPr>
+          <a:xfrm>
+            <a:off x="7213600" y="3670300"/>
+            <a:ext cx="3822700" cy="0"/>
+          </a:xfrm>
+          <a:prstGeom prst="line">
+            <a:avLst/>
+          </a:prstGeom>
+          <a:ln w="76200">
+            <a:solidFill>
+              <a:schemeClr val="tx1"/>
+            </a:solidFill>
+          </a:ln>
+        </p:spPr>
+        <p:style>
+          <a:lnRef idx="1">
+            <a:schemeClr val="accent1"/>
+          </a:lnRef>
+          <a:fillRef idx="0">
+            <a:schemeClr val="accent1"/>
+          </a:fillRef>
+          <a:effectRef idx="0">
+            <a:schemeClr val="accent1"/>
+          </a:effectRef>
+          <a:fontRef idx="minor">
+            <a:schemeClr val="tx1"/>
+          </a:fontRef>
+        </p:style>
+      </p:cxnSp>
+      <p:cxnSp>
+        <p:nvCxnSpPr>
+          <p:cNvPr id="18" name="Straight Arrow Connector 17">
+            <a:extLst>
+              <a:ext uri="{FF2B5EF4-FFF2-40B4-BE49-F238E27FC236}">
+                <a16:creationId xmlns:a16="http://schemas.microsoft.com/office/drawing/2014/main" id="{41E66822-9D43-4A8A-87AC-2138FD88F237}"/>
+              </a:ext>
+            </a:extLst>
+          </p:cNvPr>
+          <p:cNvCxnSpPr>
+            <a:cxnSpLocks/>
+          </p:cNvCxnSpPr>
+          <p:nvPr/>
+        </p:nvCxnSpPr>
+        <p:spPr>
+          <a:xfrm>
+            <a:off x="7213600" y="3670300"/>
+            <a:ext cx="958761" cy="0"/>
+          </a:xfrm>
+          <a:prstGeom prst="straightConnector1">
+            <a:avLst/>
+          </a:prstGeom>
+          <a:ln w="76200">
+            <a:solidFill>
+              <a:srgbClr val="92D050"/>
+            </a:solidFill>
+            <a:tailEnd type="triangle"/>
+          </a:ln>
+        </p:spPr>
+        <p:style>
+          <a:lnRef idx="1">
+            <a:schemeClr val="accent1"/>
+          </a:lnRef>
+          <a:fillRef idx="0">
+            <a:schemeClr val="accent1"/>
+          </a:fillRef>
+          <a:effectRef idx="0">
+            <a:schemeClr val="accent1"/>
+          </a:effectRef>
+          <a:fontRef idx="minor">
+            <a:schemeClr val="tx1"/>
+          </a:fontRef>
+        </p:style>
+      </p:cxnSp>
+      <p:cxnSp>
+        <p:nvCxnSpPr>
+          <p:cNvPr id="19" name="Straight Arrow Connector 18">
+            <a:extLst>
+              <a:ext uri="{FF2B5EF4-FFF2-40B4-BE49-F238E27FC236}">
+                <a16:creationId xmlns:a16="http://schemas.microsoft.com/office/drawing/2014/main" id="{4E5C9B52-576A-4216-8A97-523AF7EBB613}"/>
+              </a:ext>
+            </a:extLst>
+          </p:cNvPr>
+          <p:cNvCxnSpPr>
+            <a:cxnSpLocks/>
+          </p:cNvCxnSpPr>
+          <p:nvPr/>
+        </p:nvCxnSpPr>
+        <p:spPr>
+          <a:xfrm flipV="1">
+            <a:off x="7213600" y="2603500"/>
+            <a:ext cx="0" cy="1066800"/>
+          </a:xfrm>
+          <a:prstGeom prst="straightConnector1">
+            <a:avLst/>
+          </a:prstGeom>
+          <a:ln w="76200">
+            <a:solidFill>
+              <a:srgbClr val="FF0000"/>
+            </a:solidFill>
+            <a:tailEnd type="triangle"/>
+          </a:ln>
+        </p:spPr>
+        <p:style>
+          <a:lnRef idx="1">
+            <a:schemeClr val="accent1"/>
+          </a:lnRef>
+          <a:fillRef idx="0">
+            <a:schemeClr val="accent1"/>
+          </a:fillRef>
+          <a:effectRef idx="0">
+            <a:schemeClr val="accent1"/>
+          </a:effectRef>
+          <a:fontRef idx="minor">
+            <a:schemeClr val="tx1"/>
+          </a:fontRef>
+        </p:style>
+      </p:cxnSp>
+      <p:sp>
+        <p:nvSpPr>
+          <p:cNvPr id="21" name="Arc 20">
+            <a:extLst>
+              <a:ext uri="{FF2B5EF4-FFF2-40B4-BE49-F238E27FC236}">
+                <a16:creationId xmlns:a16="http://schemas.microsoft.com/office/drawing/2014/main" id="{406B5290-15C7-4C96-ACBC-F53167E2DEB4}"/>
+              </a:ext>
+            </a:extLst>
+          </p:cNvPr>
+          <p:cNvSpPr/>
+          <p:nvPr/>
+        </p:nvSpPr>
+        <p:spPr>
+          <a:xfrm rot="2825764">
+            <a:off x="6553609" y="2451099"/>
+            <a:ext cx="2470405" cy="2470405"/>
+          </a:xfrm>
+          <a:prstGeom prst="arc">
+            <a:avLst>
+              <a:gd name="adj1" fmla="val 15685044"/>
+              <a:gd name="adj2" fmla="val 0"/>
+            </a:avLst>
+          </a:prstGeom>
+          <a:ln w="57150">
+            <a:solidFill>
+              <a:schemeClr val="accent4">
+                <a:lumMod val="75000"/>
+              </a:schemeClr>
+            </a:solidFill>
+            <a:headEnd type="arrow" w="med" len="med"/>
+            <a:tailEnd type="none" w="med" len="med"/>
+          </a:ln>
+        </p:spPr>
+        <p:style>
+          <a:lnRef idx="1">
+            <a:schemeClr val="accent1"/>
+          </a:lnRef>
+          <a:fillRef idx="0">
+            <a:schemeClr val="accent1"/>
+          </a:fillRef>
+          <a:effectRef idx="0">
+            <a:schemeClr val="accent1"/>
+          </a:effectRef>
+          <a:fontRef idx="minor">
+            <a:schemeClr val="tx1"/>
+          </a:fontRef>
+        </p:style>
+        <p:txBody>
+          <a:bodyPr rtlCol="0" anchor="ctr"/>
+          <a:lstStyle/>
+          <a:p>
+            <a:pPr algn="ctr"/>
+            <a:endParaRPr lang="en-US"/>
+          </a:p>
+        </p:txBody>
+      </p:sp>
+      <p:cxnSp>
+        <p:nvCxnSpPr>
+          <p:cNvPr id="23" name="Straight Arrow Connector 22">
+            <a:extLst>
+              <a:ext uri="{FF2B5EF4-FFF2-40B4-BE49-F238E27FC236}">
+                <a16:creationId xmlns:a16="http://schemas.microsoft.com/office/drawing/2014/main" id="{2ED10812-B552-49D8-90DE-1D172403BD1B}"/>
+              </a:ext>
+            </a:extLst>
+          </p:cNvPr>
+          <p:cNvCxnSpPr>
+            <a:cxnSpLocks/>
+          </p:cNvCxnSpPr>
+          <p:nvPr/>
+        </p:nvCxnSpPr>
+        <p:spPr>
+          <a:xfrm flipH="1">
+            <a:off x="6540500" y="3686301"/>
+            <a:ext cx="673100" cy="618999"/>
+          </a:xfrm>
+          <a:prstGeom prst="straightConnector1">
+            <a:avLst/>
+          </a:prstGeom>
+          <a:ln w="76200">
+            <a:solidFill>
+              <a:srgbClr val="0070C0"/>
+            </a:solidFill>
+            <a:tailEnd type="triangle"/>
+          </a:ln>
+        </p:spPr>
+        <p:style>
+          <a:lnRef idx="1">
+            <a:schemeClr val="accent1"/>
+          </a:lnRef>
+          <a:fillRef idx="0">
+            <a:schemeClr val="accent1"/>
+          </a:fillRef>
+          <a:effectRef idx="0">
+            <a:schemeClr val="accent1"/>
+          </a:effectRef>
+          <a:fontRef idx="minor">
+            <a:schemeClr val="tx1"/>
+          </a:fontRef>
+        </p:style>
+      </p:cxnSp>
+      <p:sp>
+        <p:nvSpPr>
+          <p:cNvPr id="27" name="TextBox 26">
+            <a:extLst>
+              <a:ext uri="{FF2B5EF4-FFF2-40B4-BE49-F238E27FC236}">
+                <a16:creationId xmlns:a16="http://schemas.microsoft.com/office/drawing/2014/main" id="{7C869057-64E3-411B-A663-EE312E7539C5}"/>
+              </a:ext>
+            </a:extLst>
+          </p:cNvPr>
+          <p:cNvSpPr txBox="1"/>
+          <p:nvPr/>
+        </p:nvSpPr>
+        <p:spPr>
+          <a:xfrm>
+            <a:off x="7991061" y="3686301"/>
+            <a:ext cx="362600" cy="584775"/>
+          </a:xfrm>
+          <a:prstGeom prst="rect">
+            <a:avLst/>
+          </a:prstGeom>
+          <a:noFill/>
+        </p:spPr>
+        <p:txBody>
+          <a:bodyPr wrap="none" rtlCol="0">
+            <a:spAutoFit/>
+          </a:bodyPr>
+          <a:lstStyle/>
+          <a:p>
+            <a:r>
+              <a:rPr lang="en-US" sz="3200" dirty="0"/>
+              <a:t>x</a:t>
+            </a:r>
+          </a:p>
+        </p:txBody>
+      </p:sp>
+      <p:sp>
+        <p:nvSpPr>
+          <p:cNvPr id="28" name="TextBox 27">
+            <a:extLst>
+              <a:ext uri="{FF2B5EF4-FFF2-40B4-BE49-F238E27FC236}">
+                <a16:creationId xmlns:a16="http://schemas.microsoft.com/office/drawing/2014/main" id="{05742D3F-62A6-4BFF-B87B-3AC9ABBF32E6}"/>
+              </a:ext>
+            </a:extLst>
+          </p:cNvPr>
+          <p:cNvSpPr txBox="1"/>
+          <p:nvPr/>
+        </p:nvSpPr>
+        <p:spPr>
+          <a:xfrm>
+            <a:off x="6184989" y="4132696"/>
+            <a:ext cx="370614" cy="584775"/>
+          </a:xfrm>
+          <a:prstGeom prst="rect">
+            <a:avLst/>
+          </a:prstGeom>
+          <a:noFill/>
+        </p:spPr>
+        <p:txBody>
+          <a:bodyPr wrap="none" rtlCol="0">
+            <a:spAutoFit/>
+          </a:bodyPr>
+          <a:lstStyle/>
+          <a:p>
+            <a:r>
+              <a:rPr lang="en-US" sz="3200" dirty="0"/>
+              <a:t>y</a:t>
+            </a:r>
+          </a:p>
+        </p:txBody>
+      </p:sp>
+      <p:sp>
+        <p:nvSpPr>
+          <p:cNvPr id="29" name="TextBox 28">
+            <a:extLst>
+              <a:ext uri="{FF2B5EF4-FFF2-40B4-BE49-F238E27FC236}">
+                <a16:creationId xmlns:a16="http://schemas.microsoft.com/office/drawing/2014/main" id="{EAFFAC93-4246-41B0-984C-F54D8915B97F}"/>
+              </a:ext>
+            </a:extLst>
+          </p:cNvPr>
+          <p:cNvSpPr txBox="1"/>
+          <p:nvPr/>
+        </p:nvSpPr>
+        <p:spPr>
+          <a:xfrm>
+            <a:off x="7043769" y="2071031"/>
+            <a:ext cx="346570" cy="584775"/>
+          </a:xfrm>
+          <a:prstGeom prst="rect">
+            <a:avLst/>
+          </a:prstGeom>
+          <a:noFill/>
+        </p:spPr>
+        <p:txBody>
+          <a:bodyPr wrap="none" rtlCol="0">
+            <a:spAutoFit/>
+          </a:bodyPr>
+          <a:lstStyle/>
+          <a:p>
+            <a:r>
+              <a:rPr lang="en-US" sz="3200" dirty="0"/>
+              <a:t>z</a:t>
+            </a:r>
+          </a:p>
+        </p:txBody>
+      </p:sp>
+      <p:sp>
+        <p:nvSpPr>
+          <p:cNvPr id="30" name="TextBox 29">
+            <a:extLst>
+              <a:ext uri="{FF2B5EF4-FFF2-40B4-BE49-F238E27FC236}">
+                <a16:creationId xmlns:a16="http://schemas.microsoft.com/office/drawing/2014/main" id="{3DE565C0-F1E9-40C9-85D9-C5089F3E1793}"/>
+              </a:ext>
+            </a:extLst>
+          </p:cNvPr>
+          <p:cNvSpPr txBox="1"/>
+          <p:nvPr/>
+        </p:nvSpPr>
+        <p:spPr>
+          <a:xfrm>
+            <a:off x="9051136" y="2973018"/>
+            <a:ext cx="513282" cy="584775"/>
+          </a:xfrm>
+          <a:prstGeom prst="rect">
+            <a:avLst/>
+          </a:prstGeom>
+          <a:noFill/>
+        </p:spPr>
+        <p:txBody>
+          <a:bodyPr wrap="none" rtlCol="0">
+            <a:spAutoFit/>
+          </a:bodyPr>
+          <a:lstStyle/>
+          <a:p>
+            <a:r>
+              <a:rPr lang="en-US" sz="3200" dirty="0"/>
+              <a:t>m</a:t>
+            </a:r>
+          </a:p>
+        </p:txBody>
+      </p:sp>
+      <p:sp>
+        <p:nvSpPr>
+          <p:cNvPr id="31" name="TextBox 30">
+            <a:extLst>
+              <a:ext uri="{FF2B5EF4-FFF2-40B4-BE49-F238E27FC236}">
+                <a16:creationId xmlns:a16="http://schemas.microsoft.com/office/drawing/2014/main" id="{93173C12-62E0-419B-A905-D58B4BDF2B30}"/>
+              </a:ext>
+            </a:extLst>
+          </p:cNvPr>
+          <p:cNvSpPr txBox="1"/>
+          <p:nvPr/>
+        </p:nvSpPr>
+        <p:spPr>
+          <a:xfrm>
+            <a:off x="7262790" y="4921511"/>
+            <a:ext cx="3022602" cy="369332"/>
+          </a:xfrm>
+          <a:prstGeom prst="rect">
+            <a:avLst/>
+          </a:prstGeom>
+          <a:noFill/>
+        </p:spPr>
+        <p:txBody>
+          <a:bodyPr wrap="square" rtlCol="0">
+            <a:spAutoFit/>
+          </a:bodyPr>
+          <a:lstStyle/>
+          <a:p>
+            <a:pPr algn="ctr"/>
+            <a:r>
+              <a:rPr lang="en-US" b="1" dirty="0">
+                <a:latin typeface="Aller" panose="02000503030000020004" pitchFamily="2" charset="0"/>
+              </a:rPr>
+              <a:t>Element Level</a:t>
+            </a:r>
+          </a:p>
+        </p:txBody>
+      </p:sp>
+      <p:cxnSp>
+        <p:nvCxnSpPr>
+          <p:cNvPr id="34" name="Straight Connector 33">
+            <a:extLst>
+              <a:ext uri="{FF2B5EF4-FFF2-40B4-BE49-F238E27FC236}">
+                <a16:creationId xmlns:a16="http://schemas.microsoft.com/office/drawing/2014/main" id="{2FB4D31E-D5B7-4A6A-837C-1A414D24D308}"/>
+              </a:ext>
+            </a:extLst>
+          </p:cNvPr>
+          <p:cNvCxnSpPr/>
+          <p:nvPr/>
+        </p:nvCxnSpPr>
+        <p:spPr>
+          <a:xfrm>
+            <a:off x="1131915" y="1666501"/>
+            <a:ext cx="757165" cy="612939"/>
+          </a:xfrm>
+          <a:prstGeom prst="line">
+            <a:avLst/>
+          </a:prstGeom>
+          <a:ln>
+            <a:solidFill>
+              <a:schemeClr val="tx1"/>
+            </a:solidFill>
+          </a:ln>
+        </p:spPr>
+        <p:style>
+          <a:lnRef idx="1">
+            <a:schemeClr val="accent1"/>
+          </a:lnRef>
+          <a:fillRef idx="0">
+            <a:schemeClr val="accent1"/>
+          </a:fillRef>
+          <a:effectRef idx="0">
+            <a:schemeClr val="accent1"/>
+          </a:effectRef>
+          <a:fontRef idx="minor">
+            <a:schemeClr val="tx1"/>
+          </a:fontRef>
+        </p:style>
+      </p:cxnSp>
+      <p:cxnSp>
+        <p:nvCxnSpPr>
+          <p:cNvPr id="36" name="Straight Connector 35">
+            <a:extLst>
+              <a:ext uri="{FF2B5EF4-FFF2-40B4-BE49-F238E27FC236}">
+                <a16:creationId xmlns:a16="http://schemas.microsoft.com/office/drawing/2014/main" id="{4AE4B16D-EAA9-4816-ACEB-DA38C3CC178A}"/>
+              </a:ext>
+            </a:extLst>
+          </p:cNvPr>
+          <p:cNvCxnSpPr/>
+          <p:nvPr/>
+        </p:nvCxnSpPr>
+        <p:spPr>
+          <a:xfrm>
+            <a:off x="1131915" y="3896098"/>
+            <a:ext cx="757165" cy="612939"/>
+          </a:xfrm>
+          <a:prstGeom prst="line">
+            <a:avLst/>
+          </a:prstGeom>
+          <a:ln>
+            <a:solidFill>
+              <a:schemeClr val="tx1"/>
+            </a:solidFill>
+          </a:ln>
+        </p:spPr>
+        <p:style>
+          <a:lnRef idx="1">
+            <a:schemeClr val="accent1"/>
+          </a:lnRef>
+          <a:fillRef idx="0">
+            <a:schemeClr val="accent1"/>
+          </a:fillRef>
+          <a:effectRef idx="0">
+            <a:schemeClr val="accent1"/>
+          </a:effectRef>
+          <a:fontRef idx="minor">
+            <a:schemeClr val="tx1"/>
+          </a:fontRef>
+        </p:style>
+      </p:cxnSp>
+      <p:cxnSp>
+        <p:nvCxnSpPr>
+          <p:cNvPr id="38" name="Straight Connector 37">
+            <a:extLst>
+              <a:ext uri="{FF2B5EF4-FFF2-40B4-BE49-F238E27FC236}">
+                <a16:creationId xmlns:a16="http://schemas.microsoft.com/office/drawing/2014/main" id="{C1BEF429-282A-4716-B642-4BE693687F1A}"/>
+              </a:ext>
+            </a:extLst>
+          </p:cNvPr>
+          <p:cNvCxnSpPr>
+            <a:cxnSpLocks/>
+          </p:cNvCxnSpPr>
+          <p:nvPr/>
+        </p:nvCxnSpPr>
+        <p:spPr>
+          <a:xfrm>
+            <a:off x="1465263" y="1940630"/>
+            <a:ext cx="2113845" cy="0"/>
+          </a:xfrm>
+          <a:prstGeom prst="line">
+            <a:avLst/>
+          </a:prstGeom>
+          <a:ln>
+            <a:solidFill>
+              <a:schemeClr val="tx1"/>
+            </a:solidFill>
+          </a:ln>
+        </p:spPr>
+        <p:style>
+          <a:lnRef idx="1">
+            <a:schemeClr val="accent1"/>
+          </a:lnRef>
+          <a:fillRef idx="0">
+            <a:schemeClr val="accent1"/>
+          </a:fillRef>
+          <a:effectRef idx="0">
+            <a:schemeClr val="accent1"/>
+          </a:effectRef>
+          <a:fontRef idx="minor">
+            <a:schemeClr val="tx1"/>
+          </a:fontRef>
+        </p:style>
+      </p:cxnSp>
+      <p:cxnSp>
+        <p:nvCxnSpPr>
+          <p:cNvPr id="45" name="Straight Connector 44">
+            <a:extLst>
+              <a:ext uri="{FF2B5EF4-FFF2-40B4-BE49-F238E27FC236}">
+                <a16:creationId xmlns:a16="http://schemas.microsoft.com/office/drawing/2014/main" id="{802B06B1-9AF1-42B4-A6E2-7F05CDB55B37}"/>
+              </a:ext>
+            </a:extLst>
+          </p:cNvPr>
+          <p:cNvCxnSpPr>
+            <a:cxnSpLocks/>
+          </p:cNvCxnSpPr>
+          <p:nvPr/>
+        </p:nvCxnSpPr>
+        <p:spPr>
+          <a:xfrm flipH="1">
+            <a:off x="1473987" y="1940630"/>
+            <a:ext cx="3660" cy="2229597"/>
+          </a:xfrm>
+          <a:prstGeom prst="line">
+            <a:avLst/>
+          </a:prstGeom>
+          <a:ln>
+            <a:solidFill>
+              <a:schemeClr val="tx1"/>
+            </a:solidFill>
+          </a:ln>
+        </p:spPr>
+        <p:style>
+          <a:lnRef idx="1">
+            <a:schemeClr val="accent1"/>
+          </a:lnRef>
+          <a:fillRef idx="0">
+            <a:schemeClr val="accent1"/>
+          </a:fillRef>
+          <a:effectRef idx="0">
+            <a:schemeClr val="accent1"/>
+          </a:effectRef>
+          <a:fontRef idx="minor">
+            <a:schemeClr val="tx1"/>
+          </a:fontRef>
+        </p:style>
+      </p:cxnSp>
+      <p:cxnSp>
+        <p:nvCxnSpPr>
+          <p:cNvPr id="49" name="Straight Connector 48">
+            <a:extLst>
+              <a:ext uri="{FF2B5EF4-FFF2-40B4-BE49-F238E27FC236}">
+                <a16:creationId xmlns:a16="http://schemas.microsoft.com/office/drawing/2014/main" id="{3EB692CC-B8DB-4038-BDC9-B85A15F055DA}"/>
+              </a:ext>
+            </a:extLst>
+          </p:cNvPr>
+          <p:cNvCxnSpPr/>
+          <p:nvPr/>
+        </p:nvCxnSpPr>
+        <p:spPr>
+          <a:xfrm>
+            <a:off x="1131915" y="2409661"/>
+            <a:ext cx="757165" cy="612939"/>
+          </a:xfrm>
+          <a:prstGeom prst="line">
+            <a:avLst/>
+          </a:prstGeom>
+          <a:ln>
+            <a:solidFill>
+              <a:schemeClr val="tx1"/>
+            </a:solidFill>
+          </a:ln>
+        </p:spPr>
+        <p:style>
+          <a:lnRef idx="1">
+            <a:schemeClr val="accent1"/>
+          </a:lnRef>
+          <a:fillRef idx="0">
+            <a:schemeClr val="accent1"/>
+          </a:fillRef>
+          <a:effectRef idx="0">
+            <a:schemeClr val="accent1"/>
+          </a:effectRef>
+          <a:fontRef idx="minor">
+            <a:schemeClr val="tx1"/>
+          </a:fontRef>
+        </p:style>
+      </p:cxnSp>
+      <p:cxnSp>
+        <p:nvCxnSpPr>
+          <p:cNvPr id="50" name="Straight Connector 49">
+            <a:extLst>
+              <a:ext uri="{FF2B5EF4-FFF2-40B4-BE49-F238E27FC236}">
+                <a16:creationId xmlns:a16="http://schemas.microsoft.com/office/drawing/2014/main" id="{1171EBA4-A322-4C56-9548-FBB66F9FB762}"/>
+              </a:ext>
+            </a:extLst>
+          </p:cNvPr>
+          <p:cNvCxnSpPr/>
+          <p:nvPr/>
+        </p:nvCxnSpPr>
+        <p:spPr>
+          <a:xfrm>
+            <a:off x="1131915" y="3146094"/>
+            <a:ext cx="757165" cy="612939"/>
+          </a:xfrm>
+          <a:prstGeom prst="line">
+            <a:avLst/>
+          </a:prstGeom>
+          <a:ln>
+            <a:solidFill>
+              <a:schemeClr val="tx1"/>
+            </a:solidFill>
+          </a:ln>
+        </p:spPr>
+        <p:style>
+          <a:lnRef idx="1">
+            <a:schemeClr val="accent1"/>
+          </a:lnRef>
+          <a:fillRef idx="0">
+            <a:schemeClr val="accent1"/>
+          </a:fillRef>
+          <a:effectRef idx="0">
+            <a:schemeClr val="accent1"/>
+          </a:effectRef>
+          <a:fontRef idx="minor">
+            <a:schemeClr val="tx1"/>
+          </a:fontRef>
+        </p:style>
+      </p:cxnSp>
+      <p:cxnSp>
+        <p:nvCxnSpPr>
+          <p:cNvPr id="51" name="Straight Connector 50">
+            <a:extLst>
+              <a:ext uri="{FF2B5EF4-FFF2-40B4-BE49-F238E27FC236}">
+                <a16:creationId xmlns:a16="http://schemas.microsoft.com/office/drawing/2014/main" id="{A6DCC593-6C85-48E0-85F3-06A92D0AB6B9}"/>
+              </a:ext>
+            </a:extLst>
+          </p:cNvPr>
+          <p:cNvCxnSpPr/>
+          <p:nvPr/>
+        </p:nvCxnSpPr>
+        <p:spPr>
+          <a:xfrm>
+            <a:off x="1825404" y="1666501"/>
+            <a:ext cx="757165" cy="612939"/>
+          </a:xfrm>
+          <a:prstGeom prst="line">
+            <a:avLst/>
+          </a:prstGeom>
+          <a:ln>
+            <a:solidFill>
+              <a:schemeClr val="tx1"/>
+            </a:solidFill>
+          </a:ln>
+        </p:spPr>
+        <p:style>
+          <a:lnRef idx="1">
+            <a:schemeClr val="accent1"/>
+          </a:lnRef>
+          <a:fillRef idx="0">
+            <a:schemeClr val="accent1"/>
+          </a:fillRef>
+          <a:effectRef idx="0">
+            <a:schemeClr val="accent1"/>
+          </a:effectRef>
+          <a:fontRef idx="minor">
+            <a:schemeClr val="tx1"/>
+          </a:fontRef>
+        </p:style>
+      </p:cxnSp>
+      <p:cxnSp>
+        <p:nvCxnSpPr>
+          <p:cNvPr id="52" name="Straight Connector 51">
+            <a:extLst>
+              <a:ext uri="{FF2B5EF4-FFF2-40B4-BE49-F238E27FC236}">
+                <a16:creationId xmlns:a16="http://schemas.microsoft.com/office/drawing/2014/main" id="{25FEB3DB-39C9-4FB0-99BE-1D2C1C4B48B1}"/>
+              </a:ext>
+            </a:extLst>
+          </p:cNvPr>
+          <p:cNvCxnSpPr/>
+          <p:nvPr/>
+        </p:nvCxnSpPr>
+        <p:spPr>
+          <a:xfrm>
+            <a:off x="2511519" y="1666501"/>
+            <a:ext cx="757165" cy="612939"/>
+          </a:xfrm>
+          <a:prstGeom prst="line">
+            <a:avLst/>
+          </a:prstGeom>
+          <a:ln>
+            <a:solidFill>
+              <a:schemeClr val="tx1"/>
+            </a:solidFill>
+          </a:ln>
+        </p:spPr>
+        <p:style>
+          <a:lnRef idx="1">
+            <a:schemeClr val="accent1"/>
+          </a:lnRef>
+          <a:fillRef idx="0">
+            <a:schemeClr val="accent1"/>
+          </a:fillRef>
+          <a:effectRef idx="0">
+            <a:schemeClr val="accent1"/>
+          </a:effectRef>
+          <a:fontRef idx="minor">
+            <a:schemeClr val="tx1"/>
+          </a:fontRef>
+        </p:style>
+      </p:cxnSp>
+      <p:sp>
+        <p:nvSpPr>
+          <p:cNvPr id="53" name="Rectangle 52">
+            <a:extLst>
+              <a:ext uri="{FF2B5EF4-FFF2-40B4-BE49-F238E27FC236}">
+                <a16:creationId xmlns:a16="http://schemas.microsoft.com/office/drawing/2014/main" id="{8C955B2E-5404-47B8-845C-B4C102C3A2E5}"/>
+              </a:ext>
+            </a:extLst>
+          </p:cNvPr>
+          <p:cNvSpPr/>
+          <p:nvPr/>
+        </p:nvSpPr>
+        <p:spPr>
+          <a:xfrm>
+            <a:off x="342900" y="342900"/>
+            <a:ext cx="11506200" cy="6172200"/>
+          </a:xfrm>
+          <a:prstGeom prst="rect">
+            <a:avLst/>
+          </a:prstGeom>
+          <a:noFill/>
+          <a:ln w="38100">
+            <a:solidFill>
+              <a:schemeClr val="tx1"/>
+            </a:solidFill>
+          </a:ln>
+        </p:spPr>
+        <p:style>
+          <a:lnRef idx="2">
+            <a:schemeClr val="accent1">
+              <a:shade val="50000"/>
+            </a:schemeClr>
+          </a:lnRef>
+          <a:fillRef idx="1">
+            <a:schemeClr val="accent1"/>
+          </a:fillRef>
+          <a:effectRef idx="0">
+            <a:schemeClr val="accent1"/>
+          </a:effectRef>
+          <a:fontRef idx="minor">
+            <a:schemeClr val="lt1"/>
+          </a:fontRef>
+        </p:style>
+        <p:txBody>
+          <a:bodyPr rtlCol="0" anchor="ctr"/>
+          <a:lstStyle/>
+          <a:p>
+            <a:pPr algn="ctr"/>
+            <a:endParaRPr lang="en-US"/>
+          </a:p>
+        </p:txBody>
+      </p:sp>
+      <p:sp>
+        <p:nvSpPr>
+          <p:cNvPr id="54" name="TextBox 53">
+            <a:extLst>
+              <a:ext uri="{FF2B5EF4-FFF2-40B4-BE49-F238E27FC236}">
+                <a16:creationId xmlns:a16="http://schemas.microsoft.com/office/drawing/2014/main" id="{6AF21B8F-806B-4FDF-BC47-9223727D72A5}"/>
+              </a:ext>
+            </a:extLst>
+          </p:cNvPr>
+          <p:cNvSpPr txBox="1"/>
+          <p:nvPr/>
+        </p:nvSpPr>
+        <p:spPr>
+          <a:xfrm>
+            <a:off x="6895744" y="1571745"/>
+            <a:ext cx="3022602" cy="369332"/>
+          </a:xfrm>
+          <a:prstGeom prst="rect">
+            <a:avLst/>
+          </a:prstGeom>
+          <a:noFill/>
+        </p:spPr>
+        <p:txBody>
+          <a:bodyPr wrap="square" rtlCol="0">
+            <a:spAutoFit/>
+          </a:bodyPr>
+          <a:lstStyle/>
+          <a:p>
+            <a:pPr algn="ctr"/>
+            <a:r>
+              <a:rPr lang="en-US" b="1" dirty="0">
+                <a:latin typeface="Aller" panose="02000503030000020004" pitchFamily="2" charset="0"/>
+              </a:rPr>
+              <a:t>Degrees of freedom</a:t>
+            </a:r>
+          </a:p>
+        </p:txBody>
+      </p:sp>
+      <p:cxnSp>
+        <p:nvCxnSpPr>
+          <p:cNvPr id="56" name="Straight Arrow Connector 55">
+            <a:extLst>
+              <a:ext uri="{FF2B5EF4-FFF2-40B4-BE49-F238E27FC236}">
+                <a16:creationId xmlns:a16="http://schemas.microsoft.com/office/drawing/2014/main" id="{9EA578E4-02C2-4F6F-9A5B-AEBE5ADA6648}"/>
+              </a:ext>
+            </a:extLst>
+          </p:cNvPr>
+          <p:cNvCxnSpPr>
+            <a:stCxn id="54" idx="2"/>
+          </p:cNvCxnSpPr>
+          <p:nvPr/>
+        </p:nvCxnSpPr>
+        <p:spPr>
+          <a:xfrm flipH="1">
+            <a:off x="7262790" y="1941077"/>
+            <a:ext cx="1144255" cy="1093399"/>
+          </a:xfrm>
+          <a:prstGeom prst="straightConnector1">
+            <a:avLst/>
+          </a:prstGeom>
+          <a:ln>
+            <a:tailEnd type="triangle"/>
+          </a:ln>
+        </p:spPr>
+        <p:style>
+          <a:lnRef idx="1">
+            <a:schemeClr val="accent1"/>
+          </a:lnRef>
+          <a:fillRef idx="0">
+            <a:schemeClr val="accent1"/>
+          </a:fillRef>
+          <a:effectRef idx="0">
+            <a:schemeClr val="accent1"/>
+          </a:effectRef>
+          <a:fontRef idx="minor">
+            <a:schemeClr val="tx1"/>
+          </a:fontRef>
+        </p:style>
+      </p:cxnSp>
+      <p:cxnSp>
+        <p:nvCxnSpPr>
+          <p:cNvPr id="58" name="Straight Arrow Connector 57">
+            <a:extLst>
+              <a:ext uri="{FF2B5EF4-FFF2-40B4-BE49-F238E27FC236}">
+                <a16:creationId xmlns:a16="http://schemas.microsoft.com/office/drawing/2014/main" id="{A6B51FDF-0F47-4E2C-BF76-C202F4334B2C}"/>
+              </a:ext>
+            </a:extLst>
+          </p:cNvPr>
+          <p:cNvCxnSpPr>
+            <a:stCxn id="54" idx="2"/>
+          </p:cNvCxnSpPr>
+          <p:nvPr/>
+        </p:nvCxnSpPr>
+        <p:spPr>
+          <a:xfrm>
+            <a:off x="8407045" y="1941077"/>
+            <a:ext cx="260228" cy="630999"/>
+          </a:xfrm>
+          <a:prstGeom prst="straightConnector1">
+            <a:avLst/>
+          </a:prstGeom>
+          <a:ln>
+            <a:tailEnd type="triangle"/>
+          </a:ln>
+        </p:spPr>
+        <p:style>
+          <a:lnRef idx="1">
+            <a:schemeClr val="accent1"/>
+          </a:lnRef>
+          <a:fillRef idx="0">
+            <a:schemeClr val="accent1"/>
+          </a:fillRef>
+          <a:effectRef idx="0">
+            <a:schemeClr val="accent1"/>
+          </a:effectRef>
+          <a:fontRef idx="minor">
+            <a:schemeClr val="tx1"/>
+          </a:fontRef>
+        </p:style>
+      </p:cxnSp>
+    </p:spTree>
+    <p:extLst>
+      <p:ext uri="{BB962C8B-B14F-4D97-AF65-F5344CB8AC3E}">
+        <p14:creationId xmlns:p14="http://schemas.microsoft.com/office/powerpoint/2010/main" val="2239663107"/>
+      </p:ext>
+    </p:extLst>
+  </p:cSld>
+  <p:clrMapOvr>
+    <a:masterClrMapping/>
+  </p:clrMapOvr>
+  <p:transition spd="slow">
+    <p:wipe/>
+  </p:transition>
+</p:sld>
+</file>
+
+<file path=ppt/slides/slide11.xml><?xml version="1.0" encoding="utf-8"?>
+<p:sld xmlns:a="http://schemas.openxmlformats.org/drawingml/2006/main" xmlns:r="http://schemas.openxmlformats.org/officeDocument/2006/relationships" xmlns:p="http://schemas.openxmlformats.org/presentationml/2006/main">
+  <p:cSld>
+    <p:spTree>
+      <p:nvGrpSpPr>
+        <p:cNvPr id="1" name=""/>
+        <p:cNvGrpSpPr/>
+        <p:nvPr/>
+      </p:nvGrpSpPr>
+      <p:grpSpPr>
+        <a:xfrm>
+          <a:off x="0" y="0"/>
+          <a:ext cx="0" cy="0"/>
+          <a:chOff x="0" y="0"/>
+          <a:chExt cx="0" cy="0"/>
+        </a:xfrm>
+      </p:grpSpPr>
+      <p:grpSp>
+        <p:nvGrpSpPr>
+          <p:cNvPr id="49" name="Group 48">
+            <a:extLst>
+              <a:ext uri="{FF2B5EF4-FFF2-40B4-BE49-F238E27FC236}">
+                <a16:creationId xmlns:a16="http://schemas.microsoft.com/office/drawing/2014/main" id="{DB768D29-A667-4E98-9302-C380FD9CF4D2}"/>
+              </a:ext>
+            </a:extLst>
+          </p:cNvPr>
+          <p:cNvGrpSpPr/>
+          <p:nvPr/>
+        </p:nvGrpSpPr>
+        <p:grpSpPr>
+          <a:xfrm rot="5400000">
+            <a:off x="5295965" y="2211042"/>
+            <a:ext cx="2318043" cy="1952244"/>
+            <a:chOff x="5036355" y="2238391"/>
+            <a:chExt cx="2318043" cy="1952244"/>
+          </a:xfrm>
+        </p:grpSpPr>
+        <p:sp>
+          <p:nvSpPr>
+            <p:cNvPr id="35" name="Rectangle 34">
+              <a:extLst>
+                <a:ext uri="{FF2B5EF4-FFF2-40B4-BE49-F238E27FC236}">
+                  <a16:creationId xmlns:a16="http://schemas.microsoft.com/office/drawing/2014/main" id="{932AE334-F4FB-4FED-8CF8-8CC4D987307C}"/>
+                </a:ext>
+              </a:extLst>
+            </p:cNvPr>
+            <p:cNvSpPr/>
+            <p:nvPr/>
+          </p:nvSpPr>
+          <p:spPr>
+            <a:xfrm>
+              <a:off x="5036355" y="2238391"/>
+              <a:ext cx="1066799" cy="1066799"/>
+            </a:xfrm>
+            <a:custGeom>
+              <a:avLst/>
+              <a:gdLst>
+                <a:gd name="connsiteX0" fmla="*/ 0 w 1066799"/>
+                <a:gd name="connsiteY0" fmla="*/ 0 h 1066799"/>
+                <a:gd name="connsiteX1" fmla="*/ 1066799 w 1066799"/>
+                <a:gd name="connsiteY1" fmla="*/ 0 h 1066799"/>
+                <a:gd name="connsiteX2" fmla="*/ 1066799 w 1066799"/>
+                <a:gd name="connsiteY2" fmla="*/ 1066799 h 1066799"/>
+                <a:gd name="connsiteX3" fmla="*/ 0 w 1066799"/>
+                <a:gd name="connsiteY3" fmla="*/ 1066799 h 1066799"/>
+                <a:gd name="connsiteX4" fmla="*/ 0 w 1066799"/>
+                <a:gd name="connsiteY4" fmla="*/ 0 h 1066799"/>
+                <a:gd name="connsiteX0" fmla="*/ 1066799 w 1158239"/>
+                <a:gd name="connsiteY0" fmla="*/ 1066799 h 1158239"/>
+                <a:gd name="connsiteX1" fmla="*/ 0 w 1158239"/>
+                <a:gd name="connsiteY1" fmla="*/ 1066799 h 1158239"/>
+                <a:gd name="connsiteX2" fmla="*/ 0 w 1158239"/>
+                <a:gd name="connsiteY2" fmla="*/ 0 h 1158239"/>
+                <a:gd name="connsiteX3" fmla="*/ 1066799 w 1158239"/>
+                <a:gd name="connsiteY3" fmla="*/ 0 h 1158239"/>
+                <a:gd name="connsiteX4" fmla="*/ 1158239 w 1158239"/>
+                <a:gd name="connsiteY4" fmla="*/ 1158239 h 1158239"/>
+                <a:gd name="connsiteX0" fmla="*/ 1066799 w 1066799"/>
+                <a:gd name="connsiteY0" fmla="*/ 1066799 h 1066799"/>
+                <a:gd name="connsiteX1" fmla="*/ 0 w 1066799"/>
+                <a:gd name="connsiteY1" fmla="*/ 1066799 h 1066799"/>
+                <a:gd name="connsiteX2" fmla="*/ 0 w 1066799"/>
+                <a:gd name="connsiteY2" fmla="*/ 0 h 1066799"/>
+                <a:gd name="connsiteX3" fmla="*/ 1066799 w 1066799"/>
+                <a:gd name="connsiteY3" fmla="*/ 0 h 1066799"/>
+                <a:gd name="connsiteX0" fmla="*/ 0 w 1066799"/>
+                <a:gd name="connsiteY0" fmla="*/ 1066799 h 1066799"/>
+                <a:gd name="connsiteX1" fmla="*/ 0 w 1066799"/>
+                <a:gd name="connsiteY1" fmla="*/ 0 h 1066799"/>
+                <a:gd name="connsiteX2" fmla="*/ 1066799 w 1066799"/>
+                <a:gd name="connsiteY2" fmla="*/ 0 h 1066799"/>
+              </a:gdLst>
+              <a:ahLst/>
+              <a:cxnLst>
+                <a:cxn ang="0">
+                  <a:pos x="connsiteX0" y="connsiteY0"/>
+                </a:cxn>
+                <a:cxn ang="0">
+                  <a:pos x="connsiteX1" y="connsiteY1"/>
+                </a:cxn>
+                <a:cxn ang="0">
+                  <a:pos x="connsiteX2" y="connsiteY2"/>
+                </a:cxn>
+              </a:cxnLst>
+              <a:rect l="l" t="t" r="r" b="b"/>
+              <a:pathLst>
+                <a:path w="1066799" h="1066799">
+                  <a:moveTo>
+                    <a:pt x="0" y="1066799"/>
+                  </a:moveTo>
+                  <a:lnTo>
+                    <a:pt x="0" y="0"/>
+                  </a:lnTo>
+                  <a:lnTo>
+                    <a:pt x="1066799" y="0"/>
+                  </a:lnTo>
+                </a:path>
+              </a:pathLst>
+            </a:custGeom>
+            <a:noFill/>
+            <a:ln w="28575">
+              <a:solidFill>
+                <a:schemeClr val="tx1"/>
+              </a:solidFill>
+            </a:ln>
+          </p:spPr>
+          <p:style>
+            <a:lnRef idx="2">
+              <a:schemeClr val="accent1">
+                <a:shade val="50000"/>
+              </a:schemeClr>
+            </a:lnRef>
+            <a:fillRef idx="1">
+              <a:schemeClr val="accent1"/>
+            </a:fillRef>
+            <a:effectRef idx="0">
+              <a:schemeClr val="accent1"/>
+            </a:effectRef>
+            <a:fontRef idx="minor">
+              <a:schemeClr val="lt1"/>
+            </a:fontRef>
+          </p:style>
+          <p:txBody>
+            <a:bodyPr rtlCol="0" anchor="ctr"/>
+            <a:lstStyle/>
+            <a:p>
+              <a:pPr algn="ctr"/>
+              <a:endParaRPr lang="en-US" dirty="0"/>
+            </a:p>
+          </p:txBody>
+        </p:sp>
+        <p:cxnSp>
+          <p:nvCxnSpPr>
+            <p:cNvPr id="13" name="Straight Connector 12">
+              <a:extLst>
+                <a:ext uri="{FF2B5EF4-FFF2-40B4-BE49-F238E27FC236}">
+                  <a16:creationId xmlns:a16="http://schemas.microsoft.com/office/drawing/2014/main" id="{3E49BDAD-1596-4EC1-8DE3-EEDE016DC40E}"/>
+                </a:ext>
+              </a:extLst>
+            </p:cNvPr>
+            <p:cNvCxnSpPr>
+              <a:cxnSpLocks/>
+              <a:stCxn id="35" idx="2"/>
+            </p:cNvCxnSpPr>
+            <p:nvPr/>
+          </p:nvCxnSpPr>
+          <p:spPr>
+            <a:xfrm>
+              <a:off x="6103154" y="2238391"/>
+              <a:ext cx="1227962" cy="885446"/>
+            </a:xfrm>
+            <a:prstGeom prst="line">
+              <a:avLst/>
+            </a:prstGeom>
+            <a:ln w="28575">
+              <a:solidFill>
+                <a:schemeClr val="tx1"/>
+              </a:solidFill>
+            </a:ln>
+          </p:spPr>
+          <p:style>
+            <a:lnRef idx="1">
+              <a:schemeClr val="accent1"/>
+            </a:lnRef>
+            <a:fillRef idx="0">
+              <a:schemeClr val="accent1"/>
+            </a:fillRef>
+            <a:effectRef idx="0">
+              <a:schemeClr val="accent1"/>
+            </a:effectRef>
+            <a:fontRef idx="minor">
+              <a:schemeClr val="tx1"/>
+            </a:fontRef>
+          </p:style>
+        </p:cxnSp>
+        <p:cxnSp>
+          <p:nvCxnSpPr>
+            <p:cNvPr id="36" name="Straight Connector 35">
+              <a:extLst>
+                <a:ext uri="{FF2B5EF4-FFF2-40B4-BE49-F238E27FC236}">
+                  <a16:creationId xmlns:a16="http://schemas.microsoft.com/office/drawing/2014/main" id="{6E543E0E-ABBE-4751-BE71-92548CAEF5D8}"/>
+                </a:ext>
+              </a:extLst>
+            </p:cNvPr>
+            <p:cNvCxnSpPr>
+              <a:cxnSpLocks/>
+              <a:stCxn id="35" idx="1"/>
+            </p:cNvCxnSpPr>
+            <p:nvPr/>
+          </p:nvCxnSpPr>
+          <p:spPr>
+            <a:xfrm>
+              <a:off x="5036355" y="2238391"/>
+              <a:ext cx="1251245" cy="885446"/>
+            </a:xfrm>
+            <a:prstGeom prst="line">
+              <a:avLst/>
+            </a:prstGeom>
+            <a:ln w="28575">
+              <a:solidFill>
+                <a:schemeClr val="tx1"/>
+              </a:solidFill>
+            </a:ln>
+          </p:spPr>
+          <p:style>
+            <a:lnRef idx="1">
+              <a:schemeClr val="accent1"/>
+            </a:lnRef>
+            <a:fillRef idx="0">
+              <a:schemeClr val="accent1"/>
+            </a:fillRef>
+            <a:effectRef idx="0">
+              <a:schemeClr val="accent1"/>
+            </a:effectRef>
+            <a:fontRef idx="minor">
+              <a:schemeClr val="tx1"/>
+            </a:fontRef>
+          </p:style>
+        </p:cxnSp>
+        <p:cxnSp>
+          <p:nvCxnSpPr>
+            <p:cNvPr id="37" name="Straight Connector 36">
+              <a:extLst>
+                <a:ext uri="{FF2B5EF4-FFF2-40B4-BE49-F238E27FC236}">
+                  <a16:creationId xmlns:a16="http://schemas.microsoft.com/office/drawing/2014/main" id="{03D023F7-4F0F-4C37-9E9C-A79F8AB1193F}"/>
+                </a:ext>
+              </a:extLst>
+            </p:cNvPr>
+            <p:cNvCxnSpPr>
+              <a:cxnSpLocks/>
+              <a:stCxn id="35" idx="0"/>
+            </p:cNvCxnSpPr>
+            <p:nvPr/>
+          </p:nvCxnSpPr>
+          <p:spPr>
+            <a:xfrm>
+              <a:off x="5036355" y="3305190"/>
+              <a:ext cx="1251244" cy="885445"/>
+            </a:xfrm>
+            <a:prstGeom prst="line">
+              <a:avLst/>
+            </a:prstGeom>
+            <a:ln w="28575">
+              <a:solidFill>
+                <a:schemeClr val="tx1"/>
+              </a:solidFill>
+            </a:ln>
+          </p:spPr>
+          <p:style>
+            <a:lnRef idx="1">
+              <a:schemeClr val="accent1"/>
+            </a:lnRef>
+            <a:fillRef idx="0">
+              <a:schemeClr val="accent1"/>
+            </a:fillRef>
+            <a:effectRef idx="0">
+              <a:schemeClr val="accent1"/>
+            </a:effectRef>
+            <a:fontRef idx="minor">
+              <a:schemeClr val="tx1"/>
+            </a:fontRef>
+          </p:style>
+        </p:cxnSp>
+        <p:sp>
+          <p:nvSpPr>
+            <p:cNvPr id="44" name="Rectangle 43">
+              <a:extLst>
+                <a:ext uri="{FF2B5EF4-FFF2-40B4-BE49-F238E27FC236}">
+                  <a16:creationId xmlns:a16="http://schemas.microsoft.com/office/drawing/2014/main" id="{E3150D87-B926-4524-9509-21090A69FDBC}"/>
+                </a:ext>
+              </a:extLst>
+            </p:cNvPr>
+            <p:cNvSpPr/>
+            <p:nvPr/>
+          </p:nvSpPr>
+          <p:spPr>
+            <a:xfrm>
+              <a:off x="6287600" y="3123837"/>
+              <a:ext cx="1066798" cy="1066798"/>
+            </a:xfrm>
+            <a:prstGeom prst="rect">
+              <a:avLst/>
+            </a:prstGeom>
+            <a:solidFill>
+              <a:schemeClr val="bg1"/>
+            </a:solidFill>
+            <a:ln w="28575">
+              <a:solidFill>
+                <a:schemeClr val="tx1"/>
+              </a:solidFill>
+            </a:ln>
+            <a:effectLst>
+              <a:glow rad="63500">
+                <a:schemeClr val="accent1">
+                  <a:satMod val="175000"/>
+                  <a:alpha val="40000"/>
+                </a:schemeClr>
+              </a:glow>
+            </a:effectLst>
+          </p:spPr>
+          <p:style>
+            <a:lnRef idx="2">
+              <a:schemeClr val="accent1">
+                <a:shade val="50000"/>
+              </a:schemeClr>
+            </a:lnRef>
+            <a:fillRef idx="1">
+              <a:schemeClr val="accent1"/>
+            </a:fillRef>
+            <a:effectRef idx="0">
+              <a:schemeClr val="accent1"/>
+            </a:effectRef>
+            <a:fontRef idx="minor">
+              <a:schemeClr val="lt1"/>
+            </a:fontRef>
+          </p:style>
+          <p:txBody>
+            <a:bodyPr rtlCol="0" anchor="ctr"/>
+            <a:lstStyle/>
+            <a:p>
+              <a:pPr algn="ctr"/>
+              <a:endParaRPr lang="en-US">
+                <a:effectLst>
+                  <a:glow rad="63500">
+                    <a:schemeClr val="accent1">
+                      <a:satMod val="175000"/>
+                      <a:alpha val="40000"/>
+                    </a:schemeClr>
+                  </a:glow>
+                </a:effectLst>
+              </a:endParaRPr>
+            </a:p>
+          </p:txBody>
+        </p:sp>
+      </p:grpSp>
+      <p:grpSp>
+        <p:nvGrpSpPr>
+          <p:cNvPr id="40" name="Group 39">
+            <a:extLst>
+              <a:ext uri="{FF2B5EF4-FFF2-40B4-BE49-F238E27FC236}">
+                <a16:creationId xmlns:a16="http://schemas.microsoft.com/office/drawing/2014/main" id="{F59C1B6A-1395-464A-AF99-D0321F9E5A30}"/>
+              </a:ext>
+            </a:extLst>
+          </p:cNvPr>
+          <p:cNvGrpSpPr/>
+          <p:nvPr/>
+        </p:nvGrpSpPr>
+        <p:grpSpPr>
+          <a:xfrm>
+            <a:off x="804760" y="3124199"/>
+            <a:ext cx="3754540" cy="660400"/>
+            <a:chOff x="1388960" y="3860800"/>
+            <a:chExt cx="3754540" cy="660400"/>
+          </a:xfrm>
+        </p:grpSpPr>
+        <p:cxnSp>
+          <p:nvCxnSpPr>
+            <p:cNvPr id="5" name="Straight Connector 4">
+              <a:extLst>
+                <a:ext uri="{FF2B5EF4-FFF2-40B4-BE49-F238E27FC236}">
+                  <a16:creationId xmlns:a16="http://schemas.microsoft.com/office/drawing/2014/main" id="{65AB76BA-3527-46B7-A6C6-191B36FF481C}"/>
+                </a:ext>
+              </a:extLst>
+            </p:cNvPr>
+            <p:cNvCxnSpPr/>
+            <p:nvPr/>
+          </p:nvCxnSpPr>
+          <p:spPr>
+            <a:xfrm flipH="1">
+              <a:off x="4392592" y="4194301"/>
+              <a:ext cx="750908" cy="0"/>
+            </a:xfrm>
+            <a:prstGeom prst="line">
+              <a:avLst/>
+            </a:prstGeom>
+            <a:ln w="76200">
+              <a:solidFill>
+                <a:schemeClr val="tx1"/>
+              </a:solidFill>
+            </a:ln>
+          </p:spPr>
+          <p:style>
+            <a:lnRef idx="1">
+              <a:schemeClr val="accent1"/>
+            </a:lnRef>
+            <a:fillRef idx="0">
+              <a:schemeClr val="accent1"/>
+            </a:fillRef>
+            <a:effectRef idx="0">
+              <a:schemeClr val="accent1"/>
+            </a:effectRef>
+            <a:fontRef idx="minor">
+              <a:schemeClr val="tx1"/>
+            </a:fontRef>
+          </p:style>
+        </p:cxnSp>
+        <p:cxnSp>
+          <p:nvCxnSpPr>
+            <p:cNvPr id="22" name="Straight Connector 21">
+              <a:extLst>
+                <a:ext uri="{FF2B5EF4-FFF2-40B4-BE49-F238E27FC236}">
+                  <a16:creationId xmlns:a16="http://schemas.microsoft.com/office/drawing/2014/main" id="{08C0A8E4-84F4-491B-AF0C-EF6259F79DC5}"/>
+                </a:ext>
+              </a:extLst>
+            </p:cNvPr>
+            <p:cNvCxnSpPr/>
+            <p:nvPr/>
+          </p:nvCxnSpPr>
+          <p:spPr>
+            <a:xfrm flipH="1">
+              <a:off x="3641684" y="4194301"/>
+              <a:ext cx="750908" cy="0"/>
+            </a:xfrm>
+            <a:prstGeom prst="line">
+              <a:avLst/>
+            </a:prstGeom>
+            <a:ln w="76200">
+              <a:solidFill>
+                <a:schemeClr val="bg1">
+                  <a:lumMod val="65000"/>
+                </a:schemeClr>
+              </a:solidFill>
+            </a:ln>
+          </p:spPr>
+          <p:style>
+            <a:lnRef idx="1">
+              <a:schemeClr val="accent1"/>
+            </a:lnRef>
+            <a:fillRef idx="0">
+              <a:schemeClr val="accent1"/>
+            </a:fillRef>
+            <a:effectRef idx="0">
+              <a:schemeClr val="accent1"/>
+            </a:effectRef>
+            <a:fontRef idx="minor">
+              <a:schemeClr val="tx1"/>
+            </a:fontRef>
+          </p:style>
+        </p:cxnSp>
+        <p:cxnSp>
+          <p:nvCxnSpPr>
+            <p:cNvPr id="25" name="Straight Connector 24">
+              <a:extLst>
+                <a:ext uri="{FF2B5EF4-FFF2-40B4-BE49-F238E27FC236}">
+                  <a16:creationId xmlns:a16="http://schemas.microsoft.com/office/drawing/2014/main" id="{FE2153B0-D72A-43CA-B324-6F583408EBC6}"/>
+                </a:ext>
+              </a:extLst>
+            </p:cNvPr>
+            <p:cNvCxnSpPr/>
+            <p:nvPr/>
+          </p:nvCxnSpPr>
+          <p:spPr>
+            <a:xfrm flipH="1">
+              <a:off x="2890776" y="4194301"/>
+              <a:ext cx="750908" cy="0"/>
+            </a:xfrm>
+            <a:prstGeom prst="line">
+              <a:avLst/>
+            </a:prstGeom>
+            <a:ln w="76200">
+              <a:solidFill>
+                <a:schemeClr val="tx1"/>
+              </a:solidFill>
+            </a:ln>
+          </p:spPr>
+          <p:style>
+            <a:lnRef idx="1">
+              <a:schemeClr val="accent1"/>
+            </a:lnRef>
+            <a:fillRef idx="0">
+              <a:schemeClr val="accent1"/>
+            </a:fillRef>
+            <a:effectRef idx="0">
+              <a:schemeClr val="accent1"/>
+            </a:effectRef>
+            <a:fontRef idx="minor">
+              <a:schemeClr val="tx1"/>
+            </a:fontRef>
+          </p:style>
+        </p:cxnSp>
+        <p:cxnSp>
+          <p:nvCxnSpPr>
+            <p:cNvPr id="32" name="Straight Connector 31">
+              <a:extLst>
+                <a:ext uri="{FF2B5EF4-FFF2-40B4-BE49-F238E27FC236}">
+                  <a16:creationId xmlns:a16="http://schemas.microsoft.com/office/drawing/2014/main" id="{5DA41B2D-3360-4D88-B352-264F30398C17}"/>
+                </a:ext>
+              </a:extLst>
+            </p:cNvPr>
+            <p:cNvCxnSpPr/>
+            <p:nvPr/>
+          </p:nvCxnSpPr>
+          <p:spPr>
+            <a:xfrm flipH="1">
+              <a:off x="2139868" y="4194301"/>
+              <a:ext cx="750908" cy="0"/>
+            </a:xfrm>
+            <a:prstGeom prst="line">
+              <a:avLst/>
+            </a:prstGeom>
+            <a:ln w="76200">
+              <a:solidFill>
+                <a:schemeClr val="bg1">
+                  <a:lumMod val="65000"/>
+                </a:schemeClr>
+              </a:solidFill>
+            </a:ln>
+          </p:spPr>
+          <p:style>
+            <a:lnRef idx="1">
+              <a:schemeClr val="accent1"/>
+            </a:lnRef>
+            <a:fillRef idx="0">
+              <a:schemeClr val="accent1"/>
+            </a:fillRef>
+            <a:effectRef idx="0">
+              <a:schemeClr val="accent1"/>
+            </a:effectRef>
+            <a:fontRef idx="minor">
+              <a:schemeClr val="tx1"/>
+            </a:fontRef>
+          </p:style>
+        </p:cxnSp>
+        <p:cxnSp>
+          <p:nvCxnSpPr>
+            <p:cNvPr id="33" name="Straight Connector 32">
+              <a:extLst>
+                <a:ext uri="{FF2B5EF4-FFF2-40B4-BE49-F238E27FC236}">
+                  <a16:creationId xmlns:a16="http://schemas.microsoft.com/office/drawing/2014/main" id="{B0CDFD47-3A4C-4D8E-88F0-E2410A0DE958}"/>
+                </a:ext>
+              </a:extLst>
+            </p:cNvPr>
+            <p:cNvCxnSpPr/>
+            <p:nvPr/>
+          </p:nvCxnSpPr>
+          <p:spPr>
+            <a:xfrm flipH="1">
+              <a:off x="1388960" y="4194301"/>
+              <a:ext cx="750908" cy="0"/>
+            </a:xfrm>
+            <a:prstGeom prst="line">
+              <a:avLst/>
+            </a:prstGeom>
+            <a:ln w="76200">
+              <a:solidFill>
+                <a:schemeClr val="tx1"/>
+              </a:solidFill>
+            </a:ln>
+          </p:spPr>
+          <p:style>
+            <a:lnRef idx="1">
+              <a:schemeClr val="accent1"/>
+            </a:lnRef>
+            <a:fillRef idx="0">
+              <a:schemeClr val="accent1"/>
+            </a:fillRef>
+            <a:effectRef idx="0">
+              <a:schemeClr val="accent1"/>
+            </a:effectRef>
+            <a:fontRef idx="minor">
+              <a:schemeClr val="tx1"/>
+            </a:fontRef>
+          </p:style>
+        </p:cxnSp>
+        <p:cxnSp>
+          <p:nvCxnSpPr>
+            <p:cNvPr id="9" name="Straight Connector 8">
+              <a:extLst>
+                <a:ext uri="{FF2B5EF4-FFF2-40B4-BE49-F238E27FC236}">
+                  <a16:creationId xmlns:a16="http://schemas.microsoft.com/office/drawing/2014/main" id="{885A0C09-A7DE-4C75-93F3-0C783D959AED}"/>
+                </a:ext>
+              </a:extLst>
+            </p:cNvPr>
+            <p:cNvCxnSpPr/>
+            <p:nvPr/>
+          </p:nvCxnSpPr>
+          <p:spPr>
+            <a:xfrm>
+              <a:off x="4392592" y="3860800"/>
+              <a:ext cx="0" cy="660400"/>
+            </a:xfrm>
+            <a:prstGeom prst="line">
+              <a:avLst/>
+            </a:prstGeom>
+            <a:ln w="28575">
+              <a:prstDash val="dash"/>
+            </a:ln>
+          </p:spPr>
+          <p:style>
+            <a:lnRef idx="1">
+              <a:schemeClr val="accent1"/>
+            </a:lnRef>
+            <a:fillRef idx="0">
+              <a:schemeClr val="accent1"/>
+            </a:fillRef>
+            <a:effectRef idx="0">
+              <a:schemeClr val="accent1"/>
+            </a:effectRef>
+            <a:fontRef idx="minor">
+              <a:schemeClr val="tx1"/>
+            </a:fontRef>
+          </p:style>
+        </p:cxnSp>
+        <p:cxnSp>
+          <p:nvCxnSpPr>
+            <p:cNvPr id="24" name="Straight Connector 23">
+              <a:extLst>
+                <a:ext uri="{FF2B5EF4-FFF2-40B4-BE49-F238E27FC236}">
+                  <a16:creationId xmlns:a16="http://schemas.microsoft.com/office/drawing/2014/main" id="{F6FE5FF9-36B4-477A-9A37-B583F323DB84}"/>
+                </a:ext>
+              </a:extLst>
+            </p:cNvPr>
+            <p:cNvCxnSpPr/>
+            <p:nvPr/>
+          </p:nvCxnSpPr>
+          <p:spPr>
+            <a:xfrm>
+              <a:off x="3641684" y="3860800"/>
+              <a:ext cx="0" cy="660400"/>
+            </a:xfrm>
+            <a:prstGeom prst="line">
+              <a:avLst/>
+            </a:prstGeom>
+            <a:ln w="28575">
+              <a:prstDash val="dash"/>
+            </a:ln>
+          </p:spPr>
+          <p:style>
+            <a:lnRef idx="1">
+              <a:schemeClr val="accent1"/>
+            </a:lnRef>
+            <a:fillRef idx="0">
+              <a:schemeClr val="accent1"/>
+            </a:fillRef>
+            <a:effectRef idx="0">
+              <a:schemeClr val="accent1"/>
+            </a:effectRef>
+            <a:fontRef idx="minor">
+              <a:schemeClr val="tx1"/>
+            </a:fontRef>
+          </p:style>
+        </p:cxnSp>
+        <p:cxnSp>
+          <p:nvCxnSpPr>
+            <p:cNvPr id="26" name="Straight Connector 25">
+              <a:extLst>
+                <a:ext uri="{FF2B5EF4-FFF2-40B4-BE49-F238E27FC236}">
+                  <a16:creationId xmlns:a16="http://schemas.microsoft.com/office/drawing/2014/main" id="{FBA0519C-9016-45DE-8B81-3B57A15D464E}"/>
+                </a:ext>
+              </a:extLst>
+            </p:cNvPr>
+            <p:cNvCxnSpPr/>
+            <p:nvPr/>
+          </p:nvCxnSpPr>
+          <p:spPr>
+            <a:xfrm>
+              <a:off x="2890776" y="3860800"/>
+              <a:ext cx="0" cy="660400"/>
+            </a:xfrm>
+            <a:prstGeom prst="line">
+              <a:avLst/>
+            </a:prstGeom>
+            <a:ln w="28575">
+              <a:prstDash val="dash"/>
+            </a:ln>
+          </p:spPr>
+          <p:style>
+            <a:lnRef idx="1">
+              <a:schemeClr val="accent1"/>
+            </a:lnRef>
+            <a:fillRef idx="0">
+              <a:schemeClr val="accent1"/>
+            </a:fillRef>
+            <a:effectRef idx="0">
+              <a:schemeClr val="accent1"/>
+            </a:effectRef>
+            <a:fontRef idx="minor">
+              <a:schemeClr val="tx1"/>
+            </a:fontRef>
+          </p:style>
+        </p:cxnSp>
+        <p:cxnSp>
+          <p:nvCxnSpPr>
+            <p:cNvPr id="34" name="Straight Connector 33">
+              <a:extLst>
+                <a:ext uri="{FF2B5EF4-FFF2-40B4-BE49-F238E27FC236}">
+                  <a16:creationId xmlns:a16="http://schemas.microsoft.com/office/drawing/2014/main" id="{FBC0408F-7D6C-4C99-B53D-0BB26B8FFB04}"/>
+                </a:ext>
+              </a:extLst>
+            </p:cNvPr>
+            <p:cNvCxnSpPr/>
+            <p:nvPr/>
+          </p:nvCxnSpPr>
+          <p:spPr>
+            <a:xfrm>
+              <a:off x="2139868" y="3860800"/>
+              <a:ext cx="0" cy="660400"/>
+            </a:xfrm>
+            <a:prstGeom prst="line">
+              <a:avLst/>
+            </a:prstGeom>
+            <a:ln w="28575">
+              <a:prstDash val="dash"/>
+            </a:ln>
+          </p:spPr>
+          <p:style>
+            <a:lnRef idx="1">
+              <a:schemeClr val="accent1"/>
+            </a:lnRef>
+            <a:fillRef idx="0">
+              <a:schemeClr val="accent1"/>
+            </a:fillRef>
+            <a:effectRef idx="0">
+              <a:schemeClr val="accent1"/>
+            </a:effectRef>
+            <a:fontRef idx="minor">
+              <a:schemeClr val="tx1"/>
+            </a:fontRef>
+          </p:style>
+        </p:cxnSp>
+      </p:grpSp>
+      <p:sp>
+        <p:nvSpPr>
+          <p:cNvPr id="42" name="Arrow: Curved Down 41">
+            <a:extLst>
+              <a:ext uri="{FF2B5EF4-FFF2-40B4-BE49-F238E27FC236}">
+                <a16:creationId xmlns:a16="http://schemas.microsoft.com/office/drawing/2014/main" id="{78CF2D24-DE37-45DA-A1AC-36F2C81660D3}"/>
+              </a:ext>
+            </a:extLst>
+          </p:cNvPr>
+          <p:cNvSpPr/>
+          <p:nvPr/>
+        </p:nvSpPr>
+        <p:spPr>
+          <a:xfrm>
+            <a:off x="3245143" y="1684183"/>
+            <a:ext cx="2781300" cy="1419599"/>
+          </a:xfrm>
+          <a:prstGeom prst="curvedDownArrow">
+            <a:avLst>
+              <a:gd name="adj1" fmla="val 25000"/>
+              <a:gd name="adj2" fmla="val 82113"/>
+              <a:gd name="adj3" fmla="val 55417"/>
+            </a:avLst>
+          </a:prstGeom>
+          <a:gradFill flip="none" rotWithShape="1">
+            <a:gsLst>
+              <a:gs pos="0">
+                <a:schemeClr val="accent1">
+                  <a:tint val="66000"/>
+                  <a:satMod val="160000"/>
+                </a:schemeClr>
+              </a:gs>
+              <a:gs pos="50000">
+                <a:schemeClr val="accent1">
+                  <a:tint val="44500"/>
+                  <a:satMod val="160000"/>
+                </a:schemeClr>
+              </a:gs>
+              <a:gs pos="100000">
+                <a:schemeClr val="accent1">
+                  <a:tint val="23500"/>
+                  <a:satMod val="160000"/>
+                </a:schemeClr>
+              </a:gs>
+            </a:gsLst>
+            <a:lin ang="10800000" scaled="1"/>
+            <a:tileRect/>
+          </a:gradFill>
+          <a:ln>
+            <a:noFill/>
+          </a:ln>
+        </p:spPr>
+        <p:style>
+          <a:lnRef idx="2">
+            <a:schemeClr val="accent1">
+              <a:shade val="50000"/>
+            </a:schemeClr>
+          </a:lnRef>
+          <a:fillRef idx="1">
+            <a:schemeClr val="accent1"/>
+          </a:fillRef>
+          <a:effectRef idx="0">
+            <a:schemeClr val="accent1"/>
+          </a:effectRef>
+          <a:fontRef idx="minor">
+            <a:schemeClr val="lt1"/>
+          </a:fontRef>
+        </p:style>
+        <p:txBody>
+          <a:bodyPr rtlCol="0" anchor="ctr"/>
+          <a:lstStyle/>
+          <a:p>
+            <a:pPr algn="ctr"/>
+            <a:endParaRPr lang="en-US">
+              <a:solidFill>
+                <a:schemeClr val="tx1"/>
+              </a:solidFill>
+            </a:endParaRPr>
+          </a:p>
+        </p:txBody>
+      </p:sp>
+      <p:sp>
+        <p:nvSpPr>
+          <p:cNvPr id="43" name="TextBox 42">
+            <a:extLst>
+              <a:ext uri="{FF2B5EF4-FFF2-40B4-BE49-F238E27FC236}">
+                <a16:creationId xmlns:a16="http://schemas.microsoft.com/office/drawing/2014/main" id="{1A806123-AFC7-4CD2-A6B4-7B8FD628015F}"/>
+              </a:ext>
+            </a:extLst>
+          </p:cNvPr>
+          <p:cNvSpPr txBox="1"/>
+          <p:nvPr/>
+        </p:nvSpPr>
+        <p:spPr>
+          <a:xfrm>
+            <a:off x="4500963" y="4700104"/>
+            <a:ext cx="3022602" cy="369332"/>
+          </a:xfrm>
+          <a:prstGeom prst="rect">
+            <a:avLst/>
+          </a:prstGeom>
+          <a:noFill/>
+        </p:spPr>
+        <p:txBody>
+          <a:bodyPr wrap="square" rtlCol="0">
+            <a:spAutoFit/>
+          </a:bodyPr>
+          <a:lstStyle/>
+          <a:p>
+            <a:pPr algn="ctr"/>
+            <a:r>
+              <a:rPr lang="en-US" b="1" dirty="0">
+                <a:latin typeface="Aller" panose="02000503030000020004" pitchFamily="2" charset="0"/>
+              </a:rPr>
+              <a:t>Section Level</a:t>
+            </a:r>
+          </a:p>
+        </p:txBody>
+      </p:sp>
+      <p:sp>
+        <p:nvSpPr>
+          <p:cNvPr id="51" name="TextBox 50">
+            <a:extLst>
+              <a:ext uri="{FF2B5EF4-FFF2-40B4-BE49-F238E27FC236}">
+                <a16:creationId xmlns:a16="http://schemas.microsoft.com/office/drawing/2014/main" id="{FA0141A4-0AE3-420D-9CB0-E462911D6594}"/>
+              </a:ext>
+            </a:extLst>
+          </p:cNvPr>
+          <p:cNvSpPr txBox="1"/>
+          <p:nvPr/>
+        </p:nvSpPr>
+        <p:spPr>
+          <a:xfrm>
+            <a:off x="1033863" y="4700104"/>
+            <a:ext cx="3022602" cy="369332"/>
+          </a:xfrm>
+          <a:prstGeom prst="rect">
+            <a:avLst/>
+          </a:prstGeom>
+          <a:noFill/>
+        </p:spPr>
+        <p:txBody>
+          <a:bodyPr wrap="square" rtlCol="0">
+            <a:spAutoFit/>
+          </a:bodyPr>
+          <a:lstStyle/>
+          <a:p>
+            <a:pPr algn="ctr"/>
+            <a:r>
+              <a:rPr lang="en-US" b="1" dirty="0">
+                <a:latin typeface="Aller" panose="02000503030000020004" pitchFamily="2" charset="0"/>
+              </a:rPr>
+              <a:t>Element</a:t>
+            </a:r>
+          </a:p>
+        </p:txBody>
+      </p:sp>
+      <p:sp>
+        <p:nvSpPr>
+          <p:cNvPr id="83" name="TextBox 82">
+            <a:extLst>
+              <a:ext uri="{FF2B5EF4-FFF2-40B4-BE49-F238E27FC236}">
+                <a16:creationId xmlns:a16="http://schemas.microsoft.com/office/drawing/2014/main" id="{0735EA70-F9E8-4B99-A397-B5EE333A6C46}"/>
+              </a:ext>
+            </a:extLst>
+          </p:cNvPr>
+          <p:cNvSpPr txBox="1"/>
+          <p:nvPr/>
+        </p:nvSpPr>
+        <p:spPr>
+          <a:xfrm>
+            <a:off x="7563812" y="4405385"/>
+            <a:ext cx="3022602" cy="646331"/>
+          </a:xfrm>
+          <a:prstGeom prst="rect">
+            <a:avLst/>
+          </a:prstGeom>
+          <a:noFill/>
+        </p:spPr>
+        <p:txBody>
+          <a:bodyPr wrap="square" rtlCol="0">
+            <a:spAutoFit/>
+          </a:bodyPr>
+          <a:lstStyle/>
+          <a:p>
+            <a:pPr algn="ctr"/>
+            <a:r>
+              <a:rPr lang="en-US" b="1" dirty="0">
+                <a:latin typeface="Aller" panose="02000503030000020004" pitchFamily="2" charset="0"/>
+              </a:rPr>
+              <a:t>Concrete</a:t>
+            </a:r>
+          </a:p>
+          <a:p>
+            <a:pPr algn="ctr"/>
+            <a:r>
+              <a:rPr lang="en-US" b="1" dirty="0">
+                <a:latin typeface="Aller" panose="02000503030000020004" pitchFamily="2" charset="0"/>
+              </a:rPr>
+              <a:t>Fibers</a:t>
+            </a:r>
+          </a:p>
+        </p:txBody>
+      </p:sp>
+      <p:sp>
+        <p:nvSpPr>
+          <p:cNvPr id="89" name="Rectangle 88">
+            <a:extLst>
+              <a:ext uri="{FF2B5EF4-FFF2-40B4-BE49-F238E27FC236}">
+                <a16:creationId xmlns:a16="http://schemas.microsoft.com/office/drawing/2014/main" id="{E054FB18-5CBE-4C96-BFE5-BD5DFE7926BD}"/>
+              </a:ext>
+            </a:extLst>
+          </p:cNvPr>
+          <p:cNvSpPr/>
+          <p:nvPr/>
+        </p:nvSpPr>
+        <p:spPr>
+          <a:xfrm>
+            <a:off x="342900" y="342900"/>
+            <a:ext cx="11506200" cy="6172200"/>
+          </a:xfrm>
+          <a:prstGeom prst="rect">
+            <a:avLst/>
+          </a:prstGeom>
+          <a:noFill/>
+          <a:ln w="38100">
+            <a:solidFill>
+              <a:schemeClr val="tx1"/>
+            </a:solidFill>
+          </a:ln>
+        </p:spPr>
+        <p:style>
+          <a:lnRef idx="2">
+            <a:schemeClr val="accent1">
+              <a:shade val="50000"/>
+            </a:schemeClr>
+          </a:lnRef>
+          <a:fillRef idx="1">
+            <a:schemeClr val="accent1"/>
+          </a:fillRef>
+          <a:effectRef idx="0">
+            <a:schemeClr val="accent1"/>
+          </a:effectRef>
+          <a:fontRef idx="minor">
+            <a:schemeClr val="lt1"/>
+          </a:fontRef>
+        </p:style>
+        <p:txBody>
+          <a:bodyPr rtlCol="0" anchor="ctr"/>
+          <a:lstStyle/>
+          <a:p>
+            <a:pPr algn="ctr"/>
+            <a:endParaRPr lang="en-US"/>
+          </a:p>
+        </p:txBody>
+      </p:sp>
+      <p:sp>
+        <p:nvSpPr>
+          <p:cNvPr id="90" name="Arrow: Curved Down 89">
+            <a:extLst>
+              <a:ext uri="{FF2B5EF4-FFF2-40B4-BE49-F238E27FC236}">
+                <a16:creationId xmlns:a16="http://schemas.microsoft.com/office/drawing/2014/main" id="{CDCDE334-116A-4646-8237-F3025196927D}"/>
+              </a:ext>
+            </a:extLst>
+          </p:cNvPr>
+          <p:cNvSpPr/>
+          <p:nvPr/>
+        </p:nvSpPr>
+        <p:spPr>
+          <a:xfrm>
+            <a:off x="7236901" y="589398"/>
+            <a:ext cx="3032535" cy="1227962"/>
+          </a:xfrm>
+          <a:prstGeom prst="curvedDownArrow">
+            <a:avLst>
+              <a:gd name="adj1" fmla="val 25000"/>
+              <a:gd name="adj2" fmla="val 82113"/>
+              <a:gd name="adj3" fmla="val 55417"/>
+            </a:avLst>
+          </a:prstGeom>
+          <a:gradFill flip="none" rotWithShape="1">
+            <a:gsLst>
+              <a:gs pos="0">
+                <a:schemeClr val="accent1">
+                  <a:tint val="66000"/>
+                  <a:satMod val="160000"/>
+                </a:schemeClr>
+              </a:gs>
+              <a:gs pos="50000">
+                <a:schemeClr val="accent1">
+                  <a:tint val="44500"/>
+                  <a:satMod val="160000"/>
+                </a:schemeClr>
+              </a:gs>
+              <a:gs pos="100000">
+                <a:schemeClr val="accent1">
+                  <a:tint val="23500"/>
+                  <a:satMod val="160000"/>
+                </a:schemeClr>
+              </a:gs>
+            </a:gsLst>
+            <a:lin ang="10800000" scaled="1"/>
+            <a:tileRect/>
+          </a:gradFill>
+          <a:ln>
+            <a:noFill/>
+          </a:ln>
+        </p:spPr>
+        <p:style>
+          <a:lnRef idx="2">
+            <a:schemeClr val="accent1">
+              <a:shade val="50000"/>
+            </a:schemeClr>
+          </a:lnRef>
+          <a:fillRef idx="1">
+            <a:schemeClr val="accent1"/>
+          </a:fillRef>
+          <a:effectRef idx="0">
+            <a:schemeClr val="accent1"/>
+          </a:effectRef>
+          <a:fontRef idx="minor">
+            <a:schemeClr val="lt1"/>
+          </a:fontRef>
+        </p:style>
+        <p:txBody>
+          <a:bodyPr rtlCol="0" anchor="ctr"/>
+          <a:lstStyle/>
+          <a:p>
+            <a:pPr algn="ctr"/>
+            <a:endParaRPr lang="en-US">
+              <a:solidFill>
+                <a:schemeClr val="tx1"/>
+              </a:solidFill>
+            </a:endParaRPr>
+          </a:p>
+        </p:txBody>
+      </p:sp>
+      <p:grpSp>
+        <p:nvGrpSpPr>
+          <p:cNvPr id="91" name="Group 90">
+            <a:extLst>
+              <a:ext uri="{FF2B5EF4-FFF2-40B4-BE49-F238E27FC236}">
+                <a16:creationId xmlns:a16="http://schemas.microsoft.com/office/drawing/2014/main" id="{C7E3F2EC-76AE-42E9-8917-1E1BD0134ED0}"/>
+              </a:ext>
+            </a:extLst>
+          </p:cNvPr>
+          <p:cNvGrpSpPr/>
+          <p:nvPr/>
+        </p:nvGrpSpPr>
+        <p:grpSpPr>
+          <a:xfrm>
+            <a:off x="8983510" y="1901025"/>
+            <a:ext cx="1773804" cy="1777417"/>
+            <a:chOff x="8983510" y="1901025"/>
+            <a:chExt cx="1773804" cy="1777417"/>
+          </a:xfrm>
+        </p:grpSpPr>
+        <p:grpSp>
+          <p:nvGrpSpPr>
+            <p:cNvPr id="76" name="Group 75">
+              <a:extLst>
+                <a:ext uri="{FF2B5EF4-FFF2-40B4-BE49-F238E27FC236}">
+                  <a16:creationId xmlns:a16="http://schemas.microsoft.com/office/drawing/2014/main" id="{C9F6E252-231A-469B-8CDC-1194E837FFE4}"/>
+                </a:ext>
+              </a:extLst>
+            </p:cNvPr>
+            <p:cNvGrpSpPr/>
+            <p:nvPr/>
+          </p:nvGrpSpPr>
+          <p:grpSpPr>
+            <a:xfrm>
+              <a:off x="8988590" y="3330712"/>
+              <a:ext cx="1761104" cy="347730"/>
+              <a:chOff x="8983510" y="2218524"/>
+              <a:chExt cx="1761104" cy="347730"/>
+            </a:xfrm>
+            <a:noFill/>
+          </p:grpSpPr>
+          <p:sp>
+            <p:nvSpPr>
+              <p:cNvPr id="77" name="Rectangle 76">
+                <a:extLst>
+                  <a:ext uri="{FF2B5EF4-FFF2-40B4-BE49-F238E27FC236}">
+                    <a16:creationId xmlns:a16="http://schemas.microsoft.com/office/drawing/2014/main" id="{98C1A4E3-5A37-4938-8039-6749E028B8C5}"/>
+                  </a:ext>
+                </a:extLst>
+              </p:cNvPr>
+              <p:cNvSpPr/>
+              <p:nvPr/>
+            </p:nvSpPr>
+            <p:spPr>
+              <a:xfrm>
+                <a:off x="8983510" y="2218524"/>
+                <a:ext cx="347730" cy="347730"/>
+              </a:xfrm>
+              <a:prstGeom prst="rect">
+                <a:avLst/>
+              </a:prstGeom>
+              <a:grpFill/>
+              <a:ln w="12700">
+                <a:solidFill>
+                  <a:schemeClr val="tx1"/>
+                </a:solidFill>
+              </a:ln>
+            </p:spPr>
+            <p:style>
+              <a:lnRef idx="2">
+                <a:schemeClr val="accent1">
+                  <a:shade val="50000"/>
+                </a:schemeClr>
+              </a:lnRef>
+              <a:fillRef idx="1">
+                <a:schemeClr val="accent1"/>
+              </a:fillRef>
+              <a:effectRef idx="0">
+                <a:schemeClr val="accent1"/>
+              </a:effectRef>
+              <a:fontRef idx="minor">
+                <a:schemeClr val="lt1"/>
+              </a:fontRef>
+            </p:style>
+            <p:txBody>
+              <a:bodyPr rtlCol="0" anchor="ctr"/>
+              <a:lstStyle/>
+              <a:p>
+                <a:pPr algn="ctr"/>
+                <a:endParaRPr lang="en-US"/>
+              </a:p>
+            </p:txBody>
+          </p:sp>
+          <p:sp>
+            <p:nvSpPr>
+              <p:cNvPr id="78" name="Rectangle 77">
+                <a:extLst>
+                  <a:ext uri="{FF2B5EF4-FFF2-40B4-BE49-F238E27FC236}">
+                    <a16:creationId xmlns:a16="http://schemas.microsoft.com/office/drawing/2014/main" id="{757F33C0-578B-409C-B107-25C588DD72E2}"/>
+                  </a:ext>
+                </a:extLst>
+              </p:cNvPr>
+              <p:cNvSpPr/>
+              <p:nvPr/>
+            </p:nvSpPr>
+            <p:spPr>
+              <a:xfrm>
+                <a:off x="9331240" y="2218524"/>
+                <a:ext cx="347730" cy="347730"/>
+              </a:xfrm>
+              <a:prstGeom prst="rect">
+                <a:avLst/>
+              </a:prstGeom>
+              <a:grpFill/>
+              <a:ln w="12700">
+                <a:solidFill>
+                  <a:schemeClr val="tx1"/>
+                </a:solidFill>
+              </a:ln>
+            </p:spPr>
+            <p:style>
+              <a:lnRef idx="2">
+                <a:schemeClr val="accent1">
+                  <a:shade val="50000"/>
+                </a:schemeClr>
+              </a:lnRef>
+              <a:fillRef idx="1">
+                <a:schemeClr val="accent1"/>
+              </a:fillRef>
+              <a:effectRef idx="0">
+                <a:schemeClr val="accent1"/>
+              </a:effectRef>
+              <a:fontRef idx="minor">
+                <a:schemeClr val="lt1"/>
+              </a:fontRef>
+            </p:style>
+            <p:txBody>
+              <a:bodyPr rtlCol="0" anchor="ctr"/>
+              <a:lstStyle/>
+              <a:p>
+                <a:pPr algn="ctr"/>
+                <a:endParaRPr lang="en-US"/>
+              </a:p>
+            </p:txBody>
+          </p:sp>
+          <p:sp>
+            <p:nvSpPr>
+              <p:cNvPr id="79" name="Rectangle 78">
+                <a:extLst>
+                  <a:ext uri="{FF2B5EF4-FFF2-40B4-BE49-F238E27FC236}">
+                    <a16:creationId xmlns:a16="http://schemas.microsoft.com/office/drawing/2014/main" id="{A76AD24A-7F09-4DB8-8122-78D8EC27764A}"/>
+                  </a:ext>
+                </a:extLst>
+              </p:cNvPr>
+              <p:cNvSpPr/>
+              <p:nvPr/>
+            </p:nvSpPr>
+            <p:spPr>
+              <a:xfrm>
+                <a:off x="9690197" y="2218524"/>
+                <a:ext cx="347730" cy="347730"/>
+              </a:xfrm>
+              <a:prstGeom prst="rect">
+                <a:avLst/>
+              </a:prstGeom>
+              <a:grpFill/>
+              <a:ln w="12700">
+                <a:solidFill>
+                  <a:schemeClr val="tx1"/>
+                </a:solidFill>
+              </a:ln>
+            </p:spPr>
+            <p:style>
+              <a:lnRef idx="2">
+                <a:schemeClr val="accent1">
+                  <a:shade val="50000"/>
+                </a:schemeClr>
+              </a:lnRef>
+              <a:fillRef idx="1">
+                <a:schemeClr val="accent1"/>
+              </a:fillRef>
+              <a:effectRef idx="0">
+                <a:schemeClr val="accent1"/>
+              </a:effectRef>
+              <a:fontRef idx="minor">
+                <a:schemeClr val="lt1"/>
+              </a:fontRef>
+            </p:style>
+            <p:txBody>
+              <a:bodyPr rtlCol="0" anchor="ctr"/>
+              <a:lstStyle/>
+              <a:p>
+                <a:pPr algn="ctr"/>
+                <a:endParaRPr lang="en-US"/>
+              </a:p>
+            </p:txBody>
+          </p:sp>
+          <p:sp>
+            <p:nvSpPr>
+              <p:cNvPr id="80" name="Rectangle 79">
+                <a:extLst>
+                  <a:ext uri="{FF2B5EF4-FFF2-40B4-BE49-F238E27FC236}">
+                    <a16:creationId xmlns:a16="http://schemas.microsoft.com/office/drawing/2014/main" id="{DA909173-9654-4EB4-8D99-BFA288885784}"/>
+                  </a:ext>
+                </a:extLst>
+              </p:cNvPr>
+              <p:cNvSpPr/>
+              <p:nvPr/>
+            </p:nvSpPr>
+            <p:spPr>
+              <a:xfrm>
+                <a:off x="10049154" y="2218524"/>
+                <a:ext cx="347730" cy="347730"/>
+              </a:xfrm>
+              <a:prstGeom prst="rect">
+                <a:avLst/>
+              </a:prstGeom>
+              <a:grpFill/>
+              <a:ln w="12700">
+                <a:solidFill>
+                  <a:schemeClr val="tx1"/>
+                </a:solidFill>
+              </a:ln>
+            </p:spPr>
+            <p:style>
+              <a:lnRef idx="2">
+                <a:schemeClr val="accent1">
+                  <a:shade val="50000"/>
+                </a:schemeClr>
+              </a:lnRef>
+              <a:fillRef idx="1">
+                <a:schemeClr val="accent1"/>
+              </a:fillRef>
+              <a:effectRef idx="0">
+                <a:schemeClr val="accent1"/>
+              </a:effectRef>
+              <a:fontRef idx="minor">
+                <a:schemeClr val="lt1"/>
+              </a:fontRef>
+            </p:style>
+            <p:txBody>
+              <a:bodyPr rtlCol="0" anchor="ctr"/>
+              <a:lstStyle/>
+              <a:p>
+                <a:pPr algn="ctr"/>
+                <a:endParaRPr lang="en-US"/>
+              </a:p>
+            </p:txBody>
+          </p:sp>
+          <p:sp>
+            <p:nvSpPr>
+              <p:cNvPr id="81" name="Rectangle 80">
+                <a:extLst>
+                  <a:ext uri="{FF2B5EF4-FFF2-40B4-BE49-F238E27FC236}">
+                    <a16:creationId xmlns:a16="http://schemas.microsoft.com/office/drawing/2014/main" id="{5A485575-CCF2-4CD6-99D4-4F86DD21F378}"/>
+                  </a:ext>
+                </a:extLst>
+              </p:cNvPr>
+              <p:cNvSpPr/>
+              <p:nvPr/>
+            </p:nvSpPr>
+            <p:spPr>
+              <a:xfrm>
+                <a:off x="10396884" y="2218524"/>
+                <a:ext cx="347730" cy="347730"/>
+              </a:xfrm>
+              <a:prstGeom prst="rect">
+                <a:avLst/>
+              </a:prstGeom>
+              <a:grpFill/>
+              <a:ln w="12700">
+                <a:solidFill>
+                  <a:schemeClr val="tx1"/>
+                </a:solidFill>
+              </a:ln>
+            </p:spPr>
+            <p:style>
+              <a:lnRef idx="2">
+                <a:schemeClr val="accent1">
+                  <a:shade val="50000"/>
+                </a:schemeClr>
+              </a:lnRef>
+              <a:fillRef idx="1">
+                <a:schemeClr val="accent1"/>
+              </a:fillRef>
+              <a:effectRef idx="0">
+                <a:schemeClr val="accent1"/>
+              </a:effectRef>
+              <a:fontRef idx="minor">
+                <a:schemeClr val="lt1"/>
+              </a:fontRef>
+            </p:style>
+            <p:txBody>
+              <a:bodyPr rtlCol="0" anchor="ctr"/>
+              <a:lstStyle/>
+              <a:p>
+                <a:pPr algn="ctr"/>
+                <a:endParaRPr lang="en-US"/>
+              </a:p>
+            </p:txBody>
+          </p:sp>
+        </p:grpSp>
+        <p:grpSp>
+          <p:nvGrpSpPr>
+            <p:cNvPr id="57" name="Group 56">
+              <a:extLst>
+                <a:ext uri="{FF2B5EF4-FFF2-40B4-BE49-F238E27FC236}">
+                  <a16:creationId xmlns:a16="http://schemas.microsoft.com/office/drawing/2014/main" id="{9B37266C-13E1-4E86-A9D1-95015FFFCBF5}"/>
+                </a:ext>
+              </a:extLst>
+            </p:cNvPr>
+            <p:cNvGrpSpPr/>
+            <p:nvPr/>
+          </p:nvGrpSpPr>
+          <p:grpSpPr>
+            <a:xfrm>
+              <a:off x="8988590" y="1913724"/>
+              <a:ext cx="1761104" cy="347730"/>
+              <a:chOff x="8983510" y="2218524"/>
+              <a:chExt cx="1761104" cy="347730"/>
+            </a:xfrm>
+            <a:noFill/>
+          </p:grpSpPr>
+          <p:sp>
+            <p:nvSpPr>
+              <p:cNvPr id="52" name="Rectangle 51">
+                <a:extLst>
+                  <a:ext uri="{FF2B5EF4-FFF2-40B4-BE49-F238E27FC236}">
+                    <a16:creationId xmlns:a16="http://schemas.microsoft.com/office/drawing/2014/main" id="{4295BB85-CAFB-4B9B-A331-ACCA58B45476}"/>
+                  </a:ext>
+                </a:extLst>
+              </p:cNvPr>
+              <p:cNvSpPr/>
+              <p:nvPr/>
+            </p:nvSpPr>
+            <p:spPr>
+              <a:xfrm>
+                <a:off x="8983510" y="2218524"/>
+                <a:ext cx="347730" cy="347730"/>
+              </a:xfrm>
+              <a:prstGeom prst="rect">
+                <a:avLst/>
+              </a:prstGeom>
+              <a:grpFill/>
+              <a:ln w="12700">
+                <a:solidFill>
+                  <a:schemeClr val="tx1"/>
+                </a:solidFill>
+              </a:ln>
+            </p:spPr>
+            <p:style>
+              <a:lnRef idx="2">
+                <a:schemeClr val="accent1">
+                  <a:shade val="50000"/>
+                </a:schemeClr>
+              </a:lnRef>
+              <a:fillRef idx="1">
+                <a:schemeClr val="accent1"/>
+              </a:fillRef>
+              <a:effectRef idx="0">
+                <a:schemeClr val="accent1"/>
+              </a:effectRef>
+              <a:fontRef idx="minor">
+                <a:schemeClr val="lt1"/>
+              </a:fontRef>
+            </p:style>
+            <p:txBody>
+              <a:bodyPr rtlCol="0" anchor="ctr"/>
+              <a:lstStyle/>
+              <a:p>
+                <a:pPr algn="ctr"/>
+                <a:endParaRPr lang="en-US"/>
+              </a:p>
+            </p:txBody>
+          </p:sp>
+          <p:sp>
+            <p:nvSpPr>
+              <p:cNvPr id="53" name="Rectangle 52">
+                <a:extLst>
+                  <a:ext uri="{FF2B5EF4-FFF2-40B4-BE49-F238E27FC236}">
+                    <a16:creationId xmlns:a16="http://schemas.microsoft.com/office/drawing/2014/main" id="{DEBAB35D-1C0A-41FA-8F51-7B056E3B75D7}"/>
+                  </a:ext>
+                </a:extLst>
+              </p:cNvPr>
+              <p:cNvSpPr/>
+              <p:nvPr/>
+            </p:nvSpPr>
+            <p:spPr>
+              <a:xfrm>
+                <a:off x="9331240" y="2218524"/>
+                <a:ext cx="347730" cy="347730"/>
+              </a:xfrm>
+              <a:prstGeom prst="rect">
+                <a:avLst/>
+              </a:prstGeom>
+              <a:grpFill/>
+              <a:ln w="12700">
+                <a:solidFill>
+                  <a:schemeClr val="tx1"/>
+                </a:solidFill>
+              </a:ln>
+            </p:spPr>
+            <p:style>
+              <a:lnRef idx="2">
+                <a:schemeClr val="accent1">
+                  <a:shade val="50000"/>
+                </a:schemeClr>
+              </a:lnRef>
+              <a:fillRef idx="1">
+                <a:schemeClr val="accent1"/>
+              </a:fillRef>
+              <a:effectRef idx="0">
+                <a:schemeClr val="accent1"/>
+              </a:effectRef>
+              <a:fontRef idx="minor">
+                <a:schemeClr val="lt1"/>
+              </a:fontRef>
+            </p:style>
+            <p:txBody>
+              <a:bodyPr rtlCol="0" anchor="ctr"/>
+              <a:lstStyle/>
+              <a:p>
+                <a:pPr algn="ctr"/>
+                <a:endParaRPr lang="en-US"/>
+              </a:p>
+            </p:txBody>
+          </p:sp>
+          <p:sp>
+            <p:nvSpPr>
+              <p:cNvPr id="54" name="Rectangle 53">
+                <a:extLst>
+                  <a:ext uri="{FF2B5EF4-FFF2-40B4-BE49-F238E27FC236}">
+                    <a16:creationId xmlns:a16="http://schemas.microsoft.com/office/drawing/2014/main" id="{8826A8D8-CFD5-4A41-A93C-D6C708D704A1}"/>
+                  </a:ext>
+                </a:extLst>
+              </p:cNvPr>
+              <p:cNvSpPr/>
+              <p:nvPr/>
+            </p:nvSpPr>
+            <p:spPr>
+              <a:xfrm>
+                <a:off x="9690197" y="2218524"/>
+                <a:ext cx="347730" cy="347730"/>
+              </a:xfrm>
+              <a:prstGeom prst="rect">
+                <a:avLst/>
+              </a:prstGeom>
+              <a:grpFill/>
+              <a:ln w="12700">
+                <a:solidFill>
+                  <a:schemeClr val="tx1"/>
+                </a:solidFill>
+              </a:ln>
+            </p:spPr>
+            <p:style>
+              <a:lnRef idx="2">
+                <a:schemeClr val="accent1">
+                  <a:shade val="50000"/>
+                </a:schemeClr>
+              </a:lnRef>
+              <a:fillRef idx="1">
+                <a:schemeClr val="accent1"/>
+              </a:fillRef>
+              <a:effectRef idx="0">
+                <a:schemeClr val="accent1"/>
+              </a:effectRef>
+              <a:fontRef idx="minor">
+                <a:schemeClr val="lt1"/>
+              </a:fontRef>
+            </p:style>
+            <p:txBody>
+              <a:bodyPr rtlCol="0" anchor="ctr"/>
+              <a:lstStyle/>
+              <a:p>
+                <a:pPr algn="ctr"/>
+                <a:endParaRPr lang="en-US"/>
+              </a:p>
+            </p:txBody>
+          </p:sp>
+          <p:sp>
+            <p:nvSpPr>
+              <p:cNvPr id="55" name="Rectangle 54">
+                <a:extLst>
+                  <a:ext uri="{FF2B5EF4-FFF2-40B4-BE49-F238E27FC236}">
+                    <a16:creationId xmlns:a16="http://schemas.microsoft.com/office/drawing/2014/main" id="{3B89D868-FCC5-4B51-996F-9AC71626E050}"/>
+                  </a:ext>
+                </a:extLst>
+              </p:cNvPr>
+              <p:cNvSpPr/>
+              <p:nvPr/>
+            </p:nvSpPr>
+            <p:spPr>
+              <a:xfrm>
+                <a:off x="10049154" y="2218524"/>
+                <a:ext cx="347730" cy="347730"/>
+              </a:xfrm>
+              <a:prstGeom prst="rect">
+                <a:avLst/>
+              </a:prstGeom>
+              <a:grpFill/>
+              <a:ln w="12700">
+                <a:solidFill>
+                  <a:schemeClr val="tx1"/>
+                </a:solidFill>
+              </a:ln>
+            </p:spPr>
+            <p:style>
+              <a:lnRef idx="2">
+                <a:schemeClr val="accent1">
+                  <a:shade val="50000"/>
+                </a:schemeClr>
+              </a:lnRef>
+              <a:fillRef idx="1">
+                <a:schemeClr val="accent1"/>
+              </a:fillRef>
+              <a:effectRef idx="0">
+                <a:schemeClr val="accent1"/>
+              </a:effectRef>
+              <a:fontRef idx="minor">
+                <a:schemeClr val="lt1"/>
+              </a:fontRef>
+            </p:style>
+            <p:txBody>
+              <a:bodyPr rtlCol="0" anchor="ctr"/>
+              <a:lstStyle/>
+              <a:p>
+                <a:pPr algn="ctr"/>
+                <a:endParaRPr lang="en-US"/>
+              </a:p>
+            </p:txBody>
+          </p:sp>
+          <p:sp>
+            <p:nvSpPr>
+              <p:cNvPr id="56" name="Rectangle 55">
+                <a:extLst>
+                  <a:ext uri="{FF2B5EF4-FFF2-40B4-BE49-F238E27FC236}">
+                    <a16:creationId xmlns:a16="http://schemas.microsoft.com/office/drawing/2014/main" id="{7F1DBF6B-A06B-41F5-B5F7-7B6DE03AFB22}"/>
+                  </a:ext>
+                </a:extLst>
+              </p:cNvPr>
+              <p:cNvSpPr/>
+              <p:nvPr/>
+            </p:nvSpPr>
+            <p:spPr>
+              <a:xfrm>
+                <a:off x="10396884" y="2218524"/>
+                <a:ext cx="347730" cy="347730"/>
+              </a:xfrm>
+              <a:prstGeom prst="rect">
+                <a:avLst/>
+              </a:prstGeom>
+              <a:grpFill/>
+              <a:ln w="12700">
+                <a:solidFill>
+                  <a:schemeClr val="tx1"/>
+                </a:solidFill>
+              </a:ln>
+            </p:spPr>
+            <p:style>
+              <a:lnRef idx="2">
+                <a:schemeClr val="accent1">
+                  <a:shade val="50000"/>
+                </a:schemeClr>
+              </a:lnRef>
+              <a:fillRef idx="1">
+                <a:schemeClr val="accent1"/>
+              </a:fillRef>
+              <a:effectRef idx="0">
+                <a:schemeClr val="accent1"/>
+              </a:effectRef>
+              <a:fontRef idx="minor">
+                <a:schemeClr val="lt1"/>
+              </a:fontRef>
+            </p:style>
+            <p:txBody>
+              <a:bodyPr rtlCol="0" anchor="ctr"/>
+              <a:lstStyle/>
+              <a:p>
+                <a:pPr algn="ctr"/>
+                <a:endParaRPr lang="en-US"/>
+              </a:p>
+            </p:txBody>
+          </p:sp>
+        </p:grpSp>
+        <p:grpSp>
+          <p:nvGrpSpPr>
+            <p:cNvPr id="58" name="Group 57">
+              <a:extLst>
+                <a:ext uri="{FF2B5EF4-FFF2-40B4-BE49-F238E27FC236}">
+                  <a16:creationId xmlns:a16="http://schemas.microsoft.com/office/drawing/2014/main" id="{E65EAA8A-318C-48D5-BD09-F2272B33D241}"/>
+                </a:ext>
+              </a:extLst>
+            </p:cNvPr>
+            <p:cNvGrpSpPr/>
+            <p:nvPr/>
+          </p:nvGrpSpPr>
+          <p:grpSpPr>
+            <a:xfrm>
+              <a:off x="8988590" y="2267934"/>
+              <a:ext cx="1761104" cy="347730"/>
+              <a:chOff x="8983510" y="2218524"/>
+              <a:chExt cx="1761104" cy="347730"/>
+            </a:xfrm>
+            <a:noFill/>
+          </p:grpSpPr>
+          <p:sp>
+            <p:nvSpPr>
+              <p:cNvPr id="59" name="Rectangle 58">
+                <a:extLst>
+                  <a:ext uri="{FF2B5EF4-FFF2-40B4-BE49-F238E27FC236}">
+                    <a16:creationId xmlns:a16="http://schemas.microsoft.com/office/drawing/2014/main" id="{B96ADFBC-640E-48EE-8ADB-165A070218B6}"/>
+                  </a:ext>
+                </a:extLst>
+              </p:cNvPr>
+              <p:cNvSpPr/>
+              <p:nvPr/>
+            </p:nvSpPr>
+            <p:spPr>
+              <a:xfrm>
+                <a:off x="8983510" y="2218524"/>
+                <a:ext cx="347730" cy="347730"/>
+              </a:xfrm>
+              <a:prstGeom prst="rect">
+                <a:avLst/>
+              </a:prstGeom>
+              <a:grpFill/>
+              <a:ln w="12700">
+                <a:solidFill>
+                  <a:schemeClr val="tx1"/>
+                </a:solidFill>
+              </a:ln>
+            </p:spPr>
+            <p:style>
+              <a:lnRef idx="2">
+                <a:schemeClr val="accent1">
+                  <a:shade val="50000"/>
+                </a:schemeClr>
+              </a:lnRef>
+              <a:fillRef idx="1">
+                <a:schemeClr val="accent1"/>
+              </a:fillRef>
+              <a:effectRef idx="0">
+                <a:schemeClr val="accent1"/>
+              </a:effectRef>
+              <a:fontRef idx="minor">
+                <a:schemeClr val="lt1"/>
+              </a:fontRef>
+            </p:style>
+            <p:txBody>
+              <a:bodyPr rtlCol="0" anchor="ctr"/>
+              <a:lstStyle/>
+              <a:p>
+                <a:pPr algn="ctr"/>
+                <a:endParaRPr lang="en-US"/>
+              </a:p>
+            </p:txBody>
+          </p:sp>
+          <p:sp>
+            <p:nvSpPr>
+              <p:cNvPr id="60" name="Rectangle 59">
+                <a:extLst>
+                  <a:ext uri="{FF2B5EF4-FFF2-40B4-BE49-F238E27FC236}">
+                    <a16:creationId xmlns:a16="http://schemas.microsoft.com/office/drawing/2014/main" id="{9FB76AE1-4FE0-461A-862D-6EA06336D453}"/>
+                  </a:ext>
+                </a:extLst>
+              </p:cNvPr>
+              <p:cNvSpPr/>
+              <p:nvPr/>
+            </p:nvSpPr>
+            <p:spPr>
+              <a:xfrm>
+                <a:off x="9331240" y="2218524"/>
+                <a:ext cx="347730" cy="347730"/>
+              </a:xfrm>
+              <a:prstGeom prst="rect">
+                <a:avLst/>
+              </a:prstGeom>
+              <a:solidFill>
+                <a:schemeClr val="bg2">
+                  <a:lumMod val="75000"/>
+                </a:schemeClr>
+              </a:solidFill>
+              <a:ln w="12700">
+                <a:solidFill>
+                  <a:schemeClr val="tx1"/>
+                </a:solidFill>
+              </a:ln>
+            </p:spPr>
+            <p:style>
+              <a:lnRef idx="2">
+                <a:schemeClr val="accent1">
+                  <a:shade val="50000"/>
+                </a:schemeClr>
+              </a:lnRef>
+              <a:fillRef idx="1">
+                <a:schemeClr val="accent1"/>
+              </a:fillRef>
+              <a:effectRef idx="0">
+                <a:schemeClr val="accent1"/>
+              </a:effectRef>
+              <a:fontRef idx="minor">
+                <a:schemeClr val="lt1"/>
+              </a:fontRef>
+            </p:style>
+            <p:txBody>
+              <a:bodyPr rtlCol="0" anchor="ctr"/>
+              <a:lstStyle/>
+              <a:p>
+                <a:pPr algn="ctr"/>
+                <a:endParaRPr lang="en-US"/>
+              </a:p>
+            </p:txBody>
+          </p:sp>
+          <p:sp>
+            <p:nvSpPr>
+              <p:cNvPr id="61" name="Rectangle 60">
+                <a:extLst>
+                  <a:ext uri="{FF2B5EF4-FFF2-40B4-BE49-F238E27FC236}">
+                    <a16:creationId xmlns:a16="http://schemas.microsoft.com/office/drawing/2014/main" id="{71AE0982-02F0-4451-8B40-835E0A6F68D3}"/>
+                  </a:ext>
+                </a:extLst>
+              </p:cNvPr>
+              <p:cNvSpPr/>
+              <p:nvPr/>
+            </p:nvSpPr>
+            <p:spPr>
+              <a:xfrm>
+                <a:off x="9690197" y="2218524"/>
+                <a:ext cx="347730" cy="347730"/>
+              </a:xfrm>
+              <a:prstGeom prst="rect">
+                <a:avLst/>
+              </a:prstGeom>
+              <a:grpFill/>
+              <a:ln w="12700">
+                <a:solidFill>
+                  <a:schemeClr val="tx1"/>
+                </a:solidFill>
+              </a:ln>
+            </p:spPr>
+            <p:style>
+              <a:lnRef idx="2">
+                <a:schemeClr val="accent1">
+                  <a:shade val="50000"/>
+                </a:schemeClr>
+              </a:lnRef>
+              <a:fillRef idx="1">
+                <a:schemeClr val="accent1"/>
+              </a:fillRef>
+              <a:effectRef idx="0">
+                <a:schemeClr val="accent1"/>
+              </a:effectRef>
+              <a:fontRef idx="minor">
+                <a:schemeClr val="lt1"/>
+              </a:fontRef>
+            </p:style>
+            <p:txBody>
+              <a:bodyPr rtlCol="0" anchor="ctr"/>
+              <a:lstStyle/>
+              <a:p>
+                <a:pPr algn="ctr"/>
+                <a:endParaRPr lang="en-US"/>
+              </a:p>
+            </p:txBody>
+          </p:sp>
+          <p:sp>
+            <p:nvSpPr>
+              <p:cNvPr id="62" name="Rectangle 61">
+                <a:extLst>
+                  <a:ext uri="{FF2B5EF4-FFF2-40B4-BE49-F238E27FC236}">
+                    <a16:creationId xmlns:a16="http://schemas.microsoft.com/office/drawing/2014/main" id="{7B3BCF6A-7698-43A4-B3CF-36063FFD0D58}"/>
+                  </a:ext>
+                </a:extLst>
+              </p:cNvPr>
+              <p:cNvSpPr/>
+              <p:nvPr/>
+            </p:nvSpPr>
+            <p:spPr>
+              <a:xfrm>
+                <a:off x="10049154" y="2218524"/>
+                <a:ext cx="347730" cy="347730"/>
+              </a:xfrm>
+              <a:prstGeom prst="rect">
+                <a:avLst/>
+              </a:prstGeom>
+              <a:solidFill>
+                <a:schemeClr val="bg2">
+                  <a:lumMod val="75000"/>
+                </a:schemeClr>
+              </a:solidFill>
+              <a:ln w="12700">
+                <a:solidFill>
+                  <a:schemeClr val="tx1"/>
+                </a:solidFill>
+              </a:ln>
+            </p:spPr>
+            <p:style>
+              <a:lnRef idx="2">
+                <a:schemeClr val="accent1">
+                  <a:shade val="50000"/>
+                </a:schemeClr>
+              </a:lnRef>
+              <a:fillRef idx="1">
+                <a:schemeClr val="accent1"/>
+              </a:fillRef>
+              <a:effectRef idx="0">
+                <a:schemeClr val="accent1"/>
+              </a:effectRef>
+              <a:fontRef idx="minor">
+                <a:schemeClr val="lt1"/>
+              </a:fontRef>
+            </p:style>
+            <p:txBody>
+              <a:bodyPr rtlCol="0" anchor="ctr"/>
+              <a:lstStyle/>
+              <a:p>
+                <a:pPr algn="ctr"/>
+                <a:endParaRPr lang="en-US"/>
+              </a:p>
+            </p:txBody>
+          </p:sp>
+          <p:sp>
+            <p:nvSpPr>
+              <p:cNvPr id="63" name="Rectangle 62">
+                <a:extLst>
+                  <a:ext uri="{FF2B5EF4-FFF2-40B4-BE49-F238E27FC236}">
+                    <a16:creationId xmlns:a16="http://schemas.microsoft.com/office/drawing/2014/main" id="{88ADD3AA-5D88-4F90-98AE-60C248494261}"/>
+                  </a:ext>
+                </a:extLst>
+              </p:cNvPr>
+              <p:cNvSpPr/>
+              <p:nvPr/>
+            </p:nvSpPr>
+            <p:spPr>
+              <a:xfrm>
+                <a:off x="10396884" y="2218524"/>
+                <a:ext cx="347730" cy="347730"/>
+              </a:xfrm>
+              <a:prstGeom prst="rect">
+                <a:avLst/>
+              </a:prstGeom>
+              <a:grpFill/>
+              <a:ln w="12700">
+                <a:solidFill>
+                  <a:schemeClr val="tx1"/>
+                </a:solidFill>
+              </a:ln>
+            </p:spPr>
+            <p:style>
+              <a:lnRef idx="2">
+                <a:schemeClr val="accent1">
+                  <a:shade val="50000"/>
+                </a:schemeClr>
+              </a:lnRef>
+              <a:fillRef idx="1">
+                <a:schemeClr val="accent1"/>
+              </a:fillRef>
+              <a:effectRef idx="0">
+                <a:schemeClr val="accent1"/>
+              </a:effectRef>
+              <a:fontRef idx="minor">
+                <a:schemeClr val="lt1"/>
+              </a:fontRef>
+            </p:style>
+            <p:txBody>
+              <a:bodyPr rtlCol="0" anchor="ctr"/>
+              <a:lstStyle/>
+              <a:p>
+                <a:pPr algn="ctr"/>
+                <a:endParaRPr lang="en-US"/>
+              </a:p>
+            </p:txBody>
+          </p:sp>
+        </p:grpSp>
+        <p:sp>
+          <p:nvSpPr>
+            <p:cNvPr id="65" name="Rectangle 64">
+              <a:extLst>
+                <a:ext uri="{FF2B5EF4-FFF2-40B4-BE49-F238E27FC236}">
+                  <a16:creationId xmlns:a16="http://schemas.microsoft.com/office/drawing/2014/main" id="{DCE84218-D33F-40E7-8CB2-FA55DC350CEA}"/>
+                </a:ext>
+              </a:extLst>
+            </p:cNvPr>
+            <p:cNvSpPr/>
+            <p:nvPr/>
+          </p:nvSpPr>
+          <p:spPr>
+            <a:xfrm>
+              <a:off x="8988590" y="2623284"/>
+              <a:ext cx="347730" cy="347730"/>
+            </a:xfrm>
+            <a:prstGeom prst="rect">
+              <a:avLst/>
+            </a:prstGeom>
+            <a:noFill/>
+            <a:ln w="12700">
+              <a:solidFill>
+                <a:schemeClr val="tx1"/>
+              </a:solidFill>
+            </a:ln>
+          </p:spPr>
+          <p:style>
+            <a:lnRef idx="2">
+              <a:schemeClr val="accent1">
+                <a:shade val="50000"/>
+              </a:schemeClr>
+            </a:lnRef>
+            <a:fillRef idx="1">
+              <a:schemeClr val="accent1"/>
+            </a:fillRef>
+            <a:effectRef idx="0">
+              <a:schemeClr val="accent1"/>
+            </a:effectRef>
+            <a:fontRef idx="minor">
+              <a:schemeClr val="lt1"/>
+            </a:fontRef>
+          </p:style>
+          <p:txBody>
+            <a:bodyPr rtlCol="0" anchor="ctr"/>
+            <a:lstStyle/>
+            <a:p>
+              <a:pPr algn="ctr"/>
+              <a:endParaRPr lang="en-US"/>
+            </a:p>
+          </p:txBody>
+        </p:sp>
+        <p:sp>
+          <p:nvSpPr>
+            <p:cNvPr id="66" name="Rectangle 65">
+              <a:extLst>
+                <a:ext uri="{FF2B5EF4-FFF2-40B4-BE49-F238E27FC236}">
+                  <a16:creationId xmlns:a16="http://schemas.microsoft.com/office/drawing/2014/main" id="{C4190741-B572-4482-9A6A-33F05B1F7563}"/>
+                </a:ext>
+              </a:extLst>
+            </p:cNvPr>
+            <p:cNvSpPr/>
+            <p:nvPr/>
+          </p:nvSpPr>
+          <p:spPr>
+            <a:xfrm>
+              <a:off x="9336320" y="2623284"/>
+              <a:ext cx="347730" cy="347730"/>
+            </a:xfrm>
+            <a:prstGeom prst="rect">
+              <a:avLst/>
+            </a:prstGeom>
+            <a:noFill/>
+            <a:ln w="12700">
+              <a:solidFill>
+                <a:schemeClr val="tx1"/>
+              </a:solidFill>
+            </a:ln>
+          </p:spPr>
+          <p:style>
+            <a:lnRef idx="2">
+              <a:schemeClr val="accent1">
+                <a:shade val="50000"/>
+              </a:schemeClr>
+            </a:lnRef>
+            <a:fillRef idx="1">
+              <a:schemeClr val="accent1"/>
+            </a:fillRef>
+            <a:effectRef idx="0">
+              <a:schemeClr val="accent1"/>
+            </a:effectRef>
+            <a:fontRef idx="minor">
+              <a:schemeClr val="lt1"/>
+            </a:fontRef>
+          </p:style>
+          <p:txBody>
+            <a:bodyPr rtlCol="0" anchor="ctr"/>
+            <a:lstStyle/>
+            <a:p>
+              <a:pPr algn="ctr"/>
+              <a:endParaRPr lang="en-US"/>
+            </a:p>
+          </p:txBody>
+        </p:sp>
+        <p:sp>
+          <p:nvSpPr>
+            <p:cNvPr id="67" name="Rectangle 66">
+              <a:extLst>
+                <a:ext uri="{FF2B5EF4-FFF2-40B4-BE49-F238E27FC236}">
+                  <a16:creationId xmlns:a16="http://schemas.microsoft.com/office/drawing/2014/main" id="{590D3AFA-4200-4260-B468-C71D6C6D9BAF}"/>
+                </a:ext>
+              </a:extLst>
+            </p:cNvPr>
+            <p:cNvSpPr/>
+            <p:nvPr/>
+          </p:nvSpPr>
+          <p:spPr>
+            <a:xfrm>
+              <a:off x="9695277" y="2623284"/>
+              <a:ext cx="347730" cy="347730"/>
+            </a:xfrm>
+            <a:prstGeom prst="rect">
+              <a:avLst/>
+            </a:prstGeom>
+            <a:noFill/>
+            <a:ln w="12700">
+              <a:solidFill>
+                <a:schemeClr val="tx1"/>
+              </a:solidFill>
+            </a:ln>
+          </p:spPr>
+          <p:style>
+            <a:lnRef idx="2">
+              <a:schemeClr val="accent1">
+                <a:shade val="50000"/>
+              </a:schemeClr>
+            </a:lnRef>
+            <a:fillRef idx="1">
+              <a:schemeClr val="accent1"/>
+            </a:fillRef>
+            <a:effectRef idx="0">
+              <a:schemeClr val="accent1"/>
+            </a:effectRef>
+            <a:fontRef idx="minor">
+              <a:schemeClr val="lt1"/>
+            </a:fontRef>
+          </p:style>
+          <p:txBody>
+            <a:bodyPr rtlCol="0" anchor="ctr"/>
+            <a:lstStyle/>
+            <a:p>
+              <a:pPr algn="ctr"/>
+              <a:endParaRPr lang="en-US"/>
+            </a:p>
+          </p:txBody>
+        </p:sp>
+        <p:sp>
+          <p:nvSpPr>
+            <p:cNvPr id="69" name="Rectangle 68">
+              <a:extLst>
+                <a:ext uri="{FF2B5EF4-FFF2-40B4-BE49-F238E27FC236}">
+                  <a16:creationId xmlns:a16="http://schemas.microsoft.com/office/drawing/2014/main" id="{37F26279-9EBB-4F14-933D-97E2853CB099}"/>
+                </a:ext>
+              </a:extLst>
+            </p:cNvPr>
+            <p:cNvSpPr/>
+            <p:nvPr/>
+          </p:nvSpPr>
+          <p:spPr>
+            <a:xfrm>
+              <a:off x="10401964" y="2623284"/>
+              <a:ext cx="347730" cy="347730"/>
+            </a:xfrm>
+            <a:prstGeom prst="rect">
+              <a:avLst/>
+            </a:prstGeom>
+            <a:noFill/>
+            <a:ln w="12700">
+              <a:solidFill>
+                <a:schemeClr val="tx1"/>
+              </a:solidFill>
+            </a:ln>
+          </p:spPr>
+          <p:style>
+            <a:lnRef idx="2">
+              <a:schemeClr val="accent1">
+                <a:shade val="50000"/>
+              </a:schemeClr>
+            </a:lnRef>
+            <a:fillRef idx="1">
+              <a:schemeClr val="accent1"/>
+            </a:fillRef>
+            <a:effectRef idx="0">
+              <a:schemeClr val="accent1"/>
+            </a:effectRef>
+            <a:fontRef idx="minor">
+              <a:schemeClr val="lt1"/>
+            </a:fontRef>
+          </p:style>
+          <p:txBody>
+            <a:bodyPr rtlCol="0" anchor="ctr"/>
+            <a:lstStyle/>
+            <a:p>
+              <a:pPr algn="ctr"/>
+              <a:endParaRPr lang="en-US"/>
+            </a:p>
+          </p:txBody>
+        </p:sp>
+        <p:grpSp>
+          <p:nvGrpSpPr>
+            <p:cNvPr id="70" name="Group 69">
+              <a:extLst>
+                <a:ext uri="{FF2B5EF4-FFF2-40B4-BE49-F238E27FC236}">
+                  <a16:creationId xmlns:a16="http://schemas.microsoft.com/office/drawing/2014/main" id="{2050F08F-2828-4EBC-B047-AF924A5A9A83}"/>
+                </a:ext>
+              </a:extLst>
+            </p:cNvPr>
+            <p:cNvGrpSpPr/>
+            <p:nvPr/>
+          </p:nvGrpSpPr>
+          <p:grpSpPr>
+            <a:xfrm>
+              <a:off x="8988590" y="2977590"/>
+              <a:ext cx="1761104" cy="347730"/>
+              <a:chOff x="8983510" y="2218524"/>
+              <a:chExt cx="1761104" cy="347730"/>
+            </a:xfrm>
+            <a:noFill/>
+          </p:grpSpPr>
+          <p:sp>
+            <p:nvSpPr>
+              <p:cNvPr id="71" name="Rectangle 70">
+                <a:extLst>
+                  <a:ext uri="{FF2B5EF4-FFF2-40B4-BE49-F238E27FC236}">
+                    <a16:creationId xmlns:a16="http://schemas.microsoft.com/office/drawing/2014/main" id="{F7DF2345-620B-4144-934C-9CAE8EBB64F2}"/>
+                  </a:ext>
+                </a:extLst>
+              </p:cNvPr>
+              <p:cNvSpPr/>
+              <p:nvPr/>
+            </p:nvSpPr>
+            <p:spPr>
+              <a:xfrm>
+                <a:off x="8983510" y="2218524"/>
+                <a:ext cx="347730" cy="347730"/>
+              </a:xfrm>
+              <a:prstGeom prst="rect">
+                <a:avLst/>
+              </a:prstGeom>
+              <a:grpFill/>
+              <a:ln w="12700">
+                <a:solidFill>
+                  <a:schemeClr val="tx1"/>
+                </a:solidFill>
+              </a:ln>
+            </p:spPr>
+            <p:style>
+              <a:lnRef idx="2">
+                <a:schemeClr val="accent1">
+                  <a:shade val="50000"/>
+                </a:schemeClr>
+              </a:lnRef>
+              <a:fillRef idx="1">
+                <a:schemeClr val="accent1"/>
+              </a:fillRef>
+              <a:effectRef idx="0">
+                <a:schemeClr val="accent1"/>
+              </a:effectRef>
+              <a:fontRef idx="minor">
+                <a:schemeClr val="lt1"/>
+              </a:fontRef>
+            </p:style>
+            <p:txBody>
+              <a:bodyPr rtlCol="0" anchor="ctr"/>
+              <a:lstStyle/>
+              <a:p>
+                <a:pPr algn="ctr"/>
+                <a:endParaRPr lang="en-US"/>
+              </a:p>
+            </p:txBody>
+          </p:sp>
+          <p:sp>
+            <p:nvSpPr>
+              <p:cNvPr id="72" name="Rectangle 71">
+                <a:extLst>
+                  <a:ext uri="{FF2B5EF4-FFF2-40B4-BE49-F238E27FC236}">
+                    <a16:creationId xmlns:a16="http://schemas.microsoft.com/office/drawing/2014/main" id="{9A9DD7D4-7B83-4716-B499-95A5864D4C8B}"/>
+                  </a:ext>
+                </a:extLst>
+              </p:cNvPr>
+              <p:cNvSpPr/>
+              <p:nvPr/>
+            </p:nvSpPr>
+            <p:spPr>
+              <a:xfrm>
+                <a:off x="9331240" y="2218524"/>
+                <a:ext cx="347730" cy="347730"/>
+              </a:xfrm>
+              <a:prstGeom prst="rect">
+                <a:avLst/>
+              </a:prstGeom>
+              <a:solidFill>
+                <a:schemeClr val="bg2">
+                  <a:lumMod val="75000"/>
+                </a:schemeClr>
+              </a:solidFill>
+              <a:ln w="12700">
+                <a:solidFill>
+                  <a:schemeClr val="tx1"/>
+                </a:solidFill>
+              </a:ln>
+              <a:effectLst>
+                <a:glow rad="63500">
+                  <a:schemeClr val="accent1">
+                    <a:satMod val="175000"/>
+                    <a:alpha val="40000"/>
+                  </a:schemeClr>
+                </a:glow>
+              </a:effectLst>
+            </p:spPr>
+            <p:style>
+              <a:lnRef idx="2">
+                <a:schemeClr val="accent1">
+                  <a:shade val="50000"/>
+                </a:schemeClr>
+              </a:lnRef>
+              <a:fillRef idx="1">
+                <a:schemeClr val="accent1"/>
+              </a:fillRef>
+              <a:effectRef idx="0">
+                <a:schemeClr val="accent1"/>
+              </a:effectRef>
+              <a:fontRef idx="minor">
+                <a:schemeClr val="lt1"/>
+              </a:fontRef>
+            </p:style>
+            <p:txBody>
+              <a:bodyPr rtlCol="0" anchor="ctr"/>
+              <a:lstStyle/>
+              <a:p>
+                <a:pPr algn="ctr"/>
+                <a:endParaRPr lang="en-US"/>
+              </a:p>
+            </p:txBody>
+          </p:sp>
+          <p:sp>
+            <p:nvSpPr>
+              <p:cNvPr id="73" name="Rectangle 72">
+                <a:extLst>
+                  <a:ext uri="{FF2B5EF4-FFF2-40B4-BE49-F238E27FC236}">
+                    <a16:creationId xmlns:a16="http://schemas.microsoft.com/office/drawing/2014/main" id="{311835CA-8710-41BC-B99D-6D3563306358}"/>
+                  </a:ext>
+                </a:extLst>
+              </p:cNvPr>
+              <p:cNvSpPr/>
+              <p:nvPr/>
+            </p:nvSpPr>
+            <p:spPr>
+              <a:xfrm>
+                <a:off x="9690197" y="2218524"/>
+                <a:ext cx="347730" cy="347730"/>
+              </a:xfrm>
+              <a:prstGeom prst="rect">
+                <a:avLst/>
+              </a:prstGeom>
+              <a:grpFill/>
+              <a:ln w="12700">
+                <a:solidFill>
+                  <a:schemeClr val="tx1"/>
+                </a:solidFill>
+              </a:ln>
+            </p:spPr>
+            <p:style>
+              <a:lnRef idx="2">
+                <a:schemeClr val="accent1">
+                  <a:shade val="50000"/>
+                </a:schemeClr>
+              </a:lnRef>
+              <a:fillRef idx="1">
+                <a:schemeClr val="accent1"/>
+              </a:fillRef>
+              <a:effectRef idx="0">
+                <a:schemeClr val="accent1"/>
+              </a:effectRef>
+              <a:fontRef idx="minor">
+                <a:schemeClr val="lt1"/>
+              </a:fontRef>
+            </p:style>
+            <p:txBody>
+              <a:bodyPr rtlCol="0" anchor="ctr"/>
+              <a:lstStyle/>
+              <a:p>
+                <a:pPr algn="ctr"/>
+                <a:endParaRPr lang="en-US"/>
+              </a:p>
+            </p:txBody>
+          </p:sp>
+          <p:sp>
+            <p:nvSpPr>
+              <p:cNvPr id="74" name="Rectangle 73">
+                <a:extLst>
+                  <a:ext uri="{FF2B5EF4-FFF2-40B4-BE49-F238E27FC236}">
+                    <a16:creationId xmlns:a16="http://schemas.microsoft.com/office/drawing/2014/main" id="{9720AF19-642B-435B-A924-ADC0B0050CD5}"/>
+                  </a:ext>
+                </a:extLst>
+              </p:cNvPr>
+              <p:cNvSpPr/>
+              <p:nvPr/>
+            </p:nvSpPr>
+            <p:spPr>
+              <a:xfrm>
+                <a:off x="10049154" y="2218524"/>
+                <a:ext cx="347730" cy="347730"/>
+              </a:xfrm>
+              <a:prstGeom prst="rect">
+                <a:avLst/>
+              </a:prstGeom>
+              <a:solidFill>
+                <a:schemeClr val="bg2">
+                  <a:lumMod val="75000"/>
+                </a:schemeClr>
+              </a:solidFill>
+              <a:ln w="12700">
+                <a:solidFill>
+                  <a:schemeClr val="tx1"/>
+                </a:solidFill>
+              </a:ln>
+            </p:spPr>
+            <p:style>
+              <a:lnRef idx="2">
+                <a:schemeClr val="accent1">
+                  <a:shade val="50000"/>
+                </a:schemeClr>
+              </a:lnRef>
+              <a:fillRef idx="1">
+                <a:schemeClr val="accent1"/>
+              </a:fillRef>
+              <a:effectRef idx="0">
+                <a:schemeClr val="accent1"/>
+              </a:effectRef>
+              <a:fontRef idx="minor">
+                <a:schemeClr val="lt1"/>
+              </a:fontRef>
+            </p:style>
+            <p:txBody>
+              <a:bodyPr rtlCol="0" anchor="ctr"/>
+              <a:lstStyle/>
+              <a:p>
+                <a:pPr algn="ctr"/>
+                <a:endParaRPr lang="en-US"/>
+              </a:p>
+            </p:txBody>
+          </p:sp>
+          <p:sp>
+            <p:nvSpPr>
+              <p:cNvPr id="75" name="Rectangle 74">
+                <a:extLst>
+                  <a:ext uri="{FF2B5EF4-FFF2-40B4-BE49-F238E27FC236}">
+                    <a16:creationId xmlns:a16="http://schemas.microsoft.com/office/drawing/2014/main" id="{BCA16F7E-EDCB-4C36-A8C3-5D896BEE3104}"/>
+                  </a:ext>
+                </a:extLst>
+              </p:cNvPr>
+              <p:cNvSpPr/>
+              <p:nvPr/>
+            </p:nvSpPr>
+            <p:spPr>
+              <a:xfrm>
+                <a:off x="10396884" y="2218524"/>
+                <a:ext cx="347730" cy="347730"/>
+              </a:xfrm>
+              <a:prstGeom prst="rect">
+                <a:avLst/>
+              </a:prstGeom>
+              <a:grpFill/>
+              <a:ln w="12700">
+                <a:solidFill>
+                  <a:schemeClr val="tx1"/>
+                </a:solidFill>
+              </a:ln>
+            </p:spPr>
+            <p:style>
+              <a:lnRef idx="2">
+                <a:schemeClr val="accent1">
+                  <a:shade val="50000"/>
+                </a:schemeClr>
+              </a:lnRef>
+              <a:fillRef idx="1">
+                <a:schemeClr val="accent1"/>
+              </a:fillRef>
+              <a:effectRef idx="0">
+                <a:schemeClr val="accent1"/>
+              </a:effectRef>
+              <a:fontRef idx="minor">
+                <a:schemeClr val="lt1"/>
+              </a:fontRef>
+            </p:style>
+            <p:txBody>
+              <a:bodyPr rtlCol="0" anchor="ctr"/>
+              <a:lstStyle/>
+              <a:p>
+                <a:pPr algn="ctr"/>
+                <a:endParaRPr lang="en-US"/>
+              </a:p>
+            </p:txBody>
+          </p:sp>
+        </p:grpSp>
+        <p:sp>
+          <p:nvSpPr>
+            <p:cNvPr id="50" name="Rectangle 49">
+              <a:extLst>
+                <a:ext uri="{FF2B5EF4-FFF2-40B4-BE49-F238E27FC236}">
+                  <a16:creationId xmlns:a16="http://schemas.microsoft.com/office/drawing/2014/main" id="{7F93DFC6-5B6B-4DAD-9838-D6A5659D5A6D}"/>
+                </a:ext>
+              </a:extLst>
+            </p:cNvPr>
+            <p:cNvSpPr/>
+            <p:nvPr/>
+          </p:nvSpPr>
+          <p:spPr>
+            <a:xfrm rot="5400000">
+              <a:off x="8981703" y="1902832"/>
+              <a:ext cx="1777417" cy="1773804"/>
+            </a:xfrm>
+            <a:prstGeom prst="rect">
+              <a:avLst/>
+            </a:prstGeom>
+            <a:noFill/>
+            <a:ln w="28575">
+              <a:solidFill>
+                <a:schemeClr val="tx1"/>
+              </a:solidFill>
+            </a:ln>
+            <a:effectLst/>
+          </p:spPr>
+          <p:style>
+            <a:lnRef idx="2">
+              <a:schemeClr val="accent1">
+                <a:shade val="50000"/>
+              </a:schemeClr>
+            </a:lnRef>
+            <a:fillRef idx="1">
+              <a:schemeClr val="accent1"/>
+            </a:fillRef>
+            <a:effectRef idx="0">
+              <a:schemeClr val="accent1"/>
+            </a:effectRef>
+            <a:fontRef idx="minor">
+              <a:schemeClr val="lt1"/>
+            </a:fontRef>
+          </p:style>
+          <p:txBody>
+            <a:bodyPr rtlCol="0" anchor="ctr"/>
+            <a:lstStyle/>
+            <a:p>
+              <a:pPr algn="ctr"/>
+              <a:endParaRPr lang="en-US">
+                <a:effectLst/>
+              </a:endParaRPr>
+            </a:p>
+          </p:txBody>
+        </p:sp>
+        <p:sp>
+          <p:nvSpPr>
+            <p:cNvPr id="68" name="Rectangle 67">
+              <a:extLst>
+                <a:ext uri="{FF2B5EF4-FFF2-40B4-BE49-F238E27FC236}">
+                  <a16:creationId xmlns:a16="http://schemas.microsoft.com/office/drawing/2014/main" id="{7F1A564E-7FFE-4660-AD96-3A6CAE1D5E51}"/>
+                </a:ext>
+              </a:extLst>
+            </p:cNvPr>
+            <p:cNvSpPr/>
+            <p:nvPr/>
+          </p:nvSpPr>
+          <p:spPr>
+            <a:xfrm>
+              <a:off x="10054234" y="2623284"/>
+              <a:ext cx="347730" cy="347730"/>
+            </a:xfrm>
+            <a:prstGeom prst="rect">
+              <a:avLst/>
+            </a:prstGeom>
+            <a:solidFill>
+              <a:schemeClr val="bg1"/>
+            </a:solidFill>
+            <a:ln w="12700">
+              <a:solidFill>
+                <a:schemeClr val="tx1"/>
+              </a:solidFill>
+            </a:ln>
+            <a:effectLst>
+              <a:glow rad="63500">
+                <a:schemeClr val="accent1">
+                  <a:satMod val="175000"/>
+                  <a:alpha val="40000"/>
+                </a:schemeClr>
+              </a:glow>
+            </a:effectLst>
+          </p:spPr>
+          <p:style>
+            <a:lnRef idx="2">
+              <a:schemeClr val="accent1">
+                <a:shade val="50000"/>
+              </a:schemeClr>
+            </a:lnRef>
+            <a:fillRef idx="1">
+              <a:schemeClr val="accent1"/>
+            </a:fillRef>
+            <a:effectRef idx="0">
+              <a:schemeClr val="accent1"/>
+            </a:effectRef>
+            <a:fontRef idx="minor">
+              <a:schemeClr val="lt1"/>
+            </a:fontRef>
+          </p:style>
+          <p:txBody>
+            <a:bodyPr rtlCol="0" anchor="ctr"/>
+            <a:lstStyle/>
+            <a:p>
+              <a:pPr algn="ctr"/>
+              <a:endParaRPr lang="en-US" dirty="0"/>
+            </a:p>
+          </p:txBody>
+        </p:sp>
+      </p:grpSp>
+      <p:cxnSp>
+        <p:nvCxnSpPr>
+          <p:cNvPr id="85" name="Straight Arrow Connector 84">
+            <a:extLst>
+              <a:ext uri="{FF2B5EF4-FFF2-40B4-BE49-F238E27FC236}">
+                <a16:creationId xmlns:a16="http://schemas.microsoft.com/office/drawing/2014/main" id="{06E78305-7162-4EE1-95D1-8F1B17D9E67D}"/>
+              </a:ext>
+            </a:extLst>
+          </p:cNvPr>
+          <p:cNvCxnSpPr>
+            <a:cxnSpLocks/>
+            <a:stCxn id="83" idx="0"/>
+          </p:cNvCxnSpPr>
+          <p:nvPr/>
+        </p:nvCxnSpPr>
+        <p:spPr>
+          <a:xfrm flipV="1">
+            <a:off x="9075113" y="2452615"/>
+            <a:ext cx="59869" cy="1952770"/>
+          </a:xfrm>
+          <a:prstGeom prst="straightConnector1">
+            <a:avLst/>
+          </a:prstGeom>
+          <a:ln>
+            <a:tailEnd type="triangle"/>
+          </a:ln>
+        </p:spPr>
+        <p:style>
+          <a:lnRef idx="1">
+            <a:schemeClr val="accent1"/>
+          </a:lnRef>
+          <a:fillRef idx="0">
+            <a:schemeClr val="accent1"/>
+          </a:fillRef>
+          <a:effectRef idx="0">
+            <a:schemeClr val="accent1"/>
+          </a:effectRef>
+          <a:fontRef idx="minor">
+            <a:schemeClr val="tx1"/>
+          </a:fontRef>
+        </p:style>
+      </p:cxnSp>
+      <p:sp>
+        <p:nvSpPr>
+          <p:cNvPr id="94" name="TextBox 93">
+            <a:extLst>
+              <a:ext uri="{FF2B5EF4-FFF2-40B4-BE49-F238E27FC236}">
+                <a16:creationId xmlns:a16="http://schemas.microsoft.com/office/drawing/2014/main" id="{675112E7-D3E7-454B-960D-C2F3FB0AD520}"/>
+              </a:ext>
+            </a:extLst>
+          </p:cNvPr>
+          <p:cNvSpPr txBox="1"/>
+          <p:nvPr/>
+        </p:nvSpPr>
+        <p:spPr>
+          <a:xfrm>
+            <a:off x="9162455" y="4411961"/>
+            <a:ext cx="3022602" cy="646331"/>
+          </a:xfrm>
+          <a:prstGeom prst="rect">
+            <a:avLst/>
+          </a:prstGeom>
+          <a:noFill/>
+        </p:spPr>
+        <p:txBody>
+          <a:bodyPr wrap="square" rtlCol="0">
+            <a:spAutoFit/>
+          </a:bodyPr>
+          <a:lstStyle/>
+          <a:p>
+            <a:pPr algn="ctr"/>
+            <a:r>
+              <a:rPr lang="en-US" b="1" dirty="0">
+                <a:latin typeface="Aller" panose="02000503030000020004" pitchFamily="2" charset="0"/>
+              </a:rPr>
+              <a:t>Steel</a:t>
+            </a:r>
+          </a:p>
+          <a:p>
+            <a:pPr algn="ctr"/>
+            <a:r>
+              <a:rPr lang="en-US" b="1" dirty="0">
+                <a:latin typeface="Aller" panose="02000503030000020004" pitchFamily="2" charset="0"/>
+              </a:rPr>
+              <a:t>Fibers</a:t>
+            </a:r>
+          </a:p>
+        </p:txBody>
+      </p:sp>
+      <p:cxnSp>
+        <p:nvCxnSpPr>
+          <p:cNvPr id="87" name="Straight Arrow Connector 86">
+            <a:extLst>
+              <a:ext uri="{FF2B5EF4-FFF2-40B4-BE49-F238E27FC236}">
+                <a16:creationId xmlns:a16="http://schemas.microsoft.com/office/drawing/2014/main" id="{29D5924B-32A0-4B5A-9D3C-451BBEA7AE82}"/>
+              </a:ext>
+            </a:extLst>
+          </p:cNvPr>
+          <p:cNvCxnSpPr>
+            <a:cxnSpLocks/>
+            <a:stCxn id="83" idx="0"/>
+          </p:cNvCxnSpPr>
+          <p:nvPr/>
+        </p:nvCxnSpPr>
+        <p:spPr>
+          <a:xfrm flipV="1">
+            <a:off x="9075113" y="3504577"/>
+            <a:ext cx="398727" cy="900808"/>
+          </a:xfrm>
+          <a:prstGeom prst="straightConnector1">
+            <a:avLst/>
+          </a:prstGeom>
+          <a:ln>
+            <a:tailEnd type="triangle"/>
+          </a:ln>
+        </p:spPr>
+        <p:style>
+          <a:lnRef idx="1">
+            <a:schemeClr val="accent1"/>
+          </a:lnRef>
+          <a:fillRef idx="0">
+            <a:schemeClr val="accent1"/>
+          </a:fillRef>
+          <a:effectRef idx="0">
+            <a:schemeClr val="accent1"/>
+          </a:effectRef>
+          <a:fontRef idx="minor">
+            <a:schemeClr val="tx1"/>
+          </a:fontRef>
+        </p:style>
+      </p:cxnSp>
+      <p:cxnSp>
+        <p:nvCxnSpPr>
+          <p:cNvPr id="99" name="Straight Arrow Connector 98">
+            <a:extLst>
+              <a:ext uri="{FF2B5EF4-FFF2-40B4-BE49-F238E27FC236}">
+                <a16:creationId xmlns:a16="http://schemas.microsoft.com/office/drawing/2014/main" id="{5951B335-D10E-4F72-A5A9-D061898B60D0}"/>
+              </a:ext>
+            </a:extLst>
+          </p:cNvPr>
+          <p:cNvCxnSpPr>
+            <a:cxnSpLocks/>
+            <a:stCxn id="94" idx="0"/>
+          </p:cNvCxnSpPr>
+          <p:nvPr/>
+        </p:nvCxnSpPr>
+        <p:spPr>
+          <a:xfrm flipH="1" flipV="1">
+            <a:off x="10228099" y="2466469"/>
+            <a:ext cx="445657" cy="1945492"/>
+          </a:xfrm>
+          <a:prstGeom prst="straightConnector1">
+            <a:avLst/>
+          </a:prstGeom>
+          <a:ln>
+            <a:tailEnd type="triangle"/>
+          </a:ln>
+        </p:spPr>
+        <p:style>
+          <a:lnRef idx="1">
+            <a:schemeClr val="accent1"/>
+          </a:lnRef>
+          <a:fillRef idx="0">
+            <a:schemeClr val="accent1"/>
+          </a:fillRef>
+          <a:effectRef idx="0">
+            <a:schemeClr val="accent1"/>
+          </a:effectRef>
+          <a:fontRef idx="minor">
+            <a:schemeClr val="tx1"/>
+          </a:fontRef>
+        </p:style>
+      </p:cxnSp>
+      <p:cxnSp>
+        <p:nvCxnSpPr>
+          <p:cNvPr id="103" name="Straight Arrow Connector 102">
+            <a:extLst>
+              <a:ext uri="{FF2B5EF4-FFF2-40B4-BE49-F238E27FC236}">
+                <a16:creationId xmlns:a16="http://schemas.microsoft.com/office/drawing/2014/main" id="{A069B9BE-7CFD-426C-AB9F-8718E688ADF8}"/>
+              </a:ext>
+            </a:extLst>
+          </p:cNvPr>
+          <p:cNvCxnSpPr>
+            <a:cxnSpLocks/>
+            <a:stCxn id="94" idx="0"/>
+          </p:cNvCxnSpPr>
+          <p:nvPr/>
+        </p:nvCxnSpPr>
+        <p:spPr>
+          <a:xfrm flipH="1" flipV="1">
+            <a:off x="10215541" y="3175165"/>
+            <a:ext cx="458215" cy="1236796"/>
+          </a:xfrm>
+          <a:prstGeom prst="straightConnector1">
+            <a:avLst/>
+          </a:prstGeom>
+          <a:ln>
+            <a:tailEnd type="triangle"/>
+          </a:ln>
+        </p:spPr>
+        <p:style>
+          <a:lnRef idx="1">
+            <a:schemeClr val="accent1"/>
+          </a:lnRef>
+          <a:fillRef idx="0">
+            <a:schemeClr val="accent1"/>
+          </a:fillRef>
+          <a:effectRef idx="0">
+            <a:schemeClr val="accent1"/>
+          </a:effectRef>
+          <a:fontRef idx="minor">
+            <a:schemeClr val="tx1"/>
+          </a:fontRef>
+        </p:style>
+      </p:cxnSp>
+      <p:sp>
+        <p:nvSpPr>
+          <p:cNvPr id="107" name="TextBox 106">
+            <a:extLst>
+              <a:ext uri="{FF2B5EF4-FFF2-40B4-BE49-F238E27FC236}">
+                <a16:creationId xmlns:a16="http://schemas.microsoft.com/office/drawing/2014/main" id="{D06FA823-2A95-42CB-9827-2CCF150F1D73}"/>
+              </a:ext>
+            </a:extLst>
+          </p:cNvPr>
+          <p:cNvSpPr txBox="1"/>
+          <p:nvPr/>
+        </p:nvSpPr>
+        <p:spPr>
+          <a:xfrm>
+            <a:off x="8357841" y="5232698"/>
+            <a:ext cx="3022602" cy="369332"/>
+          </a:xfrm>
+          <a:prstGeom prst="rect">
+            <a:avLst/>
+          </a:prstGeom>
+          <a:noFill/>
+        </p:spPr>
+        <p:txBody>
+          <a:bodyPr wrap="square" rtlCol="0">
+            <a:spAutoFit/>
+          </a:bodyPr>
+          <a:lstStyle/>
+          <a:p>
+            <a:pPr algn="ctr"/>
+            <a:r>
+              <a:rPr lang="en-US" b="1" dirty="0">
+                <a:latin typeface="Aller" panose="02000503030000020004" pitchFamily="2" charset="0"/>
+              </a:rPr>
+              <a:t>Fiber Level</a:t>
+            </a:r>
+          </a:p>
+        </p:txBody>
+      </p:sp>
+    </p:spTree>
+    <p:extLst>
+      <p:ext uri="{BB962C8B-B14F-4D97-AF65-F5344CB8AC3E}">
+        <p14:creationId xmlns:p14="http://schemas.microsoft.com/office/powerpoint/2010/main" val="2544724069"/>
+      </p:ext>
+    </p:extLst>
+  </p:cSld>
+  <p:clrMapOvr>
+    <a:masterClrMapping/>
+  </p:clrMapOvr>
+  <p:transition spd="slow">
+    <p:wipe/>
+  </p:transition>
+</p:sld>
+</file>
+
+<file path=ppt/slides/slide12.xml><?xml version="1.0" encoding="utf-8"?>
+<p:sld xmlns:a="http://schemas.openxmlformats.org/drawingml/2006/main" xmlns:r="http://schemas.openxmlformats.org/officeDocument/2006/relationships" xmlns:p="http://schemas.openxmlformats.org/presentationml/2006/main">
+  <p:cSld>
+    <p:spTree>
+      <p:nvGrpSpPr>
+        <p:cNvPr id="1" name=""/>
+        <p:cNvGrpSpPr/>
+        <p:nvPr/>
+      </p:nvGrpSpPr>
+      <p:grpSpPr>
+        <a:xfrm>
+          <a:off x="0" y="0"/>
+          <a:ext cx="0" cy="0"/>
+          <a:chOff x="0" y="0"/>
+          <a:chExt cx="0" cy="0"/>
+        </a:xfrm>
+      </p:grpSpPr>
+      <p:pic>
+        <p:nvPicPr>
+          <p:cNvPr id="4" name="Picture 3">
+            <a:extLst>
+              <a:ext uri="{FF2B5EF4-FFF2-40B4-BE49-F238E27FC236}">
+                <a16:creationId xmlns:a16="http://schemas.microsoft.com/office/drawing/2014/main" id="{2AEC5062-54F5-43DC-9CE3-62EDDD6ADAA9}"/>
+              </a:ext>
+            </a:extLst>
+          </p:cNvPr>
+          <p:cNvPicPr>
+            <a:picLocks noChangeAspect="1"/>
+          </p:cNvPicPr>
+          <p:nvPr/>
+        </p:nvPicPr>
+        <p:blipFill>
+          <a:blip r:embed="rId2">
+            <a:extLst>
+              <a:ext uri="{28A0092B-C50C-407E-A947-70E740481C1C}">
+                <a14:useLocalDpi xmlns:a14="http://schemas.microsoft.com/office/drawing/2010/main" val="0"/>
+              </a:ext>
+            </a:extLst>
+          </a:blip>
+          <a:stretch>
+            <a:fillRect/>
+          </a:stretch>
+        </p:blipFill>
+        <p:spPr>
+          <a:xfrm>
+            <a:off x="681350" y="1023792"/>
+            <a:ext cx="10850250" cy="5605608"/>
+          </a:xfrm>
+          <a:prstGeom prst="rect">
+            <a:avLst/>
+          </a:prstGeom>
+        </p:spPr>
+      </p:pic>
+      <p:sp>
+        <p:nvSpPr>
+          <p:cNvPr id="5" name="Title 1">
+            <a:extLst>
+              <a:ext uri="{FF2B5EF4-FFF2-40B4-BE49-F238E27FC236}">
+                <a16:creationId xmlns:a16="http://schemas.microsoft.com/office/drawing/2014/main" id="{BF97EAA1-37D5-4788-BE0A-F1CCA5B0D3E1}"/>
+              </a:ext>
+            </a:extLst>
+          </p:cNvPr>
+          <p:cNvSpPr txBox="1">
+            <a:spLocks/>
+          </p:cNvSpPr>
+          <p:nvPr/>
+        </p:nvSpPr>
+        <p:spPr>
+          <a:xfrm>
+            <a:off x="401950" y="266766"/>
+            <a:ext cx="11790050" cy="698566"/>
+          </a:xfrm>
+          <a:prstGeom prst="rect">
+            <a:avLst/>
+          </a:prstGeom>
+        </p:spPr>
+        <p:txBody>
+          <a:bodyPr anchor="ctr"/>
+          <a:lstStyle>
+            <a:lvl1pPr algn="l" defTabSz="914400" rtl="0" eaLnBrk="1" latinLnBrk="0" hangingPunct="1">
+              <a:lnSpc>
+                <a:spcPct val="90000"/>
+              </a:lnSpc>
+              <a:spcBef>
+                <a:spcPct val="0"/>
+              </a:spcBef>
+              <a:buNone/>
+              <a:defRPr sz="4400" kern="1200">
+                <a:solidFill>
+                  <a:schemeClr val="tx1"/>
+                </a:solidFill>
+                <a:latin typeface="+mj-lt"/>
+                <a:ea typeface="+mj-ea"/>
+                <a:cs typeface="+mj-cs"/>
+              </a:defRPr>
+            </a:lvl1pPr>
+          </a:lstStyle>
+          <a:p>
+            <a:r>
+              <a:rPr lang="en-US" sz="3600" dirty="0">
+                <a:latin typeface="Aller Display" panose="02000503000000020003" pitchFamily="2" charset="0"/>
+              </a:rPr>
+              <a:t>CLASS DIAGRAM</a:t>
+            </a:r>
+          </a:p>
+        </p:txBody>
+      </p:sp>
+    </p:spTree>
+    <p:extLst>
+      <p:ext uri="{BB962C8B-B14F-4D97-AF65-F5344CB8AC3E}">
+        <p14:creationId xmlns:p14="http://schemas.microsoft.com/office/powerpoint/2010/main" val="4279757534"/>
+      </p:ext>
+    </p:extLst>
+  </p:cSld>
+  <p:clrMapOvr>
+    <a:masterClrMapping/>
+  </p:clrMapOvr>
+  <p:transition spd="slow">
+    <p:wipe/>
+  </p:transition>
+</p:sld>
+</file>
+
+<file path=ppt/slides/slide13.xml><?xml version="1.0" encoding="utf-8"?>
+<p:sld xmlns:a="http://schemas.openxmlformats.org/drawingml/2006/main" xmlns:r="http://schemas.openxmlformats.org/officeDocument/2006/relationships" xmlns:p="http://schemas.openxmlformats.org/presentationml/2006/main">
+  <p:cSld>
+    <p:spTree>
+      <p:nvGrpSpPr>
+        <p:cNvPr id="1" name=""/>
+        <p:cNvGrpSpPr/>
+        <p:nvPr/>
+      </p:nvGrpSpPr>
+      <p:grpSpPr>
+        <a:xfrm>
+          <a:off x="0" y="0"/>
+          <a:ext cx="0" cy="0"/>
+          <a:chOff x="0" y="0"/>
+          <a:chExt cx="0" cy="0"/>
+        </a:xfrm>
+      </p:grpSpPr>
+      <p:sp>
+        <p:nvSpPr>
+          <p:cNvPr id="2" name="Title 1">
+            <a:extLst>
+              <a:ext uri="{FF2B5EF4-FFF2-40B4-BE49-F238E27FC236}">
+                <a16:creationId xmlns:a16="http://schemas.microsoft.com/office/drawing/2014/main" id="{52DA7C2A-D0AC-41A1-909D-6CF493B69DAC}"/>
+              </a:ext>
+            </a:extLst>
+          </p:cNvPr>
+          <p:cNvSpPr txBox="1">
+            <a:spLocks/>
+          </p:cNvSpPr>
+          <p:nvPr/>
+        </p:nvSpPr>
+        <p:spPr>
+          <a:xfrm>
+            <a:off x="401950" y="266766"/>
+            <a:ext cx="11790050" cy="698566"/>
+          </a:xfrm>
+          <a:prstGeom prst="rect">
+            <a:avLst/>
+          </a:prstGeom>
+        </p:spPr>
+        <p:txBody>
+          <a:bodyPr anchor="ctr"/>
+          <a:lstStyle>
+            <a:lvl1pPr algn="l" defTabSz="914400" rtl="0" eaLnBrk="1" latinLnBrk="0" hangingPunct="1">
+              <a:lnSpc>
+                <a:spcPct val="90000"/>
+              </a:lnSpc>
+              <a:spcBef>
+                <a:spcPct val="0"/>
+              </a:spcBef>
+              <a:buNone/>
+              <a:defRPr sz="4400" kern="1200">
+                <a:solidFill>
+                  <a:schemeClr val="tx1"/>
+                </a:solidFill>
+                <a:latin typeface="+mj-lt"/>
+                <a:ea typeface="+mj-ea"/>
+                <a:cs typeface="+mj-cs"/>
+              </a:defRPr>
+            </a:lvl1pPr>
+          </a:lstStyle>
+          <a:p>
+            <a:r>
+              <a:rPr lang="en-US" sz="3600" dirty="0">
+                <a:latin typeface="Aller Display" panose="02000503000000020003" pitchFamily="2" charset="0"/>
+              </a:rPr>
+              <a:t>PROJECT PLAN AND PROGRESS</a:t>
+            </a:r>
+          </a:p>
+        </p:txBody>
+      </p:sp>
+    </p:spTree>
+    <p:extLst>
+      <p:ext uri="{BB962C8B-B14F-4D97-AF65-F5344CB8AC3E}">
+        <p14:creationId xmlns:p14="http://schemas.microsoft.com/office/powerpoint/2010/main" val="592085028"/>
+      </p:ext>
+    </p:extLst>
+  </p:cSld>
+  <p:clrMapOvr>
+    <a:masterClrMapping/>
+  </p:clrMapOvr>
+  <p:transition spd="slow">
+    <p:wipe/>
+  </p:transition>
+</p:sld>
+</file>
+
+<file path=ppt/slides/slide14.xml><?xml version="1.0" encoding="utf-8"?>
+<p:sld xmlns:a="http://schemas.openxmlformats.org/drawingml/2006/main" xmlns:r="http://schemas.openxmlformats.org/officeDocument/2006/relationships" xmlns:p="http://schemas.openxmlformats.org/presentationml/2006/main">
+  <p:cSld>
+    <p:spTree>
+      <p:nvGrpSpPr>
+        <p:cNvPr id="1" name=""/>
+        <p:cNvGrpSpPr/>
+        <p:nvPr/>
+      </p:nvGrpSpPr>
+      <p:grpSpPr>
+        <a:xfrm>
+          <a:off x="0" y="0"/>
+          <a:ext cx="0" cy="0"/>
+          <a:chOff x="0" y="0"/>
+          <a:chExt cx="0" cy="0"/>
+        </a:xfrm>
+      </p:grpSpPr>
+      <p:sp>
+        <p:nvSpPr>
+          <p:cNvPr id="2" name="Title 1">
+            <a:extLst>
+              <a:ext uri="{FF2B5EF4-FFF2-40B4-BE49-F238E27FC236}">
+                <a16:creationId xmlns:a16="http://schemas.microsoft.com/office/drawing/2014/main" id="{52DA7C2A-D0AC-41A1-909D-6CF493B69DAC}"/>
+              </a:ext>
+            </a:extLst>
+          </p:cNvPr>
+          <p:cNvSpPr txBox="1">
+            <a:spLocks/>
+          </p:cNvSpPr>
+          <p:nvPr/>
+        </p:nvSpPr>
+        <p:spPr>
+          <a:xfrm>
+            <a:off x="554350" y="508066"/>
+            <a:ext cx="11790050" cy="698566"/>
+          </a:xfrm>
+          <a:prstGeom prst="rect">
+            <a:avLst/>
+          </a:prstGeom>
+        </p:spPr>
+        <p:txBody>
+          <a:bodyPr anchor="ctr"/>
+          <a:lstStyle>
+            <a:lvl1pPr algn="l" defTabSz="914400" rtl="0" eaLnBrk="1" latinLnBrk="0" hangingPunct="1">
+              <a:lnSpc>
+                <a:spcPct val="90000"/>
+              </a:lnSpc>
+              <a:spcBef>
+                <a:spcPct val="0"/>
+              </a:spcBef>
+              <a:buNone/>
+              <a:defRPr sz="4400" kern="1200">
+                <a:solidFill>
+                  <a:schemeClr val="tx1"/>
+                </a:solidFill>
+                <a:latin typeface="+mj-lt"/>
+                <a:ea typeface="+mj-ea"/>
+                <a:cs typeface="+mj-cs"/>
+              </a:defRPr>
+            </a:lvl1pPr>
+          </a:lstStyle>
+          <a:p>
+            <a:r>
+              <a:rPr lang="en-US" dirty="0">
+                <a:latin typeface="Aller Display" panose="02000503000000020003" pitchFamily="2" charset="0"/>
+              </a:rPr>
+              <a:t>NEXT STEPS</a:t>
+            </a:r>
+          </a:p>
+        </p:txBody>
+      </p:sp>
+      <p:sp>
+        <p:nvSpPr>
+          <p:cNvPr id="3" name="Title 1">
+            <a:extLst>
+              <a:ext uri="{FF2B5EF4-FFF2-40B4-BE49-F238E27FC236}">
+                <a16:creationId xmlns:a16="http://schemas.microsoft.com/office/drawing/2014/main" id="{49F971CB-4ADA-4244-AAD8-2F7838D7FEF3}"/>
+              </a:ext>
+            </a:extLst>
+          </p:cNvPr>
+          <p:cNvSpPr txBox="1">
+            <a:spLocks/>
+          </p:cNvSpPr>
+          <p:nvPr/>
+        </p:nvSpPr>
+        <p:spPr>
+          <a:xfrm>
+            <a:off x="800100" y="3416299"/>
+            <a:ext cx="11049000" cy="1320800"/>
+          </a:xfrm>
+          <a:prstGeom prst="rect">
+            <a:avLst/>
+          </a:prstGeom>
+        </p:spPr>
+        <p:txBody>
+          <a:bodyPr anchor="t"/>
+          <a:lstStyle>
+            <a:lvl1pPr algn="l" defTabSz="914400" rtl="0" eaLnBrk="1" latinLnBrk="0" hangingPunct="1">
+              <a:lnSpc>
+                <a:spcPct val="90000"/>
+              </a:lnSpc>
+              <a:spcBef>
+                <a:spcPct val="0"/>
+              </a:spcBef>
+              <a:buNone/>
+              <a:defRPr sz="4400" kern="1200">
+                <a:solidFill>
+                  <a:schemeClr val="tx1"/>
+                </a:solidFill>
+                <a:latin typeface="+mj-lt"/>
+                <a:ea typeface="+mj-ea"/>
+                <a:cs typeface="+mj-cs"/>
+              </a:defRPr>
+            </a:lvl1pPr>
+          </a:lstStyle>
+          <a:p>
+            <a:pPr>
+              <a:lnSpc>
+                <a:spcPct val="150000"/>
+              </a:lnSpc>
+            </a:pPr>
+            <a:r>
+              <a:rPr lang="en-US" sz="3200" b="1" dirty="0">
+                <a:solidFill>
+                  <a:schemeClr val="accent5">
+                    <a:lumMod val="75000"/>
+                  </a:schemeClr>
+                </a:solidFill>
+                <a:latin typeface="Aller" panose="02000503030000020004" pitchFamily="2" charset="0"/>
+              </a:rPr>
+              <a:t>Optimizations</a:t>
+            </a:r>
+          </a:p>
+          <a:p>
+            <a:pPr>
+              <a:lnSpc>
+                <a:spcPct val="150000"/>
+              </a:lnSpc>
+            </a:pPr>
+            <a:r>
+              <a:rPr lang="en-US" sz="3200" b="1" dirty="0">
+                <a:latin typeface="Aller" panose="02000503030000020004" pitchFamily="2" charset="0"/>
+              </a:rPr>
+              <a:t>	</a:t>
+            </a:r>
+            <a:r>
+              <a:rPr lang="en-US" sz="3200" dirty="0">
+                <a:latin typeface="Aller" panose="02000503030000020004" pitchFamily="2" charset="0"/>
+              </a:rPr>
+              <a:t>- Parallelizing calculations</a:t>
+            </a:r>
+          </a:p>
+          <a:p>
+            <a:pPr>
+              <a:lnSpc>
+                <a:spcPct val="150000"/>
+              </a:lnSpc>
+            </a:pPr>
+            <a:r>
+              <a:rPr lang="en-US" sz="3200" dirty="0">
+                <a:latin typeface="Aller" panose="02000503030000020004" pitchFamily="2" charset="0"/>
+              </a:rPr>
+              <a:t>	- GPU processing</a:t>
+            </a:r>
+          </a:p>
+        </p:txBody>
+      </p:sp>
+      <p:sp>
+        <p:nvSpPr>
+          <p:cNvPr id="4" name="Title 1">
+            <a:extLst>
+              <a:ext uri="{FF2B5EF4-FFF2-40B4-BE49-F238E27FC236}">
+                <a16:creationId xmlns:a16="http://schemas.microsoft.com/office/drawing/2014/main" id="{A38C0F71-6E70-47EE-85C6-24015D68BC90}"/>
+              </a:ext>
+            </a:extLst>
+          </p:cNvPr>
+          <p:cNvSpPr txBox="1">
+            <a:spLocks/>
+          </p:cNvSpPr>
+          <p:nvPr/>
+        </p:nvSpPr>
+        <p:spPr>
+          <a:xfrm>
+            <a:off x="800100" y="1828799"/>
+            <a:ext cx="11049000" cy="1320800"/>
+          </a:xfrm>
+          <a:prstGeom prst="rect">
+            <a:avLst/>
+          </a:prstGeom>
+        </p:spPr>
+        <p:txBody>
+          <a:bodyPr anchor="t"/>
+          <a:lstStyle>
+            <a:lvl1pPr algn="l" defTabSz="914400" rtl="0" eaLnBrk="1" latinLnBrk="0" hangingPunct="1">
+              <a:lnSpc>
+                <a:spcPct val="90000"/>
+              </a:lnSpc>
+              <a:spcBef>
+                <a:spcPct val="0"/>
+              </a:spcBef>
+              <a:buNone/>
+              <a:defRPr sz="4400" kern="1200">
+                <a:solidFill>
+                  <a:schemeClr val="tx1"/>
+                </a:solidFill>
+                <a:latin typeface="+mj-lt"/>
+                <a:ea typeface="+mj-ea"/>
+                <a:cs typeface="+mj-cs"/>
+              </a:defRPr>
+            </a:lvl1pPr>
+          </a:lstStyle>
+          <a:p>
+            <a:pPr>
+              <a:lnSpc>
+                <a:spcPct val="150000"/>
+              </a:lnSpc>
+            </a:pPr>
+            <a:r>
+              <a:rPr lang="en-US" sz="3200" b="1" dirty="0">
+                <a:solidFill>
+                  <a:schemeClr val="accent5">
+                    <a:lumMod val="75000"/>
+                  </a:schemeClr>
+                </a:solidFill>
+                <a:latin typeface="Aller" panose="02000503030000020004" pitchFamily="2" charset="0"/>
+              </a:rPr>
+              <a:t>Improvements</a:t>
+            </a:r>
+          </a:p>
+          <a:p>
+            <a:pPr>
+              <a:lnSpc>
+                <a:spcPct val="150000"/>
+              </a:lnSpc>
+            </a:pPr>
+            <a:r>
+              <a:rPr lang="en-US" sz="3200" b="1" dirty="0">
+                <a:latin typeface="Aller" panose="02000503030000020004" pitchFamily="2" charset="0"/>
+              </a:rPr>
+              <a:t>	</a:t>
+            </a:r>
+            <a:r>
+              <a:rPr lang="en-US" sz="3200" dirty="0">
+                <a:latin typeface="Aller" panose="02000503030000020004" pitchFamily="2" charset="0"/>
+              </a:rPr>
+              <a:t>- Extending for 3D structures</a:t>
+            </a:r>
+          </a:p>
+        </p:txBody>
+      </p:sp>
+      <p:sp>
+        <p:nvSpPr>
+          <p:cNvPr id="5" name="Rectangle 4">
+            <a:extLst>
+              <a:ext uri="{FF2B5EF4-FFF2-40B4-BE49-F238E27FC236}">
+                <a16:creationId xmlns:a16="http://schemas.microsoft.com/office/drawing/2014/main" id="{4082FDE3-FBF5-4C96-B8AA-3286ADAA0C53}"/>
+              </a:ext>
+            </a:extLst>
+          </p:cNvPr>
+          <p:cNvSpPr/>
+          <p:nvPr/>
+        </p:nvSpPr>
+        <p:spPr>
+          <a:xfrm>
+            <a:off x="342900" y="342900"/>
+            <a:ext cx="11506200" cy="6172200"/>
+          </a:xfrm>
+          <a:prstGeom prst="rect">
+            <a:avLst/>
+          </a:prstGeom>
+          <a:noFill/>
+          <a:ln w="38100">
+            <a:solidFill>
+              <a:schemeClr val="tx1"/>
+            </a:solidFill>
+          </a:ln>
+        </p:spPr>
+        <p:style>
+          <a:lnRef idx="2">
+            <a:schemeClr val="accent1">
+              <a:shade val="50000"/>
+            </a:schemeClr>
+          </a:lnRef>
+          <a:fillRef idx="1">
+            <a:schemeClr val="accent1"/>
+          </a:fillRef>
+          <a:effectRef idx="0">
+            <a:schemeClr val="accent1"/>
+          </a:effectRef>
+          <a:fontRef idx="minor">
+            <a:schemeClr val="lt1"/>
+          </a:fontRef>
+        </p:style>
+        <p:txBody>
+          <a:bodyPr rtlCol="0" anchor="ctr"/>
+          <a:lstStyle/>
+          <a:p>
+            <a:pPr algn="ctr"/>
+            <a:endParaRPr lang="en-US"/>
+          </a:p>
+        </p:txBody>
+      </p:sp>
+    </p:spTree>
+    <p:extLst>
+      <p:ext uri="{BB962C8B-B14F-4D97-AF65-F5344CB8AC3E}">
+        <p14:creationId xmlns:p14="http://schemas.microsoft.com/office/powerpoint/2010/main" val="519272315"/>
+      </p:ext>
+    </p:extLst>
+  </p:cSld>
+  <p:clrMapOvr>
+    <a:masterClrMapping/>
+  </p:clrMapOvr>
+  <p:transition spd="slow">
+    <p:wipe/>
+  </p:transition>
+</p:sld>
+</file>
+
+<file path=ppt/slides/slide15.xml><?xml version="1.0" encoding="utf-8"?>
+<p:sld xmlns:a="http://schemas.openxmlformats.org/drawingml/2006/main" xmlns:r="http://schemas.openxmlformats.org/officeDocument/2006/relationships" xmlns:p="http://schemas.openxmlformats.org/presentationml/2006/main">
+  <p:cSld>
+    <p:spTree>
+      <p:nvGrpSpPr>
+        <p:cNvPr id="1" name=""/>
+        <p:cNvGrpSpPr/>
+        <p:nvPr/>
+      </p:nvGrpSpPr>
+      <p:grpSpPr>
+        <a:xfrm>
+          <a:off x="0" y="0"/>
+          <a:ext cx="0" cy="0"/>
+          <a:chOff x="0" y="0"/>
+          <a:chExt cx="0" cy="0"/>
+        </a:xfrm>
+      </p:grpSpPr>
+      <p:sp>
+        <p:nvSpPr>
+          <p:cNvPr id="2" name="Title 1">
+            <a:extLst>
+              <a:ext uri="{FF2B5EF4-FFF2-40B4-BE49-F238E27FC236}">
+                <a16:creationId xmlns:a16="http://schemas.microsoft.com/office/drawing/2014/main" id="{52DA7C2A-D0AC-41A1-909D-6CF493B69DAC}"/>
+              </a:ext>
+            </a:extLst>
+          </p:cNvPr>
+          <p:cNvSpPr txBox="1">
+            <a:spLocks/>
+          </p:cNvSpPr>
+          <p:nvPr/>
+        </p:nvSpPr>
+        <p:spPr>
+          <a:xfrm>
+            <a:off x="0" y="3079717"/>
+            <a:ext cx="12192000" cy="698566"/>
+          </a:xfrm>
+          <a:prstGeom prst="rect">
+            <a:avLst/>
+          </a:prstGeom>
+        </p:spPr>
+        <p:txBody>
+          <a:bodyPr anchor="ctr"/>
+          <a:lstStyle>
+            <a:lvl1pPr algn="l" defTabSz="914400" rtl="0" eaLnBrk="1" latinLnBrk="0" hangingPunct="1">
+              <a:lnSpc>
+                <a:spcPct val="90000"/>
+              </a:lnSpc>
+              <a:spcBef>
+                <a:spcPct val="0"/>
+              </a:spcBef>
+              <a:buNone/>
+              <a:defRPr sz="4400" kern="1200">
+                <a:solidFill>
+                  <a:schemeClr val="tx1"/>
+                </a:solidFill>
+                <a:latin typeface="+mj-lt"/>
+                <a:ea typeface="+mj-ea"/>
+                <a:cs typeface="+mj-cs"/>
+              </a:defRPr>
+            </a:lvl1pPr>
+          </a:lstStyle>
+          <a:p>
+            <a:pPr algn="ctr"/>
+            <a:r>
+              <a:rPr lang="en-US" sz="7200" dirty="0">
+                <a:latin typeface="Bahnschrift SemiBold" panose="020B0502040204020203" pitchFamily="34" charset="0"/>
+                <a:cs typeface="Adobe Arabic" panose="02040503050201020203" pitchFamily="18" charset="-78"/>
+              </a:rPr>
+              <a:t>DEMONSTRATION</a:t>
+            </a:r>
+            <a:endParaRPr lang="en-US" sz="7200" dirty="0">
+              <a:solidFill>
+                <a:schemeClr val="accent5">
+                  <a:lumMod val="75000"/>
+                </a:schemeClr>
+              </a:solidFill>
+              <a:latin typeface="Bahnschrift SemiBold" panose="020B0502040204020203" pitchFamily="34" charset="0"/>
+              <a:cs typeface="Adobe Arabic" panose="02040503050201020203" pitchFamily="18" charset="-78"/>
+            </a:endParaRPr>
+          </a:p>
+        </p:txBody>
+      </p:sp>
+      <p:sp>
+        <p:nvSpPr>
+          <p:cNvPr id="5" name="Rectangle 4">
+            <a:extLst>
+              <a:ext uri="{FF2B5EF4-FFF2-40B4-BE49-F238E27FC236}">
+                <a16:creationId xmlns:a16="http://schemas.microsoft.com/office/drawing/2014/main" id="{02DDF208-201F-485E-A6A1-250AD7CA171B}"/>
+              </a:ext>
+            </a:extLst>
+          </p:cNvPr>
+          <p:cNvSpPr/>
+          <p:nvPr/>
+        </p:nvSpPr>
+        <p:spPr>
+          <a:xfrm>
+            <a:off x="342900" y="342900"/>
+            <a:ext cx="11506200" cy="6172200"/>
+          </a:xfrm>
+          <a:prstGeom prst="rect">
+            <a:avLst/>
+          </a:prstGeom>
+          <a:noFill/>
+          <a:ln w="38100">
+            <a:solidFill>
+              <a:schemeClr val="tx1"/>
+            </a:solidFill>
+          </a:ln>
+        </p:spPr>
+        <p:style>
+          <a:lnRef idx="2">
+            <a:schemeClr val="accent1">
+              <a:shade val="50000"/>
+            </a:schemeClr>
+          </a:lnRef>
+          <a:fillRef idx="1">
+            <a:schemeClr val="accent1"/>
+          </a:fillRef>
+          <a:effectRef idx="0">
+            <a:schemeClr val="accent1"/>
+          </a:effectRef>
+          <a:fontRef idx="minor">
+            <a:schemeClr val="lt1"/>
+          </a:fontRef>
+        </p:style>
+        <p:txBody>
+          <a:bodyPr rtlCol="0" anchor="ctr"/>
+          <a:lstStyle/>
+          <a:p>
+            <a:pPr algn="ctr"/>
+            <a:endParaRPr lang="en-US"/>
+          </a:p>
+        </p:txBody>
+      </p:sp>
+    </p:spTree>
+    <p:extLst>
+      <p:ext uri="{BB962C8B-B14F-4D97-AF65-F5344CB8AC3E}">
+        <p14:creationId xmlns:p14="http://schemas.microsoft.com/office/powerpoint/2010/main" val="2082878074"/>
+      </p:ext>
+    </p:extLst>
+  </p:cSld>
+  <p:clrMapOvr>
+    <a:masterClrMapping/>
+  </p:clrMapOvr>
+  <p:transition spd="slow">
+    <p:wipe/>
+  </p:transition>
+</p:sld>
+</file>
+
+<file path=ppt/slides/slide16.xml><?xml version="1.0" encoding="utf-8"?>
+<p:sld xmlns:a="http://schemas.openxmlformats.org/drawingml/2006/main" xmlns:r="http://schemas.openxmlformats.org/officeDocument/2006/relationships" xmlns:p="http://schemas.openxmlformats.org/presentationml/2006/main">
+  <p:cSld>
+    <p:spTree>
+      <p:nvGrpSpPr>
+        <p:cNvPr id="1" name=""/>
+        <p:cNvGrpSpPr/>
+        <p:nvPr/>
+      </p:nvGrpSpPr>
+      <p:grpSpPr>
+        <a:xfrm>
+          <a:off x="0" y="0"/>
+          <a:ext cx="0" cy="0"/>
+          <a:chOff x="0" y="0"/>
+          <a:chExt cx="0" cy="0"/>
+        </a:xfrm>
+      </p:grpSpPr>
+      <p:sp>
+        <p:nvSpPr>
+          <p:cNvPr id="2" name="Title 1">
+            <a:extLst>
+              <a:ext uri="{FF2B5EF4-FFF2-40B4-BE49-F238E27FC236}">
+                <a16:creationId xmlns:a16="http://schemas.microsoft.com/office/drawing/2014/main" id="{52DA7C2A-D0AC-41A1-909D-6CF493B69DAC}"/>
+              </a:ext>
+            </a:extLst>
+          </p:cNvPr>
+          <p:cNvSpPr txBox="1">
+            <a:spLocks/>
+          </p:cNvSpPr>
+          <p:nvPr/>
+        </p:nvSpPr>
+        <p:spPr>
+          <a:xfrm>
+            <a:off x="0" y="3079717"/>
+            <a:ext cx="12192000" cy="698566"/>
+          </a:xfrm>
+          <a:prstGeom prst="rect">
+            <a:avLst/>
+          </a:prstGeom>
+        </p:spPr>
+        <p:txBody>
+          <a:bodyPr anchor="ctr"/>
+          <a:lstStyle>
+            <a:lvl1pPr algn="l" defTabSz="914400" rtl="0" eaLnBrk="1" latinLnBrk="0" hangingPunct="1">
+              <a:lnSpc>
+                <a:spcPct val="90000"/>
+              </a:lnSpc>
+              <a:spcBef>
+                <a:spcPct val="0"/>
+              </a:spcBef>
+              <a:buNone/>
+              <a:defRPr sz="4400" kern="1200">
+                <a:solidFill>
+                  <a:schemeClr val="tx1"/>
+                </a:solidFill>
+                <a:latin typeface="+mj-lt"/>
+                <a:ea typeface="+mj-ea"/>
+                <a:cs typeface="+mj-cs"/>
+              </a:defRPr>
+            </a:lvl1pPr>
+          </a:lstStyle>
+          <a:p>
+            <a:pPr algn="ctr"/>
+            <a:r>
+              <a:rPr lang="en-US" sz="7200" dirty="0">
+                <a:latin typeface="Bahnschrift SemiBold" panose="020B0502040204020203" pitchFamily="34" charset="0"/>
+                <a:cs typeface="Adobe Arabic" panose="02040503050201020203" pitchFamily="18" charset="-78"/>
+              </a:rPr>
+              <a:t>Q &amp; </a:t>
+            </a:r>
+            <a:r>
+              <a:rPr lang="en-US" sz="7200" dirty="0">
+                <a:solidFill>
+                  <a:schemeClr val="accent5">
+                    <a:lumMod val="75000"/>
+                  </a:schemeClr>
+                </a:solidFill>
+                <a:latin typeface="Bahnschrift SemiBold" panose="020B0502040204020203" pitchFamily="34" charset="0"/>
+                <a:cs typeface="Adobe Arabic" panose="02040503050201020203" pitchFamily="18" charset="-78"/>
+              </a:rPr>
+              <a:t>A</a:t>
+            </a:r>
+          </a:p>
+        </p:txBody>
+      </p:sp>
+      <p:sp>
+        <p:nvSpPr>
+          <p:cNvPr id="5" name="Rectangle 4">
+            <a:extLst>
+              <a:ext uri="{FF2B5EF4-FFF2-40B4-BE49-F238E27FC236}">
+                <a16:creationId xmlns:a16="http://schemas.microsoft.com/office/drawing/2014/main" id="{02DDF208-201F-485E-A6A1-250AD7CA171B}"/>
+              </a:ext>
+            </a:extLst>
+          </p:cNvPr>
+          <p:cNvSpPr/>
+          <p:nvPr/>
+        </p:nvSpPr>
+        <p:spPr>
+          <a:xfrm>
+            <a:off x="342900" y="342900"/>
+            <a:ext cx="11506200" cy="6172200"/>
+          </a:xfrm>
+          <a:prstGeom prst="rect">
+            <a:avLst/>
+          </a:prstGeom>
+          <a:noFill/>
+          <a:ln w="38100">
+            <a:solidFill>
+              <a:schemeClr val="tx1"/>
+            </a:solidFill>
+          </a:ln>
+        </p:spPr>
+        <p:style>
+          <a:lnRef idx="2">
+            <a:schemeClr val="accent1">
+              <a:shade val="50000"/>
+            </a:schemeClr>
+          </a:lnRef>
+          <a:fillRef idx="1">
+            <a:schemeClr val="accent1"/>
+          </a:fillRef>
+          <a:effectRef idx="0">
+            <a:schemeClr val="accent1"/>
+          </a:effectRef>
+          <a:fontRef idx="minor">
+            <a:schemeClr val="lt1"/>
+          </a:fontRef>
+        </p:style>
+        <p:txBody>
+          <a:bodyPr rtlCol="0" anchor="ctr"/>
+          <a:lstStyle/>
+          <a:p>
+            <a:pPr algn="ctr"/>
+            <a:endParaRPr lang="en-US"/>
+          </a:p>
+        </p:txBody>
+      </p:sp>
+    </p:spTree>
+    <p:extLst>
+      <p:ext uri="{BB962C8B-B14F-4D97-AF65-F5344CB8AC3E}">
+        <p14:creationId xmlns:p14="http://schemas.microsoft.com/office/powerpoint/2010/main" val="3832839104"/>
+      </p:ext>
+    </p:extLst>
+  </p:cSld>
+  <p:clrMapOvr>
+    <a:masterClrMapping/>
+  </p:clrMapOvr>
+  <p:transition spd="slow">
+    <p:wipe/>
+  </p:transition>
 </p:sld>
 </file>
 
@@ -3425,16 +8906,3020 @@
           <a:chExt cx="0" cy="0"/>
         </a:xfrm>
       </p:grpSpPr>
+      <p:sp>
+        <p:nvSpPr>
+          <p:cNvPr id="2" name="Title 1">
+            <a:extLst>
+              <a:ext uri="{FF2B5EF4-FFF2-40B4-BE49-F238E27FC236}">
+                <a16:creationId xmlns:a16="http://schemas.microsoft.com/office/drawing/2014/main" id="{2762A60A-EE28-4EFC-BBA9-5F2223F7E45B}"/>
+              </a:ext>
+            </a:extLst>
+          </p:cNvPr>
+          <p:cNvSpPr txBox="1">
+            <a:spLocks/>
+          </p:cNvSpPr>
+          <p:nvPr/>
+        </p:nvSpPr>
+        <p:spPr>
+          <a:xfrm>
+            <a:off x="0" y="0"/>
+            <a:ext cx="12191999" cy="1828800"/>
+          </a:xfrm>
+          <a:prstGeom prst="rect">
+            <a:avLst/>
+          </a:prstGeom>
+        </p:spPr>
+        <p:txBody>
+          <a:bodyPr anchor="ctr"/>
+          <a:lstStyle>
+            <a:lvl1pPr algn="l" defTabSz="914400" rtl="0" eaLnBrk="1" latinLnBrk="0" hangingPunct="1">
+              <a:lnSpc>
+                <a:spcPct val="90000"/>
+              </a:lnSpc>
+              <a:spcBef>
+                <a:spcPct val="0"/>
+              </a:spcBef>
+              <a:buNone/>
+              <a:defRPr sz="4400" kern="1200">
+                <a:solidFill>
+                  <a:schemeClr val="tx1"/>
+                </a:solidFill>
+                <a:latin typeface="+mj-lt"/>
+                <a:ea typeface="+mj-ea"/>
+                <a:cs typeface="+mj-cs"/>
+              </a:defRPr>
+            </a:lvl1pPr>
+          </a:lstStyle>
+          <a:p>
+            <a:pPr algn="ctr"/>
+            <a:r>
+              <a:rPr lang="en-US" sz="4800" dirty="0">
+                <a:latin typeface="Aller Display" panose="02000503000000020003" pitchFamily="2" charset="0"/>
+              </a:rPr>
+              <a:t>WHAT YOU SEE</a:t>
+            </a:r>
+          </a:p>
+        </p:txBody>
+      </p:sp>
+      <p:pic>
+        <p:nvPicPr>
+          <p:cNvPr id="4" name="Picture 3">
+            <a:extLst>
+              <a:ext uri="{FF2B5EF4-FFF2-40B4-BE49-F238E27FC236}">
+                <a16:creationId xmlns:a16="http://schemas.microsoft.com/office/drawing/2014/main" id="{F6CE5336-C3B9-44F1-943D-D505EB19C1E8}"/>
+              </a:ext>
+            </a:extLst>
+          </p:cNvPr>
+          <p:cNvPicPr>
+            <a:picLocks noChangeAspect="1"/>
+          </p:cNvPicPr>
+          <p:nvPr/>
+        </p:nvPicPr>
+        <p:blipFill rotWithShape="1">
+          <a:blip r:embed="rId2">
+            <a:extLst>
+              <a:ext uri="{28A0092B-C50C-407E-A947-70E740481C1C}">
+                <a14:useLocalDpi xmlns:a14="http://schemas.microsoft.com/office/drawing/2010/main" val="0"/>
+              </a:ext>
+            </a:extLst>
+          </a:blip>
+          <a:srcRect l="5872" r="9705"/>
+          <a:stretch/>
+        </p:blipFill>
+        <p:spPr>
+          <a:xfrm>
+            <a:off x="667911" y="1546181"/>
+            <a:ext cx="3166783" cy="4314356"/>
+          </a:xfrm>
+          <a:prstGeom prst="rect">
+            <a:avLst/>
+          </a:prstGeom>
+        </p:spPr>
+      </p:pic>
+      <p:pic>
+        <p:nvPicPr>
+          <p:cNvPr id="6" name="Picture 5">
+            <a:extLst>
+              <a:ext uri="{FF2B5EF4-FFF2-40B4-BE49-F238E27FC236}">
+                <a16:creationId xmlns:a16="http://schemas.microsoft.com/office/drawing/2014/main" id="{FF2E0D7F-D571-4DF1-9A6B-94BCF2D61610}"/>
+              </a:ext>
+            </a:extLst>
+          </p:cNvPr>
+          <p:cNvPicPr>
+            <a:picLocks noChangeAspect="1"/>
+          </p:cNvPicPr>
+          <p:nvPr/>
+        </p:nvPicPr>
+        <p:blipFill rotWithShape="1">
+          <a:blip r:embed="rId3">
+            <a:extLst>
+              <a:ext uri="{28A0092B-C50C-407E-A947-70E740481C1C}">
+                <a14:useLocalDpi xmlns:a14="http://schemas.microsoft.com/office/drawing/2010/main" val="0"/>
+              </a:ext>
+            </a:extLst>
+          </a:blip>
+          <a:srcRect l="28615" r="16333"/>
+          <a:stretch/>
+        </p:blipFill>
+        <p:spPr>
+          <a:xfrm>
+            <a:off x="4323365" y="1544823"/>
+            <a:ext cx="3166783" cy="4314356"/>
+          </a:xfrm>
+          <a:prstGeom prst="rect">
+            <a:avLst/>
+          </a:prstGeom>
+        </p:spPr>
+      </p:pic>
+      <p:pic>
+        <p:nvPicPr>
+          <p:cNvPr id="10" name="Picture 9">
+            <a:extLst>
+              <a:ext uri="{FF2B5EF4-FFF2-40B4-BE49-F238E27FC236}">
+                <a16:creationId xmlns:a16="http://schemas.microsoft.com/office/drawing/2014/main" id="{74CE4809-C2AA-4756-B8E9-9E55C47D02CF}"/>
+              </a:ext>
+            </a:extLst>
+          </p:cNvPr>
+          <p:cNvPicPr>
+            <a:picLocks noChangeAspect="1"/>
+          </p:cNvPicPr>
+          <p:nvPr/>
+        </p:nvPicPr>
+        <p:blipFill rotWithShape="1">
+          <a:blip r:embed="rId4">
+            <a:extLst>
+              <a:ext uri="{28A0092B-C50C-407E-A947-70E740481C1C}">
+                <a14:useLocalDpi xmlns:a14="http://schemas.microsoft.com/office/drawing/2010/main" val="0"/>
+              </a:ext>
+            </a:extLst>
+          </a:blip>
+          <a:srcRect l="26236" r="21561"/>
+          <a:stretch/>
+        </p:blipFill>
+        <p:spPr>
+          <a:xfrm>
+            <a:off x="7978819" y="1544823"/>
+            <a:ext cx="3603581" cy="4314356"/>
+          </a:xfrm>
+          <a:prstGeom prst="rect">
+            <a:avLst/>
+          </a:prstGeom>
+        </p:spPr>
+      </p:pic>
+      <p:sp>
+        <p:nvSpPr>
+          <p:cNvPr id="12" name="TextBox 11">
+            <a:extLst>
+              <a:ext uri="{FF2B5EF4-FFF2-40B4-BE49-F238E27FC236}">
+                <a16:creationId xmlns:a16="http://schemas.microsoft.com/office/drawing/2014/main" id="{264BE48F-DB98-4AE1-98A7-057CCBBF6B38}"/>
+              </a:ext>
+            </a:extLst>
+          </p:cNvPr>
+          <p:cNvSpPr txBox="1"/>
+          <p:nvPr/>
+        </p:nvSpPr>
+        <p:spPr>
+          <a:xfrm>
+            <a:off x="910229" y="6096000"/>
+            <a:ext cx="2682145" cy="369332"/>
+          </a:xfrm>
+          <a:prstGeom prst="rect">
+            <a:avLst/>
+          </a:prstGeom>
+          <a:noFill/>
+        </p:spPr>
+        <p:txBody>
+          <a:bodyPr wrap="none" rtlCol="0">
+            <a:spAutoFit/>
+          </a:bodyPr>
+          <a:lstStyle/>
+          <a:p>
+            <a:r>
+              <a:rPr lang="en-US" dirty="0">
+                <a:latin typeface="Aller" panose="02000503030000020004" pitchFamily="2" charset="0"/>
+              </a:rPr>
+              <a:t>Bionic tower, Abu Dhabi</a:t>
+            </a:r>
+          </a:p>
+        </p:txBody>
+      </p:sp>
+      <p:sp>
+        <p:nvSpPr>
+          <p:cNvPr id="13" name="TextBox 12">
+            <a:extLst>
+              <a:ext uri="{FF2B5EF4-FFF2-40B4-BE49-F238E27FC236}">
+                <a16:creationId xmlns:a16="http://schemas.microsoft.com/office/drawing/2014/main" id="{2526BEE1-DD77-432B-9E50-65539A5A7C16}"/>
+              </a:ext>
+            </a:extLst>
+          </p:cNvPr>
+          <p:cNvSpPr txBox="1"/>
+          <p:nvPr/>
+        </p:nvSpPr>
+        <p:spPr>
+          <a:xfrm>
+            <a:off x="4565683" y="6096000"/>
+            <a:ext cx="2291012" cy="369332"/>
+          </a:xfrm>
+          <a:prstGeom prst="rect">
+            <a:avLst/>
+          </a:prstGeom>
+          <a:noFill/>
+        </p:spPr>
+        <p:txBody>
+          <a:bodyPr wrap="none" rtlCol="0">
+            <a:spAutoFit/>
+          </a:bodyPr>
+          <a:lstStyle/>
+          <a:p>
+            <a:r>
+              <a:rPr lang="en-US" dirty="0">
+                <a:latin typeface="Aller" panose="02000503030000020004" pitchFamily="2" charset="0"/>
+              </a:rPr>
+              <a:t>Cobra tower, Kuwait</a:t>
+            </a:r>
+          </a:p>
+        </p:txBody>
+      </p:sp>
+      <p:sp>
+        <p:nvSpPr>
+          <p:cNvPr id="14" name="TextBox 13">
+            <a:extLst>
+              <a:ext uri="{FF2B5EF4-FFF2-40B4-BE49-F238E27FC236}">
+                <a16:creationId xmlns:a16="http://schemas.microsoft.com/office/drawing/2014/main" id="{228DB131-9719-4163-AEF0-688078F6508E}"/>
+              </a:ext>
+            </a:extLst>
+          </p:cNvPr>
+          <p:cNvSpPr txBox="1"/>
+          <p:nvPr/>
+        </p:nvSpPr>
+        <p:spPr>
+          <a:xfrm>
+            <a:off x="8439536" y="6096000"/>
+            <a:ext cx="2906565" cy="369332"/>
+          </a:xfrm>
+          <a:prstGeom prst="rect">
+            <a:avLst/>
+          </a:prstGeom>
+          <a:noFill/>
+        </p:spPr>
+        <p:txBody>
+          <a:bodyPr wrap="none" rtlCol="0">
+            <a:spAutoFit/>
+          </a:bodyPr>
+          <a:lstStyle/>
+          <a:p>
+            <a:r>
+              <a:rPr lang="en-US" dirty="0">
+                <a:latin typeface="Aller" panose="02000503030000020004" pitchFamily="2" charset="0"/>
+              </a:rPr>
+              <a:t>CCTV Headquarters, China</a:t>
+            </a:r>
+          </a:p>
+        </p:txBody>
+      </p:sp>
     </p:spTree>
     <p:extLst>
       <p:ext uri="{BB962C8B-B14F-4D97-AF65-F5344CB8AC3E}">
-        <p14:creationId xmlns:p14="http://schemas.microsoft.com/office/powerpoint/2010/main" val="895684739"/>
+        <p14:creationId xmlns:p14="http://schemas.microsoft.com/office/powerpoint/2010/main" val="676249262"/>
       </p:ext>
     </p:extLst>
   </p:cSld>
   <p:clrMapOvr>
     <a:masterClrMapping/>
   </p:clrMapOvr>
+  <p:transition spd="slow">
+    <p:wipe/>
+  </p:transition>
+</p:sld>
+</file>
+
+<file path=ppt/slides/slide3.xml><?xml version="1.0" encoding="utf-8"?>
+<p:sld xmlns:a="http://schemas.openxmlformats.org/drawingml/2006/main" xmlns:r="http://schemas.openxmlformats.org/officeDocument/2006/relationships" xmlns:p="http://schemas.openxmlformats.org/presentationml/2006/main">
+  <p:cSld>
+    <p:spTree>
+      <p:nvGrpSpPr>
+        <p:cNvPr id="1" name=""/>
+        <p:cNvGrpSpPr/>
+        <p:nvPr/>
+      </p:nvGrpSpPr>
+      <p:grpSpPr>
+        <a:xfrm>
+          <a:off x="0" y="0"/>
+          <a:ext cx="0" cy="0"/>
+          <a:chOff x="0" y="0"/>
+          <a:chExt cx="0" cy="0"/>
+        </a:xfrm>
+      </p:grpSpPr>
+      <p:sp>
+        <p:nvSpPr>
+          <p:cNvPr id="2" name="Title 1">
+            <a:extLst>
+              <a:ext uri="{FF2B5EF4-FFF2-40B4-BE49-F238E27FC236}">
+                <a16:creationId xmlns:a16="http://schemas.microsoft.com/office/drawing/2014/main" id="{2762A60A-EE28-4EFC-BBA9-5F2223F7E45B}"/>
+              </a:ext>
+            </a:extLst>
+          </p:cNvPr>
+          <p:cNvSpPr txBox="1">
+            <a:spLocks/>
+          </p:cNvSpPr>
+          <p:nvPr/>
+        </p:nvSpPr>
+        <p:spPr>
+          <a:xfrm>
+            <a:off x="0" y="0"/>
+            <a:ext cx="12191999" cy="1828800"/>
+          </a:xfrm>
+          <a:prstGeom prst="rect">
+            <a:avLst/>
+          </a:prstGeom>
+        </p:spPr>
+        <p:txBody>
+          <a:bodyPr anchor="ctr"/>
+          <a:lstStyle>
+            <a:lvl1pPr algn="l" defTabSz="914400" rtl="0" eaLnBrk="1" latinLnBrk="0" hangingPunct="1">
+              <a:lnSpc>
+                <a:spcPct val="90000"/>
+              </a:lnSpc>
+              <a:spcBef>
+                <a:spcPct val="0"/>
+              </a:spcBef>
+              <a:buNone/>
+              <a:defRPr sz="4400" kern="1200">
+                <a:solidFill>
+                  <a:schemeClr val="tx1"/>
+                </a:solidFill>
+                <a:latin typeface="+mj-lt"/>
+                <a:ea typeface="+mj-ea"/>
+                <a:cs typeface="+mj-cs"/>
+              </a:defRPr>
+            </a:lvl1pPr>
+          </a:lstStyle>
+          <a:p>
+            <a:pPr algn="ctr"/>
+            <a:r>
+              <a:rPr lang="en-US" sz="4800" dirty="0">
+                <a:latin typeface="Aller Display" panose="02000503000000020003" pitchFamily="2" charset="0"/>
+              </a:rPr>
+              <a:t>WHAT STRUCTURAL ENGINEERS SEE</a:t>
+            </a:r>
+          </a:p>
+        </p:txBody>
+      </p:sp>
+      <p:pic>
+        <p:nvPicPr>
+          <p:cNvPr id="5" name="Picture 4">
+            <a:extLst>
+              <a:ext uri="{FF2B5EF4-FFF2-40B4-BE49-F238E27FC236}">
+                <a16:creationId xmlns:a16="http://schemas.microsoft.com/office/drawing/2014/main" id="{FA2401A9-95FD-460D-8073-D684499E04BB}"/>
+              </a:ext>
+            </a:extLst>
+          </p:cNvPr>
+          <p:cNvPicPr>
+            <a:picLocks noChangeAspect="1"/>
+          </p:cNvPicPr>
+          <p:nvPr/>
+        </p:nvPicPr>
+        <p:blipFill>
+          <a:blip r:embed="rId2">
+            <a:extLst>
+              <a:ext uri="{28A0092B-C50C-407E-A947-70E740481C1C}">
+                <a14:useLocalDpi xmlns:a14="http://schemas.microsoft.com/office/drawing/2010/main" val="0"/>
+              </a:ext>
+            </a:extLst>
+          </a:blip>
+          <a:stretch>
+            <a:fillRect/>
+          </a:stretch>
+        </p:blipFill>
+        <p:spPr>
+          <a:xfrm>
+            <a:off x="650384" y="2073499"/>
+            <a:ext cx="5683399" cy="3836294"/>
+          </a:xfrm>
+          <a:prstGeom prst="rect">
+            <a:avLst/>
+          </a:prstGeom>
+        </p:spPr>
+      </p:pic>
+      <p:pic>
+        <p:nvPicPr>
+          <p:cNvPr id="11" name="Picture 10">
+            <a:extLst>
+              <a:ext uri="{FF2B5EF4-FFF2-40B4-BE49-F238E27FC236}">
+                <a16:creationId xmlns:a16="http://schemas.microsoft.com/office/drawing/2014/main" id="{B8F24603-E97B-4FF4-B551-0D7A847A22EF}"/>
+              </a:ext>
+            </a:extLst>
+          </p:cNvPr>
+          <p:cNvPicPr>
+            <a:picLocks noChangeAspect="1"/>
+          </p:cNvPicPr>
+          <p:nvPr/>
+        </p:nvPicPr>
+        <p:blipFill>
+          <a:blip r:embed="rId3">
+            <a:extLst>
+              <a:ext uri="{28A0092B-C50C-407E-A947-70E740481C1C}">
+                <a14:useLocalDpi xmlns:a14="http://schemas.microsoft.com/office/drawing/2010/main" val="0"/>
+              </a:ext>
+            </a:extLst>
+          </a:blip>
+          <a:stretch>
+            <a:fillRect/>
+          </a:stretch>
+        </p:blipFill>
+        <p:spPr>
+          <a:xfrm>
+            <a:off x="6765568" y="2073499"/>
+            <a:ext cx="2159491" cy="1923580"/>
+          </a:xfrm>
+          <a:prstGeom prst="rect">
+            <a:avLst/>
+          </a:prstGeom>
+        </p:spPr>
+      </p:pic>
+      <p:pic>
+        <p:nvPicPr>
+          <p:cNvPr id="15" name="Picture 14">
+            <a:extLst>
+              <a:ext uri="{FF2B5EF4-FFF2-40B4-BE49-F238E27FC236}">
+                <a16:creationId xmlns:a16="http://schemas.microsoft.com/office/drawing/2014/main" id="{DCCA1D06-9FE0-4D25-9251-03E26481801C}"/>
+              </a:ext>
+            </a:extLst>
+          </p:cNvPr>
+          <p:cNvPicPr>
+            <a:picLocks noChangeAspect="1"/>
+          </p:cNvPicPr>
+          <p:nvPr/>
+        </p:nvPicPr>
+        <p:blipFill>
+          <a:blip r:embed="rId4">
+            <a:extLst>
+              <a:ext uri="{28A0092B-C50C-407E-A947-70E740481C1C}">
+                <a14:useLocalDpi xmlns:a14="http://schemas.microsoft.com/office/drawing/2010/main" val="0"/>
+              </a:ext>
+            </a:extLst>
+          </a:blip>
+          <a:stretch>
+            <a:fillRect/>
+          </a:stretch>
+        </p:blipFill>
+        <p:spPr>
+          <a:xfrm>
+            <a:off x="8168574" y="4092799"/>
+            <a:ext cx="3757262" cy="2188023"/>
+          </a:xfrm>
+          <a:prstGeom prst="rect">
+            <a:avLst/>
+          </a:prstGeom>
+        </p:spPr>
+      </p:pic>
+      <p:pic>
+        <p:nvPicPr>
+          <p:cNvPr id="17" name="Picture 16">
+            <a:extLst>
+              <a:ext uri="{FF2B5EF4-FFF2-40B4-BE49-F238E27FC236}">
+                <a16:creationId xmlns:a16="http://schemas.microsoft.com/office/drawing/2014/main" id="{848E8EE0-004D-4F6F-82A0-1E01E10316A1}"/>
+              </a:ext>
+            </a:extLst>
+          </p:cNvPr>
+          <p:cNvPicPr>
+            <a:picLocks noChangeAspect="1"/>
+          </p:cNvPicPr>
+          <p:nvPr/>
+        </p:nvPicPr>
+        <p:blipFill>
+          <a:blip r:embed="rId5">
+            <a:extLst>
+              <a:ext uri="{28A0092B-C50C-407E-A947-70E740481C1C}">
+                <a14:useLocalDpi xmlns:a14="http://schemas.microsoft.com/office/drawing/2010/main" val="0"/>
+              </a:ext>
+            </a:extLst>
+          </a:blip>
+          <a:stretch>
+            <a:fillRect/>
+          </a:stretch>
+        </p:blipFill>
+        <p:spPr>
+          <a:xfrm>
+            <a:off x="9107988" y="1924520"/>
+            <a:ext cx="2727696" cy="2037248"/>
+          </a:xfrm>
+          <a:prstGeom prst="rect">
+            <a:avLst/>
+          </a:prstGeom>
+        </p:spPr>
+      </p:pic>
+    </p:spTree>
+    <p:extLst>
+      <p:ext uri="{BB962C8B-B14F-4D97-AF65-F5344CB8AC3E}">
+        <p14:creationId xmlns:p14="http://schemas.microsoft.com/office/powerpoint/2010/main" val="444781698"/>
+      </p:ext>
+    </p:extLst>
+  </p:cSld>
+  <p:clrMapOvr>
+    <a:masterClrMapping/>
+  </p:clrMapOvr>
+  <p:transition spd="slow">
+    <p:wipe/>
+  </p:transition>
+</p:sld>
+</file>
+
+<file path=ppt/slides/slide4.xml><?xml version="1.0" encoding="utf-8"?>
+<p:sld xmlns:a="http://schemas.openxmlformats.org/drawingml/2006/main" xmlns:r="http://schemas.openxmlformats.org/officeDocument/2006/relationships" xmlns:p="http://schemas.openxmlformats.org/presentationml/2006/main">
+  <p:cSld>
+    <p:spTree>
+      <p:nvGrpSpPr>
+        <p:cNvPr id="1" name=""/>
+        <p:cNvGrpSpPr/>
+        <p:nvPr/>
+      </p:nvGrpSpPr>
+      <p:grpSpPr>
+        <a:xfrm>
+          <a:off x="0" y="0"/>
+          <a:ext cx="0" cy="0"/>
+          <a:chOff x="0" y="0"/>
+          <a:chExt cx="0" cy="0"/>
+        </a:xfrm>
+      </p:grpSpPr>
+      <p:sp>
+        <p:nvSpPr>
+          <p:cNvPr id="5" name="Title 1">
+            <a:extLst>
+              <a:ext uri="{FF2B5EF4-FFF2-40B4-BE49-F238E27FC236}">
+                <a16:creationId xmlns:a16="http://schemas.microsoft.com/office/drawing/2014/main" id="{42EA2A2D-D09E-4C65-B8B1-7A4C7A22FA38}"/>
+              </a:ext>
+            </a:extLst>
+          </p:cNvPr>
+          <p:cNvSpPr txBox="1">
+            <a:spLocks/>
+          </p:cNvSpPr>
+          <p:nvPr/>
+        </p:nvSpPr>
+        <p:spPr>
+          <a:xfrm>
+            <a:off x="0" y="2444717"/>
+            <a:ext cx="12192000" cy="1968566"/>
+          </a:xfrm>
+          <a:prstGeom prst="rect">
+            <a:avLst/>
+          </a:prstGeom>
+        </p:spPr>
+        <p:txBody>
+          <a:bodyPr anchor="ctr"/>
+          <a:lstStyle>
+            <a:lvl1pPr algn="l" defTabSz="914400" rtl="0" eaLnBrk="1" latinLnBrk="0" hangingPunct="1">
+              <a:lnSpc>
+                <a:spcPct val="90000"/>
+              </a:lnSpc>
+              <a:spcBef>
+                <a:spcPct val="0"/>
+              </a:spcBef>
+              <a:buNone/>
+              <a:defRPr sz="4400" kern="1200">
+                <a:solidFill>
+                  <a:schemeClr val="tx1"/>
+                </a:solidFill>
+                <a:latin typeface="+mj-lt"/>
+                <a:ea typeface="+mj-ea"/>
+                <a:cs typeface="+mj-cs"/>
+              </a:defRPr>
+            </a:lvl1pPr>
+          </a:lstStyle>
+          <a:p>
+            <a:pPr algn="ctr">
+              <a:lnSpc>
+                <a:spcPct val="100000"/>
+              </a:lnSpc>
+            </a:pPr>
+            <a:r>
+              <a:rPr lang="en-US" sz="4800" dirty="0">
+                <a:latin typeface="Aller Display" panose="02000503000000020003" pitchFamily="2" charset="0"/>
+              </a:rPr>
+              <a:t>HOW </a:t>
+            </a:r>
+            <a:r>
+              <a:rPr lang="en-US" sz="4800" dirty="0">
+                <a:solidFill>
+                  <a:srgbClr val="00B0F0"/>
+                </a:solidFill>
+                <a:latin typeface="Aller Display" panose="02000503000000020003" pitchFamily="2" charset="0"/>
+              </a:rPr>
+              <a:t>COMPLEX </a:t>
+            </a:r>
+            <a:r>
+              <a:rPr lang="en-US" sz="4800" dirty="0">
+                <a:latin typeface="Aller Display" panose="02000503000000020003" pitchFamily="2" charset="0"/>
+              </a:rPr>
+              <a:t>?</a:t>
+            </a:r>
+          </a:p>
+        </p:txBody>
+      </p:sp>
+      <p:sp>
+        <p:nvSpPr>
+          <p:cNvPr id="6" name="Rectangle 5">
+            <a:extLst>
+              <a:ext uri="{FF2B5EF4-FFF2-40B4-BE49-F238E27FC236}">
+                <a16:creationId xmlns:a16="http://schemas.microsoft.com/office/drawing/2014/main" id="{3E815667-661B-4BCC-B445-0EBC7359289C}"/>
+              </a:ext>
+            </a:extLst>
+          </p:cNvPr>
+          <p:cNvSpPr/>
+          <p:nvPr/>
+        </p:nvSpPr>
+        <p:spPr>
+          <a:xfrm>
+            <a:off x="342900" y="342900"/>
+            <a:ext cx="11506200" cy="6172200"/>
+          </a:xfrm>
+          <a:prstGeom prst="rect">
+            <a:avLst/>
+          </a:prstGeom>
+          <a:noFill/>
+          <a:ln w="38100">
+            <a:solidFill>
+              <a:schemeClr val="tx1"/>
+            </a:solidFill>
+          </a:ln>
+        </p:spPr>
+        <p:style>
+          <a:lnRef idx="2">
+            <a:schemeClr val="accent1">
+              <a:shade val="50000"/>
+            </a:schemeClr>
+          </a:lnRef>
+          <a:fillRef idx="1">
+            <a:schemeClr val="accent1"/>
+          </a:fillRef>
+          <a:effectRef idx="0">
+            <a:schemeClr val="accent1"/>
+          </a:effectRef>
+          <a:fontRef idx="minor">
+            <a:schemeClr val="lt1"/>
+          </a:fontRef>
+        </p:style>
+        <p:txBody>
+          <a:bodyPr rtlCol="0" anchor="ctr"/>
+          <a:lstStyle/>
+          <a:p>
+            <a:pPr algn="ctr"/>
+            <a:endParaRPr lang="en-US"/>
+          </a:p>
+        </p:txBody>
+      </p:sp>
+    </p:spTree>
+    <p:extLst>
+      <p:ext uri="{BB962C8B-B14F-4D97-AF65-F5344CB8AC3E}">
+        <p14:creationId xmlns:p14="http://schemas.microsoft.com/office/powerpoint/2010/main" val="624394786"/>
+      </p:ext>
+    </p:extLst>
+  </p:cSld>
+  <p:clrMapOvr>
+    <a:masterClrMapping/>
+  </p:clrMapOvr>
+  <p:transition spd="slow">
+    <p:wipe/>
+  </p:transition>
+</p:sld>
+</file>
+
+<file path=ppt/slides/slide5.xml><?xml version="1.0" encoding="utf-8"?>
+<p:sld xmlns:a="http://schemas.openxmlformats.org/drawingml/2006/main" xmlns:r="http://schemas.openxmlformats.org/officeDocument/2006/relationships" xmlns:p="http://schemas.openxmlformats.org/presentationml/2006/main">
+  <p:cSld>
+    <p:spTree>
+      <p:nvGrpSpPr>
+        <p:cNvPr id="1" name=""/>
+        <p:cNvGrpSpPr/>
+        <p:nvPr/>
+      </p:nvGrpSpPr>
+      <p:grpSpPr>
+        <a:xfrm>
+          <a:off x="0" y="0"/>
+          <a:ext cx="0" cy="0"/>
+          <a:chOff x="0" y="0"/>
+          <a:chExt cx="0" cy="0"/>
+        </a:xfrm>
+      </p:grpSpPr>
+      <p:sp>
+        <p:nvSpPr>
+          <p:cNvPr id="6" name="Rectangle 5">
+            <a:extLst>
+              <a:ext uri="{FF2B5EF4-FFF2-40B4-BE49-F238E27FC236}">
+                <a16:creationId xmlns:a16="http://schemas.microsoft.com/office/drawing/2014/main" id="{5110D8FA-B364-4D42-AD6E-BB2401992B8E}"/>
+              </a:ext>
+            </a:extLst>
+          </p:cNvPr>
+          <p:cNvSpPr/>
+          <p:nvPr/>
+        </p:nvSpPr>
+        <p:spPr>
+          <a:xfrm>
+            <a:off x="342900" y="342900"/>
+            <a:ext cx="11506200" cy="6172200"/>
+          </a:xfrm>
+          <a:prstGeom prst="rect">
+            <a:avLst/>
+          </a:prstGeom>
+          <a:noFill/>
+          <a:ln w="38100">
+            <a:solidFill>
+              <a:schemeClr val="tx1"/>
+            </a:solidFill>
+          </a:ln>
+        </p:spPr>
+        <p:style>
+          <a:lnRef idx="2">
+            <a:schemeClr val="accent1">
+              <a:shade val="50000"/>
+            </a:schemeClr>
+          </a:lnRef>
+          <a:fillRef idx="1">
+            <a:schemeClr val="accent1"/>
+          </a:fillRef>
+          <a:effectRef idx="0">
+            <a:schemeClr val="accent1"/>
+          </a:effectRef>
+          <a:fontRef idx="minor">
+            <a:schemeClr val="lt1"/>
+          </a:fontRef>
+        </p:style>
+        <p:txBody>
+          <a:bodyPr rtlCol="0" anchor="ctr"/>
+          <a:lstStyle/>
+          <a:p>
+            <a:pPr algn="ctr"/>
+            <a:endParaRPr lang="en-US"/>
+          </a:p>
+        </p:txBody>
+      </p:sp>
+      <p:sp>
+        <p:nvSpPr>
+          <p:cNvPr id="4" name="Title 1">
+            <a:extLst>
+              <a:ext uri="{FF2B5EF4-FFF2-40B4-BE49-F238E27FC236}">
+                <a16:creationId xmlns:a16="http://schemas.microsoft.com/office/drawing/2014/main" id="{574DCC3C-9ADF-4742-84AA-91A5BA8EE283}"/>
+              </a:ext>
+            </a:extLst>
+          </p:cNvPr>
+          <p:cNvSpPr txBox="1">
+            <a:spLocks/>
+          </p:cNvSpPr>
+          <p:nvPr/>
+        </p:nvSpPr>
+        <p:spPr>
+          <a:xfrm>
+            <a:off x="361946" y="342900"/>
+            <a:ext cx="5499100" cy="1676400"/>
+          </a:xfrm>
+          <a:prstGeom prst="rect">
+            <a:avLst/>
+          </a:prstGeom>
+        </p:spPr>
+        <p:txBody>
+          <a:bodyPr anchor="ctr"/>
+          <a:lstStyle>
+            <a:lvl1pPr algn="l" defTabSz="914400" rtl="0" eaLnBrk="1" latinLnBrk="0" hangingPunct="1">
+              <a:lnSpc>
+                <a:spcPct val="90000"/>
+              </a:lnSpc>
+              <a:spcBef>
+                <a:spcPct val="0"/>
+              </a:spcBef>
+              <a:buNone/>
+              <a:defRPr sz="4400" kern="1200">
+                <a:solidFill>
+                  <a:schemeClr val="tx1"/>
+                </a:solidFill>
+                <a:latin typeface="+mj-lt"/>
+                <a:ea typeface="+mj-ea"/>
+                <a:cs typeface="+mj-cs"/>
+              </a:defRPr>
+            </a:lvl1pPr>
+          </a:lstStyle>
+          <a:p>
+            <a:pPr algn="ctr"/>
+            <a:r>
+              <a:rPr lang="en-US" sz="3200" dirty="0">
+                <a:latin typeface="Aller Display" panose="02000503000000020003" pitchFamily="2" charset="0"/>
+              </a:rPr>
+              <a:t>LINEAR</a:t>
+            </a:r>
+          </a:p>
+        </p:txBody>
+      </p:sp>
+      <p:sp>
+        <p:nvSpPr>
+          <p:cNvPr id="7" name="Title 1">
+            <a:extLst>
+              <a:ext uri="{FF2B5EF4-FFF2-40B4-BE49-F238E27FC236}">
+                <a16:creationId xmlns:a16="http://schemas.microsoft.com/office/drawing/2014/main" id="{6328041F-C8F0-40BE-8DB1-BA4AC086B72B}"/>
+              </a:ext>
+            </a:extLst>
+          </p:cNvPr>
+          <p:cNvSpPr txBox="1">
+            <a:spLocks/>
+          </p:cNvSpPr>
+          <p:nvPr/>
+        </p:nvSpPr>
+        <p:spPr>
+          <a:xfrm>
+            <a:off x="6350000" y="342900"/>
+            <a:ext cx="5499100" cy="1676400"/>
+          </a:xfrm>
+          <a:prstGeom prst="rect">
+            <a:avLst/>
+          </a:prstGeom>
+        </p:spPr>
+        <p:txBody>
+          <a:bodyPr anchor="ctr"/>
+          <a:lstStyle>
+            <a:lvl1pPr algn="l" defTabSz="914400" rtl="0" eaLnBrk="1" latinLnBrk="0" hangingPunct="1">
+              <a:lnSpc>
+                <a:spcPct val="90000"/>
+              </a:lnSpc>
+              <a:spcBef>
+                <a:spcPct val="0"/>
+              </a:spcBef>
+              <a:buNone/>
+              <a:defRPr sz="4400" kern="1200">
+                <a:solidFill>
+                  <a:schemeClr val="tx1"/>
+                </a:solidFill>
+                <a:latin typeface="+mj-lt"/>
+                <a:ea typeface="+mj-ea"/>
+                <a:cs typeface="+mj-cs"/>
+              </a:defRPr>
+            </a:lvl1pPr>
+          </a:lstStyle>
+          <a:p>
+            <a:pPr algn="ctr"/>
+            <a:r>
+              <a:rPr lang="en-US" sz="3200" dirty="0">
+                <a:latin typeface="Aller Display" panose="02000503000000020003" pitchFamily="2" charset="0"/>
+              </a:rPr>
+              <a:t>NON-LINEAR</a:t>
+            </a:r>
+          </a:p>
+        </p:txBody>
+      </p:sp>
+      <p:cxnSp>
+        <p:nvCxnSpPr>
+          <p:cNvPr id="3" name="Straight Connector 2">
+            <a:extLst>
+              <a:ext uri="{FF2B5EF4-FFF2-40B4-BE49-F238E27FC236}">
+                <a16:creationId xmlns:a16="http://schemas.microsoft.com/office/drawing/2014/main" id="{AE7904F4-CDB6-4583-A385-B861488894C0}"/>
+              </a:ext>
+            </a:extLst>
+          </p:cNvPr>
+          <p:cNvCxnSpPr>
+            <a:cxnSpLocks/>
+          </p:cNvCxnSpPr>
+          <p:nvPr/>
+        </p:nvCxnSpPr>
+        <p:spPr>
+          <a:xfrm>
+            <a:off x="6096000" y="1016000"/>
+            <a:ext cx="0" cy="4889500"/>
+          </a:xfrm>
+          <a:prstGeom prst="line">
+            <a:avLst/>
+          </a:prstGeom>
+          <a:ln w="38100">
+            <a:solidFill>
+              <a:schemeClr val="tx1"/>
+            </a:solidFill>
+          </a:ln>
+        </p:spPr>
+        <p:style>
+          <a:lnRef idx="1">
+            <a:schemeClr val="accent1"/>
+          </a:lnRef>
+          <a:fillRef idx="0">
+            <a:schemeClr val="accent1"/>
+          </a:fillRef>
+          <a:effectRef idx="0">
+            <a:schemeClr val="accent1"/>
+          </a:effectRef>
+          <a:fontRef idx="minor">
+            <a:schemeClr val="tx1"/>
+          </a:fontRef>
+        </p:style>
+      </p:cxnSp>
+      <p:sp>
+        <p:nvSpPr>
+          <p:cNvPr id="9" name="TextBox 8">
+            <a:extLst>
+              <a:ext uri="{FF2B5EF4-FFF2-40B4-BE49-F238E27FC236}">
+                <a16:creationId xmlns:a16="http://schemas.microsoft.com/office/drawing/2014/main" id="{91E92480-9EAD-4A38-AC99-648D25F0F57E}"/>
+              </a:ext>
+            </a:extLst>
+          </p:cNvPr>
+          <p:cNvSpPr txBox="1"/>
+          <p:nvPr/>
+        </p:nvSpPr>
+        <p:spPr>
+          <a:xfrm>
+            <a:off x="1212851" y="2351131"/>
+            <a:ext cx="3759195" cy="646331"/>
+          </a:xfrm>
+          <a:prstGeom prst="rect">
+            <a:avLst/>
+          </a:prstGeom>
+          <a:noFill/>
+        </p:spPr>
+        <p:txBody>
+          <a:bodyPr wrap="square" rtlCol="0">
+            <a:spAutoFit/>
+          </a:bodyPr>
+          <a:lstStyle/>
+          <a:p>
+            <a:pPr algn="ctr"/>
+            <a:r>
+              <a:rPr lang="en-US" b="1" dirty="0">
+                <a:latin typeface="Aller" panose="02000503030000020004" pitchFamily="2" charset="0"/>
+              </a:rPr>
+              <a:t>K is Constant</a:t>
+            </a:r>
+          </a:p>
+          <a:p>
+            <a:pPr algn="ctr"/>
+            <a:r>
+              <a:rPr lang="en-US" b="1" dirty="0">
+                <a:latin typeface="Aller" panose="02000503030000020004" pitchFamily="2" charset="0"/>
+              </a:rPr>
+              <a:t>Small loading conditions</a:t>
+            </a:r>
+          </a:p>
+        </p:txBody>
+      </p:sp>
+      <p:sp>
+        <p:nvSpPr>
+          <p:cNvPr id="11" name="TextBox 10">
+            <a:extLst>
+              <a:ext uri="{FF2B5EF4-FFF2-40B4-BE49-F238E27FC236}">
+                <a16:creationId xmlns:a16="http://schemas.microsoft.com/office/drawing/2014/main" id="{1D78CEC5-080F-4FAA-AA85-3D052C39BAD5}"/>
+              </a:ext>
+            </a:extLst>
+          </p:cNvPr>
+          <p:cNvSpPr txBox="1"/>
+          <p:nvPr/>
+        </p:nvSpPr>
+        <p:spPr>
+          <a:xfrm>
+            <a:off x="1231900" y="3361949"/>
+            <a:ext cx="3759195" cy="369332"/>
+          </a:xfrm>
+          <a:prstGeom prst="rect">
+            <a:avLst/>
+          </a:prstGeom>
+          <a:noFill/>
+        </p:spPr>
+        <p:txBody>
+          <a:bodyPr wrap="square" rtlCol="0">
+            <a:spAutoFit/>
+          </a:bodyPr>
+          <a:lstStyle/>
+          <a:p>
+            <a:pPr algn="ctr"/>
+            <a:r>
+              <a:rPr lang="en-US" b="1" dirty="0">
+                <a:latin typeface="Aller" panose="02000503030000020004" pitchFamily="2" charset="0"/>
+              </a:rPr>
+              <a:t>Widely used software : SAP 2000</a:t>
+            </a:r>
+          </a:p>
+        </p:txBody>
+      </p:sp>
+      <p:sp>
+        <p:nvSpPr>
+          <p:cNvPr id="12" name="TextBox 11">
+            <a:extLst>
+              <a:ext uri="{FF2B5EF4-FFF2-40B4-BE49-F238E27FC236}">
+                <a16:creationId xmlns:a16="http://schemas.microsoft.com/office/drawing/2014/main" id="{2C3786CB-EF1B-43E9-8B9B-AFE91BCF1804}"/>
+              </a:ext>
+            </a:extLst>
+          </p:cNvPr>
+          <p:cNvSpPr txBox="1"/>
+          <p:nvPr/>
+        </p:nvSpPr>
+        <p:spPr>
+          <a:xfrm>
+            <a:off x="7164583" y="2216465"/>
+            <a:ext cx="3759195" cy="646331"/>
+          </a:xfrm>
+          <a:prstGeom prst="rect">
+            <a:avLst/>
+          </a:prstGeom>
+          <a:noFill/>
+        </p:spPr>
+        <p:txBody>
+          <a:bodyPr wrap="square" rtlCol="0">
+            <a:spAutoFit/>
+          </a:bodyPr>
+          <a:lstStyle/>
+          <a:p>
+            <a:pPr algn="ctr"/>
+            <a:r>
+              <a:rPr lang="en-US" b="1" dirty="0">
+                <a:latin typeface="Aller" panose="02000503030000020004" pitchFamily="2" charset="0"/>
+              </a:rPr>
+              <a:t>K Varies</a:t>
+            </a:r>
+          </a:p>
+          <a:p>
+            <a:pPr algn="ctr"/>
+            <a:r>
+              <a:rPr lang="en-US" b="1" dirty="0">
+                <a:latin typeface="Aller" panose="02000503030000020004" pitchFamily="2" charset="0"/>
+              </a:rPr>
+              <a:t>Extreme loading conditions</a:t>
+            </a:r>
+          </a:p>
+        </p:txBody>
+      </p:sp>
+      <p:sp>
+        <p:nvSpPr>
+          <p:cNvPr id="13" name="TextBox 12">
+            <a:extLst>
+              <a:ext uri="{FF2B5EF4-FFF2-40B4-BE49-F238E27FC236}">
+                <a16:creationId xmlns:a16="http://schemas.microsoft.com/office/drawing/2014/main" id="{F5EED544-3A64-49E6-93A8-6B152471B2CB}"/>
+              </a:ext>
+            </a:extLst>
+          </p:cNvPr>
+          <p:cNvSpPr txBox="1"/>
+          <p:nvPr/>
+        </p:nvSpPr>
+        <p:spPr>
+          <a:xfrm>
+            <a:off x="7092953" y="3361949"/>
+            <a:ext cx="3759195" cy="369332"/>
+          </a:xfrm>
+          <a:prstGeom prst="rect">
+            <a:avLst/>
+          </a:prstGeom>
+          <a:noFill/>
+        </p:spPr>
+        <p:txBody>
+          <a:bodyPr wrap="square" rtlCol="0">
+            <a:spAutoFit/>
+          </a:bodyPr>
+          <a:lstStyle/>
+          <a:p>
+            <a:pPr algn="ctr"/>
+            <a:r>
+              <a:rPr lang="en-US" b="1" dirty="0">
+                <a:latin typeface="Aller" panose="02000503030000020004" pitchFamily="2" charset="0"/>
+              </a:rPr>
+              <a:t>Widely used software : Opensees</a:t>
+            </a:r>
+          </a:p>
+        </p:txBody>
+      </p:sp>
+      <p:pic>
+        <p:nvPicPr>
+          <p:cNvPr id="15" name="Picture 14">
+            <a:extLst>
+              <a:ext uri="{FF2B5EF4-FFF2-40B4-BE49-F238E27FC236}">
+                <a16:creationId xmlns:a16="http://schemas.microsoft.com/office/drawing/2014/main" id="{60E2B0C0-592B-4314-BDF0-1B2428814E5A}"/>
+              </a:ext>
+            </a:extLst>
+          </p:cNvPr>
+          <p:cNvPicPr>
+            <a:picLocks noChangeAspect="1"/>
+          </p:cNvPicPr>
+          <p:nvPr/>
+        </p:nvPicPr>
+        <p:blipFill>
+          <a:blip r:embed="rId2">
+            <a:extLst>
+              <a:ext uri="{28A0092B-C50C-407E-A947-70E740481C1C}">
+                <a14:useLocalDpi xmlns:a14="http://schemas.microsoft.com/office/drawing/2010/main" val="0"/>
+              </a:ext>
+            </a:extLst>
+          </a:blip>
+          <a:stretch>
+            <a:fillRect/>
+          </a:stretch>
+        </p:blipFill>
+        <p:spPr>
+          <a:xfrm>
+            <a:off x="2140069" y="3810001"/>
+            <a:ext cx="1904762" cy="1904762"/>
+          </a:xfrm>
+          <a:prstGeom prst="rect">
+            <a:avLst/>
+          </a:prstGeom>
+        </p:spPr>
+      </p:pic>
+      <p:pic>
+        <p:nvPicPr>
+          <p:cNvPr id="17" name="Picture 16">
+            <a:extLst>
+              <a:ext uri="{FF2B5EF4-FFF2-40B4-BE49-F238E27FC236}">
+                <a16:creationId xmlns:a16="http://schemas.microsoft.com/office/drawing/2014/main" id="{3DD5F1B3-CDA9-4D03-B760-AC1C14D2B452}"/>
+              </a:ext>
+            </a:extLst>
+          </p:cNvPr>
+          <p:cNvPicPr>
+            <a:picLocks noChangeAspect="1"/>
+          </p:cNvPicPr>
+          <p:nvPr/>
+        </p:nvPicPr>
+        <p:blipFill>
+          <a:blip r:embed="rId3">
+            <a:extLst>
+              <a:ext uri="{28A0092B-C50C-407E-A947-70E740481C1C}">
+                <a14:useLocalDpi xmlns:a14="http://schemas.microsoft.com/office/drawing/2010/main" val="0"/>
+              </a:ext>
+            </a:extLst>
+          </a:blip>
+          <a:stretch>
+            <a:fillRect/>
+          </a:stretch>
+        </p:blipFill>
+        <p:spPr>
+          <a:xfrm>
+            <a:off x="7613530" y="4230434"/>
+            <a:ext cx="2861303" cy="858391"/>
+          </a:xfrm>
+          <a:prstGeom prst="rect">
+            <a:avLst/>
+          </a:prstGeom>
+        </p:spPr>
+      </p:pic>
+      <p:sp>
+        <p:nvSpPr>
+          <p:cNvPr id="20" name="Rectangle 19">
+            <a:extLst>
+              <a:ext uri="{FF2B5EF4-FFF2-40B4-BE49-F238E27FC236}">
+                <a16:creationId xmlns:a16="http://schemas.microsoft.com/office/drawing/2014/main" id="{B5122586-0154-43B4-AC15-0210B1CD4604}"/>
+              </a:ext>
+            </a:extLst>
+          </p:cNvPr>
+          <p:cNvSpPr/>
+          <p:nvPr/>
+        </p:nvSpPr>
+        <p:spPr>
+          <a:xfrm>
+            <a:off x="2663486" y="1705799"/>
+            <a:ext cx="857927" cy="369332"/>
+          </a:xfrm>
+          <a:prstGeom prst="rect">
+            <a:avLst/>
+          </a:prstGeom>
+        </p:spPr>
+        <p:txBody>
+          <a:bodyPr wrap="none">
+            <a:spAutoFit/>
+          </a:bodyPr>
+          <a:lstStyle/>
+          <a:p>
+            <a:pPr algn="ctr"/>
+            <a:r>
+              <a:rPr lang="en-US" dirty="0">
+                <a:latin typeface="Aller Display" panose="02000503000000020003" pitchFamily="2" charset="0"/>
+              </a:rPr>
+              <a:t>F = </a:t>
+            </a:r>
+            <a:r>
+              <a:rPr lang="en-US" dirty="0">
+                <a:solidFill>
+                  <a:srgbClr val="00B0F0"/>
+                </a:solidFill>
+                <a:latin typeface="Aller Display" panose="02000503000000020003" pitchFamily="2" charset="0"/>
+              </a:rPr>
+              <a:t>K</a:t>
+            </a:r>
+            <a:r>
+              <a:rPr lang="en-US" dirty="0">
+                <a:latin typeface="Aller Display" panose="02000503000000020003" pitchFamily="2" charset="0"/>
+              </a:rPr>
+              <a:t> e</a:t>
+            </a:r>
+          </a:p>
+        </p:txBody>
+      </p:sp>
+    </p:spTree>
+    <p:extLst>
+      <p:ext uri="{BB962C8B-B14F-4D97-AF65-F5344CB8AC3E}">
+        <p14:creationId xmlns:p14="http://schemas.microsoft.com/office/powerpoint/2010/main" val="4083641584"/>
+      </p:ext>
+    </p:extLst>
+  </p:cSld>
+  <p:clrMapOvr>
+    <a:masterClrMapping/>
+  </p:clrMapOvr>
+  <p:transition spd="slow">
+    <p:wipe/>
+  </p:transition>
+</p:sld>
+</file>
+
+<file path=ppt/slides/slide6.xml><?xml version="1.0" encoding="utf-8"?>
+<p:sld xmlns:a="http://schemas.openxmlformats.org/drawingml/2006/main" xmlns:r="http://schemas.openxmlformats.org/officeDocument/2006/relationships" xmlns:p="http://schemas.openxmlformats.org/presentationml/2006/main">
+  <p:cSld>
+    <p:spTree>
+      <p:nvGrpSpPr>
+        <p:cNvPr id="1" name=""/>
+        <p:cNvGrpSpPr/>
+        <p:nvPr/>
+      </p:nvGrpSpPr>
+      <p:grpSpPr>
+        <a:xfrm>
+          <a:off x="0" y="0"/>
+          <a:ext cx="0" cy="0"/>
+          <a:chOff x="0" y="0"/>
+          <a:chExt cx="0" cy="0"/>
+        </a:xfrm>
+      </p:grpSpPr>
+      <p:sp>
+        <p:nvSpPr>
+          <p:cNvPr id="6" name="Rectangle 5">
+            <a:extLst>
+              <a:ext uri="{FF2B5EF4-FFF2-40B4-BE49-F238E27FC236}">
+                <a16:creationId xmlns:a16="http://schemas.microsoft.com/office/drawing/2014/main" id="{5110D8FA-B364-4D42-AD6E-BB2401992B8E}"/>
+              </a:ext>
+            </a:extLst>
+          </p:cNvPr>
+          <p:cNvSpPr/>
+          <p:nvPr/>
+        </p:nvSpPr>
+        <p:spPr>
+          <a:xfrm>
+            <a:off x="342900" y="342900"/>
+            <a:ext cx="11506200" cy="6172200"/>
+          </a:xfrm>
+          <a:prstGeom prst="rect">
+            <a:avLst/>
+          </a:prstGeom>
+          <a:noFill/>
+          <a:ln w="38100">
+            <a:solidFill>
+              <a:schemeClr val="tx1"/>
+            </a:solidFill>
+          </a:ln>
+        </p:spPr>
+        <p:style>
+          <a:lnRef idx="2">
+            <a:schemeClr val="accent1">
+              <a:shade val="50000"/>
+            </a:schemeClr>
+          </a:lnRef>
+          <a:fillRef idx="1">
+            <a:schemeClr val="accent1"/>
+          </a:fillRef>
+          <a:effectRef idx="0">
+            <a:schemeClr val="accent1"/>
+          </a:effectRef>
+          <a:fontRef idx="minor">
+            <a:schemeClr val="lt1"/>
+          </a:fontRef>
+        </p:style>
+        <p:txBody>
+          <a:bodyPr rtlCol="0" anchor="ctr"/>
+          <a:lstStyle/>
+          <a:p>
+            <a:pPr algn="ctr"/>
+            <a:endParaRPr lang="en-US"/>
+          </a:p>
+        </p:txBody>
+      </p:sp>
+      <p:sp>
+        <p:nvSpPr>
+          <p:cNvPr id="20" name="Title 1">
+            <a:extLst>
+              <a:ext uri="{FF2B5EF4-FFF2-40B4-BE49-F238E27FC236}">
+                <a16:creationId xmlns:a16="http://schemas.microsoft.com/office/drawing/2014/main" id="{1524C55D-3E41-4EC0-B771-AF418438C853}"/>
+              </a:ext>
+            </a:extLst>
+          </p:cNvPr>
+          <p:cNvSpPr txBox="1">
+            <a:spLocks/>
+          </p:cNvSpPr>
+          <p:nvPr/>
+        </p:nvSpPr>
+        <p:spPr>
+          <a:xfrm>
+            <a:off x="342900" y="2768599"/>
+            <a:ext cx="11506200" cy="1320800"/>
+          </a:xfrm>
+          <a:prstGeom prst="rect">
+            <a:avLst/>
+          </a:prstGeom>
+        </p:spPr>
+        <p:txBody>
+          <a:bodyPr anchor="t"/>
+          <a:lstStyle>
+            <a:lvl1pPr algn="l" defTabSz="914400" rtl="0" eaLnBrk="1" latinLnBrk="0" hangingPunct="1">
+              <a:lnSpc>
+                <a:spcPct val="90000"/>
+              </a:lnSpc>
+              <a:spcBef>
+                <a:spcPct val="0"/>
+              </a:spcBef>
+              <a:buNone/>
+              <a:defRPr sz="4400" kern="1200">
+                <a:solidFill>
+                  <a:schemeClr val="tx1"/>
+                </a:solidFill>
+                <a:latin typeface="+mj-lt"/>
+                <a:ea typeface="+mj-ea"/>
+                <a:cs typeface="+mj-cs"/>
+              </a:defRPr>
+            </a:lvl1pPr>
+          </a:lstStyle>
+          <a:p>
+            <a:pPr algn="ctr"/>
+            <a:r>
+              <a:rPr lang="en-US" sz="2400" dirty="0">
+                <a:latin typeface="Aller" panose="02000503030000020004" pitchFamily="2" charset="0"/>
+              </a:rPr>
+              <a:t>Interaction of</a:t>
+            </a:r>
+          </a:p>
+          <a:p>
+            <a:pPr algn="ctr"/>
+            <a:r>
+              <a:rPr lang="en-US" sz="3200" b="1" dirty="0">
+                <a:latin typeface="Aller" panose="02000503030000020004" pitchFamily="2" charset="0"/>
+              </a:rPr>
+              <a:t>Axial force - Bending moment</a:t>
+            </a:r>
+          </a:p>
+        </p:txBody>
+      </p:sp>
+    </p:spTree>
+    <p:extLst>
+      <p:ext uri="{BB962C8B-B14F-4D97-AF65-F5344CB8AC3E}">
+        <p14:creationId xmlns:p14="http://schemas.microsoft.com/office/powerpoint/2010/main" val="1777156511"/>
+      </p:ext>
+    </p:extLst>
+  </p:cSld>
+  <p:clrMapOvr>
+    <a:masterClrMapping/>
+  </p:clrMapOvr>
+  <p:transition spd="slow">
+    <p:wipe/>
+  </p:transition>
+</p:sld>
+</file>
+
+<file path=ppt/slides/slide7.xml><?xml version="1.0" encoding="utf-8"?>
+<p:sld xmlns:a="http://schemas.openxmlformats.org/drawingml/2006/main" xmlns:r="http://schemas.openxmlformats.org/officeDocument/2006/relationships" xmlns:p="http://schemas.openxmlformats.org/presentationml/2006/main">
+  <p:cSld>
+    <p:spTree>
+      <p:nvGrpSpPr>
+        <p:cNvPr id="1" name=""/>
+        <p:cNvGrpSpPr/>
+        <p:nvPr/>
+      </p:nvGrpSpPr>
+      <p:grpSpPr>
+        <a:xfrm>
+          <a:off x="0" y="0"/>
+          <a:ext cx="0" cy="0"/>
+          <a:chOff x="0" y="0"/>
+          <a:chExt cx="0" cy="0"/>
+        </a:xfrm>
+      </p:grpSpPr>
+      <p:sp>
+        <p:nvSpPr>
+          <p:cNvPr id="6" name="Rectangle 5">
+            <a:extLst>
+              <a:ext uri="{FF2B5EF4-FFF2-40B4-BE49-F238E27FC236}">
+                <a16:creationId xmlns:a16="http://schemas.microsoft.com/office/drawing/2014/main" id="{5110D8FA-B364-4D42-AD6E-BB2401992B8E}"/>
+              </a:ext>
+            </a:extLst>
+          </p:cNvPr>
+          <p:cNvSpPr/>
+          <p:nvPr/>
+        </p:nvSpPr>
+        <p:spPr>
+          <a:xfrm>
+            <a:off x="342900" y="342900"/>
+            <a:ext cx="11506200" cy="6172200"/>
+          </a:xfrm>
+          <a:prstGeom prst="rect">
+            <a:avLst/>
+          </a:prstGeom>
+          <a:noFill/>
+          <a:ln w="38100">
+            <a:solidFill>
+              <a:schemeClr val="tx1"/>
+            </a:solidFill>
+          </a:ln>
+        </p:spPr>
+        <p:style>
+          <a:lnRef idx="2">
+            <a:schemeClr val="accent1">
+              <a:shade val="50000"/>
+            </a:schemeClr>
+          </a:lnRef>
+          <a:fillRef idx="1">
+            <a:schemeClr val="accent1"/>
+          </a:fillRef>
+          <a:effectRef idx="0">
+            <a:schemeClr val="accent1"/>
+          </a:effectRef>
+          <a:fontRef idx="minor">
+            <a:schemeClr val="lt1"/>
+          </a:fontRef>
+        </p:style>
+        <p:txBody>
+          <a:bodyPr rtlCol="0" anchor="ctr"/>
+          <a:lstStyle/>
+          <a:p>
+            <a:pPr algn="ctr"/>
+            <a:endParaRPr lang="en-US"/>
+          </a:p>
+        </p:txBody>
+      </p:sp>
+      <p:sp>
+        <p:nvSpPr>
+          <p:cNvPr id="20" name="Title 1">
+            <a:extLst>
+              <a:ext uri="{FF2B5EF4-FFF2-40B4-BE49-F238E27FC236}">
+                <a16:creationId xmlns:a16="http://schemas.microsoft.com/office/drawing/2014/main" id="{1524C55D-3E41-4EC0-B771-AF418438C853}"/>
+              </a:ext>
+            </a:extLst>
+          </p:cNvPr>
+          <p:cNvSpPr txBox="1">
+            <a:spLocks/>
+          </p:cNvSpPr>
+          <p:nvPr/>
+        </p:nvSpPr>
+        <p:spPr>
+          <a:xfrm>
+            <a:off x="342900" y="2768599"/>
+            <a:ext cx="11506200" cy="1320800"/>
+          </a:xfrm>
+          <a:prstGeom prst="rect">
+            <a:avLst/>
+          </a:prstGeom>
+        </p:spPr>
+        <p:txBody>
+          <a:bodyPr anchor="t"/>
+          <a:lstStyle>
+            <a:lvl1pPr algn="l" defTabSz="914400" rtl="0" eaLnBrk="1" latinLnBrk="0" hangingPunct="1">
+              <a:lnSpc>
+                <a:spcPct val="90000"/>
+              </a:lnSpc>
+              <a:spcBef>
+                <a:spcPct val="0"/>
+              </a:spcBef>
+              <a:buNone/>
+              <a:defRPr sz="4400" kern="1200">
+                <a:solidFill>
+                  <a:schemeClr val="tx1"/>
+                </a:solidFill>
+                <a:latin typeface="+mj-lt"/>
+                <a:ea typeface="+mj-ea"/>
+                <a:cs typeface="+mj-cs"/>
+              </a:defRPr>
+            </a:lvl1pPr>
+          </a:lstStyle>
+          <a:p>
+            <a:pPr algn="ctr"/>
+            <a:r>
+              <a:rPr lang="en-US" sz="2400" dirty="0">
+                <a:latin typeface="Aller" panose="02000503030000020004" pitchFamily="2" charset="0"/>
+              </a:rPr>
+              <a:t>Interaction of</a:t>
+            </a:r>
+          </a:p>
+          <a:p>
+            <a:pPr algn="ctr"/>
+            <a:r>
+              <a:rPr lang="en-US" sz="3200" b="1" dirty="0">
+                <a:latin typeface="Aller" panose="02000503030000020004" pitchFamily="2" charset="0"/>
+              </a:rPr>
+              <a:t>Axial force - Bending moment - Shear force</a:t>
+            </a:r>
+          </a:p>
+          <a:p>
+            <a:pPr algn="ctr"/>
+            <a:endParaRPr lang="en-US" sz="3200" b="1" dirty="0">
+              <a:latin typeface="Aller" panose="02000503030000020004" pitchFamily="2" charset="0"/>
+            </a:endParaRPr>
+          </a:p>
+        </p:txBody>
+      </p:sp>
+      <p:sp>
+        <p:nvSpPr>
+          <p:cNvPr id="4" name="Rectangle 3">
+            <a:extLst>
+              <a:ext uri="{FF2B5EF4-FFF2-40B4-BE49-F238E27FC236}">
+                <a16:creationId xmlns:a16="http://schemas.microsoft.com/office/drawing/2014/main" id="{8AB0B29B-FBFD-4D2A-BE4F-C4412FC77901}"/>
+              </a:ext>
+            </a:extLst>
+          </p:cNvPr>
+          <p:cNvSpPr/>
+          <p:nvPr/>
+        </p:nvSpPr>
+        <p:spPr>
+          <a:xfrm>
+            <a:off x="342900" y="1384300"/>
+            <a:ext cx="11506200" cy="830997"/>
+          </a:xfrm>
+          <a:prstGeom prst="rect">
+            <a:avLst/>
+          </a:prstGeom>
+        </p:spPr>
+        <p:txBody>
+          <a:bodyPr wrap="square">
+            <a:spAutoFit/>
+          </a:bodyPr>
+          <a:lstStyle/>
+          <a:p>
+            <a:pPr algn="ctr"/>
+            <a:r>
+              <a:rPr lang="en-US" sz="2400" dirty="0">
+                <a:latin typeface="Aller" panose="02000503030000020004" pitchFamily="2" charset="0"/>
+              </a:rPr>
+              <a:t>Using the novel formulation developed by </a:t>
+            </a:r>
+          </a:p>
+          <a:p>
+            <a:pPr algn="ctr"/>
+            <a:r>
+              <a:rPr lang="en-US" sz="2400" dirty="0">
+                <a:latin typeface="Aller" panose="02000503030000020004" pitchFamily="2" charset="0"/>
+              </a:rPr>
+              <a:t>the Department of Civil Engineering</a:t>
+            </a:r>
+            <a:endParaRPr lang="en-US" sz="2400" dirty="0"/>
+          </a:p>
+        </p:txBody>
+      </p:sp>
+    </p:spTree>
+    <p:extLst>
+      <p:ext uri="{BB962C8B-B14F-4D97-AF65-F5344CB8AC3E}">
+        <p14:creationId xmlns:p14="http://schemas.microsoft.com/office/powerpoint/2010/main" val="1987627899"/>
+      </p:ext>
+    </p:extLst>
+  </p:cSld>
+  <p:clrMapOvr>
+    <a:masterClrMapping/>
+  </p:clrMapOvr>
+  <p:transition spd="slow">
+    <p:wipe/>
+  </p:transition>
+</p:sld>
+</file>
+
+<file path=ppt/slides/slide8.xml><?xml version="1.0" encoding="utf-8"?>
+<p:sld xmlns:a="http://schemas.openxmlformats.org/drawingml/2006/main" xmlns:r="http://schemas.openxmlformats.org/officeDocument/2006/relationships" xmlns:p="http://schemas.openxmlformats.org/presentationml/2006/main">
+  <p:cSld>
+    <p:spTree>
+      <p:nvGrpSpPr>
+        <p:cNvPr id="1" name=""/>
+        <p:cNvGrpSpPr/>
+        <p:nvPr/>
+      </p:nvGrpSpPr>
+      <p:grpSpPr>
+        <a:xfrm>
+          <a:off x="0" y="0"/>
+          <a:ext cx="0" cy="0"/>
+          <a:chOff x="0" y="0"/>
+          <a:chExt cx="0" cy="0"/>
+        </a:xfrm>
+      </p:grpSpPr>
+      <p:sp>
+        <p:nvSpPr>
+          <p:cNvPr id="5" name="Title 1">
+            <a:extLst>
+              <a:ext uri="{FF2B5EF4-FFF2-40B4-BE49-F238E27FC236}">
+                <a16:creationId xmlns:a16="http://schemas.microsoft.com/office/drawing/2014/main" id="{42EA2A2D-D09E-4C65-B8B1-7A4C7A22FA38}"/>
+              </a:ext>
+            </a:extLst>
+          </p:cNvPr>
+          <p:cNvSpPr txBox="1">
+            <a:spLocks/>
+          </p:cNvSpPr>
+          <p:nvPr/>
+        </p:nvSpPr>
+        <p:spPr>
+          <a:xfrm>
+            <a:off x="0" y="2444717"/>
+            <a:ext cx="12192000" cy="1968566"/>
+          </a:xfrm>
+          <a:prstGeom prst="rect">
+            <a:avLst/>
+          </a:prstGeom>
+        </p:spPr>
+        <p:txBody>
+          <a:bodyPr anchor="ctr"/>
+          <a:lstStyle>
+            <a:lvl1pPr algn="l" defTabSz="914400" rtl="0" eaLnBrk="1" latinLnBrk="0" hangingPunct="1">
+              <a:lnSpc>
+                <a:spcPct val="90000"/>
+              </a:lnSpc>
+              <a:spcBef>
+                <a:spcPct val="0"/>
+              </a:spcBef>
+              <a:buNone/>
+              <a:defRPr sz="4400" kern="1200">
+                <a:solidFill>
+                  <a:schemeClr val="tx1"/>
+                </a:solidFill>
+                <a:latin typeface="+mj-lt"/>
+                <a:ea typeface="+mj-ea"/>
+                <a:cs typeface="+mj-cs"/>
+              </a:defRPr>
+            </a:lvl1pPr>
+          </a:lstStyle>
+          <a:p>
+            <a:pPr algn="ctr"/>
+            <a:r>
+              <a:rPr lang="en-US" sz="4800" dirty="0">
+                <a:latin typeface="Aller Display" panose="02000503000000020003" pitchFamily="2" charset="0"/>
+              </a:rPr>
+              <a:t>A</a:t>
+            </a:r>
+            <a:r>
+              <a:rPr lang="en-US" sz="4800" dirty="0">
+                <a:solidFill>
+                  <a:srgbClr val="00B0F0"/>
+                </a:solidFill>
+                <a:latin typeface="Aller Display" panose="02000503000000020003" pitchFamily="2" charset="0"/>
+              </a:rPr>
+              <a:t> SIMPLE</a:t>
+            </a:r>
+            <a:r>
+              <a:rPr lang="en-US" sz="4800" dirty="0">
+                <a:latin typeface="Aller Display" panose="02000503000000020003" pitchFamily="2" charset="0"/>
+              </a:rPr>
+              <a:t> OVERVIEW</a:t>
+            </a:r>
+          </a:p>
+          <a:p>
+            <a:pPr algn="ctr"/>
+            <a:r>
+              <a:rPr lang="en-US" sz="4800" dirty="0">
+                <a:latin typeface="Aller Display" panose="02000503000000020003" pitchFamily="2" charset="0"/>
+              </a:rPr>
+              <a:t>OF THE SOFTWARE</a:t>
+            </a:r>
+          </a:p>
+        </p:txBody>
+      </p:sp>
+      <p:sp>
+        <p:nvSpPr>
+          <p:cNvPr id="6" name="Rectangle 5">
+            <a:extLst>
+              <a:ext uri="{FF2B5EF4-FFF2-40B4-BE49-F238E27FC236}">
+                <a16:creationId xmlns:a16="http://schemas.microsoft.com/office/drawing/2014/main" id="{3E815667-661B-4BCC-B445-0EBC7359289C}"/>
+              </a:ext>
+            </a:extLst>
+          </p:cNvPr>
+          <p:cNvSpPr/>
+          <p:nvPr/>
+        </p:nvSpPr>
+        <p:spPr>
+          <a:xfrm>
+            <a:off x="342900" y="342900"/>
+            <a:ext cx="11506200" cy="6172200"/>
+          </a:xfrm>
+          <a:prstGeom prst="rect">
+            <a:avLst/>
+          </a:prstGeom>
+          <a:noFill/>
+          <a:ln w="38100">
+            <a:solidFill>
+              <a:schemeClr val="tx1"/>
+            </a:solidFill>
+          </a:ln>
+        </p:spPr>
+        <p:style>
+          <a:lnRef idx="2">
+            <a:schemeClr val="accent1">
+              <a:shade val="50000"/>
+            </a:schemeClr>
+          </a:lnRef>
+          <a:fillRef idx="1">
+            <a:schemeClr val="accent1"/>
+          </a:fillRef>
+          <a:effectRef idx="0">
+            <a:schemeClr val="accent1"/>
+          </a:effectRef>
+          <a:fontRef idx="minor">
+            <a:schemeClr val="lt1"/>
+          </a:fontRef>
+        </p:style>
+        <p:txBody>
+          <a:bodyPr rtlCol="0" anchor="ctr"/>
+          <a:lstStyle/>
+          <a:p>
+            <a:pPr algn="ctr"/>
+            <a:endParaRPr lang="en-US"/>
+          </a:p>
+        </p:txBody>
+      </p:sp>
+    </p:spTree>
+    <p:extLst>
+      <p:ext uri="{BB962C8B-B14F-4D97-AF65-F5344CB8AC3E}">
+        <p14:creationId xmlns:p14="http://schemas.microsoft.com/office/powerpoint/2010/main" val="704868869"/>
+      </p:ext>
+    </p:extLst>
+  </p:cSld>
+  <p:clrMapOvr>
+    <a:masterClrMapping/>
+  </p:clrMapOvr>
+  <p:transition spd="slow">
+    <p:wipe/>
+  </p:transition>
+</p:sld>
+</file>
+
+<file path=ppt/slides/slide9.xml><?xml version="1.0" encoding="utf-8"?>
+<p:sld xmlns:a="http://schemas.openxmlformats.org/drawingml/2006/main" xmlns:r="http://schemas.openxmlformats.org/officeDocument/2006/relationships" xmlns:p="http://schemas.openxmlformats.org/presentationml/2006/main">
+  <p:cSld>
+    <p:spTree>
+      <p:nvGrpSpPr>
+        <p:cNvPr id="1" name=""/>
+        <p:cNvGrpSpPr/>
+        <p:nvPr/>
+      </p:nvGrpSpPr>
+      <p:grpSpPr>
+        <a:xfrm>
+          <a:off x="0" y="0"/>
+          <a:ext cx="0" cy="0"/>
+          <a:chOff x="0" y="0"/>
+          <a:chExt cx="0" cy="0"/>
+        </a:xfrm>
+      </p:grpSpPr>
+      <p:cxnSp>
+        <p:nvCxnSpPr>
+          <p:cNvPr id="28" name="Straight Connector 27">
+            <a:extLst>
+              <a:ext uri="{FF2B5EF4-FFF2-40B4-BE49-F238E27FC236}">
+                <a16:creationId xmlns:a16="http://schemas.microsoft.com/office/drawing/2014/main" id="{88FC294F-4BC1-4B59-AA6B-0C076102DF2C}"/>
+              </a:ext>
+            </a:extLst>
+          </p:cNvPr>
+          <p:cNvCxnSpPr>
+            <a:cxnSpLocks/>
+            <a:stCxn id="29" idx="2"/>
+          </p:cNvCxnSpPr>
+          <p:nvPr/>
+        </p:nvCxnSpPr>
+        <p:spPr>
+          <a:xfrm>
+            <a:off x="6392360" y="1755401"/>
+            <a:ext cx="773047" cy="612939"/>
+          </a:xfrm>
+          <a:prstGeom prst="line">
+            <a:avLst/>
+          </a:prstGeom>
+          <a:ln>
+            <a:solidFill>
+              <a:schemeClr val="tx1"/>
+            </a:solidFill>
+          </a:ln>
+        </p:spPr>
+        <p:style>
+          <a:lnRef idx="1">
+            <a:schemeClr val="accent1"/>
+          </a:lnRef>
+          <a:fillRef idx="0">
+            <a:schemeClr val="accent1"/>
+          </a:fillRef>
+          <a:effectRef idx="0">
+            <a:schemeClr val="accent1"/>
+          </a:effectRef>
+          <a:fontRef idx="minor">
+            <a:schemeClr val="tx1"/>
+          </a:fontRef>
+        </p:style>
+      </p:cxnSp>
+      <p:sp>
+        <p:nvSpPr>
+          <p:cNvPr id="29" name="Rectangle 31">
+            <a:extLst>
+              <a:ext uri="{FF2B5EF4-FFF2-40B4-BE49-F238E27FC236}">
+                <a16:creationId xmlns:a16="http://schemas.microsoft.com/office/drawing/2014/main" id="{FE325594-2203-4EE2-A525-304A77D092A0}"/>
+              </a:ext>
+            </a:extLst>
+          </p:cNvPr>
+          <p:cNvSpPr/>
+          <p:nvPr/>
+        </p:nvSpPr>
+        <p:spPr>
+          <a:xfrm>
+            <a:off x="4303121" y="1755401"/>
+            <a:ext cx="2089239" cy="2229597"/>
+          </a:xfrm>
+          <a:custGeom>
+            <a:avLst/>
+            <a:gdLst>
+              <a:gd name="connsiteX0" fmla="*/ 0 w 2089239"/>
+              <a:gd name="connsiteY0" fmla="*/ 0 h 2229597"/>
+              <a:gd name="connsiteX1" fmla="*/ 2089239 w 2089239"/>
+              <a:gd name="connsiteY1" fmla="*/ 0 h 2229597"/>
+              <a:gd name="connsiteX2" fmla="*/ 2089239 w 2089239"/>
+              <a:gd name="connsiteY2" fmla="*/ 2229597 h 2229597"/>
+              <a:gd name="connsiteX3" fmla="*/ 0 w 2089239"/>
+              <a:gd name="connsiteY3" fmla="*/ 2229597 h 2229597"/>
+              <a:gd name="connsiteX4" fmla="*/ 0 w 2089239"/>
+              <a:gd name="connsiteY4" fmla="*/ 0 h 2229597"/>
+              <a:gd name="connsiteX0" fmla="*/ 2089239 w 2180679"/>
+              <a:gd name="connsiteY0" fmla="*/ 2229597 h 2321037"/>
+              <a:gd name="connsiteX1" fmla="*/ 0 w 2180679"/>
+              <a:gd name="connsiteY1" fmla="*/ 2229597 h 2321037"/>
+              <a:gd name="connsiteX2" fmla="*/ 0 w 2180679"/>
+              <a:gd name="connsiteY2" fmla="*/ 0 h 2321037"/>
+              <a:gd name="connsiteX3" fmla="*/ 2089239 w 2180679"/>
+              <a:gd name="connsiteY3" fmla="*/ 0 h 2321037"/>
+              <a:gd name="connsiteX4" fmla="*/ 2180679 w 2180679"/>
+              <a:gd name="connsiteY4" fmla="*/ 2321037 h 2321037"/>
+              <a:gd name="connsiteX0" fmla="*/ 2089239 w 2089239"/>
+              <a:gd name="connsiteY0" fmla="*/ 2229597 h 2229597"/>
+              <a:gd name="connsiteX1" fmla="*/ 0 w 2089239"/>
+              <a:gd name="connsiteY1" fmla="*/ 2229597 h 2229597"/>
+              <a:gd name="connsiteX2" fmla="*/ 0 w 2089239"/>
+              <a:gd name="connsiteY2" fmla="*/ 0 h 2229597"/>
+              <a:gd name="connsiteX3" fmla="*/ 2089239 w 2089239"/>
+              <a:gd name="connsiteY3" fmla="*/ 0 h 2229597"/>
+              <a:gd name="connsiteX0" fmla="*/ 0 w 2089239"/>
+              <a:gd name="connsiteY0" fmla="*/ 2229597 h 2229597"/>
+              <a:gd name="connsiteX1" fmla="*/ 0 w 2089239"/>
+              <a:gd name="connsiteY1" fmla="*/ 0 h 2229597"/>
+              <a:gd name="connsiteX2" fmla="*/ 2089239 w 2089239"/>
+              <a:gd name="connsiteY2" fmla="*/ 0 h 2229597"/>
+            </a:gdLst>
+            <a:ahLst/>
+            <a:cxnLst>
+              <a:cxn ang="0">
+                <a:pos x="connsiteX0" y="connsiteY0"/>
+              </a:cxn>
+              <a:cxn ang="0">
+                <a:pos x="connsiteX1" y="connsiteY1"/>
+              </a:cxn>
+              <a:cxn ang="0">
+                <a:pos x="connsiteX2" y="connsiteY2"/>
+              </a:cxn>
+            </a:cxnLst>
+            <a:rect l="l" t="t" r="r" b="b"/>
+            <a:pathLst>
+              <a:path w="2089239" h="2229597">
+                <a:moveTo>
+                  <a:pt x="0" y="2229597"/>
+                </a:moveTo>
+                <a:lnTo>
+                  <a:pt x="0" y="0"/>
+                </a:lnTo>
+                <a:lnTo>
+                  <a:pt x="2089239" y="0"/>
+                </a:lnTo>
+              </a:path>
+            </a:pathLst>
+          </a:custGeom>
+          <a:solidFill>
+            <a:schemeClr val="bg1"/>
+          </a:solidFill>
+          <a:ln>
+            <a:solidFill>
+              <a:schemeClr val="tx1"/>
+            </a:solidFill>
+          </a:ln>
+        </p:spPr>
+        <p:style>
+          <a:lnRef idx="2">
+            <a:schemeClr val="accent1">
+              <a:shade val="50000"/>
+            </a:schemeClr>
+          </a:lnRef>
+          <a:fillRef idx="1">
+            <a:schemeClr val="accent1"/>
+          </a:fillRef>
+          <a:effectRef idx="0">
+            <a:schemeClr val="accent1"/>
+          </a:effectRef>
+          <a:fontRef idx="minor">
+            <a:schemeClr val="lt1"/>
+          </a:fontRef>
+        </p:style>
+        <p:txBody>
+          <a:bodyPr rtlCol="0" anchor="ctr"/>
+          <a:lstStyle/>
+          <a:p>
+            <a:pPr algn="ctr"/>
+            <a:endParaRPr lang="en-US"/>
+          </a:p>
+        </p:txBody>
+      </p:sp>
+      <p:graphicFrame>
+        <p:nvGraphicFramePr>
+          <p:cNvPr id="30" name="Table 29">
+            <a:extLst>
+              <a:ext uri="{FF2B5EF4-FFF2-40B4-BE49-F238E27FC236}">
+                <a16:creationId xmlns:a16="http://schemas.microsoft.com/office/drawing/2014/main" id="{6424C18C-25E4-4D59-A019-6FC964205409}"/>
+              </a:ext>
+            </a:extLst>
+          </p:cNvPr>
+          <p:cNvGraphicFramePr>
+            <a:graphicFrameLocks noGrp="1"/>
+          </p:cNvGraphicFramePr>
+          <p:nvPr>
+            <p:extLst>
+              <p:ext uri="{D42A27DB-BD31-4B8C-83A1-F6EECF244321}">
+                <p14:modId xmlns:p14="http://schemas.microsoft.com/office/powerpoint/2010/main" val="1983278786"/>
+              </p:ext>
+            </p:extLst>
+          </p:nvPr>
+        </p:nvGraphicFramePr>
+        <p:xfrm>
+          <a:off x="5060286" y="2368340"/>
+          <a:ext cx="2089239" cy="2229597"/>
+        </p:xfrm>
+        <a:graphic>
+          <a:graphicData uri="http://schemas.openxmlformats.org/drawingml/2006/table">
+            <a:tbl>
+              <a:tblPr firstRow="1" bandRow="1">
+                <a:tableStyleId>{5940675A-B579-460E-94D1-54222C63F5DA}</a:tableStyleId>
+              </a:tblPr>
+              <a:tblGrid>
+                <a:gridCol w="696413">
+                  <a:extLst>
+                    <a:ext uri="{9D8B030D-6E8A-4147-A177-3AD203B41FA5}">
+                      <a16:colId xmlns:a16="http://schemas.microsoft.com/office/drawing/2014/main" val="1849184776"/>
+                    </a:ext>
+                  </a:extLst>
+                </a:gridCol>
+                <a:gridCol w="696413">
+                  <a:extLst>
+                    <a:ext uri="{9D8B030D-6E8A-4147-A177-3AD203B41FA5}">
+                      <a16:colId xmlns:a16="http://schemas.microsoft.com/office/drawing/2014/main" val="1961847864"/>
+                    </a:ext>
+                  </a:extLst>
+                </a:gridCol>
+                <a:gridCol w="696413">
+                  <a:extLst>
+                    <a:ext uri="{9D8B030D-6E8A-4147-A177-3AD203B41FA5}">
+                      <a16:colId xmlns:a16="http://schemas.microsoft.com/office/drawing/2014/main" val="2765132368"/>
+                    </a:ext>
+                  </a:extLst>
+                </a:gridCol>
+              </a:tblGrid>
+              <a:tr h="743199">
+                <a:tc>
+                  <a:txBody>
+                    <a:bodyPr/>
+                    <a:lstStyle/>
+                    <a:p>
+                      <a:endParaRPr lang="en-US" dirty="0"/>
+                    </a:p>
+                  </a:txBody>
+                  <a:tcPr>
+                    <a:solidFill>
+                      <a:schemeClr val="bg1"/>
+                    </a:solidFill>
+                  </a:tcPr>
+                </a:tc>
+                <a:tc>
+                  <a:txBody>
+                    <a:bodyPr/>
+                    <a:lstStyle/>
+                    <a:p>
+                      <a:endParaRPr lang="en-US"/>
+                    </a:p>
+                  </a:txBody>
+                  <a:tcPr>
+                    <a:solidFill>
+                      <a:schemeClr val="bg1"/>
+                    </a:solidFill>
+                  </a:tcPr>
+                </a:tc>
+                <a:tc>
+                  <a:txBody>
+                    <a:bodyPr/>
+                    <a:lstStyle/>
+                    <a:p>
+                      <a:endParaRPr lang="en-US"/>
+                    </a:p>
+                  </a:txBody>
+                  <a:tcPr>
+                    <a:solidFill>
+                      <a:schemeClr val="bg1"/>
+                    </a:solidFill>
+                  </a:tcPr>
+                </a:tc>
+                <a:extLst>
+                  <a:ext uri="{0D108BD9-81ED-4DB2-BD59-A6C34878D82A}">
+                    <a16:rowId xmlns:a16="http://schemas.microsoft.com/office/drawing/2014/main" val="1252832314"/>
+                  </a:ext>
+                </a:extLst>
+              </a:tr>
+              <a:tr h="743199">
+                <a:tc>
+                  <a:txBody>
+                    <a:bodyPr/>
+                    <a:lstStyle/>
+                    <a:p>
+                      <a:endParaRPr lang="en-US"/>
+                    </a:p>
+                  </a:txBody>
+                  <a:tcPr>
+                    <a:solidFill>
+                      <a:schemeClr val="bg1"/>
+                    </a:solidFill>
+                  </a:tcPr>
+                </a:tc>
+                <a:tc>
+                  <a:txBody>
+                    <a:bodyPr/>
+                    <a:lstStyle/>
+                    <a:p>
+                      <a:endParaRPr lang="en-US"/>
+                    </a:p>
+                  </a:txBody>
+                  <a:tcPr>
+                    <a:solidFill>
+                      <a:schemeClr val="bg1"/>
+                    </a:solidFill>
+                  </a:tcPr>
+                </a:tc>
+                <a:tc>
+                  <a:txBody>
+                    <a:bodyPr/>
+                    <a:lstStyle/>
+                    <a:p>
+                      <a:endParaRPr lang="en-US"/>
+                    </a:p>
+                  </a:txBody>
+                  <a:tcPr>
+                    <a:solidFill>
+                      <a:schemeClr val="bg1"/>
+                    </a:solidFill>
+                  </a:tcPr>
+                </a:tc>
+                <a:extLst>
+                  <a:ext uri="{0D108BD9-81ED-4DB2-BD59-A6C34878D82A}">
+                    <a16:rowId xmlns:a16="http://schemas.microsoft.com/office/drawing/2014/main" val="3920488368"/>
+                  </a:ext>
+                </a:extLst>
+              </a:tr>
+              <a:tr h="743199">
+                <a:tc>
+                  <a:txBody>
+                    <a:bodyPr/>
+                    <a:lstStyle/>
+                    <a:p>
+                      <a:endParaRPr lang="en-US" dirty="0"/>
+                    </a:p>
+                  </a:txBody>
+                  <a:tcPr>
+                    <a:solidFill>
+                      <a:schemeClr val="bg1"/>
+                    </a:solidFill>
+                  </a:tcPr>
+                </a:tc>
+                <a:tc>
+                  <a:txBody>
+                    <a:bodyPr/>
+                    <a:lstStyle/>
+                    <a:p>
+                      <a:endParaRPr lang="en-US"/>
+                    </a:p>
+                  </a:txBody>
+                  <a:tcPr>
+                    <a:solidFill>
+                      <a:schemeClr val="bg1"/>
+                    </a:solidFill>
+                  </a:tcPr>
+                </a:tc>
+                <a:tc>
+                  <a:txBody>
+                    <a:bodyPr/>
+                    <a:lstStyle/>
+                    <a:p>
+                      <a:endParaRPr lang="en-US" dirty="0"/>
+                    </a:p>
+                  </a:txBody>
+                  <a:tcPr>
+                    <a:solidFill>
+                      <a:schemeClr val="bg1"/>
+                    </a:solidFill>
+                  </a:tcPr>
+                </a:tc>
+                <a:extLst>
+                  <a:ext uri="{0D108BD9-81ED-4DB2-BD59-A6C34878D82A}">
+                    <a16:rowId xmlns:a16="http://schemas.microsoft.com/office/drawing/2014/main" val="1480803187"/>
+                  </a:ext>
+                </a:extLst>
+              </a:tr>
+            </a:tbl>
+          </a:graphicData>
+        </a:graphic>
+      </p:graphicFrame>
+      <p:cxnSp>
+        <p:nvCxnSpPr>
+          <p:cNvPr id="31" name="Straight Connector 30">
+            <a:extLst>
+              <a:ext uri="{FF2B5EF4-FFF2-40B4-BE49-F238E27FC236}">
+                <a16:creationId xmlns:a16="http://schemas.microsoft.com/office/drawing/2014/main" id="{4F1FF781-27F4-4317-B237-1FECC05FF84A}"/>
+              </a:ext>
+            </a:extLst>
+          </p:cNvPr>
+          <p:cNvCxnSpPr/>
+          <p:nvPr/>
+        </p:nvCxnSpPr>
+        <p:spPr>
+          <a:xfrm>
+            <a:off x="4303121" y="1755401"/>
+            <a:ext cx="757165" cy="612939"/>
+          </a:xfrm>
+          <a:prstGeom prst="line">
+            <a:avLst/>
+          </a:prstGeom>
+          <a:ln>
+            <a:solidFill>
+              <a:schemeClr val="tx1"/>
+            </a:solidFill>
+          </a:ln>
+        </p:spPr>
+        <p:style>
+          <a:lnRef idx="1">
+            <a:schemeClr val="accent1"/>
+          </a:lnRef>
+          <a:fillRef idx="0">
+            <a:schemeClr val="accent1"/>
+          </a:fillRef>
+          <a:effectRef idx="0">
+            <a:schemeClr val="accent1"/>
+          </a:effectRef>
+          <a:fontRef idx="minor">
+            <a:schemeClr val="tx1"/>
+          </a:fontRef>
+        </p:style>
+      </p:cxnSp>
+      <p:cxnSp>
+        <p:nvCxnSpPr>
+          <p:cNvPr id="32" name="Straight Connector 31">
+            <a:extLst>
+              <a:ext uri="{FF2B5EF4-FFF2-40B4-BE49-F238E27FC236}">
+                <a16:creationId xmlns:a16="http://schemas.microsoft.com/office/drawing/2014/main" id="{7422A442-9FB9-4831-9830-8D5A35FDA591}"/>
+              </a:ext>
+            </a:extLst>
+          </p:cNvPr>
+          <p:cNvCxnSpPr/>
+          <p:nvPr/>
+        </p:nvCxnSpPr>
+        <p:spPr>
+          <a:xfrm>
+            <a:off x="4303121" y="3984998"/>
+            <a:ext cx="757165" cy="612939"/>
+          </a:xfrm>
+          <a:prstGeom prst="line">
+            <a:avLst/>
+          </a:prstGeom>
+          <a:ln>
+            <a:solidFill>
+              <a:schemeClr val="tx1"/>
+            </a:solidFill>
+          </a:ln>
+        </p:spPr>
+        <p:style>
+          <a:lnRef idx="1">
+            <a:schemeClr val="accent1"/>
+          </a:lnRef>
+          <a:fillRef idx="0">
+            <a:schemeClr val="accent1"/>
+          </a:fillRef>
+          <a:effectRef idx="0">
+            <a:schemeClr val="accent1"/>
+          </a:effectRef>
+          <a:fontRef idx="minor">
+            <a:schemeClr val="tx1"/>
+          </a:fontRef>
+        </p:style>
+      </p:cxnSp>
+      <p:cxnSp>
+        <p:nvCxnSpPr>
+          <p:cNvPr id="33" name="Straight Connector 32">
+            <a:extLst>
+              <a:ext uri="{FF2B5EF4-FFF2-40B4-BE49-F238E27FC236}">
+                <a16:creationId xmlns:a16="http://schemas.microsoft.com/office/drawing/2014/main" id="{0651B7AA-FEDC-4F28-9304-CDCC593993CA}"/>
+              </a:ext>
+            </a:extLst>
+          </p:cNvPr>
+          <p:cNvCxnSpPr>
+            <a:cxnSpLocks/>
+          </p:cNvCxnSpPr>
+          <p:nvPr/>
+        </p:nvCxnSpPr>
+        <p:spPr>
+          <a:xfrm>
+            <a:off x="4636469" y="2029530"/>
+            <a:ext cx="2113845" cy="0"/>
+          </a:xfrm>
+          <a:prstGeom prst="line">
+            <a:avLst/>
+          </a:prstGeom>
+          <a:ln>
+            <a:solidFill>
+              <a:schemeClr val="tx1"/>
+            </a:solidFill>
+          </a:ln>
+        </p:spPr>
+        <p:style>
+          <a:lnRef idx="1">
+            <a:schemeClr val="accent1"/>
+          </a:lnRef>
+          <a:fillRef idx="0">
+            <a:schemeClr val="accent1"/>
+          </a:fillRef>
+          <a:effectRef idx="0">
+            <a:schemeClr val="accent1"/>
+          </a:effectRef>
+          <a:fontRef idx="minor">
+            <a:schemeClr val="tx1"/>
+          </a:fontRef>
+        </p:style>
+      </p:cxnSp>
+      <p:cxnSp>
+        <p:nvCxnSpPr>
+          <p:cNvPr id="34" name="Straight Connector 33">
+            <a:extLst>
+              <a:ext uri="{FF2B5EF4-FFF2-40B4-BE49-F238E27FC236}">
+                <a16:creationId xmlns:a16="http://schemas.microsoft.com/office/drawing/2014/main" id="{4A973836-1895-4EE6-8975-5315381275E1}"/>
+              </a:ext>
+            </a:extLst>
+          </p:cNvPr>
+          <p:cNvCxnSpPr>
+            <a:cxnSpLocks/>
+          </p:cNvCxnSpPr>
+          <p:nvPr/>
+        </p:nvCxnSpPr>
+        <p:spPr>
+          <a:xfrm flipH="1">
+            <a:off x="4645193" y="2029530"/>
+            <a:ext cx="3660" cy="2229597"/>
+          </a:xfrm>
+          <a:prstGeom prst="line">
+            <a:avLst/>
+          </a:prstGeom>
+          <a:ln>
+            <a:solidFill>
+              <a:schemeClr val="tx1"/>
+            </a:solidFill>
+          </a:ln>
+        </p:spPr>
+        <p:style>
+          <a:lnRef idx="1">
+            <a:schemeClr val="accent1"/>
+          </a:lnRef>
+          <a:fillRef idx="0">
+            <a:schemeClr val="accent1"/>
+          </a:fillRef>
+          <a:effectRef idx="0">
+            <a:schemeClr val="accent1"/>
+          </a:effectRef>
+          <a:fontRef idx="minor">
+            <a:schemeClr val="tx1"/>
+          </a:fontRef>
+        </p:style>
+      </p:cxnSp>
+      <p:cxnSp>
+        <p:nvCxnSpPr>
+          <p:cNvPr id="35" name="Straight Connector 34">
+            <a:extLst>
+              <a:ext uri="{FF2B5EF4-FFF2-40B4-BE49-F238E27FC236}">
+                <a16:creationId xmlns:a16="http://schemas.microsoft.com/office/drawing/2014/main" id="{40F7B18C-F22A-4471-BD8A-36181A5C931D}"/>
+              </a:ext>
+            </a:extLst>
+          </p:cNvPr>
+          <p:cNvCxnSpPr/>
+          <p:nvPr/>
+        </p:nvCxnSpPr>
+        <p:spPr>
+          <a:xfrm>
+            <a:off x="4303121" y="2498561"/>
+            <a:ext cx="757165" cy="612939"/>
+          </a:xfrm>
+          <a:prstGeom prst="line">
+            <a:avLst/>
+          </a:prstGeom>
+          <a:ln>
+            <a:solidFill>
+              <a:schemeClr val="tx1"/>
+            </a:solidFill>
+          </a:ln>
+        </p:spPr>
+        <p:style>
+          <a:lnRef idx="1">
+            <a:schemeClr val="accent1"/>
+          </a:lnRef>
+          <a:fillRef idx="0">
+            <a:schemeClr val="accent1"/>
+          </a:fillRef>
+          <a:effectRef idx="0">
+            <a:schemeClr val="accent1"/>
+          </a:effectRef>
+          <a:fontRef idx="minor">
+            <a:schemeClr val="tx1"/>
+          </a:fontRef>
+        </p:style>
+      </p:cxnSp>
+      <p:cxnSp>
+        <p:nvCxnSpPr>
+          <p:cNvPr id="36" name="Straight Connector 35">
+            <a:extLst>
+              <a:ext uri="{FF2B5EF4-FFF2-40B4-BE49-F238E27FC236}">
+                <a16:creationId xmlns:a16="http://schemas.microsoft.com/office/drawing/2014/main" id="{28F211AC-4760-43B9-8B68-4C8D7E5157D9}"/>
+              </a:ext>
+            </a:extLst>
+          </p:cNvPr>
+          <p:cNvCxnSpPr/>
+          <p:nvPr/>
+        </p:nvCxnSpPr>
+        <p:spPr>
+          <a:xfrm>
+            <a:off x="4303121" y="3234994"/>
+            <a:ext cx="757165" cy="612939"/>
+          </a:xfrm>
+          <a:prstGeom prst="line">
+            <a:avLst/>
+          </a:prstGeom>
+          <a:ln>
+            <a:solidFill>
+              <a:schemeClr val="tx1"/>
+            </a:solidFill>
+          </a:ln>
+        </p:spPr>
+        <p:style>
+          <a:lnRef idx="1">
+            <a:schemeClr val="accent1"/>
+          </a:lnRef>
+          <a:fillRef idx="0">
+            <a:schemeClr val="accent1"/>
+          </a:fillRef>
+          <a:effectRef idx="0">
+            <a:schemeClr val="accent1"/>
+          </a:effectRef>
+          <a:fontRef idx="minor">
+            <a:schemeClr val="tx1"/>
+          </a:fontRef>
+        </p:style>
+      </p:cxnSp>
+      <p:cxnSp>
+        <p:nvCxnSpPr>
+          <p:cNvPr id="37" name="Straight Connector 36">
+            <a:extLst>
+              <a:ext uri="{FF2B5EF4-FFF2-40B4-BE49-F238E27FC236}">
+                <a16:creationId xmlns:a16="http://schemas.microsoft.com/office/drawing/2014/main" id="{0CFBE124-C586-4A42-99DD-A89D8F73446D}"/>
+              </a:ext>
+            </a:extLst>
+          </p:cNvPr>
+          <p:cNvCxnSpPr/>
+          <p:nvPr/>
+        </p:nvCxnSpPr>
+        <p:spPr>
+          <a:xfrm>
+            <a:off x="4996610" y="1755401"/>
+            <a:ext cx="757165" cy="612939"/>
+          </a:xfrm>
+          <a:prstGeom prst="line">
+            <a:avLst/>
+          </a:prstGeom>
+          <a:ln>
+            <a:solidFill>
+              <a:schemeClr val="tx1"/>
+            </a:solidFill>
+          </a:ln>
+        </p:spPr>
+        <p:style>
+          <a:lnRef idx="1">
+            <a:schemeClr val="accent1"/>
+          </a:lnRef>
+          <a:fillRef idx="0">
+            <a:schemeClr val="accent1"/>
+          </a:fillRef>
+          <a:effectRef idx="0">
+            <a:schemeClr val="accent1"/>
+          </a:effectRef>
+          <a:fontRef idx="minor">
+            <a:schemeClr val="tx1"/>
+          </a:fontRef>
+        </p:style>
+      </p:cxnSp>
+      <p:cxnSp>
+        <p:nvCxnSpPr>
+          <p:cNvPr id="38" name="Straight Connector 37">
+            <a:extLst>
+              <a:ext uri="{FF2B5EF4-FFF2-40B4-BE49-F238E27FC236}">
+                <a16:creationId xmlns:a16="http://schemas.microsoft.com/office/drawing/2014/main" id="{E1A60EC6-280E-40BE-98BB-474BEEF27D26}"/>
+              </a:ext>
+            </a:extLst>
+          </p:cNvPr>
+          <p:cNvCxnSpPr/>
+          <p:nvPr/>
+        </p:nvCxnSpPr>
+        <p:spPr>
+          <a:xfrm>
+            <a:off x="5682725" y="1755401"/>
+            <a:ext cx="757165" cy="612939"/>
+          </a:xfrm>
+          <a:prstGeom prst="line">
+            <a:avLst/>
+          </a:prstGeom>
+          <a:ln>
+            <a:solidFill>
+              <a:schemeClr val="tx1"/>
+            </a:solidFill>
+          </a:ln>
+        </p:spPr>
+        <p:style>
+          <a:lnRef idx="1">
+            <a:schemeClr val="accent1"/>
+          </a:lnRef>
+          <a:fillRef idx="0">
+            <a:schemeClr val="accent1"/>
+          </a:fillRef>
+          <a:effectRef idx="0">
+            <a:schemeClr val="accent1"/>
+          </a:effectRef>
+          <a:fontRef idx="minor">
+            <a:schemeClr val="tx1"/>
+          </a:fontRef>
+        </p:style>
+      </p:cxnSp>
+      <p:sp>
+        <p:nvSpPr>
+          <p:cNvPr id="5" name="TextBox 4">
+            <a:extLst>
+              <a:ext uri="{FF2B5EF4-FFF2-40B4-BE49-F238E27FC236}">
+                <a16:creationId xmlns:a16="http://schemas.microsoft.com/office/drawing/2014/main" id="{A7CF6DF1-320E-4B7B-80C3-8EE43DEBA22F}"/>
+              </a:ext>
+            </a:extLst>
+          </p:cNvPr>
+          <p:cNvSpPr txBox="1"/>
+          <p:nvPr/>
+        </p:nvSpPr>
+        <p:spPr>
+          <a:xfrm>
+            <a:off x="1795263" y="2174620"/>
+            <a:ext cx="960638" cy="369332"/>
+          </a:xfrm>
+          <a:prstGeom prst="rect">
+            <a:avLst/>
+          </a:prstGeom>
+          <a:noFill/>
+        </p:spPr>
+        <p:txBody>
+          <a:bodyPr wrap="square" rtlCol="0">
+            <a:spAutoFit/>
+          </a:bodyPr>
+          <a:lstStyle/>
+          <a:p>
+            <a:pPr algn="ctr"/>
+            <a:r>
+              <a:rPr lang="en-US" dirty="0">
+                <a:latin typeface="Aller" panose="02000503030000020004" pitchFamily="2" charset="0"/>
+              </a:rPr>
+              <a:t>Nodes</a:t>
+            </a:r>
+          </a:p>
+        </p:txBody>
+      </p:sp>
+      <p:sp>
+        <p:nvSpPr>
+          <p:cNvPr id="4" name="Oval 3">
+            <a:extLst>
+              <a:ext uri="{FF2B5EF4-FFF2-40B4-BE49-F238E27FC236}">
+                <a16:creationId xmlns:a16="http://schemas.microsoft.com/office/drawing/2014/main" id="{8B9042D3-B94A-4849-B967-889633D9E48F}"/>
+              </a:ext>
+            </a:extLst>
+          </p:cNvPr>
+          <p:cNvSpPr/>
+          <p:nvPr/>
+        </p:nvSpPr>
+        <p:spPr>
+          <a:xfrm>
+            <a:off x="4806860" y="2136520"/>
+            <a:ext cx="489040" cy="489040"/>
+          </a:xfrm>
+          <a:prstGeom prst="ellipse">
+            <a:avLst/>
+          </a:prstGeom>
+          <a:noFill/>
+          <a:effectLst>
+            <a:glow rad="63500">
+              <a:schemeClr val="accent1">
+                <a:satMod val="175000"/>
+                <a:alpha val="40000"/>
+              </a:schemeClr>
+            </a:glow>
+          </a:effectLst>
+        </p:spPr>
+        <p:style>
+          <a:lnRef idx="2">
+            <a:schemeClr val="accent1">
+              <a:shade val="50000"/>
+            </a:schemeClr>
+          </a:lnRef>
+          <a:fillRef idx="1">
+            <a:schemeClr val="accent1"/>
+          </a:fillRef>
+          <a:effectRef idx="0">
+            <a:schemeClr val="accent1"/>
+          </a:effectRef>
+          <a:fontRef idx="minor">
+            <a:schemeClr val="lt1"/>
+          </a:fontRef>
+        </p:style>
+        <p:txBody>
+          <a:bodyPr rtlCol="0" anchor="ctr"/>
+          <a:lstStyle/>
+          <a:p>
+            <a:pPr algn="ctr"/>
+            <a:endParaRPr lang="en-US"/>
+          </a:p>
+        </p:txBody>
+      </p:sp>
+      <p:sp>
+        <p:nvSpPr>
+          <p:cNvPr id="8" name="Oval 7">
+            <a:extLst>
+              <a:ext uri="{FF2B5EF4-FFF2-40B4-BE49-F238E27FC236}">
+                <a16:creationId xmlns:a16="http://schemas.microsoft.com/office/drawing/2014/main" id="{03312DC3-97D5-414A-B0CD-7999D5F0B329}"/>
+              </a:ext>
+            </a:extLst>
+          </p:cNvPr>
+          <p:cNvSpPr/>
+          <p:nvPr/>
+        </p:nvSpPr>
+        <p:spPr>
+          <a:xfrm>
+            <a:off x="5505360" y="2853980"/>
+            <a:ext cx="489040" cy="489040"/>
+          </a:xfrm>
+          <a:prstGeom prst="ellipse">
+            <a:avLst/>
+          </a:prstGeom>
+          <a:noFill/>
+          <a:effectLst>
+            <a:glow rad="63500">
+              <a:schemeClr val="accent1">
+                <a:satMod val="175000"/>
+                <a:alpha val="40000"/>
+              </a:schemeClr>
+            </a:glow>
+          </a:effectLst>
+        </p:spPr>
+        <p:style>
+          <a:lnRef idx="2">
+            <a:schemeClr val="accent1">
+              <a:shade val="50000"/>
+            </a:schemeClr>
+          </a:lnRef>
+          <a:fillRef idx="1">
+            <a:schemeClr val="accent1"/>
+          </a:fillRef>
+          <a:effectRef idx="0">
+            <a:schemeClr val="accent1"/>
+          </a:effectRef>
+          <a:fontRef idx="minor">
+            <a:schemeClr val="lt1"/>
+          </a:fontRef>
+        </p:style>
+        <p:txBody>
+          <a:bodyPr rtlCol="0" anchor="ctr"/>
+          <a:lstStyle/>
+          <a:p>
+            <a:pPr algn="ctr"/>
+            <a:endParaRPr lang="en-US"/>
+          </a:p>
+        </p:txBody>
+      </p:sp>
+      <p:sp>
+        <p:nvSpPr>
+          <p:cNvPr id="10" name="TextBox 9">
+            <a:extLst>
+              <a:ext uri="{FF2B5EF4-FFF2-40B4-BE49-F238E27FC236}">
+                <a16:creationId xmlns:a16="http://schemas.microsoft.com/office/drawing/2014/main" id="{EB2E93E5-2D17-467E-BB1C-42B1AD4BD25F}"/>
+              </a:ext>
+            </a:extLst>
+          </p:cNvPr>
+          <p:cNvSpPr txBox="1"/>
+          <p:nvPr/>
+        </p:nvSpPr>
+        <p:spPr>
+          <a:xfrm>
+            <a:off x="4152900" y="5023111"/>
+            <a:ext cx="3886200" cy="646331"/>
+          </a:xfrm>
+          <a:prstGeom prst="rect">
+            <a:avLst/>
+          </a:prstGeom>
+          <a:noFill/>
+        </p:spPr>
+        <p:txBody>
+          <a:bodyPr wrap="square" rtlCol="0">
+            <a:spAutoFit/>
+          </a:bodyPr>
+          <a:lstStyle/>
+          <a:p>
+            <a:pPr algn="ctr"/>
+            <a:r>
+              <a:rPr lang="en-US" b="1" dirty="0">
+                <a:latin typeface="Aller" panose="02000503030000020004" pitchFamily="2" charset="0"/>
+              </a:rPr>
+              <a:t>Simple 3 story building using reinforced concrete frames</a:t>
+            </a:r>
+          </a:p>
+        </p:txBody>
+      </p:sp>
+      <p:cxnSp>
+        <p:nvCxnSpPr>
+          <p:cNvPr id="7" name="Straight Arrow Connector 6">
+            <a:extLst>
+              <a:ext uri="{FF2B5EF4-FFF2-40B4-BE49-F238E27FC236}">
+                <a16:creationId xmlns:a16="http://schemas.microsoft.com/office/drawing/2014/main" id="{BCA07685-6678-4138-A164-697A7AC65A53}"/>
+              </a:ext>
+            </a:extLst>
+          </p:cNvPr>
+          <p:cNvCxnSpPr>
+            <a:stCxn id="5" idx="3"/>
+            <a:endCxn id="4" idx="2"/>
+          </p:cNvCxnSpPr>
+          <p:nvPr/>
+        </p:nvCxnSpPr>
+        <p:spPr>
+          <a:xfrm>
+            <a:off x="2755901" y="2359286"/>
+            <a:ext cx="2050959" cy="21754"/>
+          </a:xfrm>
+          <a:prstGeom prst="straightConnector1">
+            <a:avLst/>
+          </a:prstGeom>
+          <a:ln>
+            <a:tailEnd type="triangle"/>
+          </a:ln>
+        </p:spPr>
+        <p:style>
+          <a:lnRef idx="1">
+            <a:schemeClr val="accent1"/>
+          </a:lnRef>
+          <a:fillRef idx="0">
+            <a:schemeClr val="accent1"/>
+          </a:fillRef>
+          <a:effectRef idx="0">
+            <a:schemeClr val="accent1"/>
+          </a:effectRef>
+          <a:fontRef idx="minor">
+            <a:schemeClr val="tx1"/>
+          </a:fontRef>
+        </p:style>
+      </p:cxnSp>
+      <p:cxnSp>
+        <p:nvCxnSpPr>
+          <p:cNvPr id="14" name="Straight Arrow Connector 13">
+            <a:extLst>
+              <a:ext uri="{FF2B5EF4-FFF2-40B4-BE49-F238E27FC236}">
+                <a16:creationId xmlns:a16="http://schemas.microsoft.com/office/drawing/2014/main" id="{50664F20-FF99-45A3-811A-D4682721D04B}"/>
+              </a:ext>
+            </a:extLst>
+          </p:cNvPr>
+          <p:cNvCxnSpPr>
+            <a:cxnSpLocks/>
+            <a:stCxn id="5" idx="3"/>
+            <a:endCxn id="8" idx="1"/>
+          </p:cNvCxnSpPr>
+          <p:nvPr/>
+        </p:nvCxnSpPr>
+        <p:spPr>
+          <a:xfrm>
+            <a:off x="2755901" y="2359286"/>
+            <a:ext cx="2821077" cy="566312"/>
+          </a:xfrm>
+          <a:prstGeom prst="straightConnector1">
+            <a:avLst/>
+          </a:prstGeom>
+          <a:ln>
+            <a:tailEnd type="triangle"/>
+          </a:ln>
+        </p:spPr>
+        <p:style>
+          <a:lnRef idx="1">
+            <a:schemeClr val="accent1"/>
+          </a:lnRef>
+          <a:fillRef idx="0">
+            <a:schemeClr val="accent1"/>
+          </a:fillRef>
+          <a:effectRef idx="0">
+            <a:schemeClr val="accent1"/>
+          </a:effectRef>
+          <a:fontRef idx="minor">
+            <a:schemeClr val="tx1"/>
+          </a:fontRef>
+        </p:style>
+      </p:cxnSp>
+      <p:sp>
+        <p:nvSpPr>
+          <p:cNvPr id="16" name="TextBox 15">
+            <a:extLst>
+              <a:ext uri="{FF2B5EF4-FFF2-40B4-BE49-F238E27FC236}">
+                <a16:creationId xmlns:a16="http://schemas.microsoft.com/office/drawing/2014/main" id="{091E6BAA-C219-4BF7-AA8E-F03C44B35E44}"/>
+              </a:ext>
+            </a:extLst>
+          </p:cNvPr>
+          <p:cNvSpPr txBox="1"/>
+          <p:nvPr/>
+        </p:nvSpPr>
+        <p:spPr>
+          <a:xfrm>
+            <a:off x="2172327" y="3970117"/>
+            <a:ext cx="1167148" cy="369332"/>
+          </a:xfrm>
+          <a:prstGeom prst="rect">
+            <a:avLst/>
+          </a:prstGeom>
+          <a:noFill/>
+        </p:spPr>
+        <p:txBody>
+          <a:bodyPr wrap="square" rtlCol="0">
+            <a:spAutoFit/>
+          </a:bodyPr>
+          <a:lstStyle/>
+          <a:p>
+            <a:pPr algn="ctr"/>
+            <a:r>
+              <a:rPr lang="en-US" dirty="0">
+                <a:latin typeface="Aller" panose="02000503030000020004" pitchFamily="2" charset="0"/>
+              </a:rPr>
+              <a:t>Columns</a:t>
+            </a:r>
+          </a:p>
+        </p:txBody>
+      </p:sp>
+      <p:cxnSp>
+        <p:nvCxnSpPr>
+          <p:cNvPr id="20" name="Straight Arrow Connector 19">
+            <a:extLst>
+              <a:ext uri="{FF2B5EF4-FFF2-40B4-BE49-F238E27FC236}">
+                <a16:creationId xmlns:a16="http://schemas.microsoft.com/office/drawing/2014/main" id="{30578E56-DEB8-411A-89BB-FB3D1863B63E}"/>
+              </a:ext>
+            </a:extLst>
+          </p:cNvPr>
+          <p:cNvCxnSpPr>
+            <a:stCxn id="16" idx="3"/>
+          </p:cNvCxnSpPr>
+          <p:nvPr/>
+        </p:nvCxnSpPr>
+        <p:spPr>
+          <a:xfrm>
+            <a:off x="3339475" y="4154783"/>
+            <a:ext cx="1711905" cy="10817"/>
+          </a:xfrm>
+          <a:prstGeom prst="straightConnector1">
+            <a:avLst/>
+          </a:prstGeom>
+          <a:ln>
+            <a:tailEnd type="triangle"/>
+          </a:ln>
+        </p:spPr>
+        <p:style>
+          <a:lnRef idx="1">
+            <a:schemeClr val="accent1"/>
+          </a:lnRef>
+          <a:fillRef idx="0">
+            <a:schemeClr val="accent1"/>
+          </a:fillRef>
+          <a:effectRef idx="0">
+            <a:schemeClr val="accent1"/>
+          </a:effectRef>
+          <a:fontRef idx="minor">
+            <a:schemeClr val="tx1"/>
+          </a:fontRef>
+        </p:style>
+      </p:cxnSp>
+      <p:sp>
+        <p:nvSpPr>
+          <p:cNvPr id="21" name="TextBox 20">
+            <a:extLst>
+              <a:ext uri="{FF2B5EF4-FFF2-40B4-BE49-F238E27FC236}">
+                <a16:creationId xmlns:a16="http://schemas.microsoft.com/office/drawing/2014/main" id="{7E47F5AC-A922-46DE-86D9-922884070FBC}"/>
+              </a:ext>
+            </a:extLst>
+          </p:cNvPr>
+          <p:cNvSpPr txBox="1"/>
+          <p:nvPr/>
+        </p:nvSpPr>
+        <p:spPr>
+          <a:xfrm>
+            <a:off x="8166100" y="3098500"/>
+            <a:ext cx="990778" cy="369332"/>
+          </a:xfrm>
+          <a:prstGeom prst="rect">
+            <a:avLst/>
+          </a:prstGeom>
+          <a:noFill/>
+        </p:spPr>
+        <p:txBody>
+          <a:bodyPr wrap="square" rtlCol="0">
+            <a:spAutoFit/>
+          </a:bodyPr>
+          <a:lstStyle/>
+          <a:p>
+            <a:pPr algn="ctr"/>
+            <a:r>
+              <a:rPr lang="en-US" dirty="0">
+                <a:latin typeface="Aller" panose="02000503030000020004" pitchFamily="2" charset="0"/>
+              </a:rPr>
+              <a:t>Beams</a:t>
+            </a:r>
+          </a:p>
+        </p:txBody>
+      </p:sp>
+      <p:cxnSp>
+        <p:nvCxnSpPr>
+          <p:cNvPr id="23" name="Straight Arrow Connector 22">
+            <a:extLst>
+              <a:ext uri="{FF2B5EF4-FFF2-40B4-BE49-F238E27FC236}">
+                <a16:creationId xmlns:a16="http://schemas.microsoft.com/office/drawing/2014/main" id="{77AC5E08-D9CF-431C-9E04-155A7ACB95E4}"/>
+              </a:ext>
+            </a:extLst>
+          </p:cNvPr>
+          <p:cNvCxnSpPr>
+            <a:stCxn id="21" idx="1"/>
+          </p:cNvCxnSpPr>
+          <p:nvPr/>
+        </p:nvCxnSpPr>
+        <p:spPr>
+          <a:xfrm flipH="1">
+            <a:off x="6807200" y="3283166"/>
+            <a:ext cx="1358900" cy="526834"/>
+          </a:xfrm>
+          <a:prstGeom prst="straightConnector1">
+            <a:avLst/>
+          </a:prstGeom>
+          <a:ln>
+            <a:tailEnd type="triangle"/>
+          </a:ln>
+        </p:spPr>
+        <p:style>
+          <a:lnRef idx="1">
+            <a:schemeClr val="accent1"/>
+          </a:lnRef>
+          <a:fillRef idx="0">
+            <a:schemeClr val="accent1"/>
+          </a:fillRef>
+          <a:effectRef idx="0">
+            <a:schemeClr val="accent1"/>
+          </a:effectRef>
+          <a:fontRef idx="minor">
+            <a:schemeClr val="tx1"/>
+          </a:fontRef>
+        </p:style>
+      </p:cxnSp>
+      <p:cxnSp>
+        <p:nvCxnSpPr>
+          <p:cNvPr id="25" name="Straight Arrow Connector 24">
+            <a:extLst>
+              <a:ext uri="{FF2B5EF4-FFF2-40B4-BE49-F238E27FC236}">
+                <a16:creationId xmlns:a16="http://schemas.microsoft.com/office/drawing/2014/main" id="{8DAE4884-3EBA-49E2-8865-15CB201C9738}"/>
+              </a:ext>
+            </a:extLst>
+          </p:cNvPr>
+          <p:cNvCxnSpPr>
+            <a:stCxn id="16" idx="3"/>
+          </p:cNvCxnSpPr>
+          <p:nvPr/>
+        </p:nvCxnSpPr>
+        <p:spPr>
+          <a:xfrm flipV="1">
+            <a:off x="3339475" y="3606800"/>
+            <a:ext cx="2375525" cy="547983"/>
+          </a:xfrm>
+          <a:prstGeom prst="straightConnector1">
+            <a:avLst/>
+          </a:prstGeom>
+          <a:ln>
+            <a:tailEnd type="triangle"/>
+          </a:ln>
+        </p:spPr>
+        <p:style>
+          <a:lnRef idx="1">
+            <a:schemeClr val="accent1"/>
+          </a:lnRef>
+          <a:fillRef idx="0">
+            <a:schemeClr val="accent1"/>
+          </a:fillRef>
+          <a:effectRef idx="0">
+            <a:schemeClr val="accent1"/>
+          </a:effectRef>
+          <a:fontRef idx="minor">
+            <a:schemeClr val="tx1"/>
+          </a:fontRef>
+        </p:style>
+      </p:cxnSp>
+      <p:cxnSp>
+        <p:nvCxnSpPr>
+          <p:cNvPr id="27" name="Straight Arrow Connector 26">
+            <a:extLst>
+              <a:ext uri="{FF2B5EF4-FFF2-40B4-BE49-F238E27FC236}">
+                <a16:creationId xmlns:a16="http://schemas.microsoft.com/office/drawing/2014/main" id="{FD92D02D-D3B0-4BE5-9F34-DA6305F992F8}"/>
+              </a:ext>
+            </a:extLst>
+          </p:cNvPr>
+          <p:cNvCxnSpPr>
+            <a:stCxn id="21" idx="1"/>
+          </p:cNvCxnSpPr>
+          <p:nvPr/>
+        </p:nvCxnSpPr>
+        <p:spPr>
+          <a:xfrm flipH="1" flipV="1">
+            <a:off x="6807200" y="2381040"/>
+            <a:ext cx="1358900" cy="902126"/>
+          </a:xfrm>
+          <a:prstGeom prst="straightConnector1">
+            <a:avLst/>
+          </a:prstGeom>
+          <a:ln>
+            <a:tailEnd type="triangle"/>
+          </a:ln>
+        </p:spPr>
+        <p:style>
+          <a:lnRef idx="1">
+            <a:schemeClr val="accent1"/>
+          </a:lnRef>
+          <a:fillRef idx="0">
+            <a:schemeClr val="accent1"/>
+          </a:fillRef>
+          <a:effectRef idx="0">
+            <a:schemeClr val="accent1"/>
+          </a:effectRef>
+          <a:fontRef idx="minor">
+            <a:schemeClr val="tx1"/>
+          </a:fontRef>
+        </p:style>
+      </p:cxnSp>
+      <p:sp>
+        <p:nvSpPr>
+          <p:cNvPr id="39" name="Rectangle 38">
+            <a:extLst>
+              <a:ext uri="{FF2B5EF4-FFF2-40B4-BE49-F238E27FC236}">
+                <a16:creationId xmlns:a16="http://schemas.microsoft.com/office/drawing/2014/main" id="{E42EEC87-4E9F-4B54-9A56-00994F92D8B8}"/>
+              </a:ext>
+            </a:extLst>
+          </p:cNvPr>
+          <p:cNvSpPr/>
+          <p:nvPr/>
+        </p:nvSpPr>
+        <p:spPr>
+          <a:xfrm>
+            <a:off x="342900" y="342900"/>
+            <a:ext cx="11506200" cy="6172200"/>
+          </a:xfrm>
+          <a:prstGeom prst="rect">
+            <a:avLst/>
+          </a:prstGeom>
+          <a:noFill/>
+          <a:ln w="38100">
+            <a:solidFill>
+              <a:schemeClr val="tx1"/>
+            </a:solidFill>
+          </a:ln>
+        </p:spPr>
+        <p:style>
+          <a:lnRef idx="2">
+            <a:schemeClr val="accent1">
+              <a:shade val="50000"/>
+            </a:schemeClr>
+          </a:lnRef>
+          <a:fillRef idx="1">
+            <a:schemeClr val="accent1"/>
+          </a:fillRef>
+          <a:effectRef idx="0">
+            <a:schemeClr val="accent1"/>
+          </a:effectRef>
+          <a:fontRef idx="minor">
+            <a:schemeClr val="lt1"/>
+          </a:fontRef>
+        </p:style>
+        <p:txBody>
+          <a:bodyPr rtlCol="0" anchor="ctr"/>
+          <a:lstStyle/>
+          <a:p>
+            <a:pPr algn="ctr"/>
+            <a:endParaRPr lang="en-US"/>
+          </a:p>
+        </p:txBody>
+      </p:sp>
+    </p:spTree>
+    <p:extLst>
+      <p:ext uri="{BB962C8B-B14F-4D97-AF65-F5344CB8AC3E}">
+        <p14:creationId xmlns:p14="http://schemas.microsoft.com/office/powerpoint/2010/main" val="2449023447"/>
+      </p:ext>
+    </p:extLst>
+  </p:cSld>
+  <p:clrMapOvr>
+    <a:masterClrMapping/>
+  </p:clrMapOvr>
+  <p:transition spd="slow">
+    <p:wipe/>
+  </p:transition>
 </p:sld>
 </file>
 

--- a/Documentations/Mid evaluation presentation/FINITE ELEMENT BASED STRUCTURAL ANALYSIS.pptx
+++ b/Documentations/Mid evaluation presentation/FINITE ELEMENT BASED STRUCTURAL ANALYSIS.pptx
@@ -18,8 +18,8 @@
     <p:sldId id="269" r:id="rId12"/>
     <p:sldId id="279" r:id="rId13"/>
     <p:sldId id="280" r:id="rId14"/>
-    <p:sldId id="281" r:id="rId15"/>
-    <p:sldId id="282" r:id="rId16"/>
+    <p:sldId id="282" r:id="rId15"/>
+    <p:sldId id="281" r:id="rId16"/>
     <p:sldId id="283" r:id="rId17"/>
   </p:sldIdLst>
   <p:sldSz cx="12192000" cy="6858000"/>
@@ -274,7 +274,7 @@
           <a:p>
             <a:fld id="{61BD04B9-C027-422E-A737-D4AB92CF22A0}" type="datetimeFigureOut">
               <a:rPr lang="en-US" smtClean="0"/>
-              <a:t>4/9/2019</a:t>
+              <a:t>4/10/2019</a:t>
             </a:fld>
             <a:endParaRPr lang="en-US"/>
           </a:p>
@@ -475,7 +475,7 @@
           <a:p>
             <a:fld id="{61BD04B9-C027-422E-A737-D4AB92CF22A0}" type="datetimeFigureOut">
               <a:rPr lang="en-US" smtClean="0"/>
-              <a:t>4/9/2019</a:t>
+              <a:t>4/10/2019</a:t>
             </a:fld>
             <a:endParaRPr lang="en-US"/>
           </a:p>
@@ -686,7 +686,7 @@
           <a:p>
             <a:fld id="{61BD04B9-C027-422E-A737-D4AB92CF22A0}" type="datetimeFigureOut">
               <a:rPr lang="en-US" smtClean="0"/>
-              <a:t>4/9/2019</a:t>
+              <a:t>4/10/2019</a:t>
             </a:fld>
             <a:endParaRPr lang="en-US"/>
           </a:p>
@@ -887,7 +887,7 @@
           <a:p>
             <a:fld id="{61BD04B9-C027-422E-A737-D4AB92CF22A0}" type="datetimeFigureOut">
               <a:rPr lang="en-US" smtClean="0"/>
-              <a:t>4/9/2019</a:t>
+              <a:t>4/10/2019</a:t>
             </a:fld>
             <a:endParaRPr lang="en-US"/>
           </a:p>
@@ -1165,7 +1165,7 @@
           <a:p>
             <a:fld id="{61BD04B9-C027-422E-A737-D4AB92CF22A0}" type="datetimeFigureOut">
               <a:rPr lang="en-US" smtClean="0"/>
-              <a:t>4/9/2019</a:t>
+              <a:t>4/10/2019</a:t>
             </a:fld>
             <a:endParaRPr lang="en-US"/>
           </a:p>
@@ -1433,7 +1433,7 @@
           <a:p>
             <a:fld id="{61BD04B9-C027-422E-A737-D4AB92CF22A0}" type="datetimeFigureOut">
               <a:rPr lang="en-US" smtClean="0"/>
-              <a:t>4/9/2019</a:t>
+              <a:t>4/10/2019</a:t>
             </a:fld>
             <a:endParaRPr lang="en-US"/>
           </a:p>
@@ -1848,7 +1848,7 @@
           <a:p>
             <a:fld id="{61BD04B9-C027-422E-A737-D4AB92CF22A0}" type="datetimeFigureOut">
               <a:rPr lang="en-US" smtClean="0"/>
-              <a:t>4/9/2019</a:t>
+              <a:t>4/10/2019</a:t>
             </a:fld>
             <a:endParaRPr lang="en-US"/>
           </a:p>
@@ -1992,7 +1992,7 @@
           <a:p>
             <a:fld id="{61BD04B9-C027-422E-A737-D4AB92CF22A0}" type="datetimeFigureOut">
               <a:rPr lang="en-US" smtClean="0"/>
-              <a:t>4/9/2019</a:t>
+              <a:t>4/10/2019</a:t>
             </a:fld>
             <a:endParaRPr lang="en-US"/>
           </a:p>
@@ -2108,7 +2108,7 @@
           <a:p>
             <a:fld id="{61BD04B9-C027-422E-A737-D4AB92CF22A0}" type="datetimeFigureOut">
               <a:rPr lang="en-US" smtClean="0"/>
-              <a:t>4/9/2019</a:t>
+              <a:t>4/10/2019</a:t>
             </a:fld>
             <a:endParaRPr lang="en-US"/>
           </a:p>
@@ -2422,7 +2422,7 @@
           <a:p>
             <a:fld id="{61BD04B9-C027-422E-A737-D4AB92CF22A0}" type="datetimeFigureOut">
               <a:rPr lang="en-US" smtClean="0"/>
-              <a:t>4/9/2019</a:t>
+              <a:t>4/10/2019</a:t>
             </a:fld>
             <a:endParaRPr lang="en-US"/>
           </a:p>
@@ -2713,7 +2713,7 @@
           <a:p>
             <a:fld id="{61BD04B9-C027-422E-A737-D4AB92CF22A0}" type="datetimeFigureOut">
               <a:rPr lang="en-US" smtClean="0"/>
-              <a:t>4/9/2019</a:t>
+              <a:t>4/10/2019</a:t>
             </a:fld>
             <a:endParaRPr lang="en-US"/>
           </a:p>
@@ -2957,7 +2957,7 @@
           <a:p>
             <a:fld id="{61BD04B9-C027-422E-A737-D4AB92CF22A0}" type="datetimeFigureOut">
               <a:rPr lang="en-US" smtClean="0"/>
-              <a:t>4/9/2019</a:t>
+              <a:t>4/10/2019</a:t>
             </a:fld>
             <a:endParaRPr lang="en-US"/>
           </a:p>
@@ -8198,6 +8198,41 @@
           <a:chExt cx="0" cy="0"/>
         </a:xfrm>
       </p:grpSpPr>
+      <p:pic>
+        <p:nvPicPr>
+          <p:cNvPr id="4" name="Picture 3">
+            <a:extLst>
+              <a:ext uri="{FF2B5EF4-FFF2-40B4-BE49-F238E27FC236}">
+                <a16:creationId xmlns:a16="http://schemas.microsoft.com/office/drawing/2014/main" id="{075BACB2-EE0B-4FA6-B510-A6CF808EEE18}"/>
+              </a:ext>
+            </a:extLst>
+          </p:cNvPr>
+          <p:cNvPicPr>
+            <a:picLocks noChangeAspect="1"/>
+          </p:cNvPicPr>
+          <p:nvPr/>
+        </p:nvPicPr>
+        <p:blipFill rotWithShape="1">
+          <a:blip r:embed="rId2">
+            <a:extLst>
+              <a:ext uri="{28A0092B-C50C-407E-A947-70E740481C1C}">
+                <a14:useLocalDpi xmlns:a14="http://schemas.microsoft.com/office/drawing/2010/main" val="0"/>
+              </a:ext>
+            </a:extLst>
+          </a:blip>
+          <a:srcRect t="11635" r="2703" b="19249"/>
+          <a:stretch/>
+        </p:blipFill>
+        <p:spPr>
+          <a:xfrm>
+            <a:off x="495638" y="709848"/>
+            <a:ext cx="11200724" cy="6148152"/>
+          </a:xfrm>
+          <a:prstGeom prst="rect">
+            <a:avLst/>
+          </a:prstGeom>
+        </p:spPr>
+      </p:pic>
       <p:sp>
         <p:nvSpPr>
           <p:cNvPr id="2" name="Title 1">
@@ -8214,7 +8249,7 @@
         </p:nvSpPr>
         <p:spPr>
           <a:xfrm>
-            <a:off x="401950" y="266766"/>
+            <a:off x="324676" y="163734"/>
             <a:ext cx="11790050" cy="698566"/>
           </a:xfrm>
           <a:prstGeom prst="rect">
@@ -8244,7 +8279,7 @@
           </a:lstStyle>
           <a:p>
             <a:r>
-              <a:rPr lang="en-US" sz="3600" dirty="0">
+              <a:rPr lang="en-US" sz="2800" dirty="0">
                 <a:latin typeface="Aller Display" panose="02000503000000020003" pitchFamily="2" charset="0"/>
               </a:rPr>
               <a:t>PROJECT PLAN AND PROGRESS</a:t>
@@ -8301,8 +8336,8 @@
         </p:nvSpPr>
         <p:spPr>
           <a:xfrm>
-            <a:off x="554350" y="508066"/>
-            <a:ext cx="11790050" cy="698566"/>
+            <a:off x="0" y="3079717"/>
+            <a:ext cx="12192000" cy="698566"/>
           </a:xfrm>
           <a:prstGeom prst="rect">
             <a:avLst/>
@@ -8330,191 +8365,23 @@
             </a:lvl1pPr>
           </a:lstStyle>
           <a:p>
+            <a:pPr algn="ctr"/>
             <a:r>
-              <a:rPr lang="en-US" dirty="0">
-                <a:latin typeface="Aller Display" panose="02000503000000020003" pitchFamily="2" charset="0"/>
+              <a:rPr lang="en-US" sz="7200" dirty="0">
+                <a:latin typeface="Bahnschrift SemiBold" panose="020B0502040204020203" pitchFamily="34" charset="0"/>
+                <a:cs typeface="Adobe Arabic" panose="02040503050201020203" pitchFamily="18" charset="-78"/>
               </a:rPr>
-              <a:t>NEXT STEPS</a:t>
+              <a:t>DEMONSTRATION</a:t>
             </a:r>
-          </a:p>
-        </p:txBody>
-      </p:sp>
-      <p:sp>
-        <p:nvSpPr>
-          <p:cNvPr id="3" name="Title 1">
-            <a:extLst>
-              <a:ext uri="{FF2B5EF4-FFF2-40B4-BE49-F238E27FC236}">
-                <a16:creationId xmlns:a16="http://schemas.microsoft.com/office/drawing/2014/main" id="{49F971CB-4ADA-4244-AAD8-2F7838D7FEF3}"/>
-              </a:ext>
-            </a:extLst>
-          </p:cNvPr>
-          <p:cNvSpPr txBox="1">
-            <a:spLocks/>
-          </p:cNvSpPr>
-          <p:nvPr/>
-        </p:nvSpPr>
-        <p:spPr>
-          <a:xfrm>
-            <a:off x="800100" y="3416299"/>
-            <a:ext cx="11049000" cy="1320800"/>
-          </a:xfrm>
-          <a:prstGeom prst="rect">
-            <a:avLst/>
-          </a:prstGeom>
-        </p:spPr>
-        <p:txBody>
-          <a:bodyPr anchor="t"/>
-          <a:lstStyle>
-            <a:lvl1pPr algn="l" defTabSz="914400" rtl="0" eaLnBrk="1" latinLnBrk="0" hangingPunct="1">
-              <a:lnSpc>
-                <a:spcPct val="90000"/>
-              </a:lnSpc>
-              <a:spcBef>
-                <a:spcPct val="0"/>
-              </a:spcBef>
-              <a:buNone/>
-              <a:defRPr sz="4400" kern="1200">
-                <a:solidFill>
-                  <a:schemeClr val="tx1"/>
-                </a:solidFill>
-                <a:latin typeface="+mj-lt"/>
-                <a:ea typeface="+mj-ea"/>
-                <a:cs typeface="+mj-cs"/>
-              </a:defRPr>
-            </a:lvl1pPr>
-          </a:lstStyle>
-          <a:p>
-            <a:pPr>
-              <a:lnSpc>
-                <a:spcPct val="150000"/>
-              </a:lnSpc>
-            </a:pPr>
-            <a:r>
-              <a:rPr lang="en-US" sz="3200" b="1" dirty="0">
-                <a:solidFill>
-                  <a:schemeClr val="accent5">
-                    <a:lumMod val="75000"/>
-                  </a:schemeClr>
-                </a:solidFill>
-                <a:latin typeface="Aller" panose="02000503030000020004" pitchFamily="2" charset="0"/>
-              </a:rPr>
-              <a:t>Optimizations</a:t>
-            </a:r>
-          </a:p>
-          <a:p>
-            <a:pPr>
-              <a:lnSpc>
-                <a:spcPct val="150000"/>
-              </a:lnSpc>
-            </a:pPr>
-            <a:r>
-              <a:rPr lang="en-US" sz="3200" b="1" dirty="0">
-                <a:latin typeface="Aller" panose="02000503030000020004" pitchFamily="2" charset="0"/>
-              </a:rPr>
-              <a:t>	</a:t>
-            </a:r>
-            <a:r>
-              <a:rPr lang="en-US" sz="3200" dirty="0">
-                <a:latin typeface="Aller" panose="02000503030000020004" pitchFamily="2" charset="0"/>
-              </a:rPr>
-              <a:t>- Parallelizing calculations</a:t>
-            </a:r>
-          </a:p>
-          <a:p>
-            <a:pPr>
-              <a:lnSpc>
-                <a:spcPct val="150000"/>
-              </a:lnSpc>
-            </a:pPr>
-            <a:r>
-              <a:rPr lang="en-US" sz="3200" dirty="0">
-                <a:latin typeface="Aller" panose="02000503030000020004" pitchFamily="2" charset="0"/>
-              </a:rPr>
-              <a:t>	- GPU processing</a:t>
-            </a:r>
-          </a:p>
-        </p:txBody>
-      </p:sp>
-      <p:sp>
-        <p:nvSpPr>
-          <p:cNvPr id="4" name="Title 1">
-            <a:extLst>
-              <a:ext uri="{FF2B5EF4-FFF2-40B4-BE49-F238E27FC236}">
-                <a16:creationId xmlns:a16="http://schemas.microsoft.com/office/drawing/2014/main" id="{A38C0F71-6E70-47EE-85C6-24015D68BC90}"/>
-              </a:ext>
-            </a:extLst>
-          </p:cNvPr>
-          <p:cNvSpPr txBox="1">
-            <a:spLocks/>
-          </p:cNvSpPr>
-          <p:nvPr/>
-        </p:nvSpPr>
-        <p:spPr>
-          <a:xfrm>
-            <a:off x="800100" y="1828799"/>
-            <a:ext cx="11049000" cy="1320800"/>
-          </a:xfrm>
-          <a:prstGeom prst="rect">
-            <a:avLst/>
-          </a:prstGeom>
-        </p:spPr>
-        <p:txBody>
-          <a:bodyPr anchor="t"/>
-          <a:lstStyle>
-            <a:lvl1pPr algn="l" defTabSz="914400" rtl="0" eaLnBrk="1" latinLnBrk="0" hangingPunct="1">
-              <a:lnSpc>
-                <a:spcPct val="90000"/>
-              </a:lnSpc>
-              <a:spcBef>
-                <a:spcPct val="0"/>
-              </a:spcBef>
-              <a:buNone/>
-              <a:defRPr sz="4400" kern="1200">
-                <a:solidFill>
-                  <a:schemeClr val="tx1"/>
-                </a:solidFill>
-                <a:latin typeface="+mj-lt"/>
-                <a:ea typeface="+mj-ea"/>
-                <a:cs typeface="+mj-cs"/>
-              </a:defRPr>
-            </a:lvl1pPr>
-          </a:lstStyle>
-          <a:p>
-            <a:pPr>
-              <a:lnSpc>
-                <a:spcPct val="150000"/>
-              </a:lnSpc>
-            </a:pPr>
-            <a:r>
-              <a:rPr lang="en-US" sz="3200" b="1" dirty="0">
-                <a:solidFill>
-                  <a:schemeClr val="accent5">
-                    <a:lumMod val="75000"/>
-                  </a:schemeClr>
-                </a:solidFill>
-                <a:latin typeface="Aller" panose="02000503030000020004" pitchFamily="2" charset="0"/>
-              </a:rPr>
-              <a:t>Improvements</a:t>
-            </a:r>
-          </a:p>
-          <a:p>
-            <a:pPr>
-              <a:lnSpc>
-                <a:spcPct val="150000"/>
-              </a:lnSpc>
-            </a:pPr>
-            <a:r>
-              <a:rPr lang="en-US" sz="3200" b="1" dirty="0">
-                <a:latin typeface="Aller" panose="02000503030000020004" pitchFamily="2" charset="0"/>
-              </a:rPr>
-              <a:t>	</a:t>
-            </a:r>
-            <a:r>
-              <a:rPr lang="en-US" sz="3200" dirty="0">
-                <a:latin typeface="Aller" panose="02000503030000020004" pitchFamily="2" charset="0"/>
-              </a:rPr>
-              <a:t>- Extending for 3D structures</a:t>
-            </a:r>
+            <a:endParaRPr lang="en-US" sz="7200" dirty="0">
+              <a:solidFill>
+                <a:schemeClr val="accent5">
+                  <a:lumMod val="75000"/>
+                </a:schemeClr>
+              </a:solidFill>
+              <a:latin typeface="Bahnschrift SemiBold" panose="020B0502040204020203" pitchFamily="34" charset="0"/>
+              <a:cs typeface="Adobe Arabic" panose="02040503050201020203" pitchFamily="18" charset="-78"/>
+            </a:endParaRPr>
           </a:p>
         </p:txBody>
       </p:sp>
@@ -8523,7 +8390,7 @@
           <p:cNvPr id="5" name="Rectangle 4">
             <a:extLst>
               <a:ext uri="{FF2B5EF4-FFF2-40B4-BE49-F238E27FC236}">
-                <a16:creationId xmlns:a16="http://schemas.microsoft.com/office/drawing/2014/main" id="{4082FDE3-FBF5-4C96-B8AA-3286ADAA0C53}"/>
+                <a16:creationId xmlns:a16="http://schemas.microsoft.com/office/drawing/2014/main" id="{02DDF208-201F-485E-A6A1-250AD7CA171B}"/>
               </a:ext>
             </a:extLst>
           </p:cNvPr>
@@ -8573,7 +8440,7 @@
     </p:spTree>
     <p:extLst>
       <p:ext uri="{BB962C8B-B14F-4D97-AF65-F5344CB8AC3E}">
-        <p14:creationId xmlns:p14="http://schemas.microsoft.com/office/powerpoint/2010/main" val="519272315"/>
+        <p14:creationId xmlns:p14="http://schemas.microsoft.com/office/powerpoint/2010/main" val="2082878074"/>
       </p:ext>
     </p:extLst>
   </p:cSld>
@@ -8619,8 +8486,8 @@
         </p:nvSpPr>
         <p:spPr>
           <a:xfrm>
-            <a:off x="0" y="3079717"/>
-            <a:ext cx="12192000" cy="698566"/>
+            <a:off x="554350" y="508066"/>
+            <a:ext cx="11790050" cy="698566"/>
           </a:xfrm>
           <a:prstGeom prst="rect">
             <a:avLst/>
@@ -8648,23 +8515,187 @@
             </a:lvl1pPr>
           </a:lstStyle>
           <a:p>
-            <a:pPr algn="ctr"/>
             <a:r>
-              <a:rPr lang="en-US" sz="7200" dirty="0">
-                <a:latin typeface="Bahnschrift SemiBold" panose="020B0502040204020203" pitchFamily="34" charset="0"/>
-                <a:cs typeface="Adobe Arabic" panose="02040503050201020203" pitchFamily="18" charset="-78"/>
+              <a:rPr lang="en-US" dirty="0">
+                <a:latin typeface="Aller Display" panose="02000503000000020003" pitchFamily="2" charset="0"/>
               </a:rPr>
-              <a:t>DEMONSTRATION</a:t>
+              <a:t>NEXT STEPS</a:t>
             </a:r>
-            <a:endParaRPr lang="en-US" sz="7200" dirty="0">
-              <a:solidFill>
-                <a:schemeClr val="accent5">
-                  <a:lumMod val="75000"/>
-                </a:schemeClr>
-              </a:solidFill>
-              <a:latin typeface="Bahnschrift SemiBold" panose="020B0502040204020203" pitchFamily="34" charset="0"/>
-              <a:cs typeface="Adobe Arabic" panose="02040503050201020203" pitchFamily="18" charset="-78"/>
-            </a:endParaRPr>
+          </a:p>
+        </p:txBody>
+      </p:sp>
+      <p:sp>
+        <p:nvSpPr>
+          <p:cNvPr id="3" name="Title 1">
+            <a:extLst>
+              <a:ext uri="{FF2B5EF4-FFF2-40B4-BE49-F238E27FC236}">
+                <a16:creationId xmlns:a16="http://schemas.microsoft.com/office/drawing/2014/main" id="{49F971CB-4ADA-4244-AAD8-2F7838D7FEF3}"/>
+              </a:ext>
+            </a:extLst>
+          </p:cNvPr>
+          <p:cNvSpPr txBox="1">
+            <a:spLocks/>
+          </p:cNvSpPr>
+          <p:nvPr/>
+        </p:nvSpPr>
+        <p:spPr>
+          <a:xfrm>
+            <a:off x="800100" y="3416299"/>
+            <a:ext cx="11049000" cy="1320800"/>
+          </a:xfrm>
+          <a:prstGeom prst="rect">
+            <a:avLst/>
+          </a:prstGeom>
+        </p:spPr>
+        <p:txBody>
+          <a:bodyPr anchor="t"/>
+          <a:lstStyle>
+            <a:lvl1pPr algn="l" defTabSz="914400" rtl="0" eaLnBrk="1" latinLnBrk="0" hangingPunct="1">
+              <a:lnSpc>
+                <a:spcPct val="90000"/>
+              </a:lnSpc>
+              <a:spcBef>
+                <a:spcPct val="0"/>
+              </a:spcBef>
+              <a:buNone/>
+              <a:defRPr sz="4400" kern="1200">
+                <a:solidFill>
+                  <a:schemeClr val="tx1"/>
+                </a:solidFill>
+                <a:latin typeface="+mj-lt"/>
+                <a:ea typeface="+mj-ea"/>
+                <a:cs typeface="+mj-cs"/>
+              </a:defRPr>
+            </a:lvl1pPr>
+          </a:lstStyle>
+          <a:p>
+            <a:pPr>
+              <a:lnSpc>
+                <a:spcPct val="150000"/>
+              </a:lnSpc>
+            </a:pPr>
+            <a:r>
+              <a:rPr lang="en-US" sz="3200" b="1" dirty="0">
+                <a:solidFill>
+                  <a:srgbClr val="00B0F0"/>
+                </a:solidFill>
+                <a:latin typeface="Aller" panose="02000503030000020004" pitchFamily="2" charset="0"/>
+              </a:rPr>
+              <a:t>Optimizations</a:t>
+            </a:r>
+          </a:p>
+          <a:p>
+            <a:pPr>
+              <a:lnSpc>
+                <a:spcPct val="150000"/>
+              </a:lnSpc>
+            </a:pPr>
+            <a:r>
+              <a:rPr lang="en-US" sz="3200" b="1" dirty="0">
+                <a:latin typeface="Aller" panose="02000503030000020004" pitchFamily="2" charset="0"/>
+              </a:rPr>
+              <a:t>	</a:t>
+            </a:r>
+            <a:r>
+              <a:rPr lang="en-US" sz="3200" dirty="0">
+                <a:latin typeface="Aller" panose="02000503030000020004" pitchFamily="2" charset="0"/>
+              </a:rPr>
+              <a:t>- Parallelizing calculations</a:t>
+            </a:r>
+          </a:p>
+          <a:p>
+            <a:pPr>
+              <a:lnSpc>
+                <a:spcPct val="150000"/>
+              </a:lnSpc>
+            </a:pPr>
+            <a:r>
+              <a:rPr lang="en-US" sz="3200" dirty="0">
+                <a:latin typeface="Aller" panose="02000503030000020004" pitchFamily="2" charset="0"/>
+              </a:rPr>
+              <a:t>	- GPU processing</a:t>
+            </a:r>
+          </a:p>
+        </p:txBody>
+      </p:sp>
+      <p:sp>
+        <p:nvSpPr>
+          <p:cNvPr id="4" name="Title 1">
+            <a:extLst>
+              <a:ext uri="{FF2B5EF4-FFF2-40B4-BE49-F238E27FC236}">
+                <a16:creationId xmlns:a16="http://schemas.microsoft.com/office/drawing/2014/main" id="{A38C0F71-6E70-47EE-85C6-24015D68BC90}"/>
+              </a:ext>
+            </a:extLst>
+          </p:cNvPr>
+          <p:cNvSpPr txBox="1">
+            <a:spLocks/>
+          </p:cNvSpPr>
+          <p:nvPr/>
+        </p:nvSpPr>
+        <p:spPr>
+          <a:xfrm>
+            <a:off x="800100" y="1596977"/>
+            <a:ext cx="11049000" cy="1320800"/>
+          </a:xfrm>
+          <a:prstGeom prst="rect">
+            <a:avLst/>
+          </a:prstGeom>
+        </p:spPr>
+        <p:txBody>
+          <a:bodyPr anchor="t"/>
+          <a:lstStyle>
+            <a:lvl1pPr algn="l" defTabSz="914400" rtl="0" eaLnBrk="1" latinLnBrk="0" hangingPunct="1">
+              <a:lnSpc>
+                <a:spcPct val="90000"/>
+              </a:lnSpc>
+              <a:spcBef>
+                <a:spcPct val="0"/>
+              </a:spcBef>
+              <a:buNone/>
+              <a:defRPr sz="4400" kern="1200">
+                <a:solidFill>
+                  <a:schemeClr val="tx1"/>
+                </a:solidFill>
+                <a:latin typeface="+mj-lt"/>
+                <a:ea typeface="+mj-ea"/>
+                <a:cs typeface="+mj-cs"/>
+              </a:defRPr>
+            </a:lvl1pPr>
+          </a:lstStyle>
+          <a:p>
+            <a:pPr>
+              <a:lnSpc>
+                <a:spcPct val="150000"/>
+              </a:lnSpc>
+            </a:pPr>
+            <a:r>
+              <a:rPr lang="en-US" sz="3200" b="1" dirty="0">
+                <a:solidFill>
+                  <a:srgbClr val="00B0F0"/>
+                </a:solidFill>
+                <a:latin typeface="Aller" panose="02000503030000020004" pitchFamily="2" charset="0"/>
+              </a:rPr>
+              <a:t>Improvements</a:t>
+            </a:r>
+          </a:p>
+          <a:p>
+            <a:pPr>
+              <a:lnSpc>
+                <a:spcPct val="150000"/>
+              </a:lnSpc>
+            </a:pPr>
+            <a:r>
+              <a:rPr lang="en-US" sz="3200" b="1" dirty="0">
+                <a:latin typeface="Aller" panose="02000503030000020004" pitchFamily="2" charset="0"/>
+              </a:rPr>
+              <a:t>	</a:t>
+            </a:r>
+            <a:r>
+              <a:rPr lang="en-US" sz="3200" dirty="0">
+                <a:latin typeface="Aller" panose="02000503030000020004" pitchFamily="2" charset="0"/>
+              </a:rPr>
+              <a:t>- Extending for 3D structures</a:t>
+            </a:r>
           </a:p>
         </p:txBody>
       </p:sp>
@@ -8673,7 +8704,7 @@
           <p:cNvPr id="5" name="Rectangle 4">
             <a:extLst>
               <a:ext uri="{FF2B5EF4-FFF2-40B4-BE49-F238E27FC236}">
-                <a16:creationId xmlns:a16="http://schemas.microsoft.com/office/drawing/2014/main" id="{02DDF208-201F-485E-A6A1-250AD7CA171B}"/>
+                <a16:creationId xmlns:a16="http://schemas.microsoft.com/office/drawing/2014/main" id="{4082FDE3-FBF5-4C96-B8AA-3286ADAA0C53}"/>
               </a:ext>
             </a:extLst>
           </p:cNvPr>
@@ -8723,7 +8754,7 @@
     </p:spTree>
     <p:extLst>
       <p:ext uri="{BB962C8B-B14F-4D97-AF65-F5344CB8AC3E}">
-        <p14:creationId xmlns:p14="http://schemas.microsoft.com/office/powerpoint/2010/main" val="2082878074"/>
+        <p14:creationId xmlns:p14="http://schemas.microsoft.com/office/powerpoint/2010/main" val="519272315"/>
       </p:ext>
     </p:extLst>
   </p:cSld>
@@ -9190,6 +9221,317 @@
   <p:transition spd="slow">
     <p:wipe/>
   </p:transition>
+  <p:timing>
+    <p:tnLst>
+      <p:par>
+        <p:cTn id="1" dur="indefinite" restart="never" nodeType="tmRoot">
+          <p:childTnLst>
+            <p:seq concurrent="1" nextAc="seek">
+              <p:cTn id="2" dur="indefinite" nodeType="mainSeq">
+                <p:childTnLst>
+                  <p:par>
+                    <p:cTn id="3" fill="hold">
+                      <p:stCondLst>
+                        <p:cond delay="indefinite"/>
+                        <p:cond evt="onBegin" delay="0">
+                          <p:tn val="2"/>
+                        </p:cond>
+                      </p:stCondLst>
+                      <p:childTnLst>
+                        <p:par>
+                          <p:cTn id="4" fill="hold">
+                            <p:stCondLst>
+                              <p:cond delay="0"/>
+                            </p:stCondLst>
+                            <p:childTnLst>
+                              <p:par>
+                                <p:cTn id="5" presetID="10" presetClass="entr" presetSubtype="0" fill="hold" nodeType="afterEffect">
+                                  <p:stCondLst>
+                                    <p:cond delay="0"/>
+                                  </p:stCondLst>
+                                  <p:childTnLst>
+                                    <p:set>
+                                      <p:cBhvr>
+                                        <p:cTn id="6" dur="1" fill="hold">
+                                          <p:stCondLst>
+                                            <p:cond delay="0"/>
+                                          </p:stCondLst>
+                                        </p:cTn>
+                                        <p:tgtEl>
+                                          <p:spTgt spid="4"/>
+                                        </p:tgtEl>
+                                        <p:attrNameLst>
+                                          <p:attrName>style.visibility</p:attrName>
+                                        </p:attrNameLst>
+                                      </p:cBhvr>
+                                      <p:to>
+                                        <p:strVal val="visible"/>
+                                      </p:to>
+                                    </p:set>
+                                    <p:animEffect transition="in" filter="fade">
+                                      <p:cBhvr>
+                                        <p:cTn id="7" dur="250"/>
+                                        <p:tgtEl>
+                                          <p:spTgt spid="4"/>
+                                        </p:tgtEl>
+                                      </p:cBhvr>
+                                    </p:animEffect>
+                                  </p:childTnLst>
+                                </p:cTn>
+                              </p:par>
+                            </p:childTnLst>
+                          </p:cTn>
+                        </p:par>
+                        <p:par>
+                          <p:cTn id="8" fill="hold">
+                            <p:stCondLst>
+                              <p:cond delay="250"/>
+                            </p:stCondLst>
+                            <p:childTnLst>
+                              <p:par>
+                                <p:cTn id="9" presetID="10" presetClass="entr" presetSubtype="0" fill="hold" grpId="0" nodeType="afterEffect">
+                                  <p:stCondLst>
+                                    <p:cond delay="0"/>
+                                  </p:stCondLst>
+                                  <p:childTnLst>
+                                    <p:set>
+                                      <p:cBhvr>
+                                        <p:cTn id="10" dur="1" fill="hold">
+                                          <p:stCondLst>
+                                            <p:cond delay="0"/>
+                                          </p:stCondLst>
+                                        </p:cTn>
+                                        <p:tgtEl>
+                                          <p:spTgt spid="12"/>
+                                        </p:tgtEl>
+                                        <p:attrNameLst>
+                                          <p:attrName>style.visibility</p:attrName>
+                                        </p:attrNameLst>
+                                      </p:cBhvr>
+                                      <p:to>
+                                        <p:strVal val="visible"/>
+                                      </p:to>
+                                    </p:set>
+                                    <p:animEffect transition="in" filter="fade">
+                                      <p:cBhvr>
+                                        <p:cTn id="11" dur="250"/>
+                                        <p:tgtEl>
+                                          <p:spTgt spid="12"/>
+                                        </p:tgtEl>
+                                      </p:cBhvr>
+                                    </p:animEffect>
+                                  </p:childTnLst>
+                                </p:cTn>
+                              </p:par>
+                            </p:childTnLst>
+                          </p:cTn>
+                        </p:par>
+                        <p:par>
+                          <p:cTn id="12" fill="hold">
+                            <p:stCondLst>
+                              <p:cond delay="500"/>
+                            </p:stCondLst>
+                            <p:childTnLst>
+                              <p:par>
+                                <p:cTn id="13" presetID="10" presetClass="entr" presetSubtype="0" fill="hold" nodeType="afterEffect">
+                                  <p:stCondLst>
+                                    <p:cond delay="0"/>
+                                  </p:stCondLst>
+                                  <p:childTnLst>
+                                    <p:set>
+                                      <p:cBhvr>
+                                        <p:cTn id="14" dur="1" fill="hold">
+                                          <p:stCondLst>
+                                            <p:cond delay="0"/>
+                                          </p:stCondLst>
+                                        </p:cTn>
+                                        <p:tgtEl>
+                                          <p:spTgt spid="6"/>
+                                        </p:tgtEl>
+                                        <p:attrNameLst>
+                                          <p:attrName>style.visibility</p:attrName>
+                                        </p:attrNameLst>
+                                      </p:cBhvr>
+                                      <p:to>
+                                        <p:strVal val="visible"/>
+                                      </p:to>
+                                    </p:set>
+                                    <p:animEffect transition="in" filter="fade">
+                                      <p:cBhvr>
+                                        <p:cTn id="15" dur="250"/>
+                                        <p:tgtEl>
+                                          <p:spTgt spid="6"/>
+                                        </p:tgtEl>
+                                      </p:cBhvr>
+                                    </p:animEffect>
+                                  </p:childTnLst>
+                                </p:cTn>
+                              </p:par>
+                            </p:childTnLst>
+                          </p:cTn>
+                        </p:par>
+                        <p:par>
+                          <p:cTn id="16" fill="hold">
+                            <p:stCondLst>
+                              <p:cond delay="750"/>
+                            </p:stCondLst>
+                            <p:childTnLst>
+                              <p:par>
+                                <p:cTn id="17" presetID="10" presetClass="entr" presetSubtype="0" fill="hold" grpId="0" nodeType="afterEffect">
+                                  <p:stCondLst>
+                                    <p:cond delay="0"/>
+                                  </p:stCondLst>
+                                  <p:childTnLst>
+                                    <p:set>
+                                      <p:cBhvr>
+                                        <p:cTn id="18" dur="1" fill="hold">
+                                          <p:stCondLst>
+                                            <p:cond delay="0"/>
+                                          </p:stCondLst>
+                                        </p:cTn>
+                                        <p:tgtEl>
+                                          <p:spTgt spid="13"/>
+                                        </p:tgtEl>
+                                        <p:attrNameLst>
+                                          <p:attrName>style.visibility</p:attrName>
+                                        </p:attrNameLst>
+                                      </p:cBhvr>
+                                      <p:to>
+                                        <p:strVal val="visible"/>
+                                      </p:to>
+                                    </p:set>
+                                    <p:animEffect transition="in" filter="fade">
+                                      <p:cBhvr>
+                                        <p:cTn id="19" dur="250"/>
+                                        <p:tgtEl>
+                                          <p:spTgt spid="13"/>
+                                        </p:tgtEl>
+                                      </p:cBhvr>
+                                    </p:animEffect>
+                                  </p:childTnLst>
+                                </p:cTn>
+                              </p:par>
+                            </p:childTnLst>
+                          </p:cTn>
+                        </p:par>
+                        <p:par>
+                          <p:cTn id="20" fill="hold">
+                            <p:stCondLst>
+                              <p:cond delay="1000"/>
+                            </p:stCondLst>
+                            <p:childTnLst>
+                              <p:par>
+                                <p:cTn id="21" presetID="10" presetClass="entr" presetSubtype="0" fill="hold" nodeType="afterEffect">
+                                  <p:stCondLst>
+                                    <p:cond delay="0"/>
+                                  </p:stCondLst>
+                                  <p:childTnLst>
+                                    <p:set>
+                                      <p:cBhvr>
+                                        <p:cTn id="22" dur="1" fill="hold">
+                                          <p:stCondLst>
+                                            <p:cond delay="0"/>
+                                          </p:stCondLst>
+                                        </p:cTn>
+                                        <p:tgtEl>
+                                          <p:spTgt spid="10"/>
+                                        </p:tgtEl>
+                                        <p:attrNameLst>
+                                          <p:attrName>style.visibility</p:attrName>
+                                        </p:attrNameLst>
+                                      </p:cBhvr>
+                                      <p:to>
+                                        <p:strVal val="visible"/>
+                                      </p:to>
+                                    </p:set>
+                                    <p:animEffect transition="in" filter="fade">
+                                      <p:cBhvr>
+                                        <p:cTn id="23" dur="250"/>
+                                        <p:tgtEl>
+                                          <p:spTgt spid="10"/>
+                                        </p:tgtEl>
+                                      </p:cBhvr>
+                                    </p:animEffect>
+                                  </p:childTnLst>
+                                </p:cTn>
+                              </p:par>
+                            </p:childTnLst>
+                          </p:cTn>
+                        </p:par>
+                        <p:par>
+                          <p:cTn id="24" fill="hold">
+                            <p:stCondLst>
+                              <p:cond delay="1250"/>
+                            </p:stCondLst>
+                            <p:childTnLst>
+                              <p:par>
+                                <p:cTn id="25" presetID="10" presetClass="entr" presetSubtype="0" fill="hold" grpId="0" nodeType="afterEffect">
+                                  <p:stCondLst>
+                                    <p:cond delay="0"/>
+                                  </p:stCondLst>
+                                  <p:childTnLst>
+                                    <p:set>
+                                      <p:cBhvr>
+                                        <p:cTn id="26" dur="1" fill="hold">
+                                          <p:stCondLst>
+                                            <p:cond delay="0"/>
+                                          </p:stCondLst>
+                                        </p:cTn>
+                                        <p:tgtEl>
+                                          <p:spTgt spid="14"/>
+                                        </p:tgtEl>
+                                        <p:attrNameLst>
+                                          <p:attrName>style.visibility</p:attrName>
+                                        </p:attrNameLst>
+                                      </p:cBhvr>
+                                      <p:to>
+                                        <p:strVal val="visible"/>
+                                      </p:to>
+                                    </p:set>
+                                    <p:animEffect transition="in" filter="fade">
+                                      <p:cBhvr>
+                                        <p:cTn id="27" dur="250"/>
+                                        <p:tgtEl>
+                                          <p:spTgt spid="14"/>
+                                        </p:tgtEl>
+                                      </p:cBhvr>
+                                    </p:animEffect>
+                                  </p:childTnLst>
+                                </p:cTn>
+                              </p:par>
+                            </p:childTnLst>
+                          </p:cTn>
+                        </p:par>
+                      </p:childTnLst>
+                    </p:cTn>
+                  </p:par>
+                </p:childTnLst>
+              </p:cTn>
+              <p:prevCondLst>
+                <p:cond evt="onPrev" delay="0">
+                  <p:tgtEl>
+                    <p:sldTgt/>
+                  </p:tgtEl>
+                </p:cond>
+              </p:prevCondLst>
+              <p:nextCondLst>
+                <p:cond evt="onNext" delay="0">
+                  <p:tgtEl>
+                    <p:sldTgt/>
+                  </p:tgtEl>
+                </p:cond>
+              </p:nextCondLst>
+            </p:seq>
+          </p:childTnLst>
+        </p:cTn>
+      </p:par>
+    </p:tnLst>
+    <p:bldLst>
+      <p:bldP spid="12" grpId="0"/>
+      <p:bldP spid="13" grpId="0"/>
+      <p:bldP spid="14" grpId="0"/>
+    </p:bldLst>
+  </p:timing>
 </p:sld>
 </file>
 
@@ -9422,6 +9764,224 @@
   <p:transition spd="slow">
     <p:wipe/>
   </p:transition>
+  <p:timing>
+    <p:tnLst>
+      <p:par>
+        <p:cTn id="1" dur="indefinite" restart="never" nodeType="tmRoot">
+          <p:childTnLst>
+            <p:seq concurrent="1" nextAc="seek">
+              <p:cTn id="2" dur="indefinite" nodeType="mainSeq">
+                <p:childTnLst>
+                  <p:par>
+                    <p:cTn id="3" fill="hold">
+                      <p:stCondLst>
+                        <p:cond delay="indefinite"/>
+                        <p:cond evt="onBegin" delay="0">
+                          <p:tn val="2"/>
+                        </p:cond>
+                      </p:stCondLst>
+                      <p:childTnLst>
+                        <p:par>
+                          <p:cTn id="4" fill="hold">
+                            <p:stCondLst>
+                              <p:cond delay="0"/>
+                            </p:stCondLst>
+                            <p:childTnLst>
+                              <p:par>
+                                <p:cTn id="5" presetID="10" presetClass="entr" presetSubtype="0" fill="hold" nodeType="afterEffect">
+                                  <p:stCondLst>
+                                    <p:cond delay="0"/>
+                                  </p:stCondLst>
+                                  <p:childTnLst>
+                                    <p:set>
+                                      <p:cBhvr>
+                                        <p:cTn id="6" dur="1" fill="hold">
+                                          <p:stCondLst>
+                                            <p:cond delay="0"/>
+                                          </p:stCondLst>
+                                        </p:cTn>
+                                        <p:tgtEl>
+                                          <p:spTgt spid="5"/>
+                                        </p:tgtEl>
+                                        <p:attrNameLst>
+                                          <p:attrName>style.visibility</p:attrName>
+                                        </p:attrNameLst>
+                                      </p:cBhvr>
+                                      <p:to>
+                                        <p:strVal val="visible"/>
+                                      </p:to>
+                                    </p:set>
+                                    <p:animEffect transition="in" filter="fade">
+                                      <p:cBhvr>
+                                        <p:cTn id="7" dur="250"/>
+                                        <p:tgtEl>
+                                          <p:spTgt spid="5"/>
+                                        </p:tgtEl>
+                                      </p:cBhvr>
+                                    </p:animEffect>
+                                  </p:childTnLst>
+                                </p:cTn>
+                              </p:par>
+                            </p:childTnLst>
+                          </p:cTn>
+                        </p:par>
+                        <p:par>
+                          <p:cTn id="8" fill="hold">
+                            <p:stCondLst>
+                              <p:cond delay="250"/>
+                            </p:stCondLst>
+                            <p:childTnLst>
+                              <p:par>
+                                <p:cTn id="9" presetID="10" presetClass="entr" presetSubtype="0" fill="hold" nodeType="afterEffect">
+                                  <p:stCondLst>
+                                    <p:cond delay="0"/>
+                                  </p:stCondLst>
+                                  <p:childTnLst>
+                                    <p:set>
+                                      <p:cBhvr>
+                                        <p:cTn id="10" dur="1" fill="hold">
+                                          <p:stCondLst>
+                                            <p:cond delay="0"/>
+                                          </p:stCondLst>
+                                        </p:cTn>
+                                        <p:tgtEl>
+                                          <p:spTgt spid="11"/>
+                                        </p:tgtEl>
+                                        <p:attrNameLst>
+                                          <p:attrName>style.visibility</p:attrName>
+                                        </p:attrNameLst>
+                                      </p:cBhvr>
+                                      <p:to>
+                                        <p:strVal val="visible"/>
+                                      </p:to>
+                                    </p:set>
+                                    <p:animEffect transition="in" filter="fade">
+                                      <p:cBhvr>
+                                        <p:cTn id="11" dur="250"/>
+                                        <p:tgtEl>
+                                          <p:spTgt spid="11"/>
+                                        </p:tgtEl>
+                                      </p:cBhvr>
+                                    </p:animEffect>
+                                  </p:childTnLst>
+                                </p:cTn>
+                              </p:par>
+                            </p:childTnLst>
+                          </p:cTn>
+                        </p:par>
+                        <p:par>
+                          <p:cTn id="12" fill="hold">
+                            <p:stCondLst>
+                              <p:cond delay="500"/>
+                            </p:stCondLst>
+                            <p:childTnLst>
+                              <p:par>
+                                <p:cTn id="13" presetID="10" presetClass="entr" presetSubtype="0" fill="hold" nodeType="afterEffect">
+                                  <p:stCondLst>
+                                    <p:cond delay="0"/>
+                                  </p:stCondLst>
+                                  <p:childTnLst>
+                                    <p:set>
+                                      <p:cBhvr>
+                                        <p:cTn id="14" dur="1" fill="hold">
+                                          <p:stCondLst>
+                                            <p:cond delay="0"/>
+                                          </p:stCondLst>
+                                        </p:cTn>
+                                        <p:tgtEl>
+                                          <p:spTgt spid="17"/>
+                                        </p:tgtEl>
+                                        <p:attrNameLst>
+                                          <p:attrName>style.visibility</p:attrName>
+                                        </p:attrNameLst>
+                                      </p:cBhvr>
+                                      <p:to>
+                                        <p:strVal val="visible"/>
+                                      </p:to>
+                                    </p:set>
+                                    <p:animEffect transition="in" filter="fade">
+                                      <p:cBhvr>
+                                        <p:cTn id="15" dur="250"/>
+                                        <p:tgtEl>
+                                          <p:spTgt spid="17"/>
+                                        </p:tgtEl>
+                                      </p:cBhvr>
+                                    </p:animEffect>
+                                  </p:childTnLst>
+                                </p:cTn>
+                              </p:par>
+                            </p:childTnLst>
+                          </p:cTn>
+                        </p:par>
+                        <p:par>
+                          <p:cTn id="16" fill="hold">
+                            <p:stCondLst>
+                              <p:cond delay="750"/>
+                            </p:stCondLst>
+                            <p:childTnLst>
+                              <p:par>
+                                <p:cTn id="17" presetID="10" presetClass="entr" presetSubtype="0" fill="hold" nodeType="afterEffect">
+                                  <p:stCondLst>
+                                    <p:cond delay="0"/>
+                                  </p:stCondLst>
+                                  <p:childTnLst>
+                                    <p:set>
+                                      <p:cBhvr>
+                                        <p:cTn id="18" dur="1" fill="hold">
+                                          <p:stCondLst>
+                                            <p:cond delay="0"/>
+                                          </p:stCondLst>
+                                        </p:cTn>
+                                        <p:tgtEl>
+                                          <p:spTgt spid="15"/>
+                                        </p:tgtEl>
+                                        <p:attrNameLst>
+                                          <p:attrName>style.visibility</p:attrName>
+                                        </p:attrNameLst>
+                                      </p:cBhvr>
+                                      <p:to>
+                                        <p:strVal val="visible"/>
+                                      </p:to>
+                                    </p:set>
+                                    <p:animEffect transition="in" filter="fade">
+                                      <p:cBhvr>
+                                        <p:cTn id="19" dur="250"/>
+                                        <p:tgtEl>
+                                          <p:spTgt spid="15"/>
+                                        </p:tgtEl>
+                                      </p:cBhvr>
+                                    </p:animEffect>
+                                  </p:childTnLst>
+                                </p:cTn>
+                              </p:par>
+                            </p:childTnLst>
+                          </p:cTn>
+                        </p:par>
+                      </p:childTnLst>
+                    </p:cTn>
+                  </p:par>
+                </p:childTnLst>
+              </p:cTn>
+              <p:prevCondLst>
+                <p:cond evt="onPrev" delay="0">
+                  <p:tgtEl>
+                    <p:sldTgt/>
+                  </p:tgtEl>
+                </p:cond>
+              </p:prevCondLst>
+              <p:nextCondLst>
+                <p:cond evt="onNext" delay="0">
+                  <p:tgtEl>
+                    <p:sldTgt/>
+                  </p:tgtEl>
+                </p:cond>
+              </p:nextCondLst>
+            </p:seq>
+          </p:childTnLst>
+        </p:cTn>
+      </p:par>
+    </p:tnLst>
+  </p:timing>
 </p:sld>
 </file>
 

--- a/Documentations/Mid evaluation presentation/FINITE ELEMENT BASED STRUCTURAL ANALYSIS.pptx
+++ b/Documentations/Mid evaluation presentation/FINITE ELEMENT BASED STRUCTURAL ANALYSIS.pptx
@@ -19,8 +19,10 @@
     <p:sldId id="279" r:id="rId13"/>
     <p:sldId id="280" r:id="rId14"/>
     <p:sldId id="282" r:id="rId15"/>
-    <p:sldId id="281" r:id="rId16"/>
-    <p:sldId id="283" r:id="rId17"/>
+    <p:sldId id="284" r:id="rId16"/>
+    <p:sldId id="285" r:id="rId17"/>
+    <p:sldId id="281" r:id="rId18"/>
+    <p:sldId id="283" r:id="rId19"/>
   </p:sldIdLst>
   <p:sldSz cx="12192000" cy="6858000"/>
   <p:notesSz cx="6858000" cy="9144000"/>
@@ -4131,7 +4133,7 @@
         <p:spPr>
           <a:xfrm>
             <a:off x="1422399" y="4921511"/>
-            <a:ext cx="3022602" cy="369332"/>
+            <a:ext cx="3022602" cy="461665"/>
           </a:xfrm>
           <a:prstGeom prst="rect">
             <a:avLst/>
@@ -4146,7 +4148,7 @@
           <a:p>
             <a:pPr algn="ctr"/>
             <a:r>
-              <a:rPr lang="en-US" b="1" dirty="0">
+              <a:rPr lang="en-US" sz="2400" b="1" dirty="0">
                 <a:latin typeface="Aller" panose="02000503030000020004" pitchFamily="2" charset="0"/>
               </a:rPr>
               <a:t>Structure Level</a:t>
@@ -4670,7 +4672,7 @@
         <p:spPr>
           <a:xfrm>
             <a:off x="7262790" y="4921511"/>
-            <a:ext cx="3022602" cy="369332"/>
+            <a:ext cx="3022602" cy="461665"/>
           </a:xfrm>
           <a:prstGeom prst="rect">
             <a:avLst/>
@@ -4685,7 +4687,7 @@
           <a:p>
             <a:pPr algn="ctr"/>
             <a:r>
-              <a:rPr lang="en-US" b="1" dirty="0">
+              <a:rPr lang="en-US" sz="2400" b="1" dirty="0">
                 <a:latin typeface="Aller" panose="02000503030000020004" pitchFamily="2" charset="0"/>
               </a:rPr>
               <a:t>Element Level</a:t>
@@ -5092,7 +5094,7 @@
         <p:spPr>
           <a:xfrm>
             <a:off x="6895744" y="1571745"/>
-            <a:ext cx="3022602" cy="369332"/>
+            <a:ext cx="3022602" cy="461665"/>
           </a:xfrm>
           <a:prstGeom prst="rect">
             <a:avLst/>
@@ -5107,7 +5109,7 @@
           <a:p>
             <a:pPr algn="ctr"/>
             <a:r>
-              <a:rPr lang="en-US" b="1" dirty="0">
+              <a:rPr lang="en-US" sz="2400" b="1" dirty="0">
                 <a:latin typeface="Aller" panose="02000503030000020004" pitchFamily="2" charset="0"/>
               </a:rPr>
               <a:t>Degrees of freedom</a:t>
@@ -5131,8 +5133,8 @@
         </p:nvCxnSpPr>
         <p:spPr>
           <a:xfrm flipH="1">
-            <a:off x="7262790" y="1941077"/>
-            <a:ext cx="1144255" cy="1093399"/>
+            <a:off x="7262791" y="2033410"/>
+            <a:ext cx="1144254" cy="1001066"/>
           </a:xfrm>
           <a:prstGeom prst="straightConnector1">
             <a:avLst/>
@@ -5172,8 +5174,8 @@
         </p:nvCxnSpPr>
         <p:spPr>
           <a:xfrm>
-            <a:off x="8407045" y="1941077"/>
-            <a:ext cx="260228" cy="630999"/>
+            <a:off x="8407045" y="2033410"/>
+            <a:ext cx="260228" cy="538666"/>
           </a:xfrm>
           <a:prstGeom prst="straightConnector1">
             <a:avLst/>
@@ -6050,7 +6052,7 @@
         <p:spPr>
           <a:xfrm>
             <a:off x="4500963" y="4700104"/>
-            <a:ext cx="3022602" cy="369332"/>
+            <a:ext cx="3022602" cy="461665"/>
           </a:xfrm>
           <a:prstGeom prst="rect">
             <a:avLst/>
@@ -6065,7 +6067,7 @@
           <a:p>
             <a:pPr algn="ctr"/>
             <a:r>
-              <a:rPr lang="en-US" b="1" dirty="0">
+              <a:rPr lang="en-US" sz="2400" b="1" dirty="0">
                 <a:latin typeface="Aller" panose="02000503030000020004" pitchFamily="2" charset="0"/>
               </a:rPr>
               <a:t>Section Level</a:t>
@@ -6088,7 +6090,7 @@
         <p:spPr>
           <a:xfrm>
             <a:off x="1033863" y="4700104"/>
-            <a:ext cx="3022602" cy="369332"/>
+            <a:ext cx="3022602" cy="461665"/>
           </a:xfrm>
           <a:prstGeom prst="rect">
             <a:avLst/>
@@ -6103,7 +6105,7 @@
           <a:p>
             <a:pPr algn="ctr"/>
             <a:r>
-              <a:rPr lang="en-US" b="1" dirty="0">
+              <a:rPr lang="en-US" sz="2400" b="1" dirty="0">
                 <a:latin typeface="Aller" panose="02000503030000020004" pitchFamily="2" charset="0"/>
               </a:rPr>
               <a:t>Element</a:t>
@@ -6126,7 +6128,7 @@
         <p:spPr>
           <a:xfrm>
             <a:off x="7563812" y="4405385"/>
-            <a:ext cx="3022602" cy="646331"/>
+            <a:ext cx="3022602" cy="830997"/>
           </a:xfrm>
           <a:prstGeom prst="rect">
             <a:avLst/>
@@ -6141,7 +6143,7 @@
           <a:p>
             <a:pPr algn="ctr"/>
             <a:r>
-              <a:rPr lang="en-US" b="1" dirty="0">
+              <a:rPr lang="en-US" sz="2400" b="1" dirty="0">
                 <a:latin typeface="Aller" panose="02000503030000020004" pitchFamily="2" charset="0"/>
               </a:rPr>
               <a:t>Concrete</a:t>
@@ -6150,7 +6152,7 @@
           <a:p>
             <a:pPr algn="ctr"/>
             <a:r>
-              <a:rPr lang="en-US" b="1" dirty="0">
+              <a:rPr lang="en-US" sz="2400" b="1" dirty="0">
                 <a:latin typeface="Aller" panose="02000503030000020004" pitchFamily="2" charset="0"/>
               </a:rPr>
               <a:t>Fibers</a:t>
@@ -7846,7 +7848,7 @@
         <p:spPr>
           <a:xfrm>
             <a:off x="9162455" y="4411961"/>
-            <a:ext cx="3022602" cy="646331"/>
+            <a:ext cx="3022602" cy="830997"/>
           </a:xfrm>
           <a:prstGeom prst="rect">
             <a:avLst/>
@@ -7861,7 +7863,7 @@
           <a:p>
             <a:pPr algn="ctr"/>
             <a:r>
-              <a:rPr lang="en-US" b="1" dirty="0">
+              <a:rPr lang="en-US" sz="2400" b="1" dirty="0">
                 <a:latin typeface="Aller" panose="02000503030000020004" pitchFamily="2" charset="0"/>
               </a:rPr>
               <a:t>Steel</a:t>
@@ -7870,7 +7872,7 @@
           <a:p>
             <a:pPr algn="ctr"/>
             <a:r>
-              <a:rPr lang="en-US" b="1" dirty="0">
+              <a:rPr lang="en-US" sz="2400" b="1" dirty="0">
                 <a:latin typeface="Aller" panose="02000503030000020004" pitchFamily="2" charset="0"/>
               </a:rPr>
               <a:t>Fibers</a:t>
@@ -7937,8 +7939,8 @@
         </p:nvCxnSpPr>
         <p:spPr>
           <a:xfrm flipH="1" flipV="1">
-            <a:off x="10228099" y="2466469"/>
-            <a:ext cx="445657" cy="1945492"/>
+            <a:off x="10228100" y="2466469"/>
+            <a:ext cx="445656" cy="1945492"/>
           </a:xfrm>
           <a:prstGeom prst="straightConnector1">
             <a:avLst/>
@@ -7979,8 +7981,8 @@
         </p:nvCxnSpPr>
         <p:spPr>
           <a:xfrm flipH="1" flipV="1">
-            <a:off x="10215541" y="3175165"/>
-            <a:ext cx="458215" cy="1236796"/>
+            <a:off x="10215542" y="3175165"/>
+            <a:ext cx="458214" cy="1236796"/>
           </a:xfrm>
           <a:prstGeom prst="straightConnector1">
             <a:avLst/>
@@ -8018,8 +8020,8 @@
         </p:nvSpPr>
         <p:spPr>
           <a:xfrm>
-            <a:off x="8357841" y="5232698"/>
-            <a:ext cx="3022602" cy="369332"/>
+            <a:off x="8357841" y="5328206"/>
+            <a:ext cx="3022602" cy="461665"/>
           </a:xfrm>
           <a:prstGeom prst="rect">
             <a:avLst/>
@@ -8034,7 +8036,7 @@
           <a:p>
             <a:pPr algn="ctr"/>
             <a:r>
-              <a:rPr lang="en-US" b="1" dirty="0">
+              <a:rPr lang="en-US" sz="2400" b="1" dirty="0">
                 <a:latin typeface="Aller" panose="02000503030000020004" pitchFamily="2" charset="0"/>
               </a:rPr>
               <a:t>Fiber Level</a:t>
@@ -8198,41 +8200,6 @@
           <a:chExt cx="0" cy="0"/>
         </a:xfrm>
       </p:grpSpPr>
-      <p:pic>
-        <p:nvPicPr>
-          <p:cNvPr id="4" name="Picture 3">
-            <a:extLst>
-              <a:ext uri="{FF2B5EF4-FFF2-40B4-BE49-F238E27FC236}">
-                <a16:creationId xmlns:a16="http://schemas.microsoft.com/office/drawing/2014/main" id="{075BACB2-EE0B-4FA6-B510-A6CF808EEE18}"/>
-              </a:ext>
-            </a:extLst>
-          </p:cNvPr>
-          <p:cNvPicPr>
-            <a:picLocks noChangeAspect="1"/>
-          </p:cNvPicPr>
-          <p:nvPr/>
-        </p:nvPicPr>
-        <p:blipFill rotWithShape="1">
-          <a:blip r:embed="rId2">
-            <a:extLst>
-              <a:ext uri="{28A0092B-C50C-407E-A947-70E740481C1C}">
-                <a14:useLocalDpi xmlns:a14="http://schemas.microsoft.com/office/drawing/2010/main" val="0"/>
-              </a:ext>
-            </a:extLst>
-          </a:blip>
-          <a:srcRect t="11635" r="2703" b="19249"/>
-          <a:stretch/>
-        </p:blipFill>
-        <p:spPr>
-          <a:xfrm>
-            <a:off x="495638" y="709848"/>
-            <a:ext cx="11200724" cy="6148152"/>
-          </a:xfrm>
-          <a:prstGeom prst="rect">
-            <a:avLst/>
-          </a:prstGeom>
-        </p:spPr>
-      </p:pic>
       <p:sp>
         <p:nvSpPr>
           <p:cNvPr id="2" name="Title 1">
@@ -8287,6 +8254,41 @@
           </a:p>
         </p:txBody>
       </p:sp>
+      <p:pic>
+        <p:nvPicPr>
+          <p:cNvPr id="5" name="Picture 4">
+            <a:extLst>
+              <a:ext uri="{FF2B5EF4-FFF2-40B4-BE49-F238E27FC236}">
+                <a16:creationId xmlns:a16="http://schemas.microsoft.com/office/drawing/2014/main" id="{6F2B560B-74E5-4F08-98E7-6B7685373CAF}"/>
+              </a:ext>
+            </a:extLst>
+          </p:cNvPr>
+          <p:cNvPicPr>
+            <a:picLocks noChangeAspect="1"/>
+          </p:cNvPicPr>
+          <p:nvPr/>
+        </p:nvPicPr>
+        <p:blipFill rotWithShape="1">
+          <a:blip r:embed="rId2">
+            <a:extLst>
+              <a:ext uri="{28A0092B-C50C-407E-A947-70E740481C1C}">
+                <a14:useLocalDpi xmlns:a14="http://schemas.microsoft.com/office/drawing/2010/main" val="0"/>
+              </a:ext>
+            </a:extLst>
+          </a:blip>
+          <a:srcRect l="1774" t="10892" r="5644" b="9859"/>
+          <a:stretch/>
+        </p:blipFill>
+        <p:spPr>
+          <a:xfrm>
+            <a:off x="1277712" y="639311"/>
+            <a:ext cx="9154175" cy="6054955"/>
+          </a:xfrm>
+          <a:prstGeom prst="rect">
+            <a:avLst/>
+          </a:prstGeom>
+        </p:spPr>
+      </p:pic>
     </p:spTree>
     <p:extLst>
       <p:ext uri="{BB962C8B-B14F-4D97-AF65-F5344CB8AC3E}">
@@ -8470,12 +8472,47 @@
           <a:chExt cx="0" cy="0"/>
         </a:xfrm>
       </p:grpSpPr>
+      <p:pic>
+        <p:nvPicPr>
+          <p:cNvPr id="3" name="Picture 2">
+            <a:extLst>
+              <a:ext uri="{FF2B5EF4-FFF2-40B4-BE49-F238E27FC236}">
+                <a16:creationId xmlns:a16="http://schemas.microsoft.com/office/drawing/2014/main" id="{B1786610-6597-4BD1-9478-75CAC36D5F29}"/>
+              </a:ext>
+            </a:extLst>
+          </p:cNvPr>
+          <p:cNvPicPr>
+            <a:picLocks noChangeAspect="1"/>
+          </p:cNvPicPr>
+          <p:nvPr/>
+        </p:nvPicPr>
+        <p:blipFill rotWithShape="1">
+          <a:blip r:embed="rId2">
+            <a:extLst>
+              <a:ext uri="{28A0092B-C50C-407E-A947-70E740481C1C}">
+                <a14:useLocalDpi xmlns:a14="http://schemas.microsoft.com/office/drawing/2010/main" val="0"/>
+              </a:ext>
+            </a:extLst>
+          </a:blip>
+          <a:srcRect r="19298" b="56598"/>
+          <a:stretch/>
+        </p:blipFill>
+        <p:spPr>
+          <a:xfrm>
+            <a:off x="3190497" y="1085222"/>
+            <a:ext cx="8737508" cy="2701167"/>
+          </a:xfrm>
+          <a:prstGeom prst="rect">
+            <a:avLst/>
+          </a:prstGeom>
+        </p:spPr>
+      </p:pic>
       <p:sp>
         <p:nvSpPr>
-          <p:cNvPr id="2" name="Title 1">
-            <a:extLst>
-              <a:ext uri="{FF2B5EF4-FFF2-40B4-BE49-F238E27FC236}">
-                <a16:creationId xmlns:a16="http://schemas.microsoft.com/office/drawing/2014/main" id="{52DA7C2A-D0AC-41A1-909D-6CF493B69DAC}"/>
+          <p:cNvPr id="4" name="Title 1">
+            <a:extLst>
+              <a:ext uri="{FF2B5EF4-FFF2-40B4-BE49-F238E27FC236}">
+                <a16:creationId xmlns:a16="http://schemas.microsoft.com/office/drawing/2014/main" id="{8DF60037-2F3F-4BDC-A323-99A7DEC238E1}"/>
               </a:ext>
             </a:extLst>
           </p:cNvPr>
@@ -8486,7 +8523,7 @@
         </p:nvSpPr>
         <p:spPr>
           <a:xfrm>
-            <a:off x="554350" y="508066"/>
+            <a:off x="324676" y="163734"/>
             <a:ext cx="11790050" cy="698566"/>
           </a:xfrm>
           <a:prstGeom prst="rect">
@@ -8516,6 +8553,367 @@
           </a:lstStyle>
           <a:p>
             <a:r>
+              <a:rPr lang="en-US" sz="2800" dirty="0">
+                <a:latin typeface="Aller Display" panose="02000503000000020003" pitchFamily="2" charset="0"/>
+              </a:rPr>
+              <a:t>RESULTS COMPARISON</a:t>
+            </a:r>
+          </a:p>
+        </p:txBody>
+      </p:sp>
+      <p:sp>
+        <p:nvSpPr>
+          <p:cNvPr id="5" name="TextBox 4">
+            <a:extLst>
+              <a:ext uri="{FF2B5EF4-FFF2-40B4-BE49-F238E27FC236}">
+                <a16:creationId xmlns:a16="http://schemas.microsoft.com/office/drawing/2014/main" id="{8602D0F3-F63C-4080-9B2B-C0D02E496C49}"/>
+              </a:ext>
+            </a:extLst>
+          </p:cNvPr>
+          <p:cNvSpPr txBox="1"/>
+          <p:nvPr/>
+        </p:nvSpPr>
+        <p:spPr>
+          <a:xfrm>
+            <a:off x="4326514" y="258903"/>
+            <a:ext cx="3022602" cy="461665"/>
+          </a:xfrm>
+          <a:prstGeom prst="rect">
+            <a:avLst/>
+          </a:prstGeom>
+          <a:noFill/>
+        </p:spPr>
+        <p:txBody>
+          <a:bodyPr wrap="square" rtlCol="0">
+            <a:spAutoFit/>
+          </a:bodyPr>
+          <a:lstStyle/>
+          <a:p>
+            <a:pPr algn="ctr"/>
+            <a:r>
+              <a:rPr lang="en-US" sz="2400" b="1" dirty="0">
+                <a:latin typeface="Aller" panose="02000503030000020004" pitchFamily="2" charset="0"/>
+              </a:rPr>
+              <a:t>Displacements</a:t>
+            </a:r>
+          </a:p>
+        </p:txBody>
+      </p:sp>
+      <p:sp>
+        <p:nvSpPr>
+          <p:cNvPr id="6" name="TextBox 5">
+            <a:extLst>
+              <a:ext uri="{FF2B5EF4-FFF2-40B4-BE49-F238E27FC236}">
+                <a16:creationId xmlns:a16="http://schemas.microsoft.com/office/drawing/2014/main" id="{D8485E86-8E27-41EC-993B-C290D81BCE47}"/>
+              </a:ext>
+            </a:extLst>
+          </p:cNvPr>
+          <p:cNvSpPr txBox="1"/>
+          <p:nvPr/>
+        </p:nvSpPr>
+        <p:spPr>
+          <a:xfrm>
+            <a:off x="0" y="2204972"/>
+            <a:ext cx="3022602" cy="461665"/>
+          </a:xfrm>
+          <a:prstGeom prst="rect">
+            <a:avLst/>
+          </a:prstGeom>
+          <a:noFill/>
+        </p:spPr>
+        <p:txBody>
+          <a:bodyPr wrap="square" rtlCol="0">
+            <a:spAutoFit/>
+          </a:bodyPr>
+          <a:lstStyle/>
+          <a:p>
+            <a:pPr algn="ctr"/>
+            <a:r>
+              <a:rPr lang="en-US" sz="2400" dirty="0">
+                <a:latin typeface="Aller" panose="02000503030000020004" pitchFamily="2" charset="0"/>
+              </a:rPr>
+              <a:t>SAP2000</a:t>
+            </a:r>
+          </a:p>
+        </p:txBody>
+      </p:sp>
+    </p:spTree>
+    <p:extLst>
+      <p:ext uri="{BB962C8B-B14F-4D97-AF65-F5344CB8AC3E}">
+        <p14:creationId xmlns:p14="http://schemas.microsoft.com/office/powerpoint/2010/main" val="1157774278"/>
+      </p:ext>
+    </p:extLst>
+  </p:cSld>
+  <p:clrMapOvr>
+    <a:masterClrMapping/>
+  </p:clrMapOvr>
+  <p:transition spd="slow">
+    <p:wipe/>
+  </p:transition>
+</p:sld>
+</file>
+
+<file path=ppt/slides/slide16.xml><?xml version="1.0" encoding="utf-8"?>
+<p:sld xmlns:a="http://schemas.openxmlformats.org/drawingml/2006/main" xmlns:r="http://schemas.openxmlformats.org/officeDocument/2006/relationships" xmlns:p="http://schemas.openxmlformats.org/presentationml/2006/main">
+  <p:cSld>
+    <p:spTree>
+      <p:nvGrpSpPr>
+        <p:cNvPr id="1" name=""/>
+        <p:cNvGrpSpPr/>
+        <p:nvPr/>
+      </p:nvGrpSpPr>
+      <p:grpSpPr>
+        <a:xfrm>
+          <a:off x="0" y="0"/>
+          <a:ext cx="0" cy="0"/>
+          <a:chOff x="0" y="0"/>
+          <a:chExt cx="0" cy="0"/>
+        </a:xfrm>
+      </p:grpSpPr>
+      <p:sp>
+        <p:nvSpPr>
+          <p:cNvPr id="4" name="Title 1">
+            <a:extLst>
+              <a:ext uri="{FF2B5EF4-FFF2-40B4-BE49-F238E27FC236}">
+                <a16:creationId xmlns:a16="http://schemas.microsoft.com/office/drawing/2014/main" id="{8DF60037-2F3F-4BDC-A323-99A7DEC238E1}"/>
+              </a:ext>
+            </a:extLst>
+          </p:cNvPr>
+          <p:cNvSpPr txBox="1">
+            <a:spLocks/>
+          </p:cNvSpPr>
+          <p:nvPr/>
+        </p:nvSpPr>
+        <p:spPr>
+          <a:xfrm>
+            <a:off x="324676" y="163734"/>
+            <a:ext cx="11790050" cy="698566"/>
+          </a:xfrm>
+          <a:prstGeom prst="rect">
+            <a:avLst/>
+          </a:prstGeom>
+        </p:spPr>
+        <p:txBody>
+          <a:bodyPr anchor="ctr"/>
+          <a:lstStyle>
+            <a:lvl1pPr algn="l" defTabSz="914400" rtl="0" eaLnBrk="1" latinLnBrk="0" hangingPunct="1">
+              <a:lnSpc>
+                <a:spcPct val="90000"/>
+              </a:lnSpc>
+              <a:spcBef>
+                <a:spcPct val="0"/>
+              </a:spcBef>
+              <a:buNone/>
+              <a:defRPr sz="4400" kern="1200">
+                <a:solidFill>
+                  <a:schemeClr val="tx1"/>
+                </a:solidFill>
+                <a:latin typeface="+mj-lt"/>
+                <a:ea typeface="+mj-ea"/>
+                <a:cs typeface="+mj-cs"/>
+              </a:defRPr>
+            </a:lvl1pPr>
+          </a:lstStyle>
+          <a:p>
+            <a:r>
+              <a:rPr lang="en-US" sz="2800" dirty="0">
+                <a:latin typeface="Aller Display" panose="02000503000000020003" pitchFamily="2" charset="0"/>
+              </a:rPr>
+              <a:t>RESULTS COMPARISON</a:t>
+            </a:r>
+          </a:p>
+        </p:txBody>
+      </p:sp>
+      <p:sp>
+        <p:nvSpPr>
+          <p:cNvPr id="5" name="TextBox 4">
+            <a:extLst>
+              <a:ext uri="{FF2B5EF4-FFF2-40B4-BE49-F238E27FC236}">
+                <a16:creationId xmlns:a16="http://schemas.microsoft.com/office/drawing/2014/main" id="{8602D0F3-F63C-4080-9B2B-C0D02E496C49}"/>
+              </a:ext>
+            </a:extLst>
+          </p:cNvPr>
+          <p:cNvSpPr txBox="1"/>
+          <p:nvPr/>
+        </p:nvSpPr>
+        <p:spPr>
+          <a:xfrm>
+            <a:off x="3550097" y="282184"/>
+            <a:ext cx="3022602" cy="461665"/>
+          </a:xfrm>
+          <a:prstGeom prst="rect">
+            <a:avLst/>
+          </a:prstGeom>
+          <a:noFill/>
+        </p:spPr>
+        <p:txBody>
+          <a:bodyPr wrap="square" rtlCol="0">
+            <a:spAutoFit/>
+          </a:bodyPr>
+          <a:lstStyle/>
+          <a:p>
+            <a:pPr algn="ctr"/>
+            <a:r>
+              <a:rPr lang="en-US" sz="2400" b="1" dirty="0">
+                <a:latin typeface="Aller" panose="02000503030000020004" pitchFamily="2" charset="0"/>
+              </a:rPr>
+              <a:t>Forces</a:t>
+            </a:r>
+          </a:p>
+        </p:txBody>
+      </p:sp>
+      <p:pic>
+        <p:nvPicPr>
+          <p:cNvPr id="6" name="Picture 5">
+            <a:extLst>
+              <a:ext uri="{FF2B5EF4-FFF2-40B4-BE49-F238E27FC236}">
+                <a16:creationId xmlns:a16="http://schemas.microsoft.com/office/drawing/2014/main" id="{CC31B502-8ED4-403A-B7E2-A590D4218D0C}"/>
+              </a:ext>
+            </a:extLst>
+          </p:cNvPr>
+          <p:cNvPicPr>
+            <a:picLocks noChangeAspect="1"/>
+          </p:cNvPicPr>
+          <p:nvPr/>
+        </p:nvPicPr>
+        <p:blipFill rotWithShape="1">
+          <a:blip r:embed="rId2">
+            <a:extLst>
+              <a:ext uri="{28A0092B-C50C-407E-A947-70E740481C1C}">
+                <a14:useLocalDpi xmlns:a14="http://schemas.microsoft.com/office/drawing/2010/main" val="0"/>
+              </a:ext>
+            </a:extLst>
+          </a:blip>
+          <a:srcRect l="21338" t="14528" r="34296" b="6972"/>
+          <a:stretch/>
+        </p:blipFill>
+        <p:spPr>
+          <a:xfrm>
+            <a:off x="77274" y="862299"/>
+            <a:ext cx="5602310" cy="5372033"/>
+          </a:xfrm>
+          <a:prstGeom prst="rect">
+            <a:avLst/>
+          </a:prstGeom>
+        </p:spPr>
+      </p:pic>
+      <p:sp>
+        <p:nvSpPr>
+          <p:cNvPr id="7" name="TextBox 6">
+            <a:extLst>
+              <a:ext uri="{FF2B5EF4-FFF2-40B4-BE49-F238E27FC236}">
+                <a16:creationId xmlns:a16="http://schemas.microsoft.com/office/drawing/2014/main" id="{24DD8ADA-EDB7-42A9-8918-F6EC9481AFFA}"/>
+              </a:ext>
+            </a:extLst>
+          </p:cNvPr>
+          <p:cNvSpPr txBox="1"/>
+          <p:nvPr/>
+        </p:nvSpPr>
+        <p:spPr>
+          <a:xfrm>
+            <a:off x="1367128" y="5772667"/>
+            <a:ext cx="3022602" cy="461665"/>
+          </a:xfrm>
+          <a:prstGeom prst="rect">
+            <a:avLst/>
+          </a:prstGeom>
+          <a:noFill/>
+        </p:spPr>
+        <p:txBody>
+          <a:bodyPr wrap="square" rtlCol="0">
+            <a:spAutoFit/>
+          </a:bodyPr>
+          <a:lstStyle/>
+          <a:p>
+            <a:pPr algn="ctr"/>
+            <a:r>
+              <a:rPr lang="en-US" sz="2400" dirty="0">
+                <a:latin typeface="Aller" panose="02000503030000020004" pitchFamily="2" charset="0"/>
+              </a:rPr>
+              <a:t>SAP2000</a:t>
+            </a:r>
+          </a:p>
+        </p:txBody>
+      </p:sp>
+    </p:spTree>
+    <p:extLst>
+      <p:ext uri="{BB962C8B-B14F-4D97-AF65-F5344CB8AC3E}">
+        <p14:creationId xmlns:p14="http://schemas.microsoft.com/office/powerpoint/2010/main" val="3705454000"/>
+      </p:ext>
+    </p:extLst>
+  </p:cSld>
+  <p:clrMapOvr>
+    <a:masterClrMapping/>
+  </p:clrMapOvr>
+  <p:transition spd="slow">
+    <p:wipe/>
+  </p:transition>
+</p:sld>
+</file>
+
+<file path=ppt/slides/slide17.xml><?xml version="1.0" encoding="utf-8"?>
+<p:sld xmlns:a="http://schemas.openxmlformats.org/drawingml/2006/main" xmlns:r="http://schemas.openxmlformats.org/officeDocument/2006/relationships" xmlns:p="http://schemas.openxmlformats.org/presentationml/2006/main">
+  <p:cSld>
+    <p:spTree>
+      <p:nvGrpSpPr>
+        <p:cNvPr id="1" name=""/>
+        <p:cNvGrpSpPr/>
+        <p:nvPr/>
+      </p:nvGrpSpPr>
+      <p:grpSpPr>
+        <a:xfrm>
+          <a:off x="0" y="0"/>
+          <a:ext cx="0" cy="0"/>
+          <a:chOff x="0" y="0"/>
+          <a:chExt cx="0" cy="0"/>
+        </a:xfrm>
+      </p:grpSpPr>
+      <p:sp>
+        <p:nvSpPr>
+          <p:cNvPr id="2" name="Title 1">
+            <a:extLst>
+              <a:ext uri="{FF2B5EF4-FFF2-40B4-BE49-F238E27FC236}">
+                <a16:creationId xmlns:a16="http://schemas.microsoft.com/office/drawing/2014/main" id="{52DA7C2A-D0AC-41A1-909D-6CF493B69DAC}"/>
+              </a:ext>
+            </a:extLst>
+          </p:cNvPr>
+          <p:cNvSpPr txBox="1">
+            <a:spLocks/>
+          </p:cNvSpPr>
+          <p:nvPr/>
+        </p:nvSpPr>
+        <p:spPr>
+          <a:xfrm>
+            <a:off x="554350" y="508066"/>
+            <a:ext cx="11790050" cy="698566"/>
+          </a:xfrm>
+          <a:prstGeom prst="rect">
+            <a:avLst/>
+          </a:prstGeom>
+        </p:spPr>
+        <p:txBody>
+          <a:bodyPr anchor="ctr"/>
+          <a:lstStyle>
+            <a:lvl1pPr algn="l" defTabSz="914400" rtl="0" eaLnBrk="1" latinLnBrk="0" hangingPunct="1">
+              <a:lnSpc>
+                <a:spcPct val="90000"/>
+              </a:lnSpc>
+              <a:spcBef>
+                <a:spcPct val="0"/>
+              </a:spcBef>
+              <a:buNone/>
+              <a:defRPr sz="4400" kern="1200">
+                <a:solidFill>
+                  <a:schemeClr val="tx1"/>
+                </a:solidFill>
+                <a:latin typeface="+mj-lt"/>
+                <a:ea typeface="+mj-ea"/>
+                <a:cs typeface="+mj-cs"/>
+              </a:defRPr>
+            </a:lvl1pPr>
+          </a:lstStyle>
+          <a:p>
+            <a:r>
               <a:rPr lang="en-US" dirty="0">
                 <a:latin typeface="Aller Display" panose="02000503000000020003" pitchFamily="2" charset="0"/>
               </a:rPr>
@@ -8767,7 +9165,7 @@
 </p:sld>
 </file>
 
-<file path=ppt/slides/slide16.xml><?xml version="1.0" encoding="utf-8"?>
+<file path=ppt/slides/slide18.xml><?xml version="1.0" encoding="utf-8"?>
 <p:sld xmlns:a="http://schemas.openxmlformats.org/drawingml/2006/main" xmlns:r="http://schemas.openxmlformats.org/officeDocument/2006/relationships" xmlns:p="http://schemas.openxmlformats.org/presentationml/2006/main">
   <p:cSld>
     <p:spTree>
@@ -9635,7 +10033,7 @@
         </p:blipFill>
         <p:spPr>
           <a:xfrm>
-            <a:off x="650384" y="2073499"/>
+            <a:off x="663262" y="1687132"/>
             <a:ext cx="5683399" cy="3836294"/>
           </a:xfrm>
           <a:prstGeom prst="rect">
@@ -9645,10 +10043,10 @@
       </p:pic>
       <p:pic>
         <p:nvPicPr>
-          <p:cNvPr id="11" name="Picture 10">
-            <a:extLst>
-              <a:ext uri="{FF2B5EF4-FFF2-40B4-BE49-F238E27FC236}">
-                <a16:creationId xmlns:a16="http://schemas.microsoft.com/office/drawing/2014/main" id="{B8F24603-E97B-4FF4-B551-0D7A847A22EF}"/>
+          <p:cNvPr id="15" name="Picture 14">
+            <a:extLst>
+              <a:ext uri="{FF2B5EF4-FFF2-40B4-BE49-F238E27FC236}">
+                <a16:creationId xmlns:a16="http://schemas.microsoft.com/office/drawing/2014/main" id="{DCCA1D06-9FE0-4D25-9251-03E26481801C}"/>
               </a:ext>
             </a:extLst>
           </p:cNvPr>
@@ -9671,8 +10069,8 @@
         </p:blipFill>
         <p:spPr>
           <a:xfrm>
-            <a:off x="6765568" y="2073499"/>
-            <a:ext cx="2159491" cy="1923580"/>
+            <a:off x="6368070" y="1672220"/>
+            <a:ext cx="2767935" cy="1611893"/>
           </a:xfrm>
           <a:prstGeom prst="rect">
             <a:avLst/>
@@ -9681,10 +10079,10 @@
       </p:pic>
       <p:pic>
         <p:nvPicPr>
-          <p:cNvPr id="15" name="Picture 14">
-            <a:extLst>
-              <a:ext uri="{FF2B5EF4-FFF2-40B4-BE49-F238E27FC236}">
-                <a16:creationId xmlns:a16="http://schemas.microsoft.com/office/drawing/2014/main" id="{DCCA1D06-9FE0-4D25-9251-03E26481801C}"/>
+          <p:cNvPr id="17" name="Picture 16">
+            <a:extLst>
+              <a:ext uri="{FF2B5EF4-FFF2-40B4-BE49-F238E27FC236}">
+                <a16:creationId xmlns:a16="http://schemas.microsoft.com/office/drawing/2014/main" id="{848E8EE0-004D-4F6F-82A0-1E01E10316A1}"/>
               </a:ext>
             </a:extLst>
           </p:cNvPr>
@@ -9707,8 +10105,8 @@
         </p:blipFill>
         <p:spPr>
           <a:xfrm>
-            <a:off x="8168574" y="4092799"/>
-            <a:ext cx="3757262" cy="2188023"/>
+            <a:off x="9164861" y="1687132"/>
+            <a:ext cx="2727696" cy="2037248"/>
           </a:xfrm>
           <a:prstGeom prst="rect">
             <a:avLst/>
@@ -9717,10 +10115,10 @@
       </p:pic>
       <p:pic>
         <p:nvPicPr>
-          <p:cNvPr id="17" name="Picture 16">
-            <a:extLst>
-              <a:ext uri="{FF2B5EF4-FFF2-40B4-BE49-F238E27FC236}">
-                <a16:creationId xmlns:a16="http://schemas.microsoft.com/office/drawing/2014/main" id="{848E8EE0-004D-4F6F-82A0-1E01E10316A1}"/>
+          <p:cNvPr id="4" name="Picture 3">
+            <a:extLst>
+              <a:ext uri="{FF2B5EF4-FFF2-40B4-BE49-F238E27FC236}">
+                <a16:creationId xmlns:a16="http://schemas.microsoft.com/office/drawing/2014/main" id="{202147B8-4560-445D-8F32-5DD6D63247CD}"/>
               </a:ext>
             </a:extLst>
           </p:cNvPr>
@@ -9743,8 +10141,8 @@
         </p:blipFill>
         <p:spPr>
           <a:xfrm>
-            <a:off x="9107988" y="1924520"/>
-            <a:ext cx="2727696" cy="2037248"/>
+            <a:off x="7240074" y="3858715"/>
+            <a:ext cx="4288664" cy="2225060"/>
           </a:xfrm>
           <a:prstGeom prst="rect">
             <a:avLst/>
@@ -9845,7 +10243,7 @@
                                           </p:stCondLst>
                                         </p:cTn>
                                         <p:tgtEl>
-                                          <p:spTgt spid="11"/>
+                                          <p:spTgt spid="17"/>
                                         </p:tgtEl>
                                         <p:attrNameLst>
                                           <p:attrName>style.visibility</p:attrName>
@@ -9859,7 +10257,7 @@
                                       <p:cBhvr>
                                         <p:cTn id="11" dur="250"/>
                                         <p:tgtEl>
-                                          <p:spTgt spid="11"/>
+                                          <p:spTgt spid="17"/>
                                         </p:tgtEl>
                                       </p:cBhvr>
                                     </p:animEffect>
@@ -9889,7 +10287,7 @@
                                           </p:stCondLst>
                                         </p:cTn>
                                         <p:tgtEl>
-                                          <p:spTgt spid="17"/>
+                                          <p:spTgt spid="15"/>
                                         </p:tgtEl>
                                         <p:attrNameLst>
                                           <p:attrName>style.visibility</p:attrName>
@@ -9902,50 +10300,6 @@
                                     <p:animEffect transition="in" filter="fade">
                                       <p:cBhvr>
                                         <p:cTn id="15" dur="250"/>
-                                        <p:tgtEl>
-                                          <p:spTgt spid="17"/>
-                                        </p:tgtEl>
-                                      </p:cBhvr>
-                                    </p:animEffect>
-                                  </p:childTnLst>
-                                </p:cTn>
-                              </p:par>
-                            </p:childTnLst>
-                          </p:cTn>
-                        </p:par>
-                        <p:par>
-                          <p:cTn id="16" fill="hold">
-                            <p:stCondLst>
-                              <p:cond delay="750"/>
-                            </p:stCondLst>
-                            <p:childTnLst>
-                              <p:par>
-                                <p:cTn id="17" presetID="10" presetClass="entr" presetSubtype="0" fill="hold" nodeType="afterEffect">
-                                  <p:stCondLst>
-                                    <p:cond delay="0"/>
-                                  </p:stCondLst>
-                                  <p:childTnLst>
-                                    <p:set>
-                                      <p:cBhvr>
-                                        <p:cTn id="18" dur="1" fill="hold">
-                                          <p:stCondLst>
-                                            <p:cond delay="0"/>
-                                          </p:stCondLst>
-                                        </p:cTn>
-                                        <p:tgtEl>
-                                          <p:spTgt spid="15"/>
-                                        </p:tgtEl>
-                                        <p:attrNameLst>
-                                          <p:attrName>style.visibility</p:attrName>
-                                        </p:attrNameLst>
-                                      </p:cBhvr>
-                                      <p:to>
-                                        <p:strVal val="visible"/>
-                                      </p:to>
-                                    </p:set>
-                                    <p:animEffect transition="in" filter="fade">
-                                      <p:cBhvr>
-                                        <p:cTn id="19" dur="250"/>
                                         <p:tgtEl>
                                           <p:spTgt spid="15"/>
                                         </p:tgtEl>
@@ -10381,7 +10735,7 @@
         <p:spPr>
           <a:xfrm>
             <a:off x="1212851" y="2351131"/>
-            <a:ext cx="3759195" cy="646331"/>
+            <a:ext cx="3759195" cy="707886"/>
           </a:xfrm>
           <a:prstGeom prst="rect">
             <a:avLst/>
@@ -10396,7 +10750,7 @@
           <a:p>
             <a:pPr algn="ctr"/>
             <a:r>
-              <a:rPr lang="en-US" b="1" dirty="0">
+              <a:rPr lang="en-US" sz="2000" b="1" dirty="0">
                 <a:latin typeface="Aller" panose="02000503030000020004" pitchFamily="2" charset="0"/>
               </a:rPr>
               <a:t>K is Constant</a:t>
@@ -10405,7 +10759,7 @@
           <a:p>
             <a:pPr algn="ctr"/>
             <a:r>
-              <a:rPr lang="en-US" b="1" dirty="0">
+              <a:rPr lang="en-US" sz="2000" b="1" dirty="0">
                 <a:latin typeface="Aller" panose="02000503030000020004" pitchFamily="2" charset="0"/>
               </a:rPr>
               <a:t>Small loading conditions</a:t>
@@ -10427,8 +10781,8 @@
         </p:nvSpPr>
         <p:spPr>
           <a:xfrm>
-            <a:off x="1231900" y="3361949"/>
-            <a:ext cx="3759195" cy="369332"/>
+            <a:off x="852505" y="3361949"/>
+            <a:ext cx="4517986" cy="400110"/>
           </a:xfrm>
           <a:prstGeom prst="rect">
             <a:avLst/>
@@ -10443,7 +10797,7 @@
           <a:p>
             <a:pPr algn="ctr"/>
             <a:r>
-              <a:rPr lang="en-US" b="1" dirty="0">
+              <a:rPr lang="en-US" sz="2000" b="1" dirty="0">
                 <a:latin typeface="Aller" panose="02000503030000020004" pitchFamily="2" charset="0"/>
               </a:rPr>
               <a:t>Widely used software : SAP 2000</a:t>
@@ -10466,7 +10820,7 @@
         <p:spPr>
           <a:xfrm>
             <a:off x="7164583" y="2216465"/>
-            <a:ext cx="3759195" cy="646331"/>
+            <a:ext cx="3759195" cy="707886"/>
           </a:xfrm>
           <a:prstGeom prst="rect">
             <a:avLst/>
@@ -10481,7 +10835,7 @@
           <a:p>
             <a:pPr algn="ctr"/>
             <a:r>
-              <a:rPr lang="en-US" b="1" dirty="0">
+              <a:rPr lang="en-US" sz="2000" b="1" dirty="0">
                 <a:latin typeface="Aller" panose="02000503030000020004" pitchFamily="2" charset="0"/>
               </a:rPr>
               <a:t>K Varies</a:t>
@@ -10490,7 +10844,7 @@
           <a:p>
             <a:pPr algn="ctr"/>
             <a:r>
-              <a:rPr lang="en-US" b="1" dirty="0">
+              <a:rPr lang="en-US" sz="2000" b="1" dirty="0">
                 <a:latin typeface="Aller" panose="02000503030000020004" pitchFamily="2" charset="0"/>
               </a:rPr>
               <a:t>Extreme loading conditions</a:t>
@@ -10512,8 +10866,8 @@
         </p:nvSpPr>
         <p:spPr>
           <a:xfrm>
-            <a:off x="7092953" y="3361949"/>
-            <a:ext cx="3759195" cy="369332"/>
+            <a:off x="6727602" y="3361949"/>
+            <a:ext cx="4489898" cy="400110"/>
           </a:xfrm>
           <a:prstGeom prst="rect">
             <a:avLst/>
@@ -10528,7 +10882,7 @@
           <a:p>
             <a:pPr algn="ctr"/>
             <a:r>
-              <a:rPr lang="en-US" b="1" dirty="0">
+              <a:rPr lang="en-US" sz="2000" b="1" dirty="0">
                 <a:latin typeface="Aller" panose="02000503030000020004" pitchFamily="2" charset="0"/>
               </a:rPr>
               <a:t>Widely used software : Opensees</a:t>
@@ -10622,8 +10976,8 @@
         </p:nvSpPr>
         <p:spPr>
           <a:xfrm>
-            <a:off x="2663486" y="1705799"/>
-            <a:ext cx="857927" cy="369332"/>
+            <a:off x="2625815" y="1705799"/>
+            <a:ext cx="933269" cy="400110"/>
           </a:xfrm>
           <a:prstGeom prst="rect">
             <a:avLst/>
@@ -10637,13 +10991,13 @@
           <a:p>
             <a:pPr algn="ctr"/>
             <a:r>
-              <a:rPr lang="en-US" dirty="0">
+              <a:rPr lang="en-US" sz="2000" dirty="0">
                 <a:latin typeface="Aller Display" panose="02000503000000020003" pitchFamily="2" charset="0"/>
               </a:rPr>
               <a:t>F = </a:t>
             </a:r>
             <a:r>
-              <a:rPr lang="en-US" dirty="0">
+              <a:rPr lang="en-US" sz="2000" dirty="0">
                 <a:solidFill>
                   <a:srgbClr val="00B0F0"/>
                 </a:solidFill>
@@ -10652,7 +11006,7 @@
               <a:t>K</a:t>
             </a:r>
             <a:r>
-              <a:rPr lang="en-US" dirty="0">
+              <a:rPr lang="en-US" sz="2000" dirty="0">
                 <a:latin typeface="Aller Display" panose="02000503000000020003" pitchFamily="2" charset="0"/>
               </a:rPr>
               <a:t> e</a:t>
@@ -10792,7 +11146,7 @@
           <a:p>
             <a:pPr algn="ctr"/>
             <a:r>
-              <a:rPr lang="en-US" sz="2400" dirty="0">
+              <a:rPr lang="en-US" sz="2800" dirty="0">
                 <a:latin typeface="Aller" panose="02000503030000020004" pitchFamily="2" charset="0"/>
               </a:rPr>
               <a:t>Interaction of</a:t>
@@ -10801,7 +11155,7 @@
           <a:p>
             <a:pPr algn="ctr"/>
             <a:r>
-              <a:rPr lang="en-US" sz="3200" b="1" dirty="0">
+              <a:rPr lang="en-US" sz="3600" b="1" dirty="0">
                 <a:latin typeface="Aller" panose="02000503030000020004" pitchFamily="2" charset="0"/>
               </a:rPr>
               <a:t>Axial force - Bending moment</a:t>
@@ -10910,7 +11264,7 @@
         </p:nvSpPr>
         <p:spPr>
           <a:xfrm>
-            <a:off x="342900" y="2768599"/>
+            <a:off x="342900" y="3451180"/>
             <a:ext cx="11506200" cy="1320800"/>
           </a:xfrm>
           <a:prstGeom prst="rect">
@@ -10941,7 +11295,7 @@
           <a:p>
             <a:pPr algn="ctr"/>
             <a:r>
-              <a:rPr lang="en-US" sz="2400" dirty="0">
+              <a:rPr lang="en-US" sz="2800" dirty="0">
                 <a:latin typeface="Aller" panose="02000503030000020004" pitchFamily="2" charset="0"/>
               </a:rPr>
               <a:t>Interaction of</a:t>
@@ -10950,7 +11304,7 @@
           <a:p>
             <a:pPr algn="ctr"/>
             <a:r>
-              <a:rPr lang="en-US" sz="3200" b="1" dirty="0">
+              <a:rPr lang="en-US" sz="3600" b="1" dirty="0">
                 <a:latin typeface="Aller" panose="02000503030000020004" pitchFamily="2" charset="0"/>
               </a:rPr>
               <a:t>Axial force - Bending moment - Shear force</a:t>
@@ -10958,7 +11312,7 @@
           </a:p>
           <a:p>
             <a:pPr algn="ctr"/>
-            <a:endParaRPr lang="en-US" sz="3200" b="1" dirty="0">
+            <a:endParaRPr lang="en-US" sz="3600" b="1" dirty="0">
               <a:latin typeface="Aller" panose="02000503030000020004" pitchFamily="2" charset="0"/>
             </a:endParaRPr>
           </a:p>
@@ -10978,8 +11332,8 @@
         </p:nvSpPr>
         <p:spPr>
           <a:xfrm>
-            <a:off x="342900" y="1384300"/>
-            <a:ext cx="11506200" cy="830997"/>
+            <a:off x="342900" y="2066881"/>
+            <a:ext cx="11506200" cy="954107"/>
           </a:xfrm>
           <a:prstGeom prst="rect">
             <a:avLst/>
@@ -10993,7 +11347,7 @@
           <a:p>
             <a:pPr algn="ctr"/>
             <a:r>
-              <a:rPr lang="en-US" sz="2400" dirty="0">
+              <a:rPr lang="en-US" sz="2800" dirty="0">
                 <a:latin typeface="Aller" panose="02000503030000020004" pitchFamily="2" charset="0"/>
               </a:rPr>
               <a:t>Using the novel formulation developed by </a:t>
@@ -11002,12 +11356,12 @@
           <a:p>
             <a:pPr algn="ctr"/>
             <a:r>
-              <a:rPr lang="en-US" sz="2400" dirty="0">
+              <a:rPr lang="en-US" sz="2800" dirty="0">
                 <a:latin typeface="Aller" panose="02000503030000020004" pitchFamily="2" charset="0"/>
               </a:rPr>
               <a:t>the Department of Civil Engineering</a:t>
             </a:r>
-            <a:endParaRPr lang="en-US" sz="2400" dirty="0"/>
+            <a:endParaRPr lang="en-US" sz="2800" dirty="0"/>
           </a:p>
         </p:txBody>
       </p:sp>
@@ -11918,8 +12272,8 @@
         </p:nvSpPr>
         <p:spPr>
           <a:xfrm>
-            <a:off x="1795263" y="2174620"/>
-            <a:ext cx="960638" cy="369332"/>
+            <a:off x="1588753" y="2174620"/>
+            <a:ext cx="1167148" cy="461665"/>
           </a:xfrm>
           <a:prstGeom prst="rect">
             <a:avLst/>
@@ -11934,7 +12288,7 @@
           <a:p>
             <a:pPr algn="ctr"/>
             <a:r>
-              <a:rPr lang="en-US" dirty="0">
+              <a:rPr lang="en-US" sz="2400" dirty="0">
                 <a:latin typeface="Aller" panose="02000503030000020004" pitchFamily="2" charset="0"/>
               </a:rPr>
               <a:t>Nodes</a:t>
@@ -12066,8 +12420,8 @@
         </p:nvSpPr>
         <p:spPr>
           <a:xfrm>
-            <a:off x="4152900" y="5023111"/>
-            <a:ext cx="3886200" cy="646331"/>
+            <a:off x="3537397" y="5023111"/>
+            <a:ext cx="5117206" cy="830997"/>
           </a:xfrm>
           <a:prstGeom prst="rect">
             <a:avLst/>
@@ -12082,7 +12436,7 @@
           <a:p>
             <a:pPr algn="ctr"/>
             <a:r>
-              <a:rPr lang="en-US" b="1" dirty="0">
+              <a:rPr lang="en-US" sz="2400" b="1" dirty="0">
                 <a:latin typeface="Aller" panose="02000503030000020004" pitchFamily="2" charset="0"/>
               </a:rPr>
               <a:t>Simple 3 story building using reinforced concrete frames</a:t>
@@ -12100,15 +12454,16 @@
             </a:extLst>
           </p:cNvPr>
           <p:cNvCxnSpPr>
+            <a:cxnSpLocks/>
             <a:stCxn id="5" idx="3"/>
             <a:endCxn id="4" idx="2"/>
           </p:cNvCxnSpPr>
           <p:nvPr/>
         </p:nvCxnSpPr>
         <p:spPr>
-          <a:xfrm>
-            <a:off x="2755901" y="2359286"/>
-            <a:ext cx="2050959" cy="21754"/>
+          <a:xfrm flipV="1">
+            <a:off x="2755901" y="2381040"/>
+            <a:ext cx="2050959" cy="24413"/>
           </a:xfrm>
           <a:prstGeom prst="straightConnector1">
             <a:avLst/>
@@ -12150,8 +12505,8 @@
         </p:nvCxnSpPr>
         <p:spPr>
           <a:xfrm>
-            <a:off x="2755901" y="2359286"/>
-            <a:ext cx="2821077" cy="566312"/>
+            <a:off x="2755901" y="2405453"/>
+            <a:ext cx="2821077" cy="520145"/>
           </a:xfrm>
           <a:prstGeom prst="straightConnector1">
             <a:avLst/>
@@ -12189,8 +12544,8 @@
         </p:nvSpPr>
         <p:spPr>
           <a:xfrm>
-            <a:off x="2172327" y="3970117"/>
-            <a:ext cx="1167148" cy="369332"/>
+            <a:off x="1867437" y="3970117"/>
+            <a:ext cx="1472038" cy="461665"/>
           </a:xfrm>
           <a:prstGeom prst="rect">
             <a:avLst/>
@@ -12205,7 +12560,7 @@
           <a:p>
             <a:pPr algn="ctr"/>
             <a:r>
-              <a:rPr lang="en-US" dirty="0">
+              <a:rPr lang="en-US" sz="2400" dirty="0">
                 <a:latin typeface="Aller" panose="02000503030000020004" pitchFamily="2" charset="0"/>
               </a:rPr>
               <a:t>Columns</a:t>
@@ -12223,14 +12578,15 @@
             </a:extLst>
           </p:cNvPr>
           <p:cNvCxnSpPr>
+            <a:cxnSpLocks/>
             <a:stCxn id="16" idx="3"/>
           </p:cNvCxnSpPr>
           <p:nvPr/>
         </p:nvCxnSpPr>
         <p:spPr>
-          <a:xfrm>
-            <a:off x="3339475" y="4154783"/>
-            <a:ext cx="1711905" cy="10817"/>
+          <a:xfrm flipV="1">
+            <a:off x="3339475" y="4165600"/>
+            <a:ext cx="1711905" cy="35350"/>
           </a:xfrm>
           <a:prstGeom prst="straightConnector1">
             <a:avLst/>
@@ -12268,8 +12624,8 @@
         </p:nvSpPr>
         <p:spPr>
           <a:xfrm>
-            <a:off x="8166100" y="3098500"/>
-            <a:ext cx="990778" cy="369332"/>
+            <a:off x="8166099" y="3098500"/>
+            <a:ext cx="1286993" cy="461665"/>
           </a:xfrm>
           <a:prstGeom prst="rect">
             <a:avLst/>
@@ -12284,7 +12640,7 @@
           <a:p>
             <a:pPr algn="ctr"/>
             <a:r>
-              <a:rPr lang="en-US" dirty="0">
+              <a:rPr lang="en-US" sz="2400" dirty="0">
                 <a:latin typeface="Aller" panose="02000503030000020004" pitchFamily="2" charset="0"/>
               </a:rPr>
               <a:t>Beams</a:t>
@@ -12302,14 +12658,15 @@
             </a:extLst>
           </p:cNvPr>
           <p:cNvCxnSpPr>
+            <a:cxnSpLocks/>
             <a:stCxn id="21" idx="1"/>
           </p:cNvCxnSpPr>
           <p:nvPr/>
         </p:nvCxnSpPr>
         <p:spPr>
           <a:xfrm flipH="1">
-            <a:off x="6807200" y="3283166"/>
-            <a:ext cx="1358900" cy="526834"/>
+            <a:off x="6807201" y="3329333"/>
+            <a:ext cx="1358898" cy="480667"/>
           </a:xfrm>
           <a:prstGeom prst="straightConnector1">
             <a:avLst/>
@@ -12343,14 +12700,15 @@
             </a:extLst>
           </p:cNvPr>
           <p:cNvCxnSpPr>
+            <a:cxnSpLocks/>
             <a:stCxn id="16" idx="3"/>
           </p:cNvCxnSpPr>
           <p:nvPr/>
         </p:nvCxnSpPr>
         <p:spPr>
           <a:xfrm flipV="1">
-            <a:off x="3339475" y="3606800"/>
-            <a:ext cx="2375525" cy="547983"/>
+            <a:off x="3339475" y="3606802"/>
+            <a:ext cx="2375525" cy="594148"/>
           </a:xfrm>
           <a:prstGeom prst="straightConnector1">
             <a:avLst/>
@@ -12384,14 +12742,15 @@
             </a:extLst>
           </p:cNvPr>
           <p:cNvCxnSpPr>
+            <a:cxnSpLocks/>
             <a:stCxn id="21" idx="1"/>
           </p:cNvCxnSpPr>
           <p:nvPr/>
         </p:nvCxnSpPr>
         <p:spPr>
           <a:xfrm flipH="1" flipV="1">
-            <a:off x="6807200" y="2381040"/>
-            <a:ext cx="1358900" cy="902126"/>
+            <a:off x="6807201" y="2381041"/>
+            <a:ext cx="1358898" cy="948292"/>
           </a:xfrm>
           <a:prstGeom prst="straightConnector1">
             <a:avLst/>

--- a/Documentations/Mid evaluation presentation/FINITE ELEMENT BASED STRUCTURAL ANALYSIS.pptx
+++ b/Documentations/Mid evaluation presentation/FINITE ELEMENT BASED STRUCTURAL ANALYSIS.pptx
@@ -17,12 +17,14 @@
     <p:sldId id="268" r:id="rId11"/>
     <p:sldId id="269" r:id="rId12"/>
     <p:sldId id="279" r:id="rId13"/>
-    <p:sldId id="280" r:id="rId14"/>
-    <p:sldId id="282" r:id="rId15"/>
-    <p:sldId id="284" r:id="rId16"/>
-    <p:sldId id="285" r:id="rId17"/>
-    <p:sldId id="281" r:id="rId18"/>
-    <p:sldId id="283" r:id="rId19"/>
+    <p:sldId id="287" r:id="rId14"/>
+    <p:sldId id="280" r:id="rId15"/>
+    <p:sldId id="282" r:id="rId16"/>
+    <p:sldId id="286" r:id="rId17"/>
+    <p:sldId id="284" r:id="rId18"/>
+    <p:sldId id="285" r:id="rId19"/>
+    <p:sldId id="281" r:id="rId20"/>
+    <p:sldId id="283" r:id="rId21"/>
   </p:sldIdLst>
   <p:sldSz cx="12192000" cy="6858000"/>
   <p:notesSz cx="6858000" cy="9144000"/>
@@ -8276,13 +8278,13 @@
               </a:ext>
             </a:extLst>
           </a:blip>
-          <a:srcRect l="1774" t="10892" r="5644" b="9859"/>
+          <a:srcRect l="1774" t="10892" r="9611" b="46907"/>
           <a:stretch/>
         </p:blipFill>
         <p:spPr>
           <a:xfrm>
-            <a:off x="1277712" y="639311"/>
-            <a:ext cx="9154175" cy="6054955"/>
+            <a:off x="193184" y="1280977"/>
+            <a:ext cx="11674140" cy="4296046"/>
           </a:xfrm>
           <a:prstGeom prst="rect">
             <a:avLst/>
@@ -8292,7 +8294,7 @@
     </p:spTree>
     <p:extLst>
       <p:ext uri="{BB962C8B-B14F-4D97-AF65-F5344CB8AC3E}">
-        <p14:creationId xmlns:p14="http://schemas.microsoft.com/office/powerpoint/2010/main" val="592085028"/>
+        <p14:creationId xmlns:p14="http://schemas.microsoft.com/office/powerpoint/2010/main" val="1323966923"/>
       </p:ext>
     </p:extLst>
   </p:cSld>
@@ -8338,8 +8340,8 @@
         </p:nvSpPr>
         <p:spPr>
           <a:xfrm>
-            <a:off x="0" y="3079717"/>
-            <a:ext cx="12192000" cy="698566"/>
+            <a:off x="324676" y="163734"/>
+            <a:ext cx="11790050" cy="698566"/>
           </a:xfrm>
           <a:prstGeom prst="rect">
             <a:avLst/>
@@ -8367,82 +8369,54 @@
             </a:lvl1pPr>
           </a:lstStyle>
           <a:p>
-            <a:pPr algn="ctr"/>
             <a:r>
-              <a:rPr lang="en-US" sz="7200" dirty="0">
-                <a:latin typeface="Bahnschrift SemiBold" panose="020B0502040204020203" pitchFamily="34" charset="0"/>
-                <a:cs typeface="Adobe Arabic" panose="02040503050201020203" pitchFamily="18" charset="-78"/>
+              <a:rPr lang="en-US" sz="2800" dirty="0">
+                <a:latin typeface="Aller Display" panose="02000503000000020003" pitchFamily="2" charset="0"/>
               </a:rPr>
-              <a:t>DEMONSTRATION</a:t>
+              <a:t>PROJECT PLAN AND PROGRESS</a:t>
             </a:r>
-            <a:endParaRPr lang="en-US" sz="7200" dirty="0">
-              <a:solidFill>
-                <a:schemeClr val="accent5">
-                  <a:lumMod val="75000"/>
-                </a:schemeClr>
-              </a:solidFill>
-              <a:latin typeface="Bahnschrift SemiBold" panose="020B0502040204020203" pitchFamily="34" charset="0"/>
-              <a:cs typeface="Adobe Arabic" panose="02040503050201020203" pitchFamily="18" charset="-78"/>
-            </a:endParaRPr>
           </a:p>
         </p:txBody>
       </p:sp>
-      <p:sp>
-        <p:nvSpPr>
-          <p:cNvPr id="5" name="Rectangle 4">
-            <a:extLst>
-              <a:ext uri="{FF2B5EF4-FFF2-40B4-BE49-F238E27FC236}">
-                <a16:creationId xmlns:a16="http://schemas.microsoft.com/office/drawing/2014/main" id="{02DDF208-201F-485E-A6A1-250AD7CA171B}"/>
-              </a:ext>
-            </a:extLst>
-          </p:cNvPr>
-          <p:cNvSpPr/>
+      <p:pic>
+        <p:nvPicPr>
+          <p:cNvPr id="5" name="Picture 4">
+            <a:extLst>
+              <a:ext uri="{FF2B5EF4-FFF2-40B4-BE49-F238E27FC236}">
+                <a16:creationId xmlns:a16="http://schemas.microsoft.com/office/drawing/2014/main" id="{6F2B560B-74E5-4F08-98E7-6B7685373CAF}"/>
+              </a:ext>
+            </a:extLst>
+          </p:cNvPr>
+          <p:cNvPicPr>
+            <a:picLocks noChangeAspect="1"/>
+          </p:cNvPicPr>
           <p:nvPr/>
-        </p:nvSpPr>
+        </p:nvPicPr>
+        <p:blipFill rotWithShape="1">
+          <a:blip r:embed="rId2">
+            <a:extLst>
+              <a:ext uri="{28A0092B-C50C-407E-A947-70E740481C1C}">
+                <a14:useLocalDpi xmlns:a14="http://schemas.microsoft.com/office/drawing/2010/main" val="0"/>
+              </a:ext>
+            </a:extLst>
+          </a:blip>
+          <a:srcRect l="1774" t="53093" r="9456" b="9859"/>
+          <a:stretch/>
+        </p:blipFill>
         <p:spPr>
           <a:xfrm>
-            <a:off x="342900" y="342900"/>
-            <a:ext cx="11506200" cy="6172200"/>
+            <a:off x="198595" y="1522634"/>
+            <a:ext cx="11822697" cy="3812731"/>
           </a:xfrm>
           <a:prstGeom prst="rect">
             <a:avLst/>
           </a:prstGeom>
-          <a:noFill/>
-          <a:ln w="38100">
-            <a:solidFill>
-              <a:schemeClr val="tx1"/>
-            </a:solidFill>
-          </a:ln>
-        </p:spPr>
-        <p:style>
-          <a:lnRef idx="2">
-            <a:schemeClr val="accent1">
-              <a:shade val="50000"/>
-            </a:schemeClr>
-          </a:lnRef>
-          <a:fillRef idx="1">
-            <a:schemeClr val="accent1"/>
-          </a:fillRef>
-          <a:effectRef idx="0">
-            <a:schemeClr val="accent1"/>
-          </a:effectRef>
-          <a:fontRef idx="minor">
-            <a:schemeClr val="lt1"/>
-          </a:fontRef>
-        </p:style>
-        <p:txBody>
-          <a:bodyPr rtlCol="0" anchor="ctr"/>
-          <a:lstStyle/>
-          <a:p>
-            <a:pPr algn="ctr"/>
-            <a:endParaRPr lang="en-US"/>
-          </a:p>
-        </p:txBody>
-      </p:sp>
+        </p:spPr>
+      </p:pic>
     </p:spTree>
     <p:extLst>
       <p:ext uri="{BB962C8B-B14F-4D97-AF65-F5344CB8AC3E}">
-        <p14:creationId xmlns:p14="http://schemas.microsoft.com/office/powerpoint/2010/main" val="2082878074"/>
+        <p14:creationId xmlns:p14="http://schemas.microsoft.com/office/powerpoint/2010/main" val="592085028"/>
       </p:ext>
     </p:extLst>
   </p:cSld>
@@ -8472,47 +8446,12 @@
           <a:chExt cx="0" cy="0"/>
         </a:xfrm>
       </p:grpSpPr>
-      <p:pic>
-        <p:nvPicPr>
-          <p:cNvPr id="3" name="Picture 2">
-            <a:extLst>
-              <a:ext uri="{FF2B5EF4-FFF2-40B4-BE49-F238E27FC236}">
-                <a16:creationId xmlns:a16="http://schemas.microsoft.com/office/drawing/2014/main" id="{B1786610-6597-4BD1-9478-75CAC36D5F29}"/>
-              </a:ext>
-            </a:extLst>
-          </p:cNvPr>
-          <p:cNvPicPr>
-            <a:picLocks noChangeAspect="1"/>
-          </p:cNvPicPr>
-          <p:nvPr/>
-        </p:nvPicPr>
-        <p:blipFill rotWithShape="1">
-          <a:blip r:embed="rId2">
-            <a:extLst>
-              <a:ext uri="{28A0092B-C50C-407E-A947-70E740481C1C}">
-                <a14:useLocalDpi xmlns:a14="http://schemas.microsoft.com/office/drawing/2010/main" val="0"/>
-              </a:ext>
-            </a:extLst>
-          </a:blip>
-          <a:srcRect r="19298" b="56598"/>
-          <a:stretch/>
-        </p:blipFill>
-        <p:spPr>
-          <a:xfrm>
-            <a:off x="3190497" y="1085222"/>
-            <a:ext cx="8737508" cy="2701167"/>
-          </a:xfrm>
-          <a:prstGeom prst="rect">
-            <a:avLst/>
-          </a:prstGeom>
-        </p:spPr>
-      </p:pic>
       <p:sp>
         <p:nvSpPr>
-          <p:cNvPr id="4" name="Title 1">
-            <a:extLst>
-              <a:ext uri="{FF2B5EF4-FFF2-40B4-BE49-F238E27FC236}">
-                <a16:creationId xmlns:a16="http://schemas.microsoft.com/office/drawing/2014/main" id="{8DF60037-2F3F-4BDC-A323-99A7DEC238E1}"/>
+          <p:cNvPr id="2" name="Title 1">
+            <a:extLst>
+              <a:ext uri="{FF2B5EF4-FFF2-40B4-BE49-F238E27FC236}">
+                <a16:creationId xmlns:a16="http://schemas.microsoft.com/office/drawing/2014/main" id="{52DA7C2A-D0AC-41A1-909D-6CF493B69DAC}"/>
               </a:ext>
             </a:extLst>
           </p:cNvPr>
@@ -8523,8 +8462,8 @@
         </p:nvSpPr>
         <p:spPr>
           <a:xfrm>
-            <a:off x="324676" y="163734"/>
-            <a:ext cx="11790050" cy="698566"/>
+            <a:off x="0" y="3079717"/>
+            <a:ext cx="12192000" cy="698566"/>
           </a:xfrm>
           <a:prstGeom prst="rect">
             <a:avLst/>
@@ -8552,95 +8491,82 @@
             </a:lvl1pPr>
           </a:lstStyle>
           <a:p>
+            <a:pPr algn="ctr"/>
             <a:r>
-              <a:rPr lang="en-US" sz="2800" dirty="0">
-                <a:latin typeface="Aller Display" panose="02000503000000020003" pitchFamily="2" charset="0"/>
+              <a:rPr lang="en-US" sz="7200" dirty="0">
+                <a:latin typeface="Bahnschrift SemiBold" panose="020B0502040204020203" pitchFamily="34" charset="0"/>
+                <a:cs typeface="Adobe Arabic" panose="02040503050201020203" pitchFamily="18" charset="-78"/>
               </a:rPr>
-              <a:t>RESULTS COMPARISON</a:t>
+              <a:t>DEMONSTRATION</a:t>
             </a:r>
+            <a:endParaRPr lang="en-US" sz="7200" dirty="0">
+              <a:solidFill>
+                <a:schemeClr val="accent5">
+                  <a:lumMod val="75000"/>
+                </a:schemeClr>
+              </a:solidFill>
+              <a:latin typeface="Bahnschrift SemiBold" panose="020B0502040204020203" pitchFamily="34" charset="0"/>
+              <a:cs typeface="Adobe Arabic" panose="02040503050201020203" pitchFamily="18" charset="-78"/>
+            </a:endParaRPr>
           </a:p>
         </p:txBody>
       </p:sp>
       <p:sp>
         <p:nvSpPr>
-          <p:cNvPr id="5" name="TextBox 4">
-            <a:extLst>
-              <a:ext uri="{FF2B5EF4-FFF2-40B4-BE49-F238E27FC236}">
-                <a16:creationId xmlns:a16="http://schemas.microsoft.com/office/drawing/2014/main" id="{8602D0F3-F63C-4080-9B2B-C0D02E496C49}"/>
-              </a:ext>
-            </a:extLst>
-          </p:cNvPr>
-          <p:cNvSpPr txBox="1"/>
+          <p:cNvPr id="5" name="Rectangle 4">
+            <a:extLst>
+              <a:ext uri="{FF2B5EF4-FFF2-40B4-BE49-F238E27FC236}">
+                <a16:creationId xmlns:a16="http://schemas.microsoft.com/office/drawing/2014/main" id="{02DDF208-201F-485E-A6A1-250AD7CA171B}"/>
+              </a:ext>
+            </a:extLst>
+          </p:cNvPr>
+          <p:cNvSpPr/>
           <p:nvPr/>
         </p:nvSpPr>
         <p:spPr>
           <a:xfrm>
-            <a:off x="4326514" y="258903"/>
-            <a:ext cx="3022602" cy="461665"/>
+            <a:off x="342900" y="342900"/>
+            <a:ext cx="11506200" cy="6172200"/>
           </a:xfrm>
           <a:prstGeom prst="rect">
             <a:avLst/>
           </a:prstGeom>
           <a:noFill/>
-        </p:spPr>
+          <a:ln w="38100">
+            <a:solidFill>
+              <a:schemeClr val="tx1"/>
+            </a:solidFill>
+          </a:ln>
+        </p:spPr>
+        <p:style>
+          <a:lnRef idx="2">
+            <a:schemeClr val="accent1">
+              <a:shade val="50000"/>
+            </a:schemeClr>
+          </a:lnRef>
+          <a:fillRef idx="1">
+            <a:schemeClr val="accent1"/>
+          </a:fillRef>
+          <a:effectRef idx="0">
+            <a:schemeClr val="accent1"/>
+          </a:effectRef>
+          <a:fontRef idx="minor">
+            <a:schemeClr val="lt1"/>
+          </a:fontRef>
+        </p:style>
         <p:txBody>
-          <a:bodyPr wrap="square" rtlCol="0">
-            <a:spAutoFit/>
-          </a:bodyPr>
+          <a:bodyPr rtlCol="0" anchor="ctr"/>
           <a:lstStyle/>
           <a:p>
             <a:pPr algn="ctr"/>
-            <a:r>
-              <a:rPr lang="en-US" sz="2400" b="1" dirty="0">
-                <a:latin typeface="Aller" panose="02000503030000020004" pitchFamily="2" charset="0"/>
-              </a:rPr>
-              <a:t>Displacements</a:t>
-            </a:r>
-          </a:p>
-        </p:txBody>
-      </p:sp>
-      <p:sp>
-        <p:nvSpPr>
-          <p:cNvPr id="6" name="TextBox 5">
-            <a:extLst>
-              <a:ext uri="{FF2B5EF4-FFF2-40B4-BE49-F238E27FC236}">
-                <a16:creationId xmlns:a16="http://schemas.microsoft.com/office/drawing/2014/main" id="{D8485E86-8E27-41EC-993B-C290D81BCE47}"/>
-              </a:ext>
-            </a:extLst>
-          </p:cNvPr>
-          <p:cNvSpPr txBox="1"/>
-          <p:nvPr/>
-        </p:nvSpPr>
-        <p:spPr>
-          <a:xfrm>
-            <a:off x="0" y="2204972"/>
-            <a:ext cx="3022602" cy="461665"/>
-          </a:xfrm>
-          <a:prstGeom prst="rect">
-            <a:avLst/>
-          </a:prstGeom>
-          <a:noFill/>
-        </p:spPr>
-        <p:txBody>
-          <a:bodyPr wrap="square" rtlCol="0">
-            <a:spAutoFit/>
-          </a:bodyPr>
-          <a:lstStyle/>
-          <a:p>
-            <a:pPr algn="ctr"/>
-            <a:r>
-              <a:rPr lang="en-US" sz="2400" dirty="0">
-                <a:latin typeface="Aller" panose="02000503030000020004" pitchFamily="2" charset="0"/>
-              </a:rPr>
-              <a:t>SAP2000</a:t>
-            </a:r>
+            <a:endParaRPr lang="en-US"/>
           </a:p>
         </p:txBody>
       </p:sp>
     </p:spTree>
     <p:extLst>
       <p:ext uri="{BB962C8B-B14F-4D97-AF65-F5344CB8AC3E}">
-        <p14:creationId xmlns:p14="http://schemas.microsoft.com/office/powerpoint/2010/main" val="1157774278"/>
+        <p14:creationId xmlns:p14="http://schemas.microsoft.com/office/powerpoint/2010/main" val="2082878074"/>
       </p:ext>
     </p:extLst>
   </p:cSld>
@@ -8672,10 +8598,10 @@
       </p:grpSpPr>
       <p:sp>
         <p:nvSpPr>
-          <p:cNvPr id="4" name="Title 1">
-            <a:extLst>
-              <a:ext uri="{FF2B5EF4-FFF2-40B4-BE49-F238E27FC236}">
-                <a16:creationId xmlns:a16="http://schemas.microsoft.com/office/drawing/2014/main" id="{8DF60037-2F3F-4BDC-A323-99A7DEC238E1}"/>
+          <p:cNvPr id="2" name="Title 1">
+            <a:extLst>
+              <a:ext uri="{FF2B5EF4-FFF2-40B4-BE49-F238E27FC236}">
+                <a16:creationId xmlns:a16="http://schemas.microsoft.com/office/drawing/2014/main" id="{36A30F7A-B94A-496A-B7ED-66C79501F1D0}"/>
               </a:ext>
             </a:extLst>
           </p:cNvPr>
@@ -8719,55 +8645,17 @@
               <a:rPr lang="en-US" sz="2800" dirty="0">
                 <a:latin typeface="Aller Display" panose="02000503000000020003" pitchFamily="2" charset="0"/>
               </a:rPr>
-              <a:t>RESULTS COMPARISON</a:t>
-            </a:r>
-          </a:p>
-        </p:txBody>
-      </p:sp>
-      <p:sp>
-        <p:nvSpPr>
-          <p:cNvPr id="5" name="TextBox 4">
-            <a:extLst>
-              <a:ext uri="{FF2B5EF4-FFF2-40B4-BE49-F238E27FC236}">
-                <a16:creationId xmlns:a16="http://schemas.microsoft.com/office/drawing/2014/main" id="{8602D0F3-F63C-4080-9B2B-C0D02E496C49}"/>
-              </a:ext>
-            </a:extLst>
-          </p:cNvPr>
-          <p:cNvSpPr txBox="1"/>
-          <p:nvPr/>
-        </p:nvSpPr>
-        <p:spPr>
-          <a:xfrm>
-            <a:off x="3550097" y="282184"/>
-            <a:ext cx="3022602" cy="461665"/>
-          </a:xfrm>
-          <a:prstGeom prst="rect">
-            <a:avLst/>
-          </a:prstGeom>
-          <a:noFill/>
-        </p:spPr>
-        <p:txBody>
-          <a:bodyPr wrap="square" rtlCol="0">
-            <a:spAutoFit/>
-          </a:bodyPr>
-          <a:lstStyle/>
-          <a:p>
-            <a:pPr algn="ctr"/>
-            <a:r>
-              <a:rPr lang="en-US" sz="2400" b="1" dirty="0">
-                <a:latin typeface="Aller" panose="02000503030000020004" pitchFamily="2" charset="0"/>
-              </a:rPr>
-              <a:t>Forces</a:t>
+              <a:t>STRUCTURE WE ARE GOING TO ANALYZE</a:t>
             </a:r>
           </a:p>
         </p:txBody>
       </p:sp>
       <p:pic>
         <p:nvPicPr>
-          <p:cNvPr id="6" name="Picture 5">
-            <a:extLst>
-              <a:ext uri="{FF2B5EF4-FFF2-40B4-BE49-F238E27FC236}">
-                <a16:creationId xmlns:a16="http://schemas.microsoft.com/office/drawing/2014/main" id="{CC31B502-8ED4-403A-B7E2-A590D4218D0C}"/>
+          <p:cNvPr id="4" name="Picture 3">
+            <a:extLst>
+              <a:ext uri="{FF2B5EF4-FFF2-40B4-BE49-F238E27FC236}">
+                <a16:creationId xmlns:a16="http://schemas.microsoft.com/office/drawing/2014/main" id="{DB808712-D2B1-46BC-AC0A-87E70358A648}"/>
               </a:ext>
             </a:extLst>
           </p:cNvPr>
@@ -8776,7 +8664,7 @@
           </p:cNvPicPr>
           <p:nvPr/>
         </p:nvPicPr>
-        <p:blipFill rotWithShape="1">
+        <p:blipFill>
           <a:blip r:embed="rId2">
             <a:extLst>
               <a:ext uri="{28A0092B-C50C-407E-A947-70E740481C1C}">
@@ -8784,61 +8672,24 @@
               </a:ext>
             </a:extLst>
           </a:blip>
-          <a:srcRect l="21338" t="14528" r="34296" b="6972"/>
-          <a:stretch/>
+          <a:stretch>
+            <a:fillRect/>
+          </a:stretch>
         </p:blipFill>
         <p:spPr>
           <a:xfrm>
-            <a:off x="77274" y="862299"/>
-            <a:ext cx="5602310" cy="5372033"/>
+            <a:off x="1205415" y="715596"/>
+            <a:ext cx="9478063" cy="5978670"/>
           </a:xfrm>
           <a:prstGeom prst="rect">
             <a:avLst/>
           </a:prstGeom>
         </p:spPr>
       </p:pic>
-      <p:sp>
-        <p:nvSpPr>
-          <p:cNvPr id="7" name="TextBox 6">
-            <a:extLst>
-              <a:ext uri="{FF2B5EF4-FFF2-40B4-BE49-F238E27FC236}">
-                <a16:creationId xmlns:a16="http://schemas.microsoft.com/office/drawing/2014/main" id="{24DD8ADA-EDB7-42A9-8918-F6EC9481AFFA}"/>
-              </a:ext>
-            </a:extLst>
-          </p:cNvPr>
-          <p:cNvSpPr txBox="1"/>
-          <p:nvPr/>
-        </p:nvSpPr>
-        <p:spPr>
-          <a:xfrm>
-            <a:off x="1367128" y="5772667"/>
-            <a:ext cx="3022602" cy="461665"/>
-          </a:xfrm>
-          <a:prstGeom prst="rect">
-            <a:avLst/>
-          </a:prstGeom>
-          <a:noFill/>
-        </p:spPr>
-        <p:txBody>
-          <a:bodyPr wrap="square" rtlCol="0">
-            <a:spAutoFit/>
-          </a:bodyPr>
-          <a:lstStyle/>
-          <a:p>
-            <a:pPr algn="ctr"/>
-            <a:r>
-              <a:rPr lang="en-US" sz="2400" dirty="0">
-                <a:latin typeface="Aller" panose="02000503030000020004" pitchFamily="2" charset="0"/>
-              </a:rPr>
-              <a:t>SAP2000</a:t>
-            </a:r>
-          </a:p>
-        </p:txBody>
-      </p:sp>
     </p:spTree>
     <p:extLst>
       <p:ext uri="{BB962C8B-B14F-4D97-AF65-F5344CB8AC3E}">
-        <p14:creationId xmlns:p14="http://schemas.microsoft.com/office/powerpoint/2010/main" val="3705454000"/>
+        <p14:creationId xmlns:p14="http://schemas.microsoft.com/office/powerpoint/2010/main" val="2635270520"/>
       </p:ext>
     </p:extLst>
   </p:cSld>
@@ -8852,7 +8703,7 @@
 </file>
 
 <file path=ppt/slides/slide17.xml><?xml version="1.0" encoding="utf-8"?>
-<p:sld xmlns:a="http://schemas.openxmlformats.org/drawingml/2006/main" xmlns:r="http://schemas.openxmlformats.org/officeDocument/2006/relationships" xmlns:p="http://schemas.openxmlformats.org/presentationml/2006/main">
+<p:sld xmlns:a="http://schemas.openxmlformats.org/drawingml/2006/main" xmlns:r="http://schemas.openxmlformats.org/officeDocument/2006/relationships" xmlns:p="http://schemas.openxmlformats.org/presentationml/2006/main" show="0">
   <p:cSld>
     <p:spTree>
       <p:nvGrpSpPr>
@@ -8868,12 +8719,47 @@
           <a:chExt cx="0" cy="0"/>
         </a:xfrm>
       </p:grpSpPr>
+      <p:pic>
+        <p:nvPicPr>
+          <p:cNvPr id="3" name="Picture 2">
+            <a:extLst>
+              <a:ext uri="{FF2B5EF4-FFF2-40B4-BE49-F238E27FC236}">
+                <a16:creationId xmlns:a16="http://schemas.microsoft.com/office/drawing/2014/main" id="{B1786610-6597-4BD1-9478-75CAC36D5F29}"/>
+              </a:ext>
+            </a:extLst>
+          </p:cNvPr>
+          <p:cNvPicPr>
+            <a:picLocks noChangeAspect="1"/>
+          </p:cNvPicPr>
+          <p:nvPr/>
+        </p:nvPicPr>
+        <p:blipFill rotWithShape="1">
+          <a:blip r:embed="rId2">
+            <a:extLst>
+              <a:ext uri="{28A0092B-C50C-407E-A947-70E740481C1C}">
+                <a14:useLocalDpi xmlns:a14="http://schemas.microsoft.com/office/drawing/2010/main" val="0"/>
+              </a:ext>
+            </a:extLst>
+          </a:blip>
+          <a:srcRect r="19298" b="56598"/>
+          <a:stretch/>
+        </p:blipFill>
+        <p:spPr>
+          <a:xfrm>
+            <a:off x="4024692" y="3797121"/>
+            <a:ext cx="8737508" cy="2701167"/>
+          </a:xfrm>
+          <a:prstGeom prst="rect">
+            <a:avLst/>
+          </a:prstGeom>
+        </p:spPr>
+      </p:pic>
       <p:sp>
         <p:nvSpPr>
-          <p:cNvPr id="2" name="Title 1">
-            <a:extLst>
-              <a:ext uri="{FF2B5EF4-FFF2-40B4-BE49-F238E27FC236}">
-                <a16:creationId xmlns:a16="http://schemas.microsoft.com/office/drawing/2014/main" id="{52DA7C2A-D0AC-41A1-909D-6CF493B69DAC}"/>
+          <p:cNvPr id="4" name="Title 1">
+            <a:extLst>
+              <a:ext uri="{FF2B5EF4-FFF2-40B4-BE49-F238E27FC236}">
+                <a16:creationId xmlns:a16="http://schemas.microsoft.com/office/drawing/2014/main" id="{8DF60037-2F3F-4BDC-A323-99A7DEC238E1}"/>
               </a:ext>
             </a:extLst>
           </p:cNvPr>
@@ -8884,7 +8770,7 @@
         </p:nvSpPr>
         <p:spPr>
           <a:xfrm>
-            <a:off x="554350" y="508066"/>
+            <a:off x="324676" y="163734"/>
             <a:ext cx="11790050" cy="698566"/>
           </a:xfrm>
           <a:prstGeom prst="rect">
@@ -8914,245 +8800,223 @@
           </a:lstStyle>
           <a:p>
             <a:r>
-              <a:rPr lang="en-US" dirty="0">
+              <a:rPr lang="en-US" sz="2800" dirty="0">
                 <a:latin typeface="Aller Display" panose="02000503000000020003" pitchFamily="2" charset="0"/>
               </a:rPr>
-              <a:t>NEXT STEPS</a:t>
+              <a:t>RESULTS COMPARISON</a:t>
             </a:r>
           </a:p>
         </p:txBody>
       </p:sp>
       <p:sp>
         <p:nvSpPr>
-          <p:cNvPr id="3" name="Title 1">
-            <a:extLst>
-              <a:ext uri="{FF2B5EF4-FFF2-40B4-BE49-F238E27FC236}">
-                <a16:creationId xmlns:a16="http://schemas.microsoft.com/office/drawing/2014/main" id="{49F971CB-4ADA-4244-AAD8-2F7838D7FEF3}"/>
-              </a:ext>
-            </a:extLst>
-          </p:cNvPr>
-          <p:cNvSpPr txBox="1">
-            <a:spLocks/>
-          </p:cNvSpPr>
+          <p:cNvPr id="5" name="TextBox 4">
+            <a:extLst>
+              <a:ext uri="{FF2B5EF4-FFF2-40B4-BE49-F238E27FC236}">
+                <a16:creationId xmlns:a16="http://schemas.microsoft.com/office/drawing/2014/main" id="{8602D0F3-F63C-4080-9B2B-C0D02E496C49}"/>
+              </a:ext>
+            </a:extLst>
+          </p:cNvPr>
+          <p:cNvSpPr txBox="1"/>
           <p:nvPr/>
         </p:nvSpPr>
         <p:spPr>
           <a:xfrm>
-            <a:off x="800100" y="3416299"/>
-            <a:ext cx="11049000" cy="1320800"/>
+            <a:off x="4326514" y="258903"/>
+            <a:ext cx="3022602" cy="461665"/>
           </a:xfrm>
           <a:prstGeom prst="rect">
             <a:avLst/>
           </a:prstGeom>
+          <a:noFill/>
         </p:spPr>
         <p:txBody>
-          <a:bodyPr anchor="t"/>
-          <a:lstStyle>
-            <a:lvl1pPr algn="l" defTabSz="914400" rtl="0" eaLnBrk="1" latinLnBrk="0" hangingPunct="1">
-              <a:lnSpc>
-                <a:spcPct val="90000"/>
-              </a:lnSpc>
-              <a:spcBef>
-                <a:spcPct val="0"/>
-              </a:spcBef>
-              <a:buNone/>
-              <a:defRPr sz="4400" kern="1200">
-                <a:solidFill>
-                  <a:schemeClr val="tx1"/>
-                </a:solidFill>
-                <a:latin typeface="+mj-lt"/>
-                <a:ea typeface="+mj-ea"/>
-                <a:cs typeface="+mj-cs"/>
-              </a:defRPr>
-            </a:lvl1pPr>
-          </a:lstStyle>
-          <a:p>
-            <a:pPr>
-              <a:lnSpc>
-                <a:spcPct val="150000"/>
-              </a:lnSpc>
-            </a:pPr>
+          <a:bodyPr wrap="square" rtlCol="0">
+            <a:spAutoFit/>
+          </a:bodyPr>
+          <a:lstStyle/>
+          <a:p>
+            <a:pPr algn="ctr"/>
             <a:r>
-              <a:rPr lang="en-US" sz="3200" b="1" dirty="0">
-                <a:solidFill>
-                  <a:srgbClr val="00B0F0"/>
-                </a:solidFill>
+              <a:rPr lang="en-US" sz="2400" b="1" dirty="0">
                 <a:latin typeface="Aller" panose="02000503030000020004" pitchFamily="2" charset="0"/>
               </a:rPr>
-              <a:t>Optimizations</a:t>
-            </a:r>
-          </a:p>
-          <a:p>
-            <a:pPr>
-              <a:lnSpc>
-                <a:spcPct val="150000"/>
-              </a:lnSpc>
-            </a:pPr>
-            <a:r>
-              <a:rPr lang="en-US" sz="3200" b="1" dirty="0">
-                <a:latin typeface="Aller" panose="02000503030000020004" pitchFamily="2" charset="0"/>
-              </a:rPr>
-              <a:t>	</a:t>
-            </a:r>
-            <a:r>
-              <a:rPr lang="en-US" sz="3200" dirty="0">
-                <a:latin typeface="Aller" panose="02000503030000020004" pitchFamily="2" charset="0"/>
-              </a:rPr>
-              <a:t>- Parallelizing calculations</a:t>
-            </a:r>
-          </a:p>
-          <a:p>
-            <a:pPr>
-              <a:lnSpc>
-                <a:spcPct val="150000"/>
-              </a:lnSpc>
-            </a:pPr>
-            <a:r>
-              <a:rPr lang="en-US" sz="3200" dirty="0">
-                <a:latin typeface="Aller" panose="02000503030000020004" pitchFamily="2" charset="0"/>
-              </a:rPr>
-              <a:t>	- GPU processing</a:t>
+              <a:t>Displacements</a:t>
             </a:r>
           </a:p>
         </p:txBody>
       </p:sp>
       <p:sp>
         <p:nvSpPr>
-          <p:cNvPr id="4" name="Title 1">
-            <a:extLst>
-              <a:ext uri="{FF2B5EF4-FFF2-40B4-BE49-F238E27FC236}">
-                <a16:creationId xmlns:a16="http://schemas.microsoft.com/office/drawing/2014/main" id="{A38C0F71-6E70-47EE-85C6-24015D68BC90}"/>
-              </a:ext>
-            </a:extLst>
-          </p:cNvPr>
-          <p:cNvSpPr txBox="1">
-            <a:spLocks/>
-          </p:cNvSpPr>
+          <p:cNvPr id="6" name="TextBox 5">
+            <a:extLst>
+              <a:ext uri="{FF2B5EF4-FFF2-40B4-BE49-F238E27FC236}">
+                <a16:creationId xmlns:a16="http://schemas.microsoft.com/office/drawing/2014/main" id="{D8485E86-8E27-41EC-993B-C290D81BCE47}"/>
+              </a:ext>
+            </a:extLst>
+          </p:cNvPr>
+          <p:cNvSpPr txBox="1"/>
           <p:nvPr/>
         </p:nvSpPr>
         <p:spPr>
           <a:xfrm>
-            <a:off x="800100" y="1596977"/>
-            <a:ext cx="11049000" cy="1320800"/>
+            <a:off x="0" y="2204972"/>
+            <a:ext cx="3022602" cy="461665"/>
           </a:xfrm>
           <a:prstGeom prst="rect">
             <a:avLst/>
           </a:prstGeom>
+          <a:noFill/>
         </p:spPr>
         <p:txBody>
-          <a:bodyPr anchor="t"/>
-          <a:lstStyle>
-            <a:lvl1pPr algn="l" defTabSz="914400" rtl="0" eaLnBrk="1" latinLnBrk="0" hangingPunct="1">
-              <a:lnSpc>
-                <a:spcPct val="90000"/>
-              </a:lnSpc>
-              <a:spcBef>
-                <a:spcPct val="0"/>
-              </a:spcBef>
-              <a:buNone/>
-              <a:defRPr sz="4400" kern="1200">
-                <a:solidFill>
-                  <a:schemeClr val="tx1"/>
-                </a:solidFill>
-                <a:latin typeface="+mj-lt"/>
-                <a:ea typeface="+mj-ea"/>
-                <a:cs typeface="+mj-cs"/>
-              </a:defRPr>
-            </a:lvl1pPr>
-          </a:lstStyle>
-          <a:p>
-            <a:pPr>
-              <a:lnSpc>
-                <a:spcPct val="150000"/>
-              </a:lnSpc>
-            </a:pPr>
+          <a:bodyPr wrap="square" rtlCol="0">
+            <a:spAutoFit/>
+          </a:bodyPr>
+          <a:lstStyle/>
+          <a:p>
+            <a:pPr algn="ctr"/>
             <a:r>
-              <a:rPr lang="en-US" sz="3200" b="1" dirty="0">
-                <a:solidFill>
-                  <a:srgbClr val="00B0F0"/>
-                </a:solidFill>
+              <a:rPr lang="en-US" sz="2400" dirty="0">
                 <a:latin typeface="Aller" panose="02000503030000020004" pitchFamily="2" charset="0"/>
               </a:rPr>
-              <a:t>Improvements</a:t>
-            </a:r>
-          </a:p>
-          <a:p>
-            <a:pPr>
-              <a:lnSpc>
-                <a:spcPct val="150000"/>
-              </a:lnSpc>
-            </a:pPr>
-            <a:r>
-              <a:rPr lang="en-US" sz="3200" b="1" dirty="0">
-                <a:latin typeface="Aller" panose="02000503030000020004" pitchFamily="2" charset="0"/>
-              </a:rPr>
-              <a:t>	</a:t>
-            </a:r>
-            <a:r>
-              <a:rPr lang="en-US" sz="3200" dirty="0">
-                <a:latin typeface="Aller" panose="02000503030000020004" pitchFamily="2" charset="0"/>
-              </a:rPr>
-              <a:t>- Extending for 3D structures</a:t>
+              <a:t>SAP2000</a:t>
             </a:r>
           </a:p>
         </p:txBody>
       </p:sp>
       <p:sp>
         <p:nvSpPr>
-          <p:cNvPr id="5" name="Rectangle 4">
-            <a:extLst>
-              <a:ext uri="{FF2B5EF4-FFF2-40B4-BE49-F238E27FC236}">
-                <a16:creationId xmlns:a16="http://schemas.microsoft.com/office/drawing/2014/main" id="{4082FDE3-FBF5-4C96-B8AA-3286ADAA0C53}"/>
-              </a:ext>
-            </a:extLst>
-          </p:cNvPr>
-          <p:cNvSpPr/>
+          <p:cNvPr id="7" name="TextBox 6">
+            <a:extLst>
+              <a:ext uri="{FF2B5EF4-FFF2-40B4-BE49-F238E27FC236}">
+                <a16:creationId xmlns:a16="http://schemas.microsoft.com/office/drawing/2014/main" id="{5076F388-D7FB-443D-BBA1-2B4FFE8E714D}"/>
+              </a:ext>
+            </a:extLst>
+          </p:cNvPr>
+          <p:cNvSpPr txBox="1"/>
           <p:nvPr/>
         </p:nvSpPr>
         <p:spPr>
           <a:xfrm>
-            <a:off x="342900" y="342900"/>
-            <a:ext cx="11506200" cy="6172200"/>
+            <a:off x="0" y="5012566"/>
+            <a:ext cx="3022602" cy="461665"/>
           </a:xfrm>
           <a:prstGeom prst="rect">
             <a:avLst/>
           </a:prstGeom>
           <a:noFill/>
-          <a:ln w="38100">
-            <a:solidFill>
-              <a:schemeClr val="tx1"/>
-            </a:solidFill>
-          </a:ln>
-        </p:spPr>
-        <p:style>
-          <a:lnRef idx="2">
-            <a:schemeClr val="accent1">
-              <a:shade val="50000"/>
-            </a:schemeClr>
-          </a:lnRef>
-          <a:fillRef idx="1">
-            <a:schemeClr val="accent1"/>
-          </a:fillRef>
-          <a:effectRef idx="0">
-            <a:schemeClr val="accent1"/>
-          </a:effectRef>
-          <a:fontRef idx="minor">
-            <a:schemeClr val="lt1"/>
-          </a:fontRef>
-        </p:style>
+        </p:spPr>
         <p:txBody>
-          <a:bodyPr rtlCol="0" anchor="ctr"/>
+          <a:bodyPr wrap="square" rtlCol="0">
+            <a:spAutoFit/>
+          </a:bodyPr>
           <a:lstStyle/>
           <a:p>
             <a:pPr algn="ctr"/>
-            <a:endParaRPr lang="en-US"/>
+            <a:r>
+              <a:rPr lang="en-US" sz="2400" dirty="0">
+                <a:latin typeface="Aller" panose="02000503030000020004" pitchFamily="2" charset="0"/>
+              </a:rPr>
+              <a:t>Our results</a:t>
+            </a:r>
           </a:p>
         </p:txBody>
       </p:sp>
+      <p:grpSp>
+        <p:nvGrpSpPr>
+          <p:cNvPr id="8" name="Group 7">
+            <a:extLst>
+              <a:ext uri="{FF2B5EF4-FFF2-40B4-BE49-F238E27FC236}">
+                <a16:creationId xmlns:a16="http://schemas.microsoft.com/office/drawing/2014/main" id="{E31812EF-2F9A-4E07-AB23-5039AE4BE97A}"/>
+              </a:ext>
+            </a:extLst>
+          </p:cNvPr>
+          <p:cNvGrpSpPr/>
+          <p:nvPr/>
+        </p:nvGrpSpPr>
+        <p:grpSpPr>
+          <a:xfrm>
+            <a:off x="-1488205" y="815737"/>
+            <a:ext cx="6607752" cy="5030548"/>
+            <a:chOff x="5567241" y="282184"/>
+            <a:chExt cx="6607752" cy="5030548"/>
+          </a:xfrm>
+        </p:grpSpPr>
+        <p:pic>
+          <p:nvPicPr>
+            <p:cNvPr id="9" name="Picture 8">
+              <a:extLst>
+                <a:ext uri="{FF2B5EF4-FFF2-40B4-BE49-F238E27FC236}">
+                  <a16:creationId xmlns:a16="http://schemas.microsoft.com/office/drawing/2014/main" id="{8E771A77-13B6-47E9-98A9-02AE3451AAC9}"/>
+                </a:ext>
+              </a:extLst>
+            </p:cNvPr>
+            <p:cNvPicPr>
+              <a:picLocks noChangeAspect="1"/>
+            </p:cNvPicPr>
+            <p:nvPr/>
+          </p:nvPicPr>
+          <p:blipFill rotWithShape="1">
+            <a:blip r:embed="rId3">
+              <a:extLst>
+                <a:ext uri="{28A0092B-C50C-407E-A947-70E740481C1C}">
+                  <a14:useLocalDpi xmlns:a14="http://schemas.microsoft.com/office/drawing/2010/main" val="0"/>
+                </a:ext>
+              </a:extLst>
+            </a:blip>
+            <a:srcRect r="-4037"/>
+            <a:stretch/>
+          </p:blipFill>
+          <p:spPr>
+            <a:xfrm>
+              <a:off x="5567241" y="282184"/>
+              <a:ext cx="6160371" cy="5030548"/>
+            </a:xfrm>
+            <a:prstGeom prst="rect">
+              <a:avLst/>
+            </a:prstGeom>
+          </p:spPr>
+        </p:pic>
+        <p:pic>
+          <p:nvPicPr>
+            <p:cNvPr id="10" name="Picture 9">
+              <a:extLst>
+                <a:ext uri="{FF2B5EF4-FFF2-40B4-BE49-F238E27FC236}">
+                  <a16:creationId xmlns:a16="http://schemas.microsoft.com/office/drawing/2014/main" id="{E86BD874-506D-4D0E-930F-CC929AE2472B}"/>
+                </a:ext>
+              </a:extLst>
+            </p:cNvPr>
+            <p:cNvPicPr>
+              <a:picLocks noChangeAspect="1"/>
+            </p:cNvPicPr>
+            <p:nvPr/>
+          </p:nvPicPr>
+          <p:blipFill rotWithShape="1">
+            <a:blip r:embed="rId4">
+              <a:extLst>
+                <a:ext uri="{28A0092B-C50C-407E-A947-70E740481C1C}">
+                  <a14:useLocalDpi xmlns:a14="http://schemas.microsoft.com/office/drawing/2010/main" val="0"/>
+                </a:ext>
+              </a:extLst>
+            </a:blip>
+            <a:srcRect l="86291" t="30384" b="63965"/>
+            <a:stretch/>
+          </p:blipFill>
+          <p:spPr>
+            <a:xfrm>
+              <a:off x="10664571" y="1719777"/>
+              <a:ext cx="1510422" cy="394773"/>
+            </a:xfrm>
+            <a:prstGeom prst="rect">
+              <a:avLst/>
+            </a:prstGeom>
+          </p:spPr>
+        </p:pic>
+      </p:grpSp>
     </p:spTree>
     <p:extLst>
       <p:ext uri="{BB962C8B-B14F-4D97-AF65-F5344CB8AC3E}">
-        <p14:creationId xmlns:p14="http://schemas.microsoft.com/office/powerpoint/2010/main" val="519272315"/>
+        <p14:creationId xmlns:p14="http://schemas.microsoft.com/office/powerpoint/2010/main" val="1157774278"/>
       </p:ext>
     </p:extLst>
   </p:cSld>
@@ -9182,12 +9046,103 @@
           <a:chExt cx="0" cy="0"/>
         </a:xfrm>
       </p:grpSpPr>
+      <p:grpSp>
+        <p:nvGrpSpPr>
+          <p:cNvPr id="15" name="Group 14">
+            <a:extLst>
+              <a:ext uri="{FF2B5EF4-FFF2-40B4-BE49-F238E27FC236}">
+                <a16:creationId xmlns:a16="http://schemas.microsoft.com/office/drawing/2014/main" id="{B28E17C7-45B9-49B0-A77B-7F810959740D}"/>
+              </a:ext>
+            </a:extLst>
+          </p:cNvPr>
+          <p:cNvGrpSpPr/>
+          <p:nvPr/>
+        </p:nvGrpSpPr>
+        <p:grpSpPr>
+          <a:xfrm>
+            <a:off x="5357095" y="743849"/>
+            <a:ext cx="6607752" cy="5030548"/>
+            <a:chOff x="5567241" y="282184"/>
+            <a:chExt cx="6607752" cy="5030548"/>
+          </a:xfrm>
+        </p:grpSpPr>
+        <p:pic>
+          <p:nvPicPr>
+            <p:cNvPr id="12" name="Picture 11">
+              <a:extLst>
+                <a:ext uri="{FF2B5EF4-FFF2-40B4-BE49-F238E27FC236}">
+                  <a16:creationId xmlns:a16="http://schemas.microsoft.com/office/drawing/2014/main" id="{C62977A3-0979-4F45-BF26-EFC1CC00B4C3}"/>
+                </a:ext>
+              </a:extLst>
+            </p:cNvPr>
+            <p:cNvPicPr>
+              <a:picLocks noChangeAspect="1"/>
+            </p:cNvPicPr>
+            <p:nvPr/>
+          </p:nvPicPr>
+          <p:blipFill rotWithShape="1">
+            <a:blip r:embed="rId2">
+              <a:extLst>
+                <a:ext uri="{28A0092B-C50C-407E-A947-70E740481C1C}">
+                  <a14:useLocalDpi xmlns:a14="http://schemas.microsoft.com/office/drawing/2010/main" val="0"/>
+                </a:ext>
+              </a:extLst>
+            </a:blip>
+            <a:srcRect r="-4037"/>
+            <a:stretch/>
+          </p:blipFill>
+          <p:spPr>
+            <a:xfrm>
+              <a:off x="5567241" y="282184"/>
+              <a:ext cx="6160371" cy="5030548"/>
+            </a:xfrm>
+            <a:prstGeom prst="rect">
+              <a:avLst/>
+            </a:prstGeom>
+          </p:spPr>
+        </p:pic>
+        <p:pic>
+          <p:nvPicPr>
+            <p:cNvPr id="14" name="Picture 13">
+              <a:extLst>
+                <a:ext uri="{FF2B5EF4-FFF2-40B4-BE49-F238E27FC236}">
+                  <a16:creationId xmlns:a16="http://schemas.microsoft.com/office/drawing/2014/main" id="{78B92F0A-8931-4FC7-9DD4-91399C756D4D}"/>
+                </a:ext>
+              </a:extLst>
+            </p:cNvPr>
+            <p:cNvPicPr>
+              <a:picLocks noChangeAspect="1"/>
+            </p:cNvPicPr>
+            <p:nvPr/>
+          </p:nvPicPr>
+          <p:blipFill rotWithShape="1">
+            <a:blip r:embed="rId3">
+              <a:extLst>
+                <a:ext uri="{28A0092B-C50C-407E-A947-70E740481C1C}">
+                  <a14:useLocalDpi xmlns:a14="http://schemas.microsoft.com/office/drawing/2010/main" val="0"/>
+                </a:ext>
+              </a:extLst>
+            </a:blip>
+            <a:srcRect l="86291" t="30384" b="63965"/>
+            <a:stretch/>
+          </p:blipFill>
+          <p:spPr>
+            <a:xfrm>
+              <a:off x="10664571" y="1719777"/>
+              <a:ext cx="1510422" cy="394773"/>
+            </a:xfrm>
+            <a:prstGeom prst="rect">
+              <a:avLst/>
+            </a:prstGeom>
+          </p:spPr>
+        </p:pic>
+      </p:grpSp>
       <p:sp>
         <p:nvSpPr>
-          <p:cNvPr id="2" name="Title 1">
-            <a:extLst>
-              <a:ext uri="{FF2B5EF4-FFF2-40B4-BE49-F238E27FC236}">
-                <a16:creationId xmlns:a16="http://schemas.microsoft.com/office/drawing/2014/main" id="{52DA7C2A-D0AC-41A1-909D-6CF493B69DAC}"/>
+          <p:cNvPr id="4" name="Title 1">
+            <a:extLst>
+              <a:ext uri="{FF2B5EF4-FFF2-40B4-BE49-F238E27FC236}">
+                <a16:creationId xmlns:a16="http://schemas.microsoft.com/office/drawing/2014/main" id="{8DF60037-2F3F-4BDC-A323-99A7DEC238E1}"/>
               </a:ext>
             </a:extLst>
           </p:cNvPr>
@@ -9198,8 +9153,8 @@
         </p:nvSpPr>
         <p:spPr>
           <a:xfrm>
-            <a:off x="0" y="3079717"/>
-            <a:ext cx="12192000" cy="698566"/>
+            <a:off x="324676" y="163734"/>
+            <a:ext cx="11790050" cy="698566"/>
           </a:xfrm>
           <a:prstGeom prst="rect">
             <a:avLst/>
@@ -9227,25 +9182,422 @@
             </a:lvl1pPr>
           </a:lstStyle>
           <a:p>
+            <a:r>
+              <a:rPr lang="en-US" sz="2800" dirty="0">
+                <a:latin typeface="Aller Display" panose="02000503000000020003" pitchFamily="2" charset="0"/>
+              </a:rPr>
+              <a:t>RESULTS COMPARISON</a:t>
+            </a:r>
+          </a:p>
+        </p:txBody>
+      </p:sp>
+      <p:sp>
+        <p:nvSpPr>
+          <p:cNvPr id="5" name="TextBox 4">
+            <a:extLst>
+              <a:ext uri="{FF2B5EF4-FFF2-40B4-BE49-F238E27FC236}">
+                <a16:creationId xmlns:a16="http://schemas.microsoft.com/office/drawing/2014/main" id="{8602D0F3-F63C-4080-9B2B-C0D02E496C49}"/>
+              </a:ext>
+            </a:extLst>
+          </p:cNvPr>
+          <p:cNvSpPr txBox="1"/>
+          <p:nvPr/>
+        </p:nvSpPr>
+        <p:spPr>
+          <a:xfrm>
+            <a:off x="3550097" y="282184"/>
+            <a:ext cx="3022602" cy="461665"/>
+          </a:xfrm>
+          <a:prstGeom prst="rect">
+            <a:avLst/>
+          </a:prstGeom>
+          <a:noFill/>
+        </p:spPr>
+        <p:txBody>
+          <a:bodyPr wrap="square" rtlCol="0">
+            <a:spAutoFit/>
+          </a:bodyPr>
+          <a:lstStyle/>
+          <a:p>
             <a:pPr algn="ctr"/>
             <a:r>
-              <a:rPr lang="en-US" sz="7200" dirty="0">
-                <a:latin typeface="Bahnschrift SemiBold" panose="020B0502040204020203" pitchFamily="34" charset="0"/>
-                <a:cs typeface="Adobe Arabic" panose="02040503050201020203" pitchFamily="18" charset="-78"/>
+              <a:rPr lang="en-US" sz="2400" b="1" dirty="0">
+                <a:latin typeface="Aller" panose="02000503030000020004" pitchFamily="2" charset="0"/>
               </a:rPr>
-              <a:t>Q &amp; </a:t>
+              <a:t>Forces</a:t>
+            </a:r>
+          </a:p>
+        </p:txBody>
+      </p:sp>
+      <p:sp>
+        <p:nvSpPr>
+          <p:cNvPr id="7" name="TextBox 6">
+            <a:extLst>
+              <a:ext uri="{FF2B5EF4-FFF2-40B4-BE49-F238E27FC236}">
+                <a16:creationId xmlns:a16="http://schemas.microsoft.com/office/drawing/2014/main" id="{24DD8ADA-EDB7-42A9-8918-F6EC9481AFFA}"/>
+              </a:ext>
+            </a:extLst>
+          </p:cNvPr>
+          <p:cNvSpPr txBox="1"/>
+          <p:nvPr/>
+        </p:nvSpPr>
+        <p:spPr>
+          <a:xfrm>
+            <a:off x="1317221" y="5986290"/>
+            <a:ext cx="3022602" cy="461665"/>
+          </a:xfrm>
+          <a:prstGeom prst="rect">
+            <a:avLst/>
+          </a:prstGeom>
+          <a:noFill/>
+        </p:spPr>
+        <p:txBody>
+          <a:bodyPr wrap="square" rtlCol="0">
+            <a:spAutoFit/>
+          </a:bodyPr>
+          <a:lstStyle/>
+          <a:p>
+            <a:pPr algn="ctr"/>
+            <a:r>
+              <a:rPr lang="en-US" sz="2400" dirty="0">
+                <a:latin typeface="Aller" panose="02000503030000020004" pitchFamily="2" charset="0"/>
+              </a:rPr>
+              <a:t>SAP2000</a:t>
+            </a:r>
+          </a:p>
+        </p:txBody>
+      </p:sp>
+      <p:pic>
+        <p:nvPicPr>
+          <p:cNvPr id="9" name="Picture 8">
+            <a:extLst>
+              <a:ext uri="{FF2B5EF4-FFF2-40B4-BE49-F238E27FC236}">
+                <a16:creationId xmlns:a16="http://schemas.microsoft.com/office/drawing/2014/main" id="{6D36B271-552A-4AAE-B589-EC44C78093DF}"/>
+              </a:ext>
+            </a:extLst>
+          </p:cNvPr>
+          <p:cNvPicPr>
+            <a:picLocks noChangeAspect="1"/>
+          </p:cNvPicPr>
+          <p:nvPr/>
+        </p:nvPicPr>
+        <p:blipFill rotWithShape="1">
+          <a:blip r:embed="rId4">
+            <a:extLst>
+              <a:ext uri="{28A0092B-C50C-407E-A947-70E740481C1C}">
+                <a14:useLocalDpi xmlns:a14="http://schemas.microsoft.com/office/drawing/2010/main" val="0"/>
+              </a:ext>
+            </a:extLst>
+          </a:blip>
+          <a:srcRect l="17291" r="32484" b="6453"/>
+          <a:stretch/>
+        </p:blipFill>
+        <p:spPr>
+          <a:xfrm>
+            <a:off x="324676" y="906575"/>
+            <a:ext cx="5032419" cy="5079715"/>
+          </a:xfrm>
+          <a:prstGeom prst="rect">
+            <a:avLst/>
+          </a:prstGeom>
+        </p:spPr>
+      </p:pic>
+      <p:sp>
+        <p:nvSpPr>
+          <p:cNvPr id="10" name="TextBox 9">
+            <a:extLst>
+              <a:ext uri="{FF2B5EF4-FFF2-40B4-BE49-F238E27FC236}">
+                <a16:creationId xmlns:a16="http://schemas.microsoft.com/office/drawing/2014/main" id="{93FA8DE3-F089-49DF-ADF7-9C9305E5E5DF}"/>
+              </a:ext>
+            </a:extLst>
+          </p:cNvPr>
+          <p:cNvSpPr txBox="1"/>
+          <p:nvPr/>
+        </p:nvSpPr>
+        <p:spPr>
+          <a:xfrm>
+            <a:off x="6841258" y="5920099"/>
+            <a:ext cx="3022602" cy="461665"/>
+          </a:xfrm>
+          <a:prstGeom prst="rect">
+            <a:avLst/>
+          </a:prstGeom>
+          <a:noFill/>
+        </p:spPr>
+        <p:txBody>
+          <a:bodyPr wrap="square" rtlCol="0">
+            <a:spAutoFit/>
+          </a:bodyPr>
+          <a:lstStyle/>
+          <a:p>
+            <a:pPr algn="ctr"/>
+            <a:r>
+              <a:rPr lang="en-US" sz="2400" dirty="0">
+                <a:latin typeface="Aller" panose="02000503030000020004" pitchFamily="2" charset="0"/>
+              </a:rPr>
+              <a:t>Our results</a:t>
+            </a:r>
+          </a:p>
+        </p:txBody>
+      </p:sp>
+    </p:spTree>
+    <p:extLst>
+      <p:ext uri="{BB962C8B-B14F-4D97-AF65-F5344CB8AC3E}">
+        <p14:creationId xmlns:p14="http://schemas.microsoft.com/office/powerpoint/2010/main" val="3705454000"/>
+      </p:ext>
+    </p:extLst>
+  </p:cSld>
+  <p:clrMapOvr>
+    <a:masterClrMapping/>
+  </p:clrMapOvr>
+  <p:transition spd="slow">
+    <p:wipe/>
+  </p:transition>
+</p:sld>
+</file>
+
+<file path=ppt/slides/slide19.xml><?xml version="1.0" encoding="utf-8"?>
+<p:sld xmlns:a="http://schemas.openxmlformats.org/drawingml/2006/main" xmlns:r="http://schemas.openxmlformats.org/officeDocument/2006/relationships" xmlns:p="http://schemas.openxmlformats.org/presentationml/2006/main">
+  <p:cSld>
+    <p:spTree>
+      <p:nvGrpSpPr>
+        <p:cNvPr id="1" name=""/>
+        <p:cNvGrpSpPr/>
+        <p:nvPr/>
+      </p:nvGrpSpPr>
+      <p:grpSpPr>
+        <a:xfrm>
+          <a:off x="0" y="0"/>
+          <a:ext cx="0" cy="0"/>
+          <a:chOff x="0" y="0"/>
+          <a:chExt cx="0" cy="0"/>
+        </a:xfrm>
+      </p:grpSpPr>
+      <p:sp>
+        <p:nvSpPr>
+          <p:cNvPr id="2" name="Title 1">
+            <a:extLst>
+              <a:ext uri="{FF2B5EF4-FFF2-40B4-BE49-F238E27FC236}">
+                <a16:creationId xmlns:a16="http://schemas.microsoft.com/office/drawing/2014/main" id="{52DA7C2A-D0AC-41A1-909D-6CF493B69DAC}"/>
+              </a:ext>
+            </a:extLst>
+          </p:cNvPr>
+          <p:cNvSpPr txBox="1">
+            <a:spLocks/>
+          </p:cNvSpPr>
+          <p:nvPr/>
+        </p:nvSpPr>
+        <p:spPr>
+          <a:xfrm>
+            <a:off x="554350" y="508066"/>
+            <a:ext cx="11790050" cy="698566"/>
+          </a:xfrm>
+          <a:prstGeom prst="rect">
+            <a:avLst/>
+          </a:prstGeom>
+        </p:spPr>
+        <p:txBody>
+          <a:bodyPr anchor="ctr"/>
+          <a:lstStyle>
+            <a:lvl1pPr algn="l" defTabSz="914400" rtl="0" eaLnBrk="1" latinLnBrk="0" hangingPunct="1">
+              <a:lnSpc>
+                <a:spcPct val="90000"/>
+              </a:lnSpc>
+              <a:spcBef>
+                <a:spcPct val="0"/>
+              </a:spcBef>
+              <a:buNone/>
+              <a:defRPr sz="4400" kern="1200">
+                <a:solidFill>
+                  <a:schemeClr val="tx1"/>
+                </a:solidFill>
+                <a:latin typeface="+mj-lt"/>
+                <a:ea typeface="+mj-ea"/>
+                <a:cs typeface="+mj-cs"/>
+              </a:defRPr>
+            </a:lvl1pPr>
+          </a:lstStyle>
+          <a:p>
+            <a:r>
+              <a:rPr lang="en-US" dirty="0">
+                <a:latin typeface="Aller Display" panose="02000503000000020003" pitchFamily="2" charset="0"/>
+              </a:rPr>
+              <a:t>NEXT STEPS</a:t>
+            </a:r>
+          </a:p>
+        </p:txBody>
+      </p:sp>
+      <p:sp>
+        <p:nvSpPr>
+          <p:cNvPr id="3" name="Title 1">
+            <a:extLst>
+              <a:ext uri="{FF2B5EF4-FFF2-40B4-BE49-F238E27FC236}">
+                <a16:creationId xmlns:a16="http://schemas.microsoft.com/office/drawing/2014/main" id="{49F971CB-4ADA-4244-AAD8-2F7838D7FEF3}"/>
+              </a:ext>
+            </a:extLst>
+          </p:cNvPr>
+          <p:cNvSpPr txBox="1">
+            <a:spLocks/>
+          </p:cNvSpPr>
+          <p:nvPr/>
+        </p:nvSpPr>
+        <p:spPr>
+          <a:xfrm>
+            <a:off x="800100" y="3416299"/>
+            <a:ext cx="11049000" cy="1320800"/>
+          </a:xfrm>
+          <a:prstGeom prst="rect">
+            <a:avLst/>
+          </a:prstGeom>
+        </p:spPr>
+        <p:txBody>
+          <a:bodyPr anchor="t"/>
+          <a:lstStyle>
+            <a:lvl1pPr algn="l" defTabSz="914400" rtl="0" eaLnBrk="1" latinLnBrk="0" hangingPunct="1">
+              <a:lnSpc>
+                <a:spcPct val="90000"/>
+              </a:lnSpc>
+              <a:spcBef>
+                <a:spcPct val="0"/>
+              </a:spcBef>
+              <a:buNone/>
+              <a:defRPr sz="4400" kern="1200">
+                <a:solidFill>
+                  <a:schemeClr val="tx1"/>
+                </a:solidFill>
+                <a:latin typeface="+mj-lt"/>
+                <a:ea typeface="+mj-ea"/>
+                <a:cs typeface="+mj-cs"/>
+              </a:defRPr>
+            </a:lvl1pPr>
+          </a:lstStyle>
+          <a:p>
+            <a:pPr>
+              <a:lnSpc>
+                <a:spcPct val="150000"/>
+              </a:lnSpc>
+            </a:pPr>
+            <a:r>
+              <a:rPr lang="en-US" sz="3200" b="1" dirty="0">
+                <a:solidFill>
+                  <a:srgbClr val="00B0F0"/>
+                </a:solidFill>
+                <a:latin typeface="Aller" panose="02000503030000020004" pitchFamily="2" charset="0"/>
+              </a:rPr>
+              <a:t>Optimizations</a:t>
+            </a:r>
+          </a:p>
+          <a:p>
+            <a:pPr>
+              <a:lnSpc>
+                <a:spcPct val="150000"/>
+              </a:lnSpc>
+            </a:pPr>
+            <a:r>
+              <a:rPr lang="en-US" sz="3200" b="1" dirty="0">
+                <a:latin typeface="Aller" panose="02000503030000020004" pitchFamily="2" charset="0"/>
+              </a:rPr>
+              <a:t>	</a:t>
             </a:r>
             <a:r>
-              <a:rPr lang="en-US" sz="7200" dirty="0">
+              <a:rPr lang="en-US" sz="3200" dirty="0">
+                <a:latin typeface="Aller" panose="02000503030000020004" pitchFamily="2" charset="0"/>
+              </a:rPr>
+              <a:t>- Parallelizing calculations</a:t>
+            </a:r>
+          </a:p>
+          <a:p>
+            <a:pPr>
+              <a:lnSpc>
+                <a:spcPct val="150000"/>
+              </a:lnSpc>
+            </a:pPr>
+            <a:r>
+              <a:rPr lang="en-US" sz="3200" dirty="0">
+                <a:latin typeface="Aller" panose="02000503030000020004" pitchFamily="2" charset="0"/>
+              </a:rPr>
+              <a:t>	- GPU processing</a:t>
+            </a:r>
+          </a:p>
+        </p:txBody>
+      </p:sp>
+      <p:sp>
+        <p:nvSpPr>
+          <p:cNvPr id="4" name="Title 1">
+            <a:extLst>
+              <a:ext uri="{FF2B5EF4-FFF2-40B4-BE49-F238E27FC236}">
+                <a16:creationId xmlns:a16="http://schemas.microsoft.com/office/drawing/2014/main" id="{A38C0F71-6E70-47EE-85C6-24015D68BC90}"/>
+              </a:ext>
+            </a:extLst>
+          </p:cNvPr>
+          <p:cNvSpPr txBox="1">
+            <a:spLocks/>
+          </p:cNvSpPr>
+          <p:nvPr/>
+        </p:nvSpPr>
+        <p:spPr>
+          <a:xfrm>
+            <a:off x="800100" y="1596977"/>
+            <a:ext cx="11049000" cy="1320800"/>
+          </a:xfrm>
+          <a:prstGeom prst="rect">
+            <a:avLst/>
+          </a:prstGeom>
+        </p:spPr>
+        <p:txBody>
+          <a:bodyPr anchor="t"/>
+          <a:lstStyle>
+            <a:lvl1pPr algn="l" defTabSz="914400" rtl="0" eaLnBrk="1" latinLnBrk="0" hangingPunct="1">
+              <a:lnSpc>
+                <a:spcPct val="90000"/>
+              </a:lnSpc>
+              <a:spcBef>
+                <a:spcPct val="0"/>
+              </a:spcBef>
+              <a:buNone/>
+              <a:defRPr sz="4400" kern="1200">
                 <a:solidFill>
-                  <a:schemeClr val="accent5">
-                    <a:lumMod val="75000"/>
-                  </a:schemeClr>
+                  <a:schemeClr val="tx1"/>
                 </a:solidFill>
-                <a:latin typeface="Bahnschrift SemiBold" panose="020B0502040204020203" pitchFamily="34" charset="0"/>
-                <a:cs typeface="Adobe Arabic" panose="02040503050201020203" pitchFamily="18" charset="-78"/>
+                <a:latin typeface="+mj-lt"/>
+                <a:ea typeface="+mj-ea"/>
+                <a:cs typeface="+mj-cs"/>
+              </a:defRPr>
+            </a:lvl1pPr>
+          </a:lstStyle>
+          <a:p>
+            <a:pPr>
+              <a:lnSpc>
+                <a:spcPct val="150000"/>
+              </a:lnSpc>
+            </a:pPr>
+            <a:r>
+              <a:rPr lang="en-US" sz="3200" b="1" dirty="0">
+                <a:solidFill>
+                  <a:srgbClr val="00B0F0"/>
+                </a:solidFill>
+                <a:latin typeface="Aller" panose="02000503030000020004" pitchFamily="2" charset="0"/>
               </a:rPr>
-              <a:t>A</a:t>
+              <a:t>Improvements</a:t>
+            </a:r>
+          </a:p>
+          <a:p>
+            <a:pPr>
+              <a:lnSpc>
+                <a:spcPct val="150000"/>
+              </a:lnSpc>
+            </a:pPr>
+            <a:r>
+              <a:rPr lang="en-US" sz="3200" b="1" dirty="0">
+                <a:latin typeface="Aller" panose="02000503030000020004" pitchFamily="2" charset="0"/>
+              </a:rPr>
+              <a:t>	</a:t>
+            </a:r>
+            <a:r>
+              <a:rPr lang="en-US" sz="3200" dirty="0">
+                <a:latin typeface="Aller" panose="02000503030000020004" pitchFamily="2" charset="0"/>
+              </a:rPr>
+              <a:t>- Extending for 3D structures</a:t>
             </a:r>
           </a:p>
         </p:txBody>
@@ -9255,7 +9607,7 @@
           <p:cNvPr id="5" name="Rectangle 4">
             <a:extLst>
               <a:ext uri="{FF2B5EF4-FFF2-40B4-BE49-F238E27FC236}">
-                <a16:creationId xmlns:a16="http://schemas.microsoft.com/office/drawing/2014/main" id="{02DDF208-201F-485E-A6A1-250AD7CA171B}"/>
+                <a16:creationId xmlns:a16="http://schemas.microsoft.com/office/drawing/2014/main" id="{4082FDE3-FBF5-4C96-B8AA-3286ADAA0C53}"/>
               </a:ext>
             </a:extLst>
           </p:cNvPr>
@@ -9305,7 +9657,7 @@
     </p:spTree>
     <p:extLst>
       <p:ext uri="{BB962C8B-B14F-4D97-AF65-F5344CB8AC3E}">
-        <p14:creationId xmlns:p14="http://schemas.microsoft.com/office/powerpoint/2010/main" val="3832839104"/>
+        <p14:creationId xmlns:p14="http://schemas.microsoft.com/office/powerpoint/2010/main" val="519272315"/>
       </p:ext>
     </p:extLst>
   </p:cSld>
@@ -9933,6 +10285,159 @@
 </p:sld>
 </file>
 
+<file path=ppt/slides/slide20.xml><?xml version="1.0" encoding="utf-8"?>
+<p:sld xmlns:a="http://schemas.openxmlformats.org/drawingml/2006/main" xmlns:r="http://schemas.openxmlformats.org/officeDocument/2006/relationships" xmlns:p="http://schemas.openxmlformats.org/presentationml/2006/main">
+  <p:cSld>
+    <p:spTree>
+      <p:nvGrpSpPr>
+        <p:cNvPr id="1" name=""/>
+        <p:cNvGrpSpPr/>
+        <p:nvPr/>
+      </p:nvGrpSpPr>
+      <p:grpSpPr>
+        <a:xfrm>
+          <a:off x="0" y="0"/>
+          <a:ext cx="0" cy="0"/>
+          <a:chOff x="0" y="0"/>
+          <a:chExt cx="0" cy="0"/>
+        </a:xfrm>
+      </p:grpSpPr>
+      <p:sp>
+        <p:nvSpPr>
+          <p:cNvPr id="2" name="Title 1">
+            <a:extLst>
+              <a:ext uri="{FF2B5EF4-FFF2-40B4-BE49-F238E27FC236}">
+                <a16:creationId xmlns:a16="http://schemas.microsoft.com/office/drawing/2014/main" id="{52DA7C2A-D0AC-41A1-909D-6CF493B69DAC}"/>
+              </a:ext>
+            </a:extLst>
+          </p:cNvPr>
+          <p:cNvSpPr txBox="1">
+            <a:spLocks/>
+          </p:cNvSpPr>
+          <p:nvPr/>
+        </p:nvSpPr>
+        <p:spPr>
+          <a:xfrm>
+            <a:off x="0" y="3079717"/>
+            <a:ext cx="12192000" cy="698566"/>
+          </a:xfrm>
+          <a:prstGeom prst="rect">
+            <a:avLst/>
+          </a:prstGeom>
+        </p:spPr>
+        <p:txBody>
+          <a:bodyPr anchor="ctr"/>
+          <a:lstStyle>
+            <a:lvl1pPr algn="l" defTabSz="914400" rtl="0" eaLnBrk="1" latinLnBrk="0" hangingPunct="1">
+              <a:lnSpc>
+                <a:spcPct val="90000"/>
+              </a:lnSpc>
+              <a:spcBef>
+                <a:spcPct val="0"/>
+              </a:spcBef>
+              <a:buNone/>
+              <a:defRPr sz="4400" kern="1200">
+                <a:solidFill>
+                  <a:schemeClr val="tx1"/>
+                </a:solidFill>
+                <a:latin typeface="+mj-lt"/>
+                <a:ea typeface="+mj-ea"/>
+                <a:cs typeface="+mj-cs"/>
+              </a:defRPr>
+            </a:lvl1pPr>
+          </a:lstStyle>
+          <a:p>
+            <a:pPr algn="ctr"/>
+            <a:r>
+              <a:rPr lang="en-US" sz="7200" dirty="0">
+                <a:latin typeface="Bahnschrift SemiBold" panose="020B0502040204020203" pitchFamily="34" charset="0"/>
+                <a:cs typeface="Adobe Arabic" panose="02040503050201020203" pitchFamily="18" charset="-78"/>
+              </a:rPr>
+              <a:t>Q &amp; </a:t>
+            </a:r>
+            <a:r>
+              <a:rPr lang="en-US" sz="7200" dirty="0">
+                <a:solidFill>
+                  <a:schemeClr val="accent5">
+                    <a:lumMod val="75000"/>
+                  </a:schemeClr>
+                </a:solidFill>
+                <a:latin typeface="Bahnschrift SemiBold" panose="020B0502040204020203" pitchFamily="34" charset="0"/>
+                <a:cs typeface="Adobe Arabic" panose="02040503050201020203" pitchFamily="18" charset="-78"/>
+              </a:rPr>
+              <a:t>A</a:t>
+            </a:r>
+          </a:p>
+        </p:txBody>
+      </p:sp>
+      <p:sp>
+        <p:nvSpPr>
+          <p:cNvPr id="5" name="Rectangle 4">
+            <a:extLst>
+              <a:ext uri="{FF2B5EF4-FFF2-40B4-BE49-F238E27FC236}">
+                <a16:creationId xmlns:a16="http://schemas.microsoft.com/office/drawing/2014/main" id="{02DDF208-201F-485E-A6A1-250AD7CA171B}"/>
+              </a:ext>
+            </a:extLst>
+          </p:cNvPr>
+          <p:cNvSpPr/>
+          <p:nvPr/>
+        </p:nvSpPr>
+        <p:spPr>
+          <a:xfrm>
+            <a:off x="342900" y="342900"/>
+            <a:ext cx="11506200" cy="6172200"/>
+          </a:xfrm>
+          <a:prstGeom prst="rect">
+            <a:avLst/>
+          </a:prstGeom>
+          <a:noFill/>
+          <a:ln w="38100">
+            <a:solidFill>
+              <a:schemeClr val="tx1"/>
+            </a:solidFill>
+          </a:ln>
+        </p:spPr>
+        <p:style>
+          <a:lnRef idx="2">
+            <a:schemeClr val="accent1">
+              <a:shade val="50000"/>
+            </a:schemeClr>
+          </a:lnRef>
+          <a:fillRef idx="1">
+            <a:schemeClr val="accent1"/>
+          </a:fillRef>
+          <a:effectRef idx="0">
+            <a:schemeClr val="accent1"/>
+          </a:effectRef>
+          <a:fontRef idx="minor">
+            <a:schemeClr val="lt1"/>
+          </a:fontRef>
+        </p:style>
+        <p:txBody>
+          <a:bodyPr rtlCol="0" anchor="ctr"/>
+          <a:lstStyle/>
+          <a:p>
+            <a:pPr algn="ctr"/>
+            <a:endParaRPr lang="en-US"/>
+          </a:p>
+        </p:txBody>
+      </p:sp>
+    </p:spTree>
+    <p:extLst>
+      <p:ext uri="{BB962C8B-B14F-4D97-AF65-F5344CB8AC3E}">
+        <p14:creationId xmlns:p14="http://schemas.microsoft.com/office/powerpoint/2010/main" val="3832839104"/>
+      </p:ext>
+    </p:extLst>
+  </p:cSld>
+  <p:clrMapOvr>
+    <a:masterClrMapping/>
+  </p:clrMapOvr>
+  <p:transition spd="slow">
+    <p:wipe/>
+  </p:transition>
+</p:sld>
+</file>
+
 <file path=ppt/slides/slide3.xml><?xml version="1.0" encoding="utf-8"?>
 <p:sld xmlns:a="http://schemas.openxmlformats.org/drawingml/2006/main" xmlns:r="http://schemas.openxmlformats.org/officeDocument/2006/relationships" xmlns:p="http://schemas.openxmlformats.org/presentationml/2006/main">
   <p:cSld>

--- a/Documentations/Mid evaluation presentation/FINITE ELEMENT BASED STRUCTURAL ANALYSIS.pptx
+++ b/Documentations/Mid evaluation presentation/FINITE ELEMENT BASED STRUCTURAL ANALYSIS.pptx
@@ -9,22 +9,23 @@
     <p:sldId id="261" r:id="rId3"/>
     <p:sldId id="262" r:id="rId4"/>
     <p:sldId id="277" r:id="rId5"/>
-    <p:sldId id="272" r:id="rId6"/>
-    <p:sldId id="273" r:id="rId7"/>
-    <p:sldId id="278" r:id="rId8"/>
-    <p:sldId id="270" r:id="rId9"/>
-    <p:sldId id="267" r:id="rId10"/>
-    <p:sldId id="268" r:id="rId11"/>
-    <p:sldId id="269" r:id="rId12"/>
-    <p:sldId id="279" r:id="rId13"/>
-    <p:sldId id="287" r:id="rId14"/>
-    <p:sldId id="280" r:id="rId15"/>
-    <p:sldId id="282" r:id="rId16"/>
-    <p:sldId id="286" r:id="rId17"/>
-    <p:sldId id="284" r:id="rId18"/>
-    <p:sldId id="285" r:id="rId19"/>
-    <p:sldId id="281" r:id="rId20"/>
-    <p:sldId id="283" r:id="rId21"/>
+    <p:sldId id="288" r:id="rId6"/>
+    <p:sldId id="272" r:id="rId7"/>
+    <p:sldId id="273" r:id="rId8"/>
+    <p:sldId id="278" r:id="rId9"/>
+    <p:sldId id="270" r:id="rId10"/>
+    <p:sldId id="267" r:id="rId11"/>
+    <p:sldId id="268" r:id="rId12"/>
+    <p:sldId id="269" r:id="rId13"/>
+    <p:sldId id="279" r:id="rId14"/>
+    <p:sldId id="287" r:id="rId15"/>
+    <p:sldId id="280" r:id="rId16"/>
+    <p:sldId id="282" r:id="rId17"/>
+    <p:sldId id="286" r:id="rId18"/>
+    <p:sldId id="284" r:id="rId19"/>
+    <p:sldId id="285" r:id="rId20"/>
+    <p:sldId id="281" r:id="rId21"/>
+    <p:sldId id="283" r:id="rId22"/>
   </p:sldIdLst>
   <p:sldSz cx="12192000" cy="6858000"/>
   <p:notesSz cx="6858000" cy="9144000"/>
@@ -3758,6 +3759,1303 @@
       </p:grpSpPr>
       <p:cxnSp>
         <p:nvCxnSpPr>
+          <p:cNvPr id="28" name="Straight Connector 27">
+            <a:extLst>
+              <a:ext uri="{FF2B5EF4-FFF2-40B4-BE49-F238E27FC236}">
+                <a16:creationId xmlns:a16="http://schemas.microsoft.com/office/drawing/2014/main" id="{88FC294F-4BC1-4B59-AA6B-0C076102DF2C}"/>
+              </a:ext>
+            </a:extLst>
+          </p:cNvPr>
+          <p:cNvCxnSpPr>
+            <a:cxnSpLocks/>
+            <a:stCxn id="29" idx="2"/>
+          </p:cNvCxnSpPr>
+          <p:nvPr/>
+        </p:nvCxnSpPr>
+        <p:spPr>
+          <a:xfrm>
+            <a:off x="6392360" y="1755401"/>
+            <a:ext cx="773047" cy="612939"/>
+          </a:xfrm>
+          <a:prstGeom prst="line">
+            <a:avLst/>
+          </a:prstGeom>
+          <a:ln>
+            <a:solidFill>
+              <a:schemeClr val="tx1"/>
+            </a:solidFill>
+          </a:ln>
+        </p:spPr>
+        <p:style>
+          <a:lnRef idx="1">
+            <a:schemeClr val="accent1"/>
+          </a:lnRef>
+          <a:fillRef idx="0">
+            <a:schemeClr val="accent1"/>
+          </a:fillRef>
+          <a:effectRef idx="0">
+            <a:schemeClr val="accent1"/>
+          </a:effectRef>
+          <a:fontRef idx="minor">
+            <a:schemeClr val="tx1"/>
+          </a:fontRef>
+        </p:style>
+      </p:cxnSp>
+      <p:sp>
+        <p:nvSpPr>
+          <p:cNvPr id="29" name="Rectangle 31">
+            <a:extLst>
+              <a:ext uri="{FF2B5EF4-FFF2-40B4-BE49-F238E27FC236}">
+                <a16:creationId xmlns:a16="http://schemas.microsoft.com/office/drawing/2014/main" id="{FE325594-2203-4EE2-A525-304A77D092A0}"/>
+              </a:ext>
+            </a:extLst>
+          </p:cNvPr>
+          <p:cNvSpPr/>
+          <p:nvPr/>
+        </p:nvSpPr>
+        <p:spPr>
+          <a:xfrm>
+            <a:off x="4303121" y="1755401"/>
+            <a:ext cx="2089239" cy="2229597"/>
+          </a:xfrm>
+          <a:custGeom>
+            <a:avLst/>
+            <a:gdLst>
+              <a:gd name="connsiteX0" fmla="*/ 0 w 2089239"/>
+              <a:gd name="connsiteY0" fmla="*/ 0 h 2229597"/>
+              <a:gd name="connsiteX1" fmla="*/ 2089239 w 2089239"/>
+              <a:gd name="connsiteY1" fmla="*/ 0 h 2229597"/>
+              <a:gd name="connsiteX2" fmla="*/ 2089239 w 2089239"/>
+              <a:gd name="connsiteY2" fmla="*/ 2229597 h 2229597"/>
+              <a:gd name="connsiteX3" fmla="*/ 0 w 2089239"/>
+              <a:gd name="connsiteY3" fmla="*/ 2229597 h 2229597"/>
+              <a:gd name="connsiteX4" fmla="*/ 0 w 2089239"/>
+              <a:gd name="connsiteY4" fmla="*/ 0 h 2229597"/>
+              <a:gd name="connsiteX0" fmla="*/ 2089239 w 2180679"/>
+              <a:gd name="connsiteY0" fmla="*/ 2229597 h 2321037"/>
+              <a:gd name="connsiteX1" fmla="*/ 0 w 2180679"/>
+              <a:gd name="connsiteY1" fmla="*/ 2229597 h 2321037"/>
+              <a:gd name="connsiteX2" fmla="*/ 0 w 2180679"/>
+              <a:gd name="connsiteY2" fmla="*/ 0 h 2321037"/>
+              <a:gd name="connsiteX3" fmla="*/ 2089239 w 2180679"/>
+              <a:gd name="connsiteY3" fmla="*/ 0 h 2321037"/>
+              <a:gd name="connsiteX4" fmla="*/ 2180679 w 2180679"/>
+              <a:gd name="connsiteY4" fmla="*/ 2321037 h 2321037"/>
+              <a:gd name="connsiteX0" fmla="*/ 2089239 w 2089239"/>
+              <a:gd name="connsiteY0" fmla="*/ 2229597 h 2229597"/>
+              <a:gd name="connsiteX1" fmla="*/ 0 w 2089239"/>
+              <a:gd name="connsiteY1" fmla="*/ 2229597 h 2229597"/>
+              <a:gd name="connsiteX2" fmla="*/ 0 w 2089239"/>
+              <a:gd name="connsiteY2" fmla="*/ 0 h 2229597"/>
+              <a:gd name="connsiteX3" fmla="*/ 2089239 w 2089239"/>
+              <a:gd name="connsiteY3" fmla="*/ 0 h 2229597"/>
+              <a:gd name="connsiteX0" fmla="*/ 0 w 2089239"/>
+              <a:gd name="connsiteY0" fmla="*/ 2229597 h 2229597"/>
+              <a:gd name="connsiteX1" fmla="*/ 0 w 2089239"/>
+              <a:gd name="connsiteY1" fmla="*/ 0 h 2229597"/>
+              <a:gd name="connsiteX2" fmla="*/ 2089239 w 2089239"/>
+              <a:gd name="connsiteY2" fmla="*/ 0 h 2229597"/>
+            </a:gdLst>
+            <a:ahLst/>
+            <a:cxnLst>
+              <a:cxn ang="0">
+                <a:pos x="connsiteX0" y="connsiteY0"/>
+              </a:cxn>
+              <a:cxn ang="0">
+                <a:pos x="connsiteX1" y="connsiteY1"/>
+              </a:cxn>
+              <a:cxn ang="0">
+                <a:pos x="connsiteX2" y="connsiteY2"/>
+              </a:cxn>
+            </a:cxnLst>
+            <a:rect l="l" t="t" r="r" b="b"/>
+            <a:pathLst>
+              <a:path w="2089239" h="2229597">
+                <a:moveTo>
+                  <a:pt x="0" y="2229597"/>
+                </a:moveTo>
+                <a:lnTo>
+                  <a:pt x="0" y="0"/>
+                </a:lnTo>
+                <a:lnTo>
+                  <a:pt x="2089239" y="0"/>
+                </a:lnTo>
+              </a:path>
+            </a:pathLst>
+          </a:custGeom>
+          <a:solidFill>
+            <a:schemeClr val="bg1"/>
+          </a:solidFill>
+          <a:ln>
+            <a:solidFill>
+              <a:schemeClr val="tx1"/>
+            </a:solidFill>
+          </a:ln>
+        </p:spPr>
+        <p:style>
+          <a:lnRef idx="2">
+            <a:schemeClr val="accent1">
+              <a:shade val="50000"/>
+            </a:schemeClr>
+          </a:lnRef>
+          <a:fillRef idx="1">
+            <a:schemeClr val="accent1"/>
+          </a:fillRef>
+          <a:effectRef idx="0">
+            <a:schemeClr val="accent1"/>
+          </a:effectRef>
+          <a:fontRef idx="minor">
+            <a:schemeClr val="lt1"/>
+          </a:fontRef>
+        </p:style>
+        <p:txBody>
+          <a:bodyPr rtlCol="0" anchor="ctr"/>
+          <a:lstStyle/>
+          <a:p>
+            <a:pPr algn="ctr"/>
+            <a:endParaRPr lang="en-US"/>
+          </a:p>
+        </p:txBody>
+      </p:sp>
+      <p:graphicFrame>
+        <p:nvGraphicFramePr>
+          <p:cNvPr id="30" name="Table 29">
+            <a:extLst>
+              <a:ext uri="{FF2B5EF4-FFF2-40B4-BE49-F238E27FC236}">
+                <a16:creationId xmlns:a16="http://schemas.microsoft.com/office/drawing/2014/main" id="{6424C18C-25E4-4D59-A019-6FC964205409}"/>
+              </a:ext>
+            </a:extLst>
+          </p:cNvPr>
+          <p:cNvGraphicFramePr>
+            <a:graphicFrameLocks noGrp="1"/>
+          </p:cNvGraphicFramePr>
+          <p:nvPr>
+            <p:extLst>
+              <p:ext uri="{D42A27DB-BD31-4B8C-83A1-F6EECF244321}">
+                <p14:modId xmlns:p14="http://schemas.microsoft.com/office/powerpoint/2010/main" val="1983278786"/>
+              </p:ext>
+            </p:extLst>
+          </p:nvPr>
+        </p:nvGraphicFramePr>
+        <p:xfrm>
+          <a:off x="5060286" y="2368340"/>
+          <a:ext cx="2089239" cy="2229597"/>
+        </p:xfrm>
+        <a:graphic>
+          <a:graphicData uri="http://schemas.openxmlformats.org/drawingml/2006/table">
+            <a:tbl>
+              <a:tblPr firstRow="1" bandRow="1">
+                <a:tableStyleId>{5940675A-B579-460E-94D1-54222C63F5DA}</a:tableStyleId>
+              </a:tblPr>
+              <a:tblGrid>
+                <a:gridCol w="696413">
+                  <a:extLst>
+                    <a:ext uri="{9D8B030D-6E8A-4147-A177-3AD203B41FA5}">
+                      <a16:colId xmlns:a16="http://schemas.microsoft.com/office/drawing/2014/main" val="1849184776"/>
+                    </a:ext>
+                  </a:extLst>
+                </a:gridCol>
+                <a:gridCol w="696413">
+                  <a:extLst>
+                    <a:ext uri="{9D8B030D-6E8A-4147-A177-3AD203B41FA5}">
+                      <a16:colId xmlns:a16="http://schemas.microsoft.com/office/drawing/2014/main" val="1961847864"/>
+                    </a:ext>
+                  </a:extLst>
+                </a:gridCol>
+                <a:gridCol w="696413">
+                  <a:extLst>
+                    <a:ext uri="{9D8B030D-6E8A-4147-A177-3AD203B41FA5}">
+                      <a16:colId xmlns:a16="http://schemas.microsoft.com/office/drawing/2014/main" val="2765132368"/>
+                    </a:ext>
+                  </a:extLst>
+                </a:gridCol>
+              </a:tblGrid>
+              <a:tr h="743199">
+                <a:tc>
+                  <a:txBody>
+                    <a:bodyPr/>
+                    <a:lstStyle/>
+                    <a:p>
+                      <a:endParaRPr lang="en-US" dirty="0"/>
+                    </a:p>
+                  </a:txBody>
+                  <a:tcPr>
+                    <a:solidFill>
+                      <a:schemeClr val="bg1"/>
+                    </a:solidFill>
+                  </a:tcPr>
+                </a:tc>
+                <a:tc>
+                  <a:txBody>
+                    <a:bodyPr/>
+                    <a:lstStyle/>
+                    <a:p>
+                      <a:endParaRPr lang="en-US"/>
+                    </a:p>
+                  </a:txBody>
+                  <a:tcPr>
+                    <a:solidFill>
+                      <a:schemeClr val="bg1"/>
+                    </a:solidFill>
+                  </a:tcPr>
+                </a:tc>
+                <a:tc>
+                  <a:txBody>
+                    <a:bodyPr/>
+                    <a:lstStyle/>
+                    <a:p>
+                      <a:endParaRPr lang="en-US"/>
+                    </a:p>
+                  </a:txBody>
+                  <a:tcPr>
+                    <a:solidFill>
+                      <a:schemeClr val="bg1"/>
+                    </a:solidFill>
+                  </a:tcPr>
+                </a:tc>
+                <a:extLst>
+                  <a:ext uri="{0D108BD9-81ED-4DB2-BD59-A6C34878D82A}">
+                    <a16:rowId xmlns:a16="http://schemas.microsoft.com/office/drawing/2014/main" val="1252832314"/>
+                  </a:ext>
+                </a:extLst>
+              </a:tr>
+              <a:tr h="743199">
+                <a:tc>
+                  <a:txBody>
+                    <a:bodyPr/>
+                    <a:lstStyle/>
+                    <a:p>
+                      <a:endParaRPr lang="en-US"/>
+                    </a:p>
+                  </a:txBody>
+                  <a:tcPr>
+                    <a:solidFill>
+                      <a:schemeClr val="bg1"/>
+                    </a:solidFill>
+                  </a:tcPr>
+                </a:tc>
+                <a:tc>
+                  <a:txBody>
+                    <a:bodyPr/>
+                    <a:lstStyle/>
+                    <a:p>
+                      <a:endParaRPr lang="en-US"/>
+                    </a:p>
+                  </a:txBody>
+                  <a:tcPr>
+                    <a:solidFill>
+                      <a:schemeClr val="bg1"/>
+                    </a:solidFill>
+                  </a:tcPr>
+                </a:tc>
+                <a:tc>
+                  <a:txBody>
+                    <a:bodyPr/>
+                    <a:lstStyle/>
+                    <a:p>
+                      <a:endParaRPr lang="en-US"/>
+                    </a:p>
+                  </a:txBody>
+                  <a:tcPr>
+                    <a:solidFill>
+                      <a:schemeClr val="bg1"/>
+                    </a:solidFill>
+                  </a:tcPr>
+                </a:tc>
+                <a:extLst>
+                  <a:ext uri="{0D108BD9-81ED-4DB2-BD59-A6C34878D82A}">
+                    <a16:rowId xmlns:a16="http://schemas.microsoft.com/office/drawing/2014/main" val="3920488368"/>
+                  </a:ext>
+                </a:extLst>
+              </a:tr>
+              <a:tr h="743199">
+                <a:tc>
+                  <a:txBody>
+                    <a:bodyPr/>
+                    <a:lstStyle/>
+                    <a:p>
+                      <a:endParaRPr lang="en-US" dirty="0"/>
+                    </a:p>
+                  </a:txBody>
+                  <a:tcPr>
+                    <a:solidFill>
+                      <a:schemeClr val="bg1"/>
+                    </a:solidFill>
+                  </a:tcPr>
+                </a:tc>
+                <a:tc>
+                  <a:txBody>
+                    <a:bodyPr/>
+                    <a:lstStyle/>
+                    <a:p>
+                      <a:endParaRPr lang="en-US"/>
+                    </a:p>
+                  </a:txBody>
+                  <a:tcPr>
+                    <a:solidFill>
+                      <a:schemeClr val="bg1"/>
+                    </a:solidFill>
+                  </a:tcPr>
+                </a:tc>
+                <a:tc>
+                  <a:txBody>
+                    <a:bodyPr/>
+                    <a:lstStyle/>
+                    <a:p>
+                      <a:endParaRPr lang="en-US" dirty="0"/>
+                    </a:p>
+                  </a:txBody>
+                  <a:tcPr>
+                    <a:solidFill>
+                      <a:schemeClr val="bg1"/>
+                    </a:solidFill>
+                  </a:tcPr>
+                </a:tc>
+                <a:extLst>
+                  <a:ext uri="{0D108BD9-81ED-4DB2-BD59-A6C34878D82A}">
+                    <a16:rowId xmlns:a16="http://schemas.microsoft.com/office/drawing/2014/main" val="1480803187"/>
+                  </a:ext>
+                </a:extLst>
+              </a:tr>
+            </a:tbl>
+          </a:graphicData>
+        </a:graphic>
+      </p:graphicFrame>
+      <p:cxnSp>
+        <p:nvCxnSpPr>
+          <p:cNvPr id="31" name="Straight Connector 30">
+            <a:extLst>
+              <a:ext uri="{FF2B5EF4-FFF2-40B4-BE49-F238E27FC236}">
+                <a16:creationId xmlns:a16="http://schemas.microsoft.com/office/drawing/2014/main" id="{4F1FF781-27F4-4317-B237-1FECC05FF84A}"/>
+              </a:ext>
+            </a:extLst>
+          </p:cNvPr>
+          <p:cNvCxnSpPr/>
+          <p:nvPr/>
+        </p:nvCxnSpPr>
+        <p:spPr>
+          <a:xfrm>
+            <a:off x="4303121" y="1755401"/>
+            <a:ext cx="757165" cy="612939"/>
+          </a:xfrm>
+          <a:prstGeom prst="line">
+            <a:avLst/>
+          </a:prstGeom>
+          <a:ln>
+            <a:solidFill>
+              <a:schemeClr val="tx1"/>
+            </a:solidFill>
+          </a:ln>
+        </p:spPr>
+        <p:style>
+          <a:lnRef idx="1">
+            <a:schemeClr val="accent1"/>
+          </a:lnRef>
+          <a:fillRef idx="0">
+            <a:schemeClr val="accent1"/>
+          </a:fillRef>
+          <a:effectRef idx="0">
+            <a:schemeClr val="accent1"/>
+          </a:effectRef>
+          <a:fontRef idx="minor">
+            <a:schemeClr val="tx1"/>
+          </a:fontRef>
+        </p:style>
+      </p:cxnSp>
+      <p:cxnSp>
+        <p:nvCxnSpPr>
+          <p:cNvPr id="32" name="Straight Connector 31">
+            <a:extLst>
+              <a:ext uri="{FF2B5EF4-FFF2-40B4-BE49-F238E27FC236}">
+                <a16:creationId xmlns:a16="http://schemas.microsoft.com/office/drawing/2014/main" id="{7422A442-9FB9-4831-9830-8D5A35FDA591}"/>
+              </a:ext>
+            </a:extLst>
+          </p:cNvPr>
+          <p:cNvCxnSpPr/>
+          <p:nvPr/>
+        </p:nvCxnSpPr>
+        <p:spPr>
+          <a:xfrm>
+            <a:off x="4303121" y="3984998"/>
+            <a:ext cx="757165" cy="612939"/>
+          </a:xfrm>
+          <a:prstGeom prst="line">
+            <a:avLst/>
+          </a:prstGeom>
+          <a:ln>
+            <a:solidFill>
+              <a:schemeClr val="tx1"/>
+            </a:solidFill>
+          </a:ln>
+        </p:spPr>
+        <p:style>
+          <a:lnRef idx="1">
+            <a:schemeClr val="accent1"/>
+          </a:lnRef>
+          <a:fillRef idx="0">
+            <a:schemeClr val="accent1"/>
+          </a:fillRef>
+          <a:effectRef idx="0">
+            <a:schemeClr val="accent1"/>
+          </a:effectRef>
+          <a:fontRef idx="minor">
+            <a:schemeClr val="tx1"/>
+          </a:fontRef>
+        </p:style>
+      </p:cxnSp>
+      <p:cxnSp>
+        <p:nvCxnSpPr>
+          <p:cNvPr id="33" name="Straight Connector 32">
+            <a:extLst>
+              <a:ext uri="{FF2B5EF4-FFF2-40B4-BE49-F238E27FC236}">
+                <a16:creationId xmlns:a16="http://schemas.microsoft.com/office/drawing/2014/main" id="{0651B7AA-FEDC-4F28-9304-CDCC593993CA}"/>
+              </a:ext>
+            </a:extLst>
+          </p:cNvPr>
+          <p:cNvCxnSpPr>
+            <a:cxnSpLocks/>
+          </p:cNvCxnSpPr>
+          <p:nvPr/>
+        </p:nvCxnSpPr>
+        <p:spPr>
+          <a:xfrm>
+            <a:off x="4636469" y="2029530"/>
+            <a:ext cx="2113845" cy="0"/>
+          </a:xfrm>
+          <a:prstGeom prst="line">
+            <a:avLst/>
+          </a:prstGeom>
+          <a:ln>
+            <a:solidFill>
+              <a:schemeClr val="tx1"/>
+            </a:solidFill>
+          </a:ln>
+        </p:spPr>
+        <p:style>
+          <a:lnRef idx="1">
+            <a:schemeClr val="accent1"/>
+          </a:lnRef>
+          <a:fillRef idx="0">
+            <a:schemeClr val="accent1"/>
+          </a:fillRef>
+          <a:effectRef idx="0">
+            <a:schemeClr val="accent1"/>
+          </a:effectRef>
+          <a:fontRef idx="minor">
+            <a:schemeClr val="tx1"/>
+          </a:fontRef>
+        </p:style>
+      </p:cxnSp>
+      <p:cxnSp>
+        <p:nvCxnSpPr>
+          <p:cNvPr id="34" name="Straight Connector 33">
+            <a:extLst>
+              <a:ext uri="{FF2B5EF4-FFF2-40B4-BE49-F238E27FC236}">
+                <a16:creationId xmlns:a16="http://schemas.microsoft.com/office/drawing/2014/main" id="{4A973836-1895-4EE6-8975-5315381275E1}"/>
+              </a:ext>
+            </a:extLst>
+          </p:cNvPr>
+          <p:cNvCxnSpPr>
+            <a:cxnSpLocks/>
+          </p:cNvCxnSpPr>
+          <p:nvPr/>
+        </p:nvCxnSpPr>
+        <p:spPr>
+          <a:xfrm flipH="1">
+            <a:off x="4645193" y="2029530"/>
+            <a:ext cx="3660" cy="2229597"/>
+          </a:xfrm>
+          <a:prstGeom prst="line">
+            <a:avLst/>
+          </a:prstGeom>
+          <a:ln>
+            <a:solidFill>
+              <a:schemeClr val="tx1"/>
+            </a:solidFill>
+          </a:ln>
+        </p:spPr>
+        <p:style>
+          <a:lnRef idx="1">
+            <a:schemeClr val="accent1"/>
+          </a:lnRef>
+          <a:fillRef idx="0">
+            <a:schemeClr val="accent1"/>
+          </a:fillRef>
+          <a:effectRef idx="0">
+            <a:schemeClr val="accent1"/>
+          </a:effectRef>
+          <a:fontRef idx="minor">
+            <a:schemeClr val="tx1"/>
+          </a:fontRef>
+        </p:style>
+      </p:cxnSp>
+      <p:cxnSp>
+        <p:nvCxnSpPr>
+          <p:cNvPr id="35" name="Straight Connector 34">
+            <a:extLst>
+              <a:ext uri="{FF2B5EF4-FFF2-40B4-BE49-F238E27FC236}">
+                <a16:creationId xmlns:a16="http://schemas.microsoft.com/office/drawing/2014/main" id="{40F7B18C-F22A-4471-BD8A-36181A5C931D}"/>
+              </a:ext>
+            </a:extLst>
+          </p:cNvPr>
+          <p:cNvCxnSpPr/>
+          <p:nvPr/>
+        </p:nvCxnSpPr>
+        <p:spPr>
+          <a:xfrm>
+            <a:off x="4303121" y="2498561"/>
+            <a:ext cx="757165" cy="612939"/>
+          </a:xfrm>
+          <a:prstGeom prst="line">
+            <a:avLst/>
+          </a:prstGeom>
+          <a:ln>
+            <a:solidFill>
+              <a:schemeClr val="tx1"/>
+            </a:solidFill>
+          </a:ln>
+        </p:spPr>
+        <p:style>
+          <a:lnRef idx="1">
+            <a:schemeClr val="accent1"/>
+          </a:lnRef>
+          <a:fillRef idx="0">
+            <a:schemeClr val="accent1"/>
+          </a:fillRef>
+          <a:effectRef idx="0">
+            <a:schemeClr val="accent1"/>
+          </a:effectRef>
+          <a:fontRef idx="minor">
+            <a:schemeClr val="tx1"/>
+          </a:fontRef>
+        </p:style>
+      </p:cxnSp>
+      <p:cxnSp>
+        <p:nvCxnSpPr>
+          <p:cNvPr id="36" name="Straight Connector 35">
+            <a:extLst>
+              <a:ext uri="{FF2B5EF4-FFF2-40B4-BE49-F238E27FC236}">
+                <a16:creationId xmlns:a16="http://schemas.microsoft.com/office/drawing/2014/main" id="{28F211AC-4760-43B9-8B68-4C8D7E5157D9}"/>
+              </a:ext>
+            </a:extLst>
+          </p:cNvPr>
+          <p:cNvCxnSpPr/>
+          <p:nvPr/>
+        </p:nvCxnSpPr>
+        <p:spPr>
+          <a:xfrm>
+            <a:off x="4303121" y="3234994"/>
+            <a:ext cx="757165" cy="612939"/>
+          </a:xfrm>
+          <a:prstGeom prst="line">
+            <a:avLst/>
+          </a:prstGeom>
+          <a:ln>
+            <a:solidFill>
+              <a:schemeClr val="tx1"/>
+            </a:solidFill>
+          </a:ln>
+        </p:spPr>
+        <p:style>
+          <a:lnRef idx="1">
+            <a:schemeClr val="accent1"/>
+          </a:lnRef>
+          <a:fillRef idx="0">
+            <a:schemeClr val="accent1"/>
+          </a:fillRef>
+          <a:effectRef idx="0">
+            <a:schemeClr val="accent1"/>
+          </a:effectRef>
+          <a:fontRef idx="minor">
+            <a:schemeClr val="tx1"/>
+          </a:fontRef>
+        </p:style>
+      </p:cxnSp>
+      <p:cxnSp>
+        <p:nvCxnSpPr>
+          <p:cNvPr id="37" name="Straight Connector 36">
+            <a:extLst>
+              <a:ext uri="{FF2B5EF4-FFF2-40B4-BE49-F238E27FC236}">
+                <a16:creationId xmlns:a16="http://schemas.microsoft.com/office/drawing/2014/main" id="{0CFBE124-C586-4A42-99DD-A89D8F73446D}"/>
+              </a:ext>
+            </a:extLst>
+          </p:cNvPr>
+          <p:cNvCxnSpPr/>
+          <p:nvPr/>
+        </p:nvCxnSpPr>
+        <p:spPr>
+          <a:xfrm>
+            <a:off x="4996610" y="1755401"/>
+            <a:ext cx="757165" cy="612939"/>
+          </a:xfrm>
+          <a:prstGeom prst="line">
+            <a:avLst/>
+          </a:prstGeom>
+          <a:ln>
+            <a:solidFill>
+              <a:schemeClr val="tx1"/>
+            </a:solidFill>
+          </a:ln>
+        </p:spPr>
+        <p:style>
+          <a:lnRef idx="1">
+            <a:schemeClr val="accent1"/>
+          </a:lnRef>
+          <a:fillRef idx="0">
+            <a:schemeClr val="accent1"/>
+          </a:fillRef>
+          <a:effectRef idx="0">
+            <a:schemeClr val="accent1"/>
+          </a:effectRef>
+          <a:fontRef idx="minor">
+            <a:schemeClr val="tx1"/>
+          </a:fontRef>
+        </p:style>
+      </p:cxnSp>
+      <p:cxnSp>
+        <p:nvCxnSpPr>
+          <p:cNvPr id="38" name="Straight Connector 37">
+            <a:extLst>
+              <a:ext uri="{FF2B5EF4-FFF2-40B4-BE49-F238E27FC236}">
+                <a16:creationId xmlns:a16="http://schemas.microsoft.com/office/drawing/2014/main" id="{E1A60EC6-280E-40BE-98BB-474BEEF27D26}"/>
+              </a:ext>
+            </a:extLst>
+          </p:cNvPr>
+          <p:cNvCxnSpPr/>
+          <p:nvPr/>
+        </p:nvCxnSpPr>
+        <p:spPr>
+          <a:xfrm>
+            <a:off x="5682725" y="1755401"/>
+            <a:ext cx="757165" cy="612939"/>
+          </a:xfrm>
+          <a:prstGeom prst="line">
+            <a:avLst/>
+          </a:prstGeom>
+          <a:ln>
+            <a:solidFill>
+              <a:schemeClr val="tx1"/>
+            </a:solidFill>
+          </a:ln>
+        </p:spPr>
+        <p:style>
+          <a:lnRef idx="1">
+            <a:schemeClr val="accent1"/>
+          </a:lnRef>
+          <a:fillRef idx="0">
+            <a:schemeClr val="accent1"/>
+          </a:fillRef>
+          <a:effectRef idx="0">
+            <a:schemeClr val="accent1"/>
+          </a:effectRef>
+          <a:fontRef idx="minor">
+            <a:schemeClr val="tx1"/>
+          </a:fontRef>
+        </p:style>
+      </p:cxnSp>
+      <p:sp>
+        <p:nvSpPr>
+          <p:cNvPr id="5" name="TextBox 4">
+            <a:extLst>
+              <a:ext uri="{FF2B5EF4-FFF2-40B4-BE49-F238E27FC236}">
+                <a16:creationId xmlns:a16="http://schemas.microsoft.com/office/drawing/2014/main" id="{A7CF6DF1-320E-4B7B-80C3-8EE43DEBA22F}"/>
+              </a:ext>
+            </a:extLst>
+          </p:cNvPr>
+          <p:cNvSpPr txBox="1"/>
+          <p:nvPr/>
+        </p:nvSpPr>
+        <p:spPr>
+          <a:xfrm>
+            <a:off x="1588753" y="2174620"/>
+            <a:ext cx="1167148" cy="461665"/>
+          </a:xfrm>
+          <a:prstGeom prst="rect">
+            <a:avLst/>
+          </a:prstGeom>
+          <a:noFill/>
+        </p:spPr>
+        <p:txBody>
+          <a:bodyPr wrap="square" rtlCol="0">
+            <a:spAutoFit/>
+          </a:bodyPr>
+          <a:lstStyle/>
+          <a:p>
+            <a:pPr algn="ctr"/>
+            <a:r>
+              <a:rPr lang="en-US" sz="2400" dirty="0">
+                <a:latin typeface="Aller" panose="02000503030000020004" pitchFamily="2" charset="0"/>
+              </a:rPr>
+              <a:t>Nodes</a:t>
+            </a:r>
+          </a:p>
+        </p:txBody>
+      </p:sp>
+      <p:sp>
+        <p:nvSpPr>
+          <p:cNvPr id="4" name="Oval 3">
+            <a:extLst>
+              <a:ext uri="{FF2B5EF4-FFF2-40B4-BE49-F238E27FC236}">
+                <a16:creationId xmlns:a16="http://schemas.microsoft.com/office/drawing/2014/main" id="{8B9042D3-B94A-4849-B967-889633D9E48F}"/>
+              </a:ext>
+            </a:extLst>
+          </p:cNvPr>
+          <p:cNvSpPr/>
+          <p:nvPr/>
+        </p:nvSpPr>
+        <p:spPr>
+          <a:xfrm>
+            <a:off x="4806860" y="2136520"/>
+            <a:ext cx="489040" cy="489040"/>
+          </a:xfrm>
+          <a:prstGeom prst="ellipse">
+            <a:avLst/>
+          </a:prstGeom>
+          <a:noFill/>
+          <a:effectLst>
+            <a:glow rad="63500">
+              <a:schemeClr val="accent1">
+                <a:satMod val="175000"/>
+                <a:alpha val="40000"/>
+              </a:schemeClr>
+            </a:glow>
+          </a:effectLst>
+        </p:spPr>
+        <p:style>
+          <a:lnRef idx="2">
+            <a:schemeClr val="accent1">
+              <a:shade val="50000"/>
+            </a:schemeClr>
+          </a:lnRef>
+          <a:fillRef idx="1">
+            <a:schemeClr val="accent1"/>
+          </a:fillRef>
+          <a:effectRef idx="0">
+            <a:schemeClr val="accent1"/>
+          </a:effectRef>
+          <a:fontRef idx="minor">
+            <a:schemeClr val="lt1"/>
+          </a:fontRef>
+        </p:style>
+        <p:txBody>
+          <a:bodyPr rtlCol="0" anchor="ctr"/>
+          <a:lstStyle/>
+          <a:p>
+            <a:pPr algn="ctr"/>
+            <a:endParaRPr lang="en-US"/>
+          </a:p>
+        </p:txBody>
+      </p:sp>
+      <p:sp>
+        <p:nvSpPr>
+          <p:cNvPr id="8" name="Oval 7">
+            <a:extLst>
+              <a:ext uri="{FF2B5EF4-FFF2-40B4-BE49-F238E27FC236}">
+                <a16:creationId xmlns:a16="http://schemas.microsoft.com/office/drawing/2014/main" id="{03312DC3-97D5-414A-B0CD-7999D5F0B329}"/>
+              </a:ext>
+            </a:extLst>
+          </p:cNvPr>
+          <p:cNvSpPr/>
+          <p:nvPr/>
+        </p:nvSpPr>
+        <p:spPr>
+          <a:xfrm>
+            <a:off x="5505360" y="2853980"/>
+            <a:ext cx="489040" cy="489040"/>
+          </a:xfrm>
+          <a:prstGeom prst="ellipse">
+            <a:avLst/>
+          </a:prstGeom>
+          <a:noFill/>
+          <a:effectLst>
+            <a:glow rad="63500">
+              <a:schemeClr val="accent1">
+                <a:satMod val="175000"/>
+                <a:alpha val="40000"/>
+              </a:schemeClr>
+            </a:glow>
+          </a:effectLst>
+        </p:spPr>
+        <p:style>
+          <a:lnRef idx="2">
+            <a:schemeClr val="accent1">
+              <a:shade val="50000"/>
+            </a:schemeClr>
+          </a:lnRef>
+          <a:fillRef idx="1">
+            <a:schemeClr val="accent1"/>
+          </a:fillRef>
+          <a:effectRef idx="0">
+            <a:schemeClr val="accent1"/>
+          </a:effectRef>
+          <a:fontRef idx="minor">
+            <a:schemeClr val="lt1"/>
+          </a:fontRef>
+        </p:style>
+        <p:txBody>
+          <a:bodyPr rtlCol="0" anchor="ctr"/>
+          <a:lstStyle/>
+          <a:p>
+            <a:pPr algn="ctr"/>
+            <a:endParaRPr lang="en-US"/>
+          </a:p>
+        </p:txBody>
+      </p:sp>
+      <p:sp>
+        <p:nvSpPr>
+          <p:cNvPr id="10" name="TextBox 9">
+            <a:extLst>
+              <a:ext uri="{FF2B5EF4-FFF2-40B4-BE49-F238E27FC236}">
+                <a16:creationId xmlns:a16="http://schemas.microsoft.com/office/drawing/2014/main" id="{EB2E93E5-2D17-467E-BB1C-42B1AD4BD25F}"/>
+              </a:ext>
+            </a:extLst>
+          </p:cNvPr>
+          <p:cNvSpPr txBox="1"/>
+          <p:nvPr/>
+        </p:nvSpPr>
+        <p:spPr>
+          <a:xfrm>
+            <a:off x="3537397" y="5023111"/>
+            <a:ext cx="5117206" cy="830997"/>
+          </a:xfrm>
+          <a:prstGeom prst="rect">
+            <a:avLst/>
+          </a:prstGeom>
+          <a:noFill/>
+        </p:spPr>
+        <p:txBody>
+          <a:bodyPr wrap="square" rtlCol="0">
+            <a:spAutoFit/>
+          </a:bodyPr>
+          <a:lstStyle/>
+          <a:p>
+            <a:pPr algn="ctr"/>
+            <a:r>
+              <a:rPr lang="en-US" sz="2400" b="1" dirty="0">
+                <a:latin typeface="Aller" panose="02000503030000020004" pitchFamily="2" charset="0"/>
+              </a:rPr>
+              <a:t>Simple 3 story building using reinforced concrete frames</a:t>
+            </a:r>
+          </a:p>
+        </p:txBody>
+      </p:sp>
+      <p:cxnSp>
+        <p:nvCxnSpPr>
+          <p:cNvPr id="7" name="Straight Arrow Connector 6">
+            <a:extLst>
+              <a:ext uri="{FF2B5EF4-FFF2-40B4-BE49-F238E27FC236}">
+                <a16:creationId xmlns:a16="http://schemas.microsoft.com/office/drawing/2014/main" id="{BCA07685-6678-4138-A164-697A7AC65A53}"/>
+              </a:ext>
+            </a:extLst>
+          </p:cNvPr>
+          <p:cNvCxnSpPr>
+            <a:cxnSpLocks/>
+            <a:stCxn id="5" idx="3"/>
+            <a:endCxn id="4" idx="2"/>
+          </p:cNvCxnSpPr>
+          <p:nvPr/>
+        </p:nvCxnSpPr>
+        <p:spPr>
+          <a:xfrm flipV="1">
+            <a:off x="2755901" y="2381040"/>
+            <a:ext cx="2050959" cy="24413"/>
+          </a:xfrm>
+          <a:prstGeom prst="straightConnector1">
+            <a:avLst/>
+          </a:prstGeom>
+          <a:ln>
+            <a:tailEnd type="triangle"/>
+          </a:ln>
+        </p:spPr>
+        <p:style>
+          <a:lnRef idx="1">
+            <a:schemeClr val="accent1"/>
+          </a:lnRef>
+          <a:fillRef idx="0">
+            <a:schemeClr val="accent1"/>
+          </a:fillRef>
+          <a:effectRef idx="0">
+            <a:schemeClr val="accent1"/>
+          </a:effectRef>
+          <a:fontRef idx="minor">
+            <a:schemeClr val="tx1"/>
+          </a:fontRef>
+        </p:style>
+      </p:cxnSp>
+      <p:cxnSp>
+        <p:nvCxnSpPr>
+          <p:cNvPr id="14" name="Straight Arrow Connector 13">
+            <a:extLst>
+              <a:ext uri="{FF2B5EF4-FFF2-40B4-BE49-F238E27FC236}">
+                <a16:creationId xmlns:a16="http://schemas.microsoft.com/office/drawing/2014/main" id="{50664F20-FF99-45A3-811A-D4682721D04B}"/>
+              </a:ext>
+            </a:extLst>
+          </p:cNvPr>
+          <p:cNvCxnSpPr>
+            <a:cxnSpLocks/>
+            <a:stCxn id="5" idx="3"/>
+            <a:endCxn id="8" idx="1"/>
+          </p:cNvCxnSpPr>
+          <p:nvPr/>
+        </p:nvCxnSpPr>
+        <p:spPr>
+          <a:xfrm>
+            <a:off x="2755901" y="2405453"/>
+            <a:ext cx="2821077" cy="520145"/>
+          </a:xfrm>
+          <a:prstGeom prst="straightConnector1">
+            <a:avLst/>
+          </a:prstGeom>
+          <a:ln>
+            <a:tailEnd type="triangle"/>
+          </a:ln>
+        </p:spPr>
+        <p:style>
+          <a:lnRef idx="1">
+            <a:schemeClr val="accent1"/>
+          </a:lnRef>
+          <a:fillRef idx="0">
+            <a:schemeClr val="accent1"/>
+          </a:fillRef>
+          <a:effectRef idx="0">
+            <a:schemeClr val="accent1"/>
+          </a:effectRef>
+          <a:fontRef idx="minor">
+            <a:schemeClr val="tx1"/>
+          </a:fontRef>
+        </p:style>
+      </p:cxnSp>
+      <p:sp>
+        <p:nvSpPr>
+          <p:cNvPr id="16" name="TextBox 15">
+            <a:extLst>
+              <a:ext uri="{FF2B5EF4-FFF2-40B4-BE49-F238E27FC236}">
+                <a16:creationId xmlns:a16="http://schemas.microsoft.com/office/drawing/2014/main" id="{091E6BAA-C219-4BF7-AA8E-F03C44B35E44}"/>
+              </a:ext>
+            </a:extLst>
+          </p:cNvPr>
+          <p:cNvSpPr txBox="1"/>
+          <p:nvPr/>
+        </p:nvSpPr>
+        <p:spPr>
+          <a:xfrm>
+            <a:off x="1867437" y="3970117"/>
+            <a:ext cx="1472038" cy="461665"/>
+          </a:xfrm>
+          <a:prstGeom prst="rect">
+            <a:avLst/>
+          </a:prstGeom>
+          <a:noFill/>
+        </p:spPr>
+        <p:txBody>
+          <a:bodyPr wrap="square" rtlCol="0">
+            <a:spAutoFit/>
+          </a:bodyPr>
+          <a:lstStyle/>
+          <a:p>
+            <a:pPr algn="ctr"/>
+            <a:r>
+              <a:rPr lang="en-US" sz="2400" dirty="0">
+                <a:latin typeface="Aller" panose="02000503030000020004" pitchFamily="2" charset="0"/>
+              </a:rPr>
+              <a:t>Columns</a:t>
+            </a:r>
+          </a:p>
+        </p:txBody>
+      </p:sp>
+      <p:cxnSp>
+        <p:nvCxnSpPr>
+          <p:cNvPr id="20" name="Straight Arrow Connector 19">
+            <a:extLst>
+              <a:ext uri="{FF2B5EF4-FFF2-40B4-BE49-F238E27FC236}">
+                <a16:creationId xmlns:a16="http://schemas.microsoft.com/office/drawing/2014/main" id="{30578E56-DEB8-411A-89BB-FB3D1863B63E}"/>
+              </a:ext>
+            </a:extLst>
+          </p:cNvPr>
+          <p:cNvCxnSpPr>
+            <a:cxnSpLocks/>
+            <a:stCxn id="16" idx="3"/>
+          </p:cNvCxnSpPr>
+          <p:nvPr/>
+        </p:nvCxnSpPr>
+        <p:spPr>
+          <a:xfrm flipV="1">
+            <a:off x="3339475" y="4165600"/>
+            <a:ext cx="1711905" cy="35350"/>
+          </a:xfrm>
+          <a:prstGeom prst="straightConnector1">
+            <a:avLst/>
+          </a:prstGeom>
+          <a:ln>
+            <a:tailEnd type="triangle"/>
+          </a:ln>
+        </p:spPr>
+        <p:style>
+          <a:lnRef idx="1">
+            <a:schemeClr val="accent1"/>
+          </a:lnRef>
+          <a:fillRef idx="0">
+            <a:schemeClr val="accent1"/>
+          </a:fillRef>
+          <a:effectRef idx="0">
+            <a:schemeClr val="accent1"/>
+          </a:effectRef>
+          <a:fontRef idx="minor">
+            <a:schemeClr val="tx1"/>
+          </a:fontRef>
+        </p:style>
+      </p:cxnSp>
+      <p:sp>
+        <p:nvSpPr>
+          <p:cNvPr id="21" name="TextBox 20">
+            <a:extLst>
+              <a:ext uri="{FF2B5EF4-FFF2-40B4-BE49-F238E27FC236}">
+                <a16:creationId xmlns:a16="http://schemas.microsoft.com/office/drawing/2014/main" id="{7E47F5AC-A922-46DE-86D9-922884070FBC}"/>
+              </a:ext>
+            </a:extLst>
+          </p:cNvPr>
+          <p:cNvSpPr txBox="1"/>
+          <p:nvPr/>
+        </p:nvSpPr>
+        <p:spPr>
+          <a:xfrm>
+            <a:off x="8166099" y="3098500"/>
+            <a:ext cx="1286993" cy="461665"/>
+          </a:xfrm>
+          <a:prstGeom prst="rect">
+            <a:avLst/>
+          </a:prstGeom>
+          <a:noFill/>
+        </p:spPr>
+        <p:txBody>
+          <a:bodyPr wrap="square" rtlCol="0">
+            <a:spAutoFit/>
+          </a:bodyPr>
+          <a:lstStyle/>
+          <a:p>
+            <a:pPr algn="ctr"/>
+            <a:r>
+              <a:rPr lang="en-US" sz="2400" dirty="0">
+                <a:latin typeface="Aller" panose="02000503030000020004" pitchFamily="2" charset="0"/>
+              </a:rPr>
+              <a:t>Beams</a:t>
+            </a:r>
+          </a:p>
+        </p:txBody>
+      </p:sp>
+      <p:cxnSp>
+        <p:nvCxnSpPr>
+          <p:cNvPr id="23" name="Straight Arrow Connector 22">
+            <a:extLst>
+              <a:ext uri="{FF2B5EF4-FFF2-40B4-BE49-F238E27FC236}">
+                <a16:creationId xmlns:a16="http://schemas.microsoft.com/office/drawing/2014/main" id="{77AC5E08-D9CF-431C-9E04-155A7ACB95E4}"/>
+              </a:ext>
+            </a:extLst>
+          </p:cNvPr>
+          <p:cNvCxnSpPr>
+            <a:cxnSpLocks/>
+            <a:stCxn id="21" idx="1"/>
+          </p:cNvCxnSpPr>
+          <p:nvPr/>
+        </p:nvCxnSpPr>
+        <p:spPr>
+          <a:xfrm flipH="1">
+            <a:off x="6807201" y="3329333"/>
+            <a:ext cx="1358898" cy="480667"/>
+          </a:xfrm>
+          <a:prstGeom prst="straightConnector1">
+            <a:avLst/>
+          </a:prstGeom>
+          <a:ln>
+            <a:tailEnd type="triangle"/>
+          </a:ln>
+        </p:spPr>
+        <p:style>
+          <a:lnRef idx="1">
+            <a:schemeClr val="accent1"/>
+          </a:lnRef>
+          <a:fillRef idx="0">
+            <a:schemeClr val="accent1"/>
+          </a:fillRef>
+          <a:effectRef idx="0">
+            <a:schemeClr val="accent1"/>
+          </a:effectRef>
+          <a:fontRef idx="minor">
+            <a:schemeClr val="tx1"/>
+          </a:fontRef>
+        </p:style>
+      </p:cxnSp>
+      <p:cxnSp>
+        <p:nvCxnSpPr>
+          <p:cNvPr id="25" name="Straight Arrow Connector 24">
+            <a:extLst>
+              <a:ext uri="{FF2B5EF4-FFF2-40B4-BE49-F238E27FC236}">
+                <a16:creationId xmlns:a16="http://schemas.microsoft.com/office/drawing/2014/main" id="{8DAE4884-3EBA-49E2-8865-15CB201C9738}"/>
+              </a:ext>
+            </a:extLst>
+          </p:cNvPr>
+          <p:cNvCxnSpPr>
+            <a:cxnSpLocks/>
+            <a:stCxn id="16" idx="3"/>
+          </p:cNvCxnSpPr>
+          <p:nvPr/>
+        </p:nvCxnSpPr>
+        <p:spPr>
+          <a:xfrm flipV="1">
+            <a:off x="3339475" y="3606802"/>
+            <a:ext cx="2375525" cy="594148"/>
+          </a:xfrm>
+          <a:prstGeom prst="straightConnector1">
+            <a:avLst/>
+          </a:prstGeom>
+          <a:ln>
+            <a:tailEnd type="triangle"/>
+          </a:ln>
+        </p:spPr>
+        <p:style>
+          <a:lnRef idx="1">
+            <a:schemeClr val="accent1"/>
+          </a:lnRef>
+          <a:fillRef idx="0">
+            <a:schemeClr val="accent1"/>
+          </a:fillRef>
+          <a:effectRef idx="0">
+            <a:schemeClr val="accent1"/>
+          </a:effectRef>
+          <a:fontRef idx="minor">
+            <a:schemeClr val="tx1"/>
+          </a:fontRef>
+        </p:style>
+      </p:cxnSp>
+      <p:cxnSp>
+        <p:nvCxnSpPr>
+          <p:cNvPr id="27" name="Straight Arrow Connector 26">
+            <a:extLst>
+              <a:ext uri="{FF2B5EF4-FFF2-40B4-BE49-F238E27FC236}">
+                <a16:creationId xmlns:a16="http://schemas.microsoft.com/office/drawing/2014/main" id="{FD92D02D-D3B0-4BE5-9F34-DA6305F992F8}"/>
+              </a:ext>
+            </a:extLst>
+          </p:cNvPr>
+          <p:cNvCxnSpPr>
+            <a:cxnSpLocks/>
+            <a:stCxn id="21" idx="1"/>
+          </p:cNvCxnSpPr>
+          <p:nvPr/>
+        </p:nvCxnSpPr>
+        <p:spPr>
+          <a:xfrm flipH="1" flipV="1">
+            <a:off x="6807201" y="2381041"/>
+            <a:ext cx="1358898" cy="948292"/>
+          </a:xfrm>
+          <a:prstGeom prst="straightConnector1">
+            <a:avLst/>
+          </a:prstGeom>
+          <a:ln>
+            <a:tailEnd type="triangle"/>
+          </a:ln>
+        </p:spPr>
+        <p:style>
+          <a:lnRef idx="1">
+            <a:schemeClr val="accent1"/>
+          </a:lnRef>
+          <a:fillRef idx="0">
+            <a:schemeClr val="accent1"/>
+          </a:fillRef>
+          <a:effectRef idx="0">
+            <a:schemeClr val="accent1"/>
+          </a:effectRef>
+          <a:fontRef idx="minor">
+            <a:schemeClr val="tx1"/>
+          </a:fontRef>
+        </p:style>
+      </p:cxnSp>
+      <p:sp>
+        <p:nvSpPr>
+          <p:cNvPr id="39" name="Rectangle 38">
+            <a:extLst>
+              <a:ext uri="{FF2B5EF4-FFF2-40B4-BE49-F238E27FC236}">
+                <a16:creationId xmlns:a16="http://schemas.microsoft.com/office/drawing/2014/main" id="{E42EEC87-4E9F-4B54-9A56-00994F92D8B8}"/>
+              </a:ext>
+            </a:extLst>
+          </p:cNvPr>
+          <p:cNvSpPr/>
+          <p:nvPr/>
+        </p:nvSpPr>
+        <p:spPr>
+          <a:xfrm>
+            <a:off x="342900" y="342900"/>
+            <a:ext cx="11506200" cy="6172200"/>
+          </a:xfrm>
+          <a:prstGeom prst="rect">
+            <a:avLst/>
+          </a:prstGeom>
+          <a:noFill/>
+          <a:ln w="38100">
+            <a:solidFill>
+              <a:schemeClr val="tx1"/>
+            </a:solidFill>
+          </a:ln>
+        </p:spPr>
+        <p:style>
+          <a:lnRef idx="2">
+            <a:schemeClr val="accent1">
+              <a:shade val="50000"/>
+            </a:schemeClr>
+          </a:lnRef>
+          <a:fillRef idx="1">
+            <a:schemeClr val="accent1"/>
+          </a:fillRef>
+          <a:effectRef idx="0">
+            <a:schemeClr val="accent1"/>
+          </a:effectRef>
+          <a:fontRef idx="minor">
+            <a:schemeClr val="lt1"/>
+          </a:fontRef>
+        </p:style>
+        <p:txBody>
+          <a:bodyPr rtlCol="0" anchor="ctr"/>
+          <a:lstStyle/>
+          <a:p>
+            <a:pPr algn="ctr"/>
+            <a:endParaRPr lang="en-US"/>
+          </a:p>
+        </p:txBody>
+      </p:sp>
+    </p:spTree>
+    <p:extLst>
+      <p:ext uri="{BB962C8B-B14F-4D97-AF65-F5344CB8AC3E}">
+        <p14:creationId xmlns:p14="http://schemas.microsoft.com/office/powerpoint/2010/main" val="2449023447"/>
+      </p:ext>
+    </p:extLst>
+  </p:cSld>
+  <p:clrMapOvr>
+    <a:masterClrMapping/>
+  </p:clrMapOvr>
+  <p:transition spd="slow">
+    <p:wipe/>
+  </p:transition>
+</p:sld>
+</file>
+
+<file path=ppt/slides/slide11.xml><?xml version="1.0" encoding="utf-8"?>
+<p:sld xmlns:a="http://schemas.openxmlformats.org/drawingml/2006/main" xmlns:r="http://schemas.openxmlformats.org/officeDocument/2006/relationships" xmlns:p="http://schemas.openxmlformats.org/presentationml/2006/main">
+  <p:cSld>
+    <p:spTree>
+      <p:nvGrpSpPr>
+        <p:cNvPr id="1" name=""/>
+        <p:cNvGrpSpPr/>
+        <p:nvPr/>
+      </p:nvGrpSpPr>
+      <p:grpSpPr>
+        <a:xfrm>
+          <a:off x="0" y="0"/>
+          <a:ext cx="0" cy="0"/>
+          <a:chOff x="0" y="0"/>
+          <a:chExt cx="0" cy="0"/>
+        </a:xfrm>
+      </p:grpSpPr>
+      <p:cxnSp>
+        <p:nvCxnSpPr>
           <p:cNvPr id="35" name="Straight Connector 34">
             <a:extLst>
               <a:ext uri="{FF2B5EF4-FFF2-40B4-BE49-F238E27FC236}">
@@ -5217,7 +6515,7 @@
 </p:sld>
 </file>
 
-<file path=ppt/slides/slide11.xml><?xml version="1.0" encoding="utf-8"?>
+<file path=ppt/slides/slide12.xml><?xml version="1.0" encoding="utf-8"?>
 <p:sld xmlns:a="http://schemas.openxmlformats.org/drawingml/2006/main" xmlns:r="http://schemas.openxmlformats.org/officeDocument/2006/relationships" xmlns:p="http://schemas.openxmlformats.org/presentationml/2006/main">
   <p:cSld>
     <p:spTree>
@@ -8062,7 +9360,7 @@
 </p:sld>
 </file>
 
-<file path=ppt/slides/slide12.xml><?xml version="1.0" encoding="utf-8"?>
+<file path=ppt/slides/slide13.xml><?xml version="1.0" encoding="utf-8"?>
 <p:sld xmlns:a="http://schemas.openxmlformats.org/drawingml/2006/main" xmlns:r="http://schemas.openxmlformats.org/officeDocument/2006/relationships" xmlns:p="http://schemas.openxmlformats.org/presentationml/2006/main">
   <p:cSld>
     <p:spTree>
@@ -8173,128 +9471,6 @@
     <p:extLst>
       <p:ext uri="{BB962C8B-B14F-4D97-AF65-F5344CB8AC3E}">
         <p14:creationId xmlns:p14="http://schemas.microsoft.com/office/powerpoint/2010/main" val="4279757534"/>
-      </p:ext>
-    </p:extLst>
-  </p:cSld>
-  <p:clrMapOvr>
-    <a:masterClrMapping/>
-  </p:clrMapOvr>
-  <p:transition spd="slow">
-    <p:wipe/>
-  </p:transition>
-</p:sld>
-</file>
-
-<file path=ppt/slides/slide13.xml><?xml version="1.0" encoding="utf-8"?>
-<p:sld xmlns:a="http://schemas.openxmlformats.org/drawingml/2006/main" xmlns:r="http://schemas.openxmlformats.org/officeDocument/2006/relationships" xmlns:p="http://schemas.openxmlformats.org/presentationml/2006/main">
-  <p:cSld>
-    <p:spTree>
-      <p:nvGrpSpPr>
-        <p:cNvPr id="1" name=""/>
-        <p:cNvGrpSpPr/>
-        <p:nvPr/>
-      </p:nvGrpSpPr>
-      <p:grpSpPr>
-        <a:xfrm>
-          <a:off x="0" y="0"/>
-          <a:ext cx="0" cy="0"/>
-          <a:chOff x="0" y="0"/>
-          <a:chExt cx="0" cy="0"/>
-        </a:xfrm>
-      </p:grpSpPr>
-      <p:sp>
-        <p:nvSpPr>
-          <p:cNvPr id="2" name="Title 1">
-            <a:extLst>
-              <a:ext uri="{FF2B5EF4-FFF2-40B4-BE49-F238E27FC236}">
-                <a16:creationId xmlns:a16="http://schemas.microsoft.com/office/drawing/2014/main" id="{52DA7C2A-D0AC-41A1-909D-6CF493B69DAC}"/>
-              </a:ext>
-            </a:extLst>
-          </p:cNvPr>
-          <p:cNvSpPr txBox="1">
-            <a:spLocks/>
-          </p:cNvSpPr>
-          <p:nvPr/>
-        </p:nvSpPr>
-        <p:spPr>
-          <a:xfrm>
-            <a:off x="324676" y="163734"/>
-            <a:ext cx="11790050" cy="698566"/>
-          </a:xfrm>
-          <a:prstGeom prst="rect">
-            <a:avLst/>
-          </a:prstGeom>
-        </p:spPr>
-        <p:txBody>
-          <a:bodyPr anchor="ctr"/>
-          <a:lstStyle>
-            <a:lvl1pPr algn="l" defTabSz="914400" rtl="0" eaLnBrk="1" latinLnBrk="0" hangingPunct="1">
-              <a:lnSpc>
-                <a:spcPct val="90000"/>
-              </a:lnSpc>
-              <a:spcBef>
-                <a:spcPct val="0"/>
-              </a:spcBef>
-              <a:buNone/>
-              <a:defRPr sz="4400" kern="1200">
-                <a:solidFill>
-                  <a:schemeClr val="tx1"/>
-                </a:solidFill>
-                <a:latin typeface="+mj-lt"/>
-                <a:ea typeface="+mj-ea"/>
-                <a:cs typeface="+mj-cs"/>
-              </a:defRPr>
-            </a:lvl1pPr>
-          </a:lstStyle>
-          <a:p>
-            <a:r>
-              <a:rPr lang="en-US" sz="2800" dirty="0">
-                <a:latin typeface="Aller Display" panose="02000503000000020003" pitchFamily="2" charset="0"/>
-              </a:rPr>
-              <a:t>PROJECT PLAN AND PROGRESS</a:t>
-            </a:r>
-          </a:p>
-        </p:txBody>
-      </p:sp>
-      <p:pic>
-        <p:nvPicPr>
-          <p:cNvPr id="5" name="Picture 4">
-            <a:extLst>
-              <a:ext uri="{FF2B5EF4-FFF2-40B4-BE49-F238E27FC236}">
-                <a16:creationId xmlns:a16="http://schemas.microsoft.com/office/drawing/2014/main" id="{6F2B560B-74E5-4F08-98E7-6B7685373CAF}"/>
-              </a:ext>
-            </a:extLst>
-          </p:cNvPr>
-          <p:cNvPicPr>
-            <a:picLocks noChangeAspect="1"/>
-          </p:cNvPicPr>
-          <p:nvPr/>
-        </p:nvPicPr>
-        <p:blipFill rotWithShape="1">
-          <a:blip r:embed="rId2">
-            <a:extLst>
-              <a:ext uri="{28A0092B-C50C-407E-A947-70E740481C1C}">
-                <a14:useLocalDpi xmlns:a14="http://schemas.microsoft.com/office/drawing/2010/main" val="0"/>
-              </a:ext>
-            </a:extLst>
-          </a:blip>
-          <a:srcRect l="1774" t="10892" r="9611" b="46907"/>
-          <a:stretch/>
-        </p:blipFill>
-        <p:spPr>
-          <a:xfrm>
-            <a:off x="193184" y="1280977"/>
-            <a:ext cx="11674140" cy="4296046"/>
-          </a:xfrm>
-          <a:prstGeom prst="rect">
-            <a:avLst/>
-          </a:prstGeom>
-        </p:spPr>
-      </p:pic>
-    </p:spTree>
-    <p:extLst>
-      <p:ext uri="{BB962C8B-B14F-4D97-AF65-F5344CB8AC3E}">
-        <p14:creationId xmlns:p14="http://schemas.microsoft.com/office/powerpoint/2010/main" val="1323966923"/>
       </p:ext>
     </p:extLst>
   </p:cSld>
@@ -8400,13 +9576,13 @@
               </a:ext>
             </a:extLst>
           </a:blip>
-          <a:srcRect l="1774" t="53093" r="9456" b="9859"/>
+          <a:srcRect l="1774" t="10892" r="9611" b="46907"/>
           <a:stretch/>
         </p:blipFill>
         <p:spPr>
           <a:xfrm>
-            <a:off x="198595" y="1522634"/>
-            <a:ext cx="11822697" cy="3812731"/>
+            <a:off x="193184" y="1280977"/>
+            <a:ext cx="11674140" cy="4296046"/>
           </a:xfrm>
           <a:prstGeom prst="rect">
             <a:avLst/>
@@ -8416,7 +9592,7 @@
     </p:spTree>
     <p:extLst>
       <p:ext uri="{BB962C8B-B14F-4D97-AF65-F5344CB8AC3E}">
-        <p14:creationId xmlns:p14="http://schemas.microsoft.com/office/powerpoint/2010/main" val="592085028"/>
+        <p14:creationId xmlns:p14="http://schemas.microsoft.com/office/powerpoint/2010/main" val="1323966923"/>
       </p:ext>
     </p:extLst>
   </p:cSld>
@@ -8462,8 +9638,8 @@
         </p:nvSpPr>
         <p:spPr>
           <a:xfrm>
-            <a:off x="0" y="3079717"/>
-            <a:ext cx="12192000" cy="698566"/>
+            <a:off x="324676" y="163734"/>
+            <a:ext cx="11790050" cy="698566"/>
           </a:xfrm>
           <a:prstGeom prst="rect">
             <a:avLst/>
@@ -8491,82 +9667,54 @@
             </a:lvl1pPr>
           </a:lstStyle>
           <a:p>
-            <a:pPr algn="ctr"/>
             <a:r>
-              <a:rPr lang="en-US" sz="7200" dirty="0">
-                <a:latin typeface="Bahnschrift SemiBold" panose="020B0502040204020203" pitchFamily="34" charset="0"/>
-                <a:cs typeface="Adobe Arabic" panose="02040503050201020203" pitchFamily="18" charset="-78"/>
+              <a:rPr lang="en-US" sz="2800" dirty="0">
+                <a:latin typeface="Aller Display" panose="02000503000000020003" pitchFamily="2" charset="0"/>
               </a:rPr>
-              <a:t>DEMONSTRATION</a:t>
+              <a:t>PROJECT PLAN AND PROGRESS</a:t>
             </a:r>
-            <a:endParaRPr lang="en-US" sz="7200" dirty="0">
-              <a:solidFill>
-                <a:schemeClr val="accent5">
-                  <a:lumMod val="75000"/>
-                </a:schemeClr>
-              </a:solidFill>
-              <a:latin typeface="Bahnschrift SemiBold" panose="020B0502040204020203" pitchFamily="34" charset="0"/>
-              <a:cs typeface="Adobe Arabic" panose="02040503050201020203" pitchFamily="18" charset="-78"/>
-            </a:endParaRPr>
           </a:p>
         </p:txBody>
       </p:sp>
-      <p:sp>
-        <p:nvSpPr>
-          <p:cNvPr id="5" name="Rectangle 4">
-            <a:extLst>
-              <a:ext uri="{FF2B5EF4-FFF2-40B4-BE49-F238E27FC236}">
-                <a16:creationId xmlns:a16="http://schemas.microsoft.com/office/drawing/2014/main" id="{02DDF208-201F-485E-A6A1-250AD7CA171B}"/>
-              </a:ext>
-            </a:extLst>
-          </p:cNvPr>
-          <p:cNvSpPr/>
+      <p:pic>
+        <p:nvPicPr>
+          <p:cNvPr id="5" name="Picture 4">
+            <a:extLst>
+              <a:ext uri="{FF2B5EF4-FFF2-40B4-BE49-F238E27FC236}">
+                <a16:creationId xmlns:a16="http://schemas.microsoft.com/office/drawing/2014/main" id="{6F2B560B-74E5-4F08-98E7-6B7685373CAF}"/>
+              </a:ext>
+            </a:extLst>
+          </p:cNvPr>
+          <p:cNvPicPr>
+            <a:picLocks noChangeAspect="1"/>
+          </p:cNvPicPr>
           <p:nvPr/>
-        </p:nvSpPr>
+        </p:nvPicPr>
+        <p:blipFill rotWithShape="1">
+          <a:blip r:embed="rId2">
+            <a:extLst>
+              <a:ext uri="{28A0092B-C50C-407E-A947-70E740481C1C}">
+                <a14:useLocalDpi xmlns:a14="http://schemas.microsoft.com/office/drawing/2010/main" val="0"/>
+              </a:ext>
+            </a:extLst>
+          </a:blip>
+          <a:srcRect l="1774" t="53093" r="9456" b="9859"/>
+          <a:stretch/>
+        </p:blipFill>
         <p:spPr>
           <a:xfrm>
-            <a:off x="342900" y="342900"/>
-            <a:ext cx="11506200" cy="6172200"/>
+            <a:off x="198595" y="1522634"/>
+            <a:ext cx="11822697" cy="3812731"/>
           </a:xfrm>
           <a:prstGeom prst="rect">
             <a:avLst/>
           </a:prstGeom>
-          <a:noFill/>
-          <a:ln w="38100">
-            <a:solidFill>
-              <a:schemeClr val="tx1"/>
-            </a:solidFill>
-          </a:ln>
-        </p:spPr>
-        <p:style>
-          <a:lnRef idx="2">
-            <a:schemeClr val="accent1">
-              <a:shade val="50000"/>
-            </a:schemeClr>
-          </a:lnRef>
-          <a:fillRef idx="1">
-            <a:schemeClr val="accent1"/>
-          </a:fillRef>
-          <a:effectRef idx="0">
-            <a:schemeClr val="accent1"/>
-          </a:effectRef>
-          <a:fontRef idx="minor">
-            <a:schemeClr val="lt1"/>
-          </a:fontRef>
-        </p:style>
-        <p:txBody>
-          <a:bodyPr rtlCol="0" anchor="ctr"/>
-          <a:lstStyle/>
-          <a:p>
-            <a:pPr algn="ctr"/>
-            <a:endParaRPr lang="en-US"/>
-          </a:p>
-        </p:txBody>
-      </p:sp>
+        </p:spPr>
+      </p:pic>
     </p:spTree>
     <p:extLst>
       <p:ext uri="{BB962C8B-B14F-4D97-AF65-F5344CB8AC3E}">
-        <p14:creationId xmlns:p14="http://schemas.microsoft.com/office/powerpoint/2010/main" val="2082878074"/>
+        <p14:creationId xmlns:p14="http://schemas.microsoft.com/office/powerpoint/2010/main" val="592085028"/>
       </p:ext>
     </p:extLst>
   </p:cSld>
@@ -8601,7 +9749,7 @@
           <p:cNvPr id="2" name="Title 1">
             <a:extLst>
               <a:ext uri="{FF2B5EF4-FFF2-40B4-BE49-F238E27FC236}">
-                <a16:creationId xmlns:a16="http://schemas.microsoft.com/office/drawing/2014/main" id="{36A30F7A-B94A-496A-B7ED-66C79501F1D0}"/>
+                <a16:creationId xmlns:a16="http://schemas.microsoft.com/office/drawing/2014/main" id="{52DA7C2A-D0AC-41A1-909D-6CF493B69DAC}"/>
               </a:ext>
             </a:extLst>
           </p:cNvPr>
@@ -8612,8 +9760,8 @@
         </p:nvSpPr>
         <p:spPr>
           <a:xfrm>
-            <a:off x="324676" y="163734"/>
-            <a:ext cx="11790050" cy="698566"/>
+            <a:off x="0" y="3079717"/>
+            <a:ext cx="12192000" cy="698566"/>
           </a:xfrm>
           <a:prstGeom prst="rect">
             <a:avLst/>
@@ -8641,6 +9789,156 @@
             </a:lvl1pPr>
           </a:lstStyle>
           <a:p>
+            <a:pPr algn="ctr"/>
+            <a:r>
+              <a:rPr lang="en-US" sz="7200" dirty="0">
+                <a:latin typeface="Bahnschrift SemiBold" panose="020B0502040204020203" pitchFamily="34" charset="0"/>
+                <a:cs typeface="Adobe Arabic" panose="02040503050201020203" pitchFamily="18" charset="-78"/>
+              </a:rPr>
+              <a:t>DEMONSTRATION</a:t>
+            </a:r>
+            <a:endParaRPr lang="en-US" sz="7200" dirty="0">
+              <a:solidFill>
+                <a:schemeClr val="accent5">
+                  <a:lumMod val="75000"/>
+                </a:schemeClr>
+              </a:solidFill>
+              <a:latin typeface="Bahnschrift SemiBold" panose="020B0502040204020203" pitchFamily="34" charset="0"/>
+              <a:cs typeface="Adobe Arabic" panose="02040503050201020203" pitchFamily="18" charset="-78"/>
+            </a:endParaRPr>
+          </a:p>
+        </p:txBody>
+      </p:sp>
+      <p:sp>
+        <p:nvSpPr>
+          <p:cNvPr id="5" name="Rectangle 4">
+            <a:extLst>
+              <a:ext uri="{FF2B5EF4-FFF2-40B4-BE49-F238E27FC236}">
+                <a16:creationId xmlns:a16="http://schemas.microsoft.com/office/drawing/2014/main" id="{02DDF208-201F-485E-A6A1-250AD7CA171B}"/>
+              </a:ext>
+            </a:extLst>
+          </p:cNvPr>
+          <p:cNvSpPr/>
+          <p:nvPr/>
+        </p:nvSpPr>
+        <p:spPr>
+          <a:xfrm>
+            <a:off x="342900" y="342900"/>
+            <a:ext cx="11506200" cy="6172200"/>
+          </a:xfrm>
+          <a:prstGeom prst="rect">
+            <a:avLst/>
+          </a:prstGeom>
+          <a:noFill/>
+          <a:ln w="38100">
+            <a:solidFill>
+              <a:schemeClr val="tx1"/>
+            </a:solidFill>
+          </a:ln>
+        </p:spPr>
+        <p:style>
+          <a:lnRef idx="2">
+            <a:schemeClr val="accent1">
+              <a:shade val="50000"/>
+            </a:schemeClr>
+          </a:lnRef>
+          <a:fillRef idx="1">
+            <a:schemeClr val="accent1"/>
+          </a:fillRef>
+          <a:effectRef idx="0">
+            <a:schemeClr val="accent1"/>
+          </a:effectRef>
+          <a:fontRef idx="minor">
+            <a:schemeClr val="lt1"/>
+          </a:fontRef>
+        </p:style>
+        <p:txBody>
+          <a:bodyPr rtlCol="0" anchor="ctr"/>
+          <a:lstStyle/>
+          <a:p>
+            <a:pPr algn="ctr"/>
+            <a:endParaRPr lang="en-US"/>
+          </a:p>
+        </p:txBody>
+      </p:sp>
+    </p:spTree>
+    <p:extLst>
+      <p:ext uri="{BB962C8B-B14F-4D97-AF65-F5344CB8AC3E}">
+        <p14:creationId xmlns:p14="http://schemas.microsoft.com/office/powerpoint/2010/main" val="2082878074"/>
+      </p:ext>
+    </p:extLst>
+  </p:cSld>
+  <p:clrMapOvr>
+    <a:masterClrMapping/>
+  </p:clrMapOvr>
+  <p:transition spd="slow">
+    <p:wipe/>
+  </p:transition>
+</p:sld>
+</file>
+
+<file path=ppt/slides/slide17.xml><?xml version="1.0" encoding="utf-8"?>
+<p:sld xmlns:a="http://schemas.openxmlformats.org/drawingml/2006/main" xmlns:r="http://schemas.openxmlformats.org/officeDocument/2006/relationships" xmlns:p="http://schemas.openxmlformats.org/presentationml/2006/main">
+  <p:cSld>
+    <p:spTree>
+      <p:nvGrpSpPr>
+        <p:cNvPr id="1" name=""/>
+        <p:cNvGrpSpPr/>
+        <p:nvPr/>
+      </p:nvGrpSpPr>
+      <p:grpSpPr>
+        <a:xfrm>
+          <a:off x="0" y="0"/>
+          <a:ext cx="0" cy="0"/>
+          <a:chOff x="0" y="0"/>
+          <a:chExt cx="0" cy="0"/>
+        </a:xfrm>
+      </p:grpSpPr>
+      <p:sp>
+        <p:nvSpPr>
+          <p:cNvPr id="2" name="Title 1">
+            <a:extLst>
+              <a:ext uri="{FF2B5EF4-FFF2-40B4-BE49-F238E27FC236}">
+                <a16:creationId xmlns:a16="http://schemas.microsoft.com/office/drawing/2014/main" id="{36A30F7A-B94A-496A-B7ED-66C79501F1D0}"/>
+              </a:ext>
+            </a:extLst>
+          </p:cNvPr>
+          <p:cNvSpPr txBox="1">
+            <a:spLocks/>
+          </p:cNvSpPr>
+          <p:nvPr/>
+        </p:nvSpPr>
+        <p:spPr>
+          <a:xfrm>
+            <a:off x="324676" y="163734"/>
+            <a:ext cx="11790050" cy="698566"/>
+          </a:xfrm>
+          <a:prstGeom prst="rect">
+            <a:avLst/>
+          </a:prstGeom>
+        </p:spPr>
+        <p:txBody>
+          <a:bodyPr anchor="ctr"/>
+          <a:lstStyle>
+            <a:lvl1pPr algn="l" defTabSz="914400" rtl="0" eaLnBrk="1" latinLnBrk="0" hangingPunct="1">
+              <a:lnSpc>
+                <a:spcPct val="90000"/>
+              </a:lnSpc>
+              <a:spcBef>
+                <a:spcPct val="0"/>
+              </a:spcBef>
+              <a:buNone/>
+              <a:defRPr sz="4400" kern="1200">
+                <a:solidFill>
+                  <a:schemeClr val="tx1"/>
+                </a:solidFill>
+                <a:latin typeface="+mj-lt"/>
+                <a:ea typeface="+mj-ea"/>
+                <a:cs typeface="+mj-cs"/>
+              </a:defRPr>
+            </a:lvl1pPr>
+          </a:lstStyle>
+          <a:p>
             <a:r>
               <a:rPr lang="en-US" sz="2800" dirty="0">
                 <a:latin typeface="Aller Display" panose="02000503000000020003" pitchFamily="2" charset="0"/>
@@ -8702,7 +10000,7 @@
 </p:sld>
 </file>
 
-<file path=ppt/slides/slide17.xml><?xml version="1.0" encoding="utf-8"?>
+<file path=ppt/slides/slide18.xml><?xml version="1.0" encoding="utf-8"?>
 <p:sld xmlns:a="http://schemas.openxmlformats.org/drawingml/2006/main" xmlns:r="http://schemas.openxmlformats.org/officeDocument/2006/relationships" xmlns:p="http://schemas.openxmlformats.org/presentationml/2006/main" show="0">
   <p:cSld>
     <p:spTree>
@@ -9029,7 +10327,7 @@
 </p:sld>
 </file>
 
-<file path=ppt/slides/slide18.xml><?xml version="1.0" encoding="utf-8"?>
+<file path=ppt/slides/slide19.xml><?xml version="1.0" encoding="utf-8"?>
 <p:sld xmlns:a="http://schemas.openxmlformats.org/drawingml/2006/main" xmlns:r="http://schemas.openxmlformats.org/officeDocument/2006/relationships" xmlns:p="http://schemas.openxmlformats.org/presentationml/2006/main">
   <p:cSld>
     <p:spTree>
@@ -9344,320 +10642,6 @@
     <p:extLst>
       <p:ext uri="{BB962C8B-B14F-4D97-AF65-F5344CB8AC3E}">
         <p14:creationId xmlns:p14="http://schemas.microsoft.com/office/powerpoint/2010/main" val="3705454000"/>
-      </p:ext>
-    </p:extLst>
-  </p:cSld>
-  <p:clrMapOvr>
-    <a:masterClrMapping/>
-  </p:clrMapOvr>
-  <p:transition spd="slow">
-    <p:wipe/>
-  </p:transition>
-</p:sld>
-</file>
-
-<file path=ppt/slides/slide19.xml><?xml version="1.0" encoding="utf-8"?>
-<p:sld xmlns:a="http://schemas.openxmlformats.org/drawingml/2006/main" xmlns:r="http://schemas.openxmlformats.org/officeDocument/2006/relationships" xmlns:p="http://schemas.openxmlformats.org/presentationml/2006/main">
-  <p:cSld>
-    <p:spTree>
-      <p:nvGrpSpPr>
-        <p:cNvPr id="1" name=""/>
-        <p:cNvGrpSpPr/>
-        <p:nvPr/>
-      </p:nvGrpSpPr>
-      <p:grpSpPr>
-        <a:xfrm>
-          <a:off x="0" y="0"/>
-          <a:ext cx="0" cy="0"/>
-          <a:chOff x="0" y="0"/>
-          <a:chExt cx="0" cy="0"/>
-        </a:xfrm>
-      </p:grpSpPr>
-      <p:sp>
-        <p:nvSpPr>
-          <p:cNvPr id="2" name="Title 1">
-            <a:extLst>
-              <a:ext uri="{FF2B5EF4-FFF2-40B4-BE49-F238E27FC236}">
-                <a16:creationId xmlns:a16="http://schemas.microsoft.com/office/drawing/2014/main" id="{52DA7C2A-D0AC-41A1-909D-6CF493B69DAC}"/>
-              </a:ext>
-            </a:extLst>
-          </p:cNvPr>
-          <p:cNvSpPr txBox="1">
-            <a:spLocks/>
-          </p:cNvSpPr>
-          <p:nvPr/>
-        </p:nvSpPr>
-        <p:spPr>
-          <a:xfrm>
-            <a:off x="554350" y="508066"/>
-            <a:ext cx="11790050" cy="698566"/>
-          </a:xfrm>
-          <a:prstGeom prst="rect">
-            <a:avLst/>
-          </a:prstGeom>
-        </p:spPr>
-        <p:txBody>
-          <a:bodyPr anchor="ctr"/>
-          <a:lstStyle>
-            <a:lvl1pPr algn="l" defTabSz="914400" rtl="0" eaLnBrk="1" latinLnBrk="0" hangingPunct="1">
-              <a:lnSpc>
-                <a:spcPct val="90000"/>
-              </a:lnSpc>
-              <a:spcBef>
-                <a:spcPct val="0"/>
-              </a:spcBef>
-              <a:buNone/>
-              <a:defRPr sz="4400" kern="1200">
-                <a:solidFill>
-                  <a:schemeClr val="tx1"/>
-                </a:solidFill>
-                <a:latin typeface="+mj-lt"/>
-                <a:ea typeface="+mj-ea"/>
-                <a:cs typeface="+mj-cs"/>
-              </a:defRPr>
-            </a:lvl1pPr>
-          </a:lstStyle>
-          <a:p>
-            <a:r>
-              <a:rPr lang="en-US" dirty="0">
-                <a:latin typeface="Aller Display" panose="02000503000000020003" pitchFamily="2" charset="0"/>
-              </a:rPr>
-              <a:t>NEXT STEPS</a:t>
-            </a:r>
-          </a:p>
-        </p:txBody>
-      </p:sp>
-      <p:sp>
-        <p:nvSpPr>
-          <p:cNvPr id="3" name="Title 1">
-            <a:extLst>
-              <a:ext uri="{FF2B5EF4-FFF2-40B4-BE49-F238E27FC236}">
-                <a16:creationId xmlns:a16="http://schemas.microsoft.com/office/drawing/2014/main" id="{49F971CB-4ADA-4244-AAD8-2F7838D7FEF3}"/>
-              </a:ext>
-            </a:extLst>
-          </p:cNvPr>
-          <p:cNvSpPr txBox="1">
-            <a:spLocks/>
-          </p:cNvSpPr>
-          <p:nvPr/>
-        </p:nvSpPr>
-        <p:spPr>
-          <a:xfrm>
-            <a:off x="800100" y="3416299"/>
-            <a:ext cx="11049000" cy="1320800"/>
-          </a:xfrm>
-          <a:prstGeom prst="rect">
-            <a:avLst/>
-          </a:prstGeom>
-        </p:spPr>
-        <p:txBody>
-          <a:bodyPr anchor="t"/>
-          <a:lstStyle>
-            <a:lvl1pPr algn="l" defTabSz="914400" rtl="0" eaLnBrk="1" latinLnBrk="0" hangingPunct="1">
-              <a:lnSpc>
-                <a:spcPct val="90000"/>
-              </a:lnSpc>
-              <a:spcBef>
-                <a:spcPct val="0"/>
-              </a:spcBef>
-              <a:buNone/>
-              <a:defRPr sz="4400" kern="1200">
-                <a:solidFill>
-                  <a:schemeClr val="tx1"/>
-                </a:solidFill>
-                <a:latin typeface="+mj-lt"/>
-                <a:ea typeface="+mj-ea"/>
-                <a:cs typeface="+mj-cs"/>
-              </a:defRPr>
-            </a:lvl1pPr>
-          </a:lstStyle>
-          <a:p>
-            <a:pPr>
-              <a:lnSpc>
-                <a:spcPct val="150000"/>
-              </a:lnSpc>
-            </a:pPr>
-            <a:r>
-              <a:rPr lang="en-US" sz="3200" b="1" dirty="0">
-                <a:solidFill>
-                  <a:srgbClr val="00B0F0"/>
-                </a:solidFill>
-                <a:latin typeface="Aller" panose="02000503030000020004" pitchFamily="2" charset="0"/>
-              </a:rPr>
-              <a:t>Optimizations</a:t>
-            </a:r>
-          </a:p>
-          <a:p>
-            <a:pPr>
-              <a:lnSpc>
-                <a:spcPct val="150000"/>
-              </a:lnSpc>
-            </a:pPr>
-            <a:r>
-              <a:rPr lang="en-US" sz="3200" b="1" dirty="0">
-                <a:latin typeface="Aller" panose="02000503030000020004" pitchFamily="2" charset="0"/>
-              </a:rPr>
-              <a:t>	</a:t>
-            </a:r>
-            <a:r>
-              <a:rPr lang="en-US" sz="3200" dirty="0">
-                <a:latin typeface="Aller" panose="02000503030000020004" pitchFamily="2" charset="0"/>
-              </a:rPr>
-              <a:t>- Parallelizing calculations</a:t>
-            </a:r>
-          </a:p>
-          <a:p>
-            <a:pPr>
-              <a:lnSpc>
-                <a:spcPct val="150000"/>
-              </a:lnSpc>
-            </a:pPr>
-            <a:r>
-              <a:rPr lang="en-US" sz="3200" dirty="0">
-                <a:latin typeface="Aller" panose="02000503030000020004" pitchFamily="2" charset="0"/>
-              </a:rPr>
-              <a:t>	- GPU processing</a:t>
-            </a:r>
-          </a:p>
-        </p:txBody>
-      </p:sp>
-      <p:sp>
-        <p:nvSpPr>
-          <p:cNvPr id="4" name="Title 1">
-            <a:extLst>
-              <a:ext uri="{FF2B5EF4-FFF2-40B4-BE49-F238E27FC236}">
-                <a16:creationId xmlns:a16="http://schemas.microsoft.com/office/drawing/2014/main" id="{A38C0F71-6E70-47EE-85C6-24015D68BC90}"/>
-              </a:ext>
-            </a:extLst>
-          </p:cNvPr>
-          <p:cNvSpPr txBox="1">
-            <a:spLocks/>
-          </p:cNvSpPr>
-          <p:nvPr/>
-        </p:nvSpPr>
-        <p:spPr>
-          <a:xfrm>
-            <a:off x="800100" y="1596977"/>
-            <a:ext cx="11049000" cy="1320800"/>
-          </a:xfrm>
-          <a:prstGeom prst="rect">
-            <a:avLst/>
-          </a:prstGeom>
-        </p:spPr>
-        <p:txBody>
-          <a:bodyPr anchor="t"/>
-          <a:lstStyle>
-            <a:lvl1pPr algn="l" defTabSz="914400" rtl="0" eaLnBrk="1" latinLnBrk="0" hangingPunct="1">
-              <a:lnSpc>
-                <a:spcPct val="90000"/>
-              </a:lnSpc>
-              <a:spcBef>
-                <a:spcPct val="0"/>
-              </a:spcBef>
-              <a:buNone/>
-              <a:defRPr sz="4400" kern="1200">
-                <a:solidFill>
-                  <a:schemeClr val="tx1"/>
-                </a:solidFill>
-                <a:latin typeface="+mj-lt"/>
-                <a:ea typeface="+mj-ea"/>
-                <a:cs typeface="+mj-cs"/>
-              </a:defRPr>
-            </a:lvl1pPr>
-          </a:lstStyle>
-          <a:p>
-            <a:pPr>
-              <a:lnSpc>
-                <a:spcPct val="150000"/>
-              </a:lnSpc>
-            </a:pPr>
-            <a:r>
-              <a:rPr lang="en-US" sz="3200" b="1" dirty="0">
-                <a:solidFill>
-                  <a:srgbClr val="00B0F0"/>
-                </a:solidFill>
-                <a:latin typeface="Aller" panose="02000503030000020004" pitchFamily="2" charset="0"/>
-              </a:rPr>
-              <a:t>Improvements</a:t>
-            </a:r>
-          </a:p>
-          <a:p>
-            <a:pPr>
-              <a:lnSpc>
-                <a:spcPct val="150000"/>
-              </a:lnSpc>
-            </a:pPr>
-            <a:r>
-              <a:rPr lang="en-US" sz="3200" b="1" dirty="0">
-                <a:latin typeface="Aller" panose="02000503030000020004" pitchFamily="2" charset="0"/>
-              </a:rPr>
-              <a:t>	</a:t>
-            </a:r>
-            <a:r>
-              <a:rPr lang="en-US" sz="3200" dirty="0">
-                <a:latin typeface="Aller" panose="02000503030000020004" pitchFamily="2" charset="0"/>
-              </a:rPr>
-              <a:t>- Extending for 3D structures</a:t>
-            </a:r>
-          </a:p>
-        </p:txBody>
-      </p:sp>
-      <p:sp>
-        <p:nvSpPr>
-          <p:cNvPr id="5" name="Rectangle 4">
-            <a:extLst>
-              <a:ext uri="{FF2B5EF4-FFF2-40B4-BE49-F238E27FC236}">
-                <a16:creationId xmlns:a16="http://schemas.microsoft.com/office/drawing/2014/main" id="{4082FDE3-FBF5-4C96-B8AA-3286ADAA0C53}"/>
-              </a:ext>
-            </a:extLst>
-          </p:cNvPr>
-          <p:cNvSpPr/>
-          <p:nvPr/>
-        </p:nvSpPr>
-        <p:spPr>
-          <a:xfrm>
-            <a:off x="342900" y="342900"/>
-            <a:ext cx="11506200" cy="6172200"/>
-          </a:xfrm>
-          <a:prstGeom prst="rect">
-            <a:avLst/>
-          </a:prstGeom>
-          <a:noFill/>
-          <a:ln w="38100">
-            <a:solidFill>
-              <a:schemeClr val="tx1"/>
-            </a:solidFill>
-          </a:ln>
-        </p:spPr>
-        <p:style>
-          <a:lnRef idx="2">
-            <a:schemeClr val="accent1">
-              <a:shade val="50000"/>
-            </a:schemeClr>
-          </a:lnRef>
-          <a:fillRef idx="1">
-            <a:schemeClr val="accent1"/>
-          </a:fillRef>
-          <a:effectRef idx="0">
-            <a:schemeClr val="accent1"/>
-          </a:effectRef>
-          <a:fontRef idx="minor">
-            <a:schemeClr val="lt1"/>
-          </a:fontRef>
-        </p:style>
-        <p:txBody>
-          <a:bodyPr rtlCol="0" anchor="ctr"/>
-          <a:lstStyle/>
-          <a:p>
-            <a:pPr algn="ctr"/>
-            <a:endParaRPr lang="en-US"/>
-          </a:p>
-        </p:txBody>
-      </p:sp>
-    </p:spTree>
-    <p:extLst>
-      <p:ext uri="{BB962C8B-B14F-4D97-AF65-F5344CB8AC3E}">
-        <p14:creationId xmlns:p14="http://schemas.microsoft.com/office/powerpoint/2010/main" val="519272315"/>
       </p:ext>
     </p:extLst>
   </p:cSld>
@@ -10318,6 +11302,320 @@
         </p:nvSpPr>
         <p:spPr>
           <a:xfrm>
+            <a:off x="554350" y="508066"/>
+            <a:ext cx="11790050" cy="698566"/>
+          </a:xfrm>
+          <a:prstGeom prst="rect">
+            <a:avLst/>
+          </a:prstGeom>
+        </p:spPr>
+        <p:txBody>
+          <a:bodyPr anchor="ctr"/>
+          <a:lstStyle>
+            <a:lvl1pPr algn="l" defTabSz="914400" rtl="0" eaLnBrk="1" latinLnBrk="0" hangingPunct="1">
+              <a:lnSpc>
+                <a:spcPct val="90000"/>
+              </a:lnSpc>
+              <a:spcBef>
+                <a:spcPct val="0"/>
+              </a:spcBef>
+              <a:buNone/>
+              <a:defRPr sz="4400" kern="1200">
+                <a:solidFill>
+                  <a:schemeClr val="tx1"/>
+                </a:solidFill>
+                <a:latin typeface="+mj-lt"/>
+                <a:ea typeface="+mj-ea"/>
+                <a:cs typeface="+mj-cs"/>
+              </a:defRPr>
+            </a:lvl1pPr>
+          </a:lstStyle>
+          <a:p>
+            <a:r>
+              <a:rPr lang="en-US" dirty="0">
+                <a:latin typeface="Aller Display" panose="02000503000000020003" pitchFamily="2" charset="0"/>
+              </a:rPr>
+              <a:t>NEXT STEPS</a:t>
+            </a:r>
+          </a:p>
+        </p:txBody>
+      </p:sp>
+      <p:sp>
+        <p:nvSpPr>
+          <p:cNvPr id="3" name="Title 1">
+            <a:extLst>
+              <a:ext uri="{FF2B5EF4-FFF2-40B4-BE49-F238E27FC236}">
+                <a16:creationId xmlns:a16="http://schemas.microsoft.com/office/drawing/2014/main" id="{49F971CB-4ADA-4244-AAD8-2F7838D7FEF3}"/>
+              </a:ext>
+            </a:extLst>
+          </p:cNvPr>
+          <p:cNvSpPr txBox="1">
+            <a:spLocks/>
+          </p:cNvSpPr>
+          <p:nvPr/>
+        </p:nvSpPr>
+        <p:spPr>
+          <a:xfrm>
+            <a:off x="800100" y="3416299"/>
+            <a:ext cx="11049000" cy="1320800"/>
+          </a:xfrm>
+          <a:prstGeom prst="rect">
+            <a:avLst/>
+          </a:prstGeom>
+        </p:spPr>
+        <p:txBody>
+          <a:bodyPr anchor="t"/>
+          <a:lstStyle>
+            <a:lvl1pPr algn="l" defTabSz="914400" rtl="0" eaLnBrk="1" latinLnBrk="0" hangingPunct="1">
+              <a:lnSpc>
+                <a:spcPct val="90000"/>
+              </a:lnSpc>
+              <a:spcBef>
+                <a:spcPct val="0"/>
+              </a:spcBef>
+              <a:buNone/>
+              <a:defRPr sz="4400" kern="1200">
+                <a:solidFill>
+                  <a:schemeClr val="tx1"/>
+                </a:solidFill>
+                <a:latin typeface="+mj-lt"/>
+                <a:ea typeface="+mj-ea"/>
+                <a:cs typeface="+mj-cs"/>
+              </a:defRPr>
+            </a:lvl1pPr>
+          </a:lstStyle>
+          <a:p>
+            <a:pPr>
+              <a:lnSpc>
+                <a:spcPct val="150000"/>
+              </a:lnSpc>
+            </a:pPr>
+            <a:r>
+              <a:rPr lang="en-US" sz="3200" b="1" dirty="0">
+                <a:solidFill>
+                  <a:srgbClr val="00B0F0"/>
+                </a:solidFill>
+                <a:latin typeface="Aller" panose="02000503030000020004" pitchFamily="2" charset="0"/>
+              </a:rPr>
+              <a:t>Optimizations</a:t>
+            </a:r>
+          </a:p>
+          <a:p>
+            <a:pPr>
+              <a:lnSpc>
+                <a:spcPct val="150000"/>
+              </a:lnSpc>
+            </a:pPr>
+            <a:r>
+              <a:rPr lang="en-US" sz="3200" b="1" dirty="0">
+                <a:latin typeface="Aller" panose="02000503030000020004" pitchFamily="2" charset="0"/>
+              </a:rPr>
+              <a:t>	</a:t>
+            </a:r>
+            <a:r>
+              <a:rPr lang="en-US" sz="3200" dirty="0">
+                <a:latin typeface="Aller" panose="02000503030000020004" pitchFamily="2" charset="0"/>
+              </a:rPr>
+              <a:t>- Parallelizing calculations</a:t>
+            </a:r>
+          </a:p>
+          <a:p>
+            <a:pPr>
+              <a:lnSpc>
+                <a:spcPct val="150000"/>
+              </a:lnSpc>
+            </a:pPr>
+            <a:r>
+              <a:rPr lang="en-US" sz="3200" dirty="0">
+                <a:latin typeface="Aller" panose="02000503030000020004" pitchFamily="2" charset="0"/>
+              </a:rPr>
+              <a:t>	- GPU processing</a:t>
+            </a:r>
+          </a:p>
+        </p:txBody>
+      </p:sp>
+      <p:sp>
+        <p:nvSpPr>
+          <p:cNvPr id="4" name="Title 1">
+            <a:extLst>
+              <a:ext uri="{FF2B5EF4-FFF2-40B4-BE49-F238E27FC236}">
+                <a16:creationId xmlns:a16="http://schemas.microsoft.com/office/drawing/2014/main" id="{A38C0F71-6E70-47EE-85C6-24015D68BC90}"/>
+              </a:ext>
+            </a:extLst>
+          </p:cNvPr>
+          <p:cNvSpPr txBox="1">
+            <a:spLocks/>
+          </p:cNvSpPr>
+          <p:nvPr/>
+        </p:nvSpPr>
+        <p:spPr>
+          <a:xfrm>
+            <a:off x="800100" y="1596977"/>
+            <a:ext cx="11049000" cy="1320800"/>
+          </a:xfrm>
+          <a:prstGeom prst="rect">
+            <a:avLst/>
+          </a:prstGeom>
+        </p:spPr>
+        <p:txBody>
+          <a:bodyPr anchor="t"/>
+          <a:lstStyle>
+            <a:lvl1pPr algn="l" defTabSz="914400" rtl="0" eaLnBrk="1" latinLnBrk="0" hangingPunct="1">
+              <a:lnSpc>
+                <a:spcPct val="90000"/>
+              </a:lnSpc>
+              <a:spcBef>
+                <a:spcPct val="0"/>
+              </a:spcBef>
+              <a:buNone/>
+              <a:defRPr sz="4400" kern="1200">
+                <a:solidFill>
+                  <a:schemeClr val="tx1"/>
+                </a:solidFill>
+                <a:latin typeface="+mj-lt"/>
+                <a:ea typeface="+mj-ea"/>
+                <a:cs typeface="+mj-cs"/>
+              </a:defRPr>
+            </a:lvl1pPr>
+          </a:lstStyle>
+          <a:p>
+            <a:pPr>
+              <a:lnSpc>
+                <a:spcPct val="150000"/>
+              </a:lnSpc>
+            </a:pPr>
+            <a:r>
+              <a:rPr lang="en-US" sz="3200" b="1" dirty="0">
+                <a:solidFill>
+                  <a:srgbClr val="00B0F0"/>
+                </a:solidFill>
+                <a:latin typeface="Aller" panose="02000503030000020004" pitchFamily="2" charset="0"/>
+              </a:rPr>
+              <a:t>Improvements</a:t>
+            </a:r>
+          </a:p>
+          <a:p>
+            <a:pPr>
+              <a:lnSpc>
+                <a:spcPct val="150000"/>
+              </a:lnSpc>
+            </a:pPr>
+            <a:r>
+              <a:rPr lang="en-US" sz="3200" b="1" dirty="0">
+                <a:latin typeface="Aller" panose="02000503030000020004" pitchFamily="2" charset="0"/>
+              </a:rPr>
+              <a:t>	</a:t>
+            </a:r>
+            <a:r>
+              <a:rPr lang="en-US" sz="3200" dirty="0">
+                <a:latin typeface="Aller" panose="02000503030000020004" pitchFamily="2" charset="0"/>
+              </a:rPr>
+              <a:t>- Extending for 3D structures</a:t>
+            </a:r>
+          </a:p>
+        </p:txBody>
+      </p:sp>
+      <p:sp>
+        <p:nvSpPr>
+          <p:cNvPr id="5" name="Rectangle 4">
+            <a:extLst>
+              <a:ext uri="{FF2B5EF4-FFF2-40B4-BE49-F238E27FC236}">
+                <a16:creationId xmlns:a16="http://schemas.microsoft.com/office/drawing/2014/main" id="{4082FDE3-FBF5-4C96-B8AA-3286ADAA0C53}"/>
+              </a:ext>
+            </a:extLst>
+          </p:cNvPr>
+          <p:cNvSpPr/>
+          <p:nvPr/>
+        </p:nvSpPr>
+        <p:spPr>
+          <a:xfrm>
+            <a:off x="342900" y="342900"/>
+            <a:ext cx="11506200" cy="6172200"/>
+          </a:xfrm>
+          <a:prstGeom prst="rect">
+            <a:avLst/>
+          </a:prstGeom>
+          <a:noFill/>
+          <a:ln w="38100">
+            <a:solidFill>
+              <a:schemeClr val="tx1"/>
+            </a:solidFill>
+          </a:ln>
+        </p:spPr>
+        <p:style>
+          <a:lnRef idx="2">
+            <a:schemeClr val="accent1">
+              <a:shade val="50000"/>
+            </a:schemeClr>
+          </a:lnRef>
+          <a:fillRef idx="1">
+            <a:schemeClr val="accent1"/>
+          </a:fillRef>
+          <a:effectRef idx="0">
+            <a:schemeClr val="accent1"/>
+          </a:effectRef>
+          <a:fontRef idx="minor">
+            <a:schemeClr val="lt1"/>
+          </a:fontRef>
+        </p:style>
+        <p:txBody>
+          <a:bodyPr rtlCol="0" anchor="ctr"/>
+          <a:lstStyle/>
+          <a:p>
+            <a:pPr algn="ctr"/>
+            <a:endParaRPr lang="en-US"/>
+          </a:p>
+        </p:txBody>
+      </p:sp>
+    </p:spTree>
+    <p:extLst>
+      <p:ext uri="{BB962C8B-B14F-4D97-AF65-F5344CB8AC3E}">
+        <p14:creationId xmlns:p14="http://schemas.microsoft.com/office/powerpoint/2010/main" val="519272315"/>
+      </p:ext>
+    </p:extLst>
+  </p:cSld>
+  <p:clrMapOvr>
+    <a:masterClrMapping/>
+  </p:clrMapOvr>
+  <p:transition spd="slow">
+    <p:wipe/>
+  </p:transition>
+</p:sld>
+</file>
+
+<file path=ppt/slides/slide21.xml><?xml version="1.0" encoding="utf-8"?>
+<p:sld xmlns:a="http://schemas.openxmlformats.org/drawingml/2006/main" xmlns:r="http://schemas.openxmlformats.org/officeDocument/2006/relationships" xmlns:p="http://schemas.openxmlformats.org/presentationml/2006/main">
+  <p:cSld>
+    <p:spTree>
+      <p:nvGrpSpPr>
+        <p:cNvPr id="1" name=""/>
+        <p:cNvGrpSpPr/>
+        <p:nvPr/>
+      </p:nvGrpSpPr>
+      <p:grpSpPr>
+        <a:xfrm>
+          <a:off x="0" y="0"/>
+          <a:ext cx="0" cy="0"/>
+          <a:chOff x="0" y="0"/>
+          <a:chExt cx="0" cy="0"/>
+        </a:xfrm>
+      </p:grpSpPr>
+      <p:sp>
+        <p:nvSpPr>
+          <p:cNvPr id="2" name="Title 1">
+            <a:extLst>
+              <a:ext uri="{FF2B5EF4-FFF2-40B4-BE49-F238E27FC236}">
+                <a16:creationId xmlns:a16="http://schemas.microsoft.com/office/drawing/2014/main" id="{52DA7C2A-D0AC-41A1-909D-6CF493B69DAC}"/>
+              </a:ext>
+            </a:extLst>
+          </p:cNvPr>
+          <p:cNvSpPr txBox="1">
+            <a:spLocks/>
+          </p:cNvSpPr>
+          <p:nvPr/>
+        </p:nvSpPr>
+        <p:spPr>
+          <a:xfrm>
             <a:off x="0" y="3079717"/>
             <a:ext cx="12192000" cy="698566"/>
           </a:xfrm>
@@ -11025,7 +12323,7 @@
           <p:cNvPr id="6" name="Rectangle 5">
             <a:extLst>
               <a:ext uri="{FF2B5EF4-FFF2-40B4-BE49-F238E27FC236}">
-                <a16:creationId xmlns:a16="http://schemas.microsoft.com/office/drawing/2014/main" id="{5110D8FA-B364-4D42-AD6E-BB2401992B8E}"/>
+                <a16:creationId xmlns:a16="http://schemas.microsoft.com/office/drawing/2014/main" id="{3E815667-661B-4BCC-B445-0EBC7359289C}"/>
               </a:ext>
             </a:extLst>
           </p:cNvPr>
@@ -11072,335 +12370,12 @@
           </a:p>
         </p:txBody>
       </p:sp>
-      <p:sp>
-        <p:nvSpPr>
-          <p:cNvPr id="4" name="Title 1">
-            <a:extLst>
-              <a:ext uri="{FF2B5EF4-FFF2-40B4-BE49-F238E27FC236}">
-                <a16:creationId xmlns:a16="http://schemas.microsoft.com/office/drawing/2014/main" id="{574DCC3C-9ADF-4742-84AA-91A5BA8EE283}"/>
-              </a:ext>
-            </a:extLst>
-          </p:cNvPr>
-          <p:cNvSpPr txBox="1">
-            <a:spLocks/>
-          </p:cNvSpPr>
-          <p:nvPr/>
-        </p:nvSpPr>
-        <p:spPr>
-          <a:xfrm>
-            <a:off x="361946" y="342900"/>
-            <a:ext cx="5499100" cy="1676400"/>
-          </a:xfrm>
-          <a:prstGeom prst="rect">
-            <a:avLst/>
-          </a:prstGeom>
-        </p:spPr>
-        <p:txBody>
-          <a:bodyPr anchor="ctr"/>
-          <a:lstStyle>
-            <a:lvl1pPr algn="l" defTabSz="914400" rtl="0" eaLnBrk="1" latinLnBrk="0" hangingPunct="1">
-              <a:lnSpc>
-                <a:spcPct val="90000"/>
-              </a:lnSpc>
-              <a:spcBef>
-                <a:spcPct val="0"/>
-              </a:spcBef>
-              <a:buNone/>
-              <a:defRPr sz="4400" kern="1200">
-                <a:solidFill>
-                  <a:schemeClr val="tx1"/>
-                </a:solidFill>
-                <a:latin typeface="+mj-lt"/>
-                <a:ea typeface="+mj-ea"/>
-                <a:cs typeface="+mj-cs"/>
-              </a:defRPr>
-            </a:lvl1pPr>
-          </a:lstStyle>
-          <a:p>
-            <a:pPr algn="ctr"/>
-            <a:r>
-              <a:rPr lang="en-US" sz="3200" dirty="0">
-                <a:latin typeface="Aller Display" panose="02000503000000020003" pitchFamily="2" charset="0"/>
-              </a:rPr>
-              <a:t>LINEAR</a:t>
-            </a:r>
-          </a:p>
-        </p:txBody>
-      </p:sp>
-      <p:sp>
-        <p:nvSpPr>
-          <p:cNvPr id="7" name="Title 1">
-            <a:extLst>
-              <a:ext uri="{FF2B5EF4-FFF2-40B4-BE49-F238E27FC236}">
-                <a16:creationId xmlns:a16="http://schemas.microsoft.com/office/drawing/2014/main" id="{6328041F-C8F0-40BE-8DB1-BA4AC086B72B}"/>
-              </a:ext>
-            </a:extLst>
-          </p:cNvPr>
-          <p:cNvSpPr txBox="1">
-            <a:spLocks/>
-          </p:cNvSpPr>
-          <p:nvPr/>
-        </p:nvSpPr>
-        <p:spPr>
-          <a:xfrm>
-            <a:off x="6350000" y="342900"/>
-            <a:ext cx="5499100" cy="1676400"/>
-          </a:xfrm>
-          <a:prstGeom prst="rect">
-            <a:avLst/>
-          </a:prstGeom>
-        </p:spPr>
-        <p:txBody>
-          <a:bodyPr anchor="ctr"/>
-          <a:lstStyle>
-            <a:lvl1pPr algn="l" defTabSz="914400" rtl="0" eaLnBrk="1" latinLnBrk="0" hangingPunct="1">
-              <a:lnSpc>
-                <a:spcPct val="90000"/>
-              </a:lnSpc>
-              <a:spcBef>
-                <a:spcPct val="0"/>
-              </a:spcBef>
-              <a:buNone/>
-              <a:defRPr sz="4400" kern="1200">
-                <a:solidFill>
-                  <a:schemeClr val="tx1"/>
-                </a:solidFill>
-                <a:latin typeface="+mj-lt"/>
-                <a:ea typeface="+mj-ea"/>
-                <a:cs typeface="+mj-cs"/>
-              </a:defRPr>
-            </a:lvl1pPr>
-          </a:lstStyle>
-          <a:p>
-            <a:pPr algn="ctr"/>
-            <a:r>
-              <a:rPr lang="en-US" sz="3200" dirty="0">
-                <a:latin typeface="Aller Display" panose="02000503000000020003" pitchFamily="2" charset="0"/>
-              </a:rPr>
-              <a:t>NON-LINEAR</a:t>
-            </a:r>
-          </a:p>
-        </p:txBody>
-      </p:sp>
-      <p:cxnSp>
-        <p:nvCxnSpPr>
-          <p:cNvPr id="3" name="Straight Connector 2">
-            <a:extLst>
-              <a:ext uri="{FF2B5EF4-FFF2-40B4-BE49-F238E27FC236}">
-                <a16:creationId xmlns:a16="http://schemas.microsoft.com/office/drawing/2014/main" id="{AE7904F4-CDB6-4583-A385-B861488894C0}"/>
-              </a:ext>
-            </a:extLst>
-          </p:cNvPr>
-          <p:cNvCxnSpPr>
-            <a:cxnSpLocks/>
-          </p:cNvCxnSpPr>
-          <p:nvPr/>
-        </p:nvCxnSpPr>
-        <p:spPr>
-          <a:xfrm>
-            <a:off x="6096000" y="1016000"/>
-            <a:ext cx="0" cy="4889500"/>
-          </a:xfrm>
-          <a:prstGeom prst="line">
-            <a:avLst/>
-          </a:prstGeom>
-          <a:ln w="38100">
-            <a:solidFill>
-              <a:schemeClr val="tx1"/>
-            </a:solidFill>
-          </a:ln>
-        </p:spPr>
-        <p:style>
-          <a:lnRef idx="1">
-            <a:schemeClr val="accent1"/>
-          </a:lnRef>
-          <a:fillRef idx="0">
-            <a:schemeClr val="accent1"/>
-          </a:fillRef>
-          <a:effectRef idx="0">
-            <a:schemeClr val="accent1"/>
-          </a:effectRef>
-          <a:fontRef idx="minor">
-            <a:schemeClr val="tx1"/>
-          </a:fontRef>
-        </p:style>
-      </p:cxnSp>
-      <p:sp>
-        <p:nvSpPr>
-          <p:cNvPr id="9" name="TextBox 8">
-            <a:extLst>
-              <a:ext uri="{FF2B5EF4-FFF2-40B4-BE49-F238E27FC236}">
-                <a16:creationId xmlns:a16="http://schemas.microsoft.com/office/drawing/2014/main" id="{91E92480-9EAD-4A38-AC99-648D25F0F57E}"/>
-              </a:ext>
-            </a:extLst>
-          </p:cNvPr>
-          <p:cNvSpPr txBox="1"/>
-          <p:nvPr/>
-        </p:nvSpPr>
-        <p:spPr>
-          <a:xfrm>
-            <a:off x="1212851" y="2351131"/>
-            <a:ext cx="3759195" cy="707886"/>
-          </a:xfrm>
-          <a:prstGeom prst="rect">
-            <a:avLst/>
-          </a:prstGeom>
-          <a:noFill/>
-        </p:spPr>
-        <p:txBody>
-          <a:bodyPr wrap="square" rtlCol="0">
-            <a:spAutoFit/>
-          </a:bodyPr>
-          <a:lstStyle/>
-          <a:p>
-            <a:pPr algn="ctr"/>
-            <a:r>
-              <a:rPr lang="en-US" sz="2000" b="1" dirty="0">
-                <a:latin typeface="Aller" panose="02000503030000020004" pitchFamily="2" charset="0"/>
-              </a:rPr>
-              <a:t>K is Constant</a:t>
-            </a:r>
-          </a:p>
-          <a:p>
-            <a:pPr algn="ctr"/>
-            <a:r>
-              <a:rPr lang="en-US" sz="2000" b="1" dirty="0">
-                <a:latin typeface="Aller" panose="02000503030000020004" pitchFamily="2" charset="0"/>
-              </a:rPr>
-              <a:t>Small loading conditions</a:t>
-            </a:r>
-          </a:p>
-        </p:txBody>
-      </p:sp>
-      <p:sp>
-        <p:nvSpPr>
-          <p:cNvPr id="11" name="TextBox 10">
-            <a:extLst>
-              <a:ext uri="{FF2B5EF4-FFF2-40B4-BE49-F238E27FC236}">
-                <a16:creationId xmlns:a16="http://schemas.microsoft.com/office/drawing/2014/main" id="{1D78CEC5-080F-4FAA-AA85-3D052C39BAD5}"/>
-              </a:ext>
-            </a:extLst>
-          </p:cNvPr>
-          <p:cNvSpPr txBox="1"/>
-          <p:nvPr/>
-        </p:nvSpPr>
-        <p:spPr>
-          <a:xfrm>
-            <a:off x="852505" y="3361949"/>
-            <a:ext cx="4517986" cy="400110"/>
-          </a:xfrm>
-          <a:prstGeom prst="rect">
-            <a:avLst/>
-          </a:prstGeom>
-          <a:noFill/>
-        </p:spPr>
-        <p:txBody>
-          <a:bodyPr wrap="square" rtlCol="0">
-            <a:spAutoFit/>
-          </a:bodyPr>
-          <a:lstStyle/>
-          <a:p>
-            <a:pPr algn="ctr"/>
-            <a:r>
-              <a:rPr lang="en-US" sz="2000" b="1" dirty="0">
-                <a:latin typeface="Aller" panose="02000503030000020004" pitchFamily="2" charset="0"/>
-              </a:rPr>
-              <a:t>Widely used software : SAP 2000</a:t>
-            </a:r>
-          </a:p>
-        </p:txBody>
-      </p:sp>
-      <p:sp>
-        <p:nvSpPr>
-          <p:cNvPr id="12" name="TextBox 11">
-            <a:extLst>
-              <a:ext uri="{FF2B5EF4-FFF2-40B4-BE49-F238E27FC236}">
-                <a16:creationId xmlns:a16="http://schemas.microsoft.com/office/drawing/2014/main" id="{2C3786CB-EF1B-43E9-8B9B-AFE91BCF1804}"/>
-              </a:ext>
-            </a:extLst>
-          </p:cNvPr>
-          <p:cNvSpPr txBox="1"/>
-          <p:nvPr/>
-        </p:nvSpPr>
-        <p:spPr>
-          <a:xfrm>
-            <a:off x="7164583" y="2216465"/>
-            <a:ext cx="3759195" cy="707886"/>
-          </a:xfrm>
-          <a:prstGeom prst="rect">
-            <a:avLst/>
-          </a:prstGeom>
-          <a:noFill/>
-        </p:spPr>
-        <p:txBody>
-          <a:bodyPr wrap="square" rtlCol="0">
-            <a:spAutoFit/>
-          </a:bodyPr>
-          <a:lstStyle/>
-          <a:p>
-            <a:pPr algn="ctr"/>
-            <a:r>
-              <a:rPr lang="en-US" sz="2000" b="1" dirty="0">
-                <a:latin typeface="Aller" panose="02000503030000020004" pitchFamily="2" charset="0"/>
-              </a:rPr>
-              <a:t>K Varies</a:t>
-            </a:r>
-          </a:p>
-          <a:p>
-            <a:pPr algn="ctr"/>
-            <a:r>
-              <a:rPr lang="en-US" sz="2000" b="1" dirty="0">
-                <a:latin typeface="Aller" panose="02000503030000020004" pitchFamily="2" charset="0"/>
-              </a:rPr>
-              <a:t>Extreme loading conditions</a:t>
-            </a:r>
-          </a:p>
-        </p:txBody>
-      </p:sp>
-      <p:sp>
-        <p:nvSpPr>
-          <p:cNvPr id="13" name="TextBox 12">
-            <a:extLst>
-              <a:ext uri="{FF2B5EF4-FFF2-40B4-BE49-F238E27FC236}">
-                <a16:creationId xmlns:a16="http://schemas.microsoft.com/office/drawing/2014/main" id="{F5EED544-3A64-49E6-93A8-6B152471B2CB}"/>
-              </a:ext>
-            </a:extLst>
-          </p:cNvPr>
-          <p:cNvSpPr txBox="1"/>
-          <p:nvPr/>
-        </p:nvSpPr>
-        <p:spPr>
-          <a:xfrm>
-            <a:off x="6727602" y="3361949"/>
-            <a:ext cx="4489898" cy="400110"/>
-          </a:xfrm>
-          <a:prstGeom prst="rect">
-            <a:avLst/>
-          </a:prstGeom>
-          <a:noFill/>
-        </p:spPr>
-        <p:txBody>
-          <a:bodyPr wrap="square" rtlCol="0">
-            <a:spAutoFit/>
-          </a:bodyPr>
-          <a:lstStyle/>
-          <a:p>
-            <a:pPr algn="ctr"/>
-            <a:r>
-              <a:rPr lang="en-US" sz="2000" b="1" dirty="0">
-                <a:latin typeface="Aller" panose="02000503030000020004" pitchFamily="2" charset="0"/>
-              </a:rPr>
-              <a:t>Widely used software : Opensees</a:t>
-            </a:r>
-          </a:p>
-        </p:txBody>
-      </p:sp>
       <p:pic>
         <p:nvPicPr>
-          <p:cNvPr id="15" name="Picture 14">
-            <a:extLst>
-              <a:ext uri="{FF2B5EF4-FFF2-40B4-BE49-F238E27FC236}">
-                <a16:creationId xmlns:a16="http://schemas.microsoft.com/office/drawing/2014/main" id="{60E2B0C0-592B-4314-BDF0-1B2428814E5A}"/>
+          <p:cNvPr id="3" name="Picture 2">
+            <a:extLst>
+              <a:ext uri="{FF2B5EF4-FFF2-40B4-BE49-F238E27FC236}">
+                <a16:creationId xmlns:a16="http://schemas.microsoft.com/office/drawing/2014/main" id="{1DB4414C-8D01-44AE-A769-190B28A69D61}"/>
               </a:ext>
             </a:extLst>
           </p:cNvPr>
@@ -11423,8 +12398,8 @@
         </p:blipFill>
         <p:spPr>
           <a:xfrm>
-            <a:off x="2140069" y="3810001"/>
-            <a:ext cx="1904762" cy="1904762"/>
+            <a:off x="1177949" y="1706713"/>
+            <a:ext cx="5204212" cy="3444574"/>
           </a:xfrm>
           <a:prstGeom prst="rect">
             <a:avLst/>
@@ -11433,10 +12408,10 @@
       </p:pic>
       <p:pic>
         <p:nvPicPr>
-          <p:cNvPr id="17" name="Picture 16">
-            <a:extLst>
-              <a:ext uri="{FF2B5EF4-FFF2-40B4-BE49-F238E27FC236}">
-                <a16:creationId xmlns:a16="http://schemas.microsoft.com/office/drawing/2014/main" id="{3DD5F1B3-CDA9-4D03-B760-AC1C14D2B452}"/>
+          <p:cNvPr id="7" name="Picture 6">
+            <a:extLst>
+              <a:ext uri="{FF2B5EF4-FFF2-40B4-BE49-F238E27FC236}">
+                <a16:creationId xmlns:a16="http://schemas.microsoft.com/office/drawing/2014/main" id="{B2419480-2CBE-453B-B158-CBBA9E14CD89}"/>
               </a:ext>
             </a:extLst>
           </p:cNvPr>
@@ -11459,8 +12434,8 @@
         </p:blipFill>
         <p:spPr>
           <a:xfrm>
-            <a:off x="7613530" y="4230434"/>
-            <a:ext cx="2861303" cy="858391"/>
+            <a:off x="6967092" y="2028945"/>
+            <a:ext cx="4297077" cy="3444574"/>
           </a:xfrm>
           <a:prstGeom prst="rect">
             <a:avLst/>
@@ -11469,52 +12444,38 @@
       </p:pic>
       <p:sp>
         <p:nvSpPr>
-          <p:cNvPr id="20" name="Rectangle 19">
-            <a:extLst>
-              <a:ext uri="{FF2B5EF4-FFF2-40B4-BE49-F238E27FC236}">
-                <a16:creationId xmlns:a16="http://schemas.microsoft.com/office/drawing/2014/main" id="{B5122586-0154-43B4-AC15-0210B1CD4604}"/>
-              </a:ext>
-            </a:extLst>
-          </p:cNvPr>
-          <p:cNvSpPr/>
+          <p:cNvPr id="8" name="TextBox 7">
+            <a:extLst>
+              <a:ext uri="{FF2B5EF4-FFF2-40B4-BE49-F238E27FC236}">
+                <a16:creationId xmlns:a16="http://schemas.microsoft.com/office/drawing/2014/main" id="{6A529A9B-A1AF-41A5-BAE9-9B7CE1015A48}"/>
+              </a:ext>
+            </a:extLst>
+          </p:cNvPr>
+          <p:cNvSpPr txBox="1"/>
           <p:nvPr/>
         </p:nvSpPr>
         <p:spPr>
           <a:xfrm>
-            <a:off x="2625815" y="1705799"/>
-            <a:ext cx="933269" cy="400110"/>
+            <a:off x="8050626" y="1503828"/>
+            <a:ext cx="2130007" cy="369332"/>
           </a:xfrm>
           <a:prstGeom prst="rect">
             <a:avLst/>
           </a:prstGeom>
+          <a:noFill/>
         </p:spPr>
         <p:txBody>
-          <a:bodyPr wrap="none">
+          <a:bodyPr wrap="none" rtlCol="0">
             <a:spAutoFit/>
           </a:bodyPr>
           <a:lstStyle/>
           <a:p>
-            <a:pPr algn="ctr"/>
             <a:r>
-              <a:rPr lang="en-US" sz="2000" dirty="0">
-                <a:latin typeface="Aller Display" panose="02000503000000020003" pitchFamily="2" charset="0"/>
+              <a:rPr lang="en-US" dirty="0">
+                <a:latin typeface="Times New Roman" panose="02020603050405020304" pitchFamily="18" charset="0"/>
+                <a:cs typeface="Times New Roman" panose="02020603050405020304" pitchFamily="18" charset="0"/>
               </a:rPr>
-              <a:t>F = </a:t>
-            </a:r>
-            <a:r>
-              <a:rPr lang="en-US" sz="2000" dirty="0">
-                <a:solidFill>
-                  <a:srgbClr val="00B0F0"/>
-                </a:solidFill>
-                <a:latin typeface="Aller Display" panose="02000503000000020003" pitchFamily="2" charset="0"/>
-              </a:rPr>
-              <a:t>K</a:t>
-            </a:r>
-            <a:r>
-              <a:rPr lang="en-US" sz="2000" dirty="0">
-                <a:latin typeface="Aller Display" panose="02000503000000020003" pitchFamily="2" charset="0"/>
-              </a:rPr>
-              <a:t> e</a:t>
+              <a:t>Steel material model</a:t>
             </a:r>
           </a:p>
         </p:txBody>
@@ -11522,7 +12483,7 @@
     </p:spTree>
     <p:extLst>
       <p:ext uri="{BB962C8B-B14F-4D97-AF65-F5344CB8AC3E}">
-        <p14:creationId xmlns:p14="http://schemas.microsoft.com/office/powerpoint/2010/main" val="4083641584"/>
+        <p14:creationId xmlns:p14="http://schemas.microsoft.com/office/powerpoint/2010/main" val="874053220"/>
       </p:ext>
     </p:extLst>
   </p:cSld>
@@ -11606,10 +12567,10 @@
       </p:sp>
       <p:sp>
         <p:nvSpPr>
-          <p:cNvPr id="20" name="Title 1">
-            <a:extLst>
-              <a:ext uri="{FF2B5EF4-FFF2-40B4-BE49-F238E27FC236}">
-                <a16:creationId xmlns:a16="http://schemas.microsoft.com/office/drawing/2014/main" id="{1524C55D-3E41-4EC0-B771-AF418438C853}"/>
+          <p:cNvPr id="4" name="Title 1">
+            <a:extLst>
+              <a:ext uri="{FF2B5EF4-FFF2-40B4-BE49-F238E27FC236}">
+                <a16:creationId xmlns:a16="http://schemas.microsoft.com/office/drawing/2014/main" id="{574DCC3C-9ADF-4742-84AA-91A5BA8EE283}"/>
               </a:ext>
             </a:extLst>
           </p:cNvPr>
@@ -11620,15 +12581,15 @@
         </p:nvSpPr>
         <p:spPr>
           <a:xfrm>
-            <a:off x="342900" y="2768599"/>
-            <a:ext cx="11506200" cy="1320800"/>
+            <a:off x="361946" y="342900"/>
+            <a:ext cx="5499100" cy="1676400"/>
           </a:xfrm>
           <a:prstGeom prst="rect">
             <a:avLst/>
           </a:prstGeom>
         </p:spPr>
         <p:txBody>
-          <a:bodyPr anchor="t"/>
+          <a:bodyPr anchor="ctr"/>
           <a:lstStyle>
             <a:lvl1pPr algn="l" defTabSz="914400" rtl="0" eaLnBrk="1" latinLnBrk="0" hangingPunct="1">
               <a:lnSpc>
@@ -11651,19 +12612,402 @@
           <a:p>
             <a:pPr algn="ctr"/>
             <a:r>
-              <a:rPr lang="en-US" sz="2800" dirty="0">
+              <a:rPr lang="en-US" sz="3200" dirty="0">
+                <a:latin typeface="Aller Display" panose="02000503000000020003" pitchFamily="2" charset="0"/>
+              </a:rPr>
+              <a:t>LINEAR</a:t>
+            </a:r>
+          </a:p>
+        </p:txBody>
+      </p:sp>
+      <p:sp>
+        <p:nvSpPr>
+          <p:cNvPr id="7" name="Title 1">
+            <a:extLst>
+              <a:ext uri="{FF2B5EF4-FFF2-40B4-BE49-F238E27FC236}">
+                <a16:creationId xmlns:a16="http://schemas.microsoft.com/office/drawing/2014/main" id="{6328041F-C8F0-40BE-8DB1-BA4AC086B72B}"/>
+              </a:ext>
+            </a:extLst>
+          </p:cNvPr>
+          <p:cNvSpPr txBox="1">
+            <a:spLocks/>
+          </p:cNvSpPr>
+          <p:nvPr/>
+        </p:nvSpPr>
+        <p:spPr>
+          <a:xfrm>
+            <a:off x="6350000" y="342900"/>
+            <a:ext cx="5499100" cy="1676400"/>
+          </a:xfrm>
+          <a:prstGeom prst="rect">
+            <a:avLst/>
+          </a:prstGeom>
+        </p:spPr>
+        <p:txBody>
+          <a:bodyPr anchor="ctr"/>
+          <a:lstStyle>
+            <a:lvl1pPr algn="l" defTabSz="914400" rtl="0" eaLnBrk="1" latinLnBrk="0" hangingPunct="1">
+              <a:lnSpc>
+                <a:spcPct val="90000"/>
+              </a:lnSpc>
+              <a:spcBef>
+                <a:spcPct val="0"/>
+              </a:spcBef>
+              <a:buNone/>
+              <a:defRPr sz="4400" kern="1200">
+                <a:solidFill>
+                  <a:schemeClr val="tx1"/>
+                </a:solidFill>
+                <a:latin typeface="+mj-lt"/>
+                <a:ea typeface="+mj-ea"/>
+                <a:cs typeface="+mj-cs"/>
+              </a:defRPr>
+            </a:lvl1pPr>
+          </a:lstStyle>
+          <a:p>
+            <a:pPr algn="ctr"/>
+            <a:r>
+              <a:rPr lang="en-US" sz="3200" dirty="0">
+                <a:latin typeface="Aller Display" panose="02000503000000020003" pitchFamily="2" charset="0"/>
+              </a:rPr>
+              <a:t>NON-LINEAR</a:t>
+            </a:r>
+          </a:p>
+        </p:txBody>
+      </p:sp>
+      <p:cxnSp>
+        <p:nvCxnSpPr>
+          <p:cNvPr id="3" name="Straight Connector 2">
+            <a:extLst>
+              <a:ext uri="{FF2B5EF4-FFF2-40B4-BE49-F238E27FC236}">
+                <a16:creationId xmlns:a16="http://schemas.microsoft.com/office/drawing/2014/main" id="{AE7904F4-CDB6-4583-A385-B861488894C0}"/>
+              </a:ext>
+            </a:extLst>
+          </p:cNvPr>
+          <p:cNvCxnSpPr>
+            <a:cxnSpLocks/>
+          </p:cNvCxnSpPr>
+          <p:nvPr/>
+        </p:nvCxnSpPr>
+        <p:spPr>
+          <a:xfrm>
+            <a:off x="6096000" y="1016000"/>
+            <a:ext cx="0" cy="4889500"/>
+          </a:xfrm>
+          <a:prstGeom prst="line">
+            <a:avLst/>
+          </a:prstGeom>
+          <a:ln w="38100">
+            <a:solidFill>
+              <a:schemeClr val="tx1"/>
+            </a:solidFill>
+          </a:ln>
+        </p:spPr>
+        <p:style>
+          <a:lnRef idx="1">
+            <a:schemeClr val="accent1"/>
+          </a:lnRef>
+          <a:fillRef idx="0">
+            <a:schemeClr val="accent1"/>
+          </a:fillRef>
+          <a:effectRef idx="0">
+            <a:schemeClr val="accent1"/>
+          </a:effectRef>
+          <a:fontRef idx="minor">
+            <a:schemeClr val="tx1"/>
+          </a:fontRef>
+        </p:style>
+      </p:cxnSp>
+      <p:sp>
+        <p:nvSpPr>
+          <p:cNvPr id="9" name="TextBox 8">
+            <a:extLst>
+              <a:ext uri="{FF2B5EF4-FFF2-40B4-BE49-F238E27FC236}">
+                <a16:creationId xmlns:a16="http://schemas.microsoft.com/office/drawing/2014/main" id="{91E92480-9EAD-4A38-AC99-648D25F0F57E}"/>
+              </a:ext>
+            </a:extLst>
+          </p:cNvPr>
+          <p:cNvSpPr txBox="1"/>
+          <p:nvPr/>
+        </p:nvSpPr>
+        <p:spPr>
+          <a:xfrm>
+            <a:off x="1212851" y="2351131"/>
+            <a:ext cx="3759195" cy="707886"/>
+          </a:xfrm>
+          <a:prstGeom prst="rect">
+            <a:avLst/>
+          </a:prstGeom>
+          <a:noFill/>
+        </p:spPr>
+        <p:txBody>
+          <a:bodyPr wrap="square" rtlCol="0">
+            <a:spAutoFit/>
+          </a:bodyPr>
+          <a:lstStyle/>
+          <a:p>
+            <a:pPr algn="ctr"/>
+            <a:r>
+              <a:rPr lang="en-US" sz="2000" b="1" dirty="0">
                 <a:latin typeface="Aller" panose="02000503030000020004" pitchFamily="2" charset="0"/>
               </a:rPr>
-              <a:t>Interaction of</a:t>
+              <a:t>K is Constant</a:t>
             </a:r>
           </a:p>
           <a:p>
             <a:pPr algn="ctr"/>
             <a:r>
-              <a:rPr lang="en-US" sz="3600" b="1" dirty="0">
+              <a:rPr lang="en-US" sz="2000" b="1" dirty="0">
                 <a:latin typeface="Aller" panose="02000503030000020004" pitchFamily="2" charset="0"/>
               </a:rPr>
-              <a:t>Axial force - Bending moment</a:t>
+              <a:t>Small loading conditions</a:t>
+            </a:r>
+          </a:p>
+        </p:txBody>
+      </p:sp>
+      <p:sp>
+        <p:nvSpPr>
+          <p:cNvPr id="11" name="TextBox 10">
+            <a:extLst>
+              <a:ext uri="{FF2B5EF4-FFF2-40B4-BE49-F238E27FC236}">
+                <a16:creationId xmlns:a16="http://schemas.microsoft.com/office/drawing/2014/main" id="{1D78CEC5-080F-4FAA-AA85-3D052C39BAD5}"/>
+              </a:ext>
+            </a:extLst>
+          </p:cNvPr>
+          <p:cNvSpPr txBox="1"/>
+          <p:nvPr/>
+        </p:nvSpPr>
+        <p:spPr>
+          <a:xfrm>
+            <a:off x="852505" y="3361949"/>
+            <a:ext cx="4517986" cy="400110"/>
+          </a:xfrm>
+          <a:prstGeom prst="rect">
+            <a:avLst/>
+          </a:prstGeom>
+          <a:noFill/>
+        </p:spPr>
+        <p:txBody>
+          <a:bodyPr wrap="square" rtlCol="0">
+            <a:spAutoFit/>
+          </a:bodyPr>
+          <a:lstStyle/>
+          <a:p>
+            <a:pPr algn="ctr"/>
+            <a:r>
+              <a:rPr lang="en-US" sz="2000" b="1" dirty="0">
+                <a:latin typeface="Aller" panose="02000503030000020004" pitchFamily="2" charset="0"/>
+              </a:rPr>
+              <a:t>Widely used software : SAP 2000</a:t>
+            </a:r>
+          </a:p>
+        </p:txBody>
+      </p:sp>
+      <p:sp>
+        <p:nvSpPr>
+          <p:cNvPr id="12" name="TextBox 11">
+            <a:extLst>
+              <a:ext uri="{FF2B5EF4-FFF2-40B4-BE49-F238E27FC236}">
+                <a16:creationId xmlns:a16="http://schemas.microsoft.com/office/drawing/2014/main" id="{2C3786CB-EF1B-43E9-8B9B-AFE91BCF1804}"/>
+              </a:ext>
+            </a:extLst>
+          </p:cNvPr>
+          <p:cNvSpPr txBox="1"/>
+          <p:nvPr/>
+        </p:nvSpPr>
+        <p:spPr>
+          <a:xfrm>
+            <a:off x="7164583" y="2216465"/>
+            <a:ext cx="3759195" cy="707886"/>
+          </a:xfrm>
+          <a:prstGeom prst="rect">
+            <a:avLst/>
+          </a:prstGeom>
+          <a:noFill/>
+        </p:spPr>
+        <p:txBody>
+          <a:bodyPr wrap="square" rtlCol="0">
+            <a:spAutoFit/>
+          </a:bodyPr>
+          <a:lstStyle/>
+          <a:p>
+            <a:pPr algn="ctr"/>
+            <a:r>
+              <a:rPr lang="en-US" sz="2000" b="1" dirty="0">
+                <a:latin typeface="Aller" panose="02000503030000020004" pitchFamily="2" charset="0"/>
+              </a:rPr>
+              <a:t>K Varies</a:t>
+            </a:r>
+          </a:p>
+          <a:p>
+            <a:pPr algn="ctr"/>
+            <a:r>
+              <a:rPr lang="en-US" sz="2000" b="1" dirty="0">
+                <a:latin typeface="Aller" panose="02000503030000020004" pitchFamily="2" charset="0"/>
+              </a:rPr>
+              <a:t>Extreme loading conditions</a:t>
+            </a:r>
+          </a:p>
+        </p:txBody>
+      </p:sp>
+      <p:sp>
+        <p:nvSpPr>
+          <p:cNvPr id="13" name="TextBox 12">
+            <a:extLst>
+              <a:ext uri="{FF2B5EF4-FFF2-40B4-BE49-F238E27FC236}">
+                <a16:creationId xmlns:a16="http://schemas.microsoft.com/office/drawing/2014/main" id="{F5EED544-3A64-49E6-93A8-6B152471B2CB}"/>
+              </a:ext>
+            </a:extLst>
+          </p:cNvPr>
+          <p:cNvSpPr txBox="1"/>
+          <p:nvPr/>
+        </p:nvSpPr>
+        <p:spPr>
+          <a:xfrm>
+            <a:off x="6727602" y="3361949"/>
+            <a:ext cx="4489898" cy="400110"/>
+          </a:xfrm>
+          <a:prstGeom prst="rect">
+            <a:avLst/>
+          </a:prstGeom>
+          <a:noFill/>
+        </p:spPr>
+        <p:txBody>
+          <a:bodyPr wrap="square" rtlCol="0">
+            <a:spAutoFit/>
+          </a:bodyPr>
+          <a:lstStyle/>
+          <a:p>
+            <a:pPr algn="ctr"/>
+            <a:r>
+              <a:rPr lang="en-US" sz="2000" b="1" dirty="0">
+                <a:latin typeface="Aller" panose="02000503030000020004" pitchFamily="2" charset="0"/>
+              </a:rPr>
+              <a:t>Widely used software : Opensees</a:t>
+            </a:r>
+          </a:p>
+        </p:txBody>
+      </p:sp>
+      <p:pic>
+        <p:nvPicPr>
+          <p:cNvPr id="15" name="Picture 14">
+            <a:extLst>
+              <a:ext uri="{FF2B5EF4-FFF2-40B4-BE49-F238E27FC236}">
+                <a16:creationId xmlns:a16="http://schemas.microsoft.com/office/drawing/2014/main" id="{60E2B0C0-592B-4314-BDF0-1B2428814E5A}"/>
+              </a:ext>
+            </a:extLst>
+          </p:cNvPr>
+          <p:cNvPicPr>
+            <a:picLocks noChangeAspect="1"/>
+          </p:cNvPicPr>
+          <p:nvPr/>
+        </p:nvPicPr>
+        <p:blipFill>
+          <a:blip r:embed="rId2">
+            <a:extLst>
+              <a:ext uri="{28A0092B-C50C-407E-A947-70E740481C1C}">
+                <a14:useLocalDpi xmlns:a14="http://schemas.microsoft.com/office/drawing/2010/main" val="0"/>
+              </a:ext>
+            </a:extLst>
+          </a:blip>
+          <a:stretch>
+            <a:fillRect/>
+          </a:stretch>
+        </p:blipFill>
+        <p:spPr>
+          <a:xfrm>
+            <a:off x="2140069" y="3810001"/>
+            <a:ext cx="1904762" cy="1904762"/>
+          </a:xfrm>
+          <a:prstGeom prst="rect">
+            <a:avLst/>
+          </a:prstGeom>
+        </p:spPr>
+      </p:pic>
+      <p:pic>
+        <p:nvPicPr>
+          <p:cNvPr id="17" name="Picture 16">
+            <a:extLst>
+              <a:ext uri="{FF2B5EF4-FFF2-40B4-BE49-F238E27FC236}">
+                <a16:creationId xmlns:a16="http://schemas.microsoft.com/office/drawing/2014/main" id="{3DD5F1B3-CDA9-4D03-B760-AC1C14D2B452}"/>
+              </a:ext>
+            </a:extLst>
+          </p:cNvPr>
+          <p:cNvPicPr>
+            <a:picLocks noChangeAspect="1"/>
+          </p:cNvPicPr>
+          <p:nvPr/>
+        </p:nvPicPr>
+        <p:blipFill>
+          <a:blip r:embed="rId3">
+            <a:extLst>
+              <a:ext uri="{28A0092B-C50C-407E-A947-70E740481C1C}">
+                <a14:useLocalDpi xmlns:a14="http://schemas.microsoft.com/office/drawing/2010/main" val="0"/>
+              </a:ext>
+            </a:extLst>
+          </a:blip>
+          <a:stretch>
+            <a:fillRect/>
+          </a:stretch>
+        </p:blipFill>
+        <p:spPr>
+          <a:xfrm>
+            <a:off x="7613530" y="4230434"/>
+            <a:ext cx="2861303" cy="858391"/>
+          </a:xfrm>
+          <a:prstGeom prst="rect">
+            <a:avLst/>
+          </a:prstGeom>
+        </p:spPr>
+      </p:pic>
+      <p:sp>
+        <p:nvSpPr>
+          <p:cNvPr id="20" name="Rectangle 19">
+            <a:extLst>
+              <a:ext uri="{FF2B5EF4-FFF2-40B4-BE49-F238E27FC236}">
+                <a16:creationId xmlns:a16="http://schemas.microsoft.com/office/drawing/2014/main" id="{B5122586-0154-43B4-AC15-0210B1CD4604}"/>
+              </a:ext>
+            </a:extLst>
+          </p:cNvPr>
+          <p:cNvSpPr/>
+          <p:nvPr/>
+        </p:nvSpPr>
+        <p:spPr>
+          <a:xfrm>
+            <a:off x="2625815" y="1705799"/>
+            <a:ext cx="933269" cy="400110"/>
+          </a:xfrm>
+          <a:prstGeom prst="rect">
+            <a:avLst/>
+          </a:prstGeom>
+        </p:spPr>
+        <p:txBody>
+          <a:bodyPr wrap="none">
+            <a:spAutoFit/>
+          </a:bodyPr>
+          <a:lstStyle/>
+          <a:p>
+            <a:pPr algn="ctr"/>
+            <a:r>
+              <a:rPr lang="en-US" sz="2000" dirty="0">
+                <a:latin typeface="Aller Display" panose="02000503000000020003" pitchFamily="2" charset="0"/>
+              </a:rPr>
+              <a:t>F = </a:t>
+            </a:r>
+            <a:r>
+              <a:rPr lang="en-US" sz="2000" dirty="0">
+                <a:solidFill>
+                  <a:srgbClr val="00B0F0"/>
+                </a:solidFill>
+                <a:latin typeface="Aller Display" panose="02000503000000020003" pitchFamily="2" charset="0"/>
+              </a:rPr>
+              <a:t>K</a:t>
+            </a:r>
+            <a:r>
+              <a:rPr lang="en-US" sz="2000" dirty="0">
+                <a:latin typeface="Aller Display" panose="02000503000000020003" pitchFamily="2" charset="0"/>
+              </a:rPr>
+              <a:t> e</a:t>
             </a:r>
           </a:p>
         </p:txBody>
@@ -11671,7 +13015,7 @@
     </p:spTree>
     <p:extLst>
       <p:ext uri="{BB962C8B-B14F-4D97-AF65-F5344CB8AC3E}">
-        <p14:creationId xmlns:p14="http://schemas.microsoft.com/office/powerpoint/2010/main" val="1777156511"/>
+        <p14:creationId xmlns:p14="http://schemas.microsoft.com/office/powerpoint/2010/main" val="4083641584"/>
       </p:ext>
     </p:extLst>
   </p:cSld>
@@ -11769,7 +13113,7 @@
         </p:nvSpPr>
         <p:spPr>
           <a:xfrm>
-            <a:off x="342900" y="3451180"/>
+            <a:off x="342900" y="2768599"/>
             <a:ext cx="11506200" cy="1320800"/>
           </a:xfrm>
           <a:prstGeom prst="rect">
@@ -11812,68 +13156,15 @@
               <a:rPr lang="en-US" sz="3600" b="1" dirty="0">
                 <a:latin typeface="Aller" panose="02000503030000020004" pitchFamily="2" charset="0"/>
               </a:rPr>
-              <a:t>Axial force - Bending moment - Shear force</a:t>
+              <a:t>Axial force - Bending moment</a:t>
             </a:r>
-          </a:p>
-          <a:p>
-            <a:pPr algn="ctr"/>
-            <a:endParaRPr lang="en-US" sz="3600" b="1" dirty="0">
-              <a:latin typeface="Aller" panose="02000503030000020004" pitchFamily="2" charset="0"/>
-            </a:endParaRPr>
-          </a:p>
-        </p:txBody>
-      </p:sp>
-      <p:sp>
-        <p:nvSpPr>
-          <p:cNvPr id="4" name="Rectangle 3">
-            <a:extLst>
-              <a:ext uri="{FF2B5EF4-FFF2-40B4-BE49-F238E27FC236}">
-                <a16:creationId xmlns:a16="http://schemas.microsoft.com/office/drawing/2014/main" id="{8AB0B29B-FBFD-4D2A-BE4F-C4412FC77901}"/>
-              </a:ext>
-            </a:extLst>
-          </p:cNvPr>
-          <p:cNvSpPr/>
-          <p:nvPr/>
-        </p:nvSpPr>
-        <p:spPr>
-          <a:xfrm>
-            <a:off x="342900" y="2066881"/>
-            <a:ext cx="11506200" cy="954107"/>
-          </a:xfrm>
-          <a:prstGeom prst="rect">
-            <a:avLst/>
-          </a:prstGeom>
-        </p:spPr>
-        <p:txBody>
-          <a:bodyPr wrap="square">
-            <a:spAutoFit/>
-          </a:bodyPr>
-          <a:lstStyle/>
-          <a:p>
-            <a:pPr algn="ctr"/>
-            <a:r>
-              <a:rPr lang="en-US" sz="2800" dirty="0">
-                <a:latin typeface="Aller" panose="02000503030000020004" pitchFamily="2" charset="0"/>
-              </a:rPr>
-              <a:t>Using the novel formulation developed by </a:t>
-            </a:r>
-          </a:p>
-          <a:p>
-            <a:pPr algn="ctr"/>
-            <a:r>
-              <a:rPr lang="en-US" sz="2800" dirty="0">
-                <a:latin typeface="Aller" panose="02000503030000020004" pitchFamily="2" charset="0"/>
-              </a:rPr>
-              <a:t>the Department of Civil Engineering</a:t>
-            </a:r>
-            <a:endParaRPr lang="en-US" sz="2800" dirty="0"/>
           </a:p>
         </p:txBody>
       </p:sp>
     </p:spTree>
     <p:extLst>
       <p:ext uri="{BB962C8B-B14F-4D97-AF65-F5344CB8AC3E}">
-        <p14:creationId xmlns:p14="http://schemas.microsoft.com/office/powerpoint/2010/main" val="1987627899"/>
+        <p14:creationId xmlns:p14="http://schemas.microsoft.com/office/powerpoint/2010/main" val="1777156511"/>
       </p:ext>
     </p:extLst>
   </p:cSld>
@@ -11905,10 +13196,62 @@
       </p:grpSpPr>
       <p:sp>
         <p:nvSpPr>
-          <p:cNvPr id="5" name="Title 1">
-            <a:extLst>
-              <a:ext uri="{FF2B5EF4-FFF2-40B4-BE49-F238E27FC236}">
-                <a16:creationId xmlns:a16="http://schemas.microsoft.com/office/drawing/2014/main" id="{42EA2A2D-D09E-4C65-B8B1-7A4C7A22FA38}"/>
+          <p:cNvPr id="6" name="Rectangle 5">
+            <a:extLst>
+              <a:ext uri="{FF2B5EF4-FFF2-40B4-BE49-F238E27FC236}">
+                <a16:creationId xmlns:a16="http://schemas.microsoft.com/office/drawing/2014/main" id="{5110D8FA-B364-4D42-AD6E-BB2401992B8E}"/>
+              </a:ext>
+            </a:extLst>
+          </p:cNvPr>
+          <p:cNvSpPr/>
+          <p:nvPr/>
+        </p:nvSpPr>
+        <p:spPr>
+          <a:xfrm>
+            <a:off x="342900" y="342900"/>
+            <a:ext cx="11506200" cy="6172200"/>
+          </a:xfrm>
+          <a:prstGeom prst="rect">
+            <a:avLst/>
+          </a:prstGeom>
+          <a:noFill/>
+          <a:ln w="38100">
+            <a:solidFill>
+              <a:schemeClr val="tx1"/>
+            </a:solidFill>
+          </a:ln>
+        </p:spPr>
+        <p:style>
+          <a:lnRef idx="2">
+            <a:schemeClr val="accent1">
+              <a:shade val="50000"/>
+            </a:schemeClr>
+          </a:lnRef>
+          <a:fillRef idx="1">
+            <a:schemeClr val="accent1"/>
+          </a:fillRef>
+          <a:effectRef idx="0">
+            <a:schemeClr val="accent1"/>
+          </a:effectRef>
+          <a:fontRef idx="minor">
+            <a:schemeClr val="lt1"/>
+          </a:fontRef>
+        </p:style>
+        <p:txBody>
+          <a:bodyPr rtlCol="0" anchor="ctr"/>
+          <a:lstStyle/>
+          <a:p>
+            <a:pPr algn="ctr"/>
+            <a:endParaRPr lang="en-US"/>
+          </a:p>
+        </p:txBody>
+      </p:sp>
+      <p:sp>
+        <p:nvSpPr>
+          <p:cNvPr id="20" name="Title 1">
+            <a:extLst>
+              <a:ext uri="{FF2B5EF4-FFF2-40B4-BE49-F238E27FC236}">
+                <a16:creationId xmlns:a16="http://schemas.microsoft.com/office/drawing/2014/main" id="{1524C55D-3E41-4EC0-B771-AF418438C853}"/>
               </a:ext>
             </a:extLst>
           </p:cNvPr>
@@ -11919,15 +13262,15 @@
         </p:nvSpPr>
         <p:spPr>
           <a:xfrm>
-            <a:off x="0" y="2444717"/>
-            <a:ext cx="12192000" cy="1968566"/>
+            <a:off x="342900" y="3451180"/>
+            <a:ext cx="11506200" cy="1320800"/>
           </a:xfrm>
           <a:prstGeom prst="rect">
             <a:avLst/>
           </a:prstGeom>
         </p:spPr>
         <p:txBody>
-          <a:bodyPr anchor="ctr"/>
+          <a:bodyPr anchor="t"/>
           <a:lstStyle>
             <a:lvl1pPr algn="l" defTabSz="914400" rtl="0" eaLnBrk="1" latinLnBrk="0" hangingPunct="1">
               <a:lnSpc>
@@ -11950,44 +13293,35 @@
           <a:p>
             <a:pPr algn="ctr"/>
             <a:r>
-              <a:rPr lang="en-US" sz="4800" dirty="0">
-                <a:latin typeface="Aller Display" panose="02000503000000020003" pitchFamily="2" charset="0"/>
+              <a:rPr lang="en-US" sz="2800" dirty="0">
+                <a:latin typeface="Aller" panose="02000503030000020004" pitchFamily="2" charset="0"/>
               </a:rPr>
-              <a:t>A</a:t>
-            </a:r>
-            <a:r>
-              <a:rPr lang="en-US" sz="4800" dirty="0">
-                <a:solidFill>
-                  <a:srgbClr val="00B0F0"/>
-                </a:solidFill>
-                <a:latin typeface="Aller Display" panose="02000503000000020003" pitchFamily="2" charset="0"/>
-              </a:rPr>
-              <a:t> SIMPLE</a:t>
-            </a:r>
-            <a:r>
-              <a:rPr lang="en-US" sz="4800" dirty="0">
-                <a:latin typeface="Aller Display" panose="02000503000000020003" pitchFamily="2" charset="0"/>
-              </a:rPr>
-              <a:t> OVERVIEW</a:t>
+              <a:t>Interaction of</a:t>
             </a:r>
           </a:p>
           <a:p>
             <a:pPr algn="ctr"/>
             <a:r>
-              <a:rPr lang="en-US" sz="4800" dirty="0">
-                <a:latin typeface="Aller Display" panose="02000503000000020003" pitchFamily="2" charset="0"/>
+              <a:rPr lang="en-US" sz="3600" b="1" dirty="0">
+                <a:latin typeface="Aller" panose="02000503030000020004" pitchFamily="2" charset="0"/>
               </a:rPr>
-              <a:t>OF THE SOFTWARE</a:t>
+              <a:t>Axial force - Bending moment - Shear force</a:t>
             </a:r>
+          </a:p>
+          <a:p>
+            <a:pPr algn="ctr"/>
+            <a:endParaRPr lang="en-US" sz="3600" b="1" dirty="0">
+              <a:latin typeface="Aller" panose="02000503030000020004" pitchFamily="2" charset="0"/>
+            </a:endParaRPr>
           </a:p>
         </p:txBody>
       </p:sp>
       <p:sp>
         <p:nvSpPr>
-          <p:cNvPr id="6" name="Rectangle 5">
-            <a:extLst>
-              <a:ext uri="{FF2B5EF4-FFF2-40B4-BE49-F238E27FC236}">
-                <a16:creationId xmlns:a16="http://schemas.microsoft.com/office/drawing/2014/main" id="{3E815667-661B-4BCC-B445-0EBC7359289C}"/>
+          <p:cNvPr id="4" name="Rectangle 3">
+            <a:extLst>
+              <a:ext uri="{FF2B5EF4-FFF2-40B4-BE49-F238E27FC236}">
+                <a16:creationId xmlns:a16="http://schemas.microsoft.com/office/drawing/2014/main" id="{8AB0B29B-FBFD-4D2A-BE4F-C4412FC77901}"/>
               </a:ext>
             </a:extLst>
           </p:cNvPr>
@@ -11996,48 +13330,43 @@
         </p:nvSpPr>
         <p:spPr>
           <a:xfrm>
-            <a:off x="342900" y="342900"/>
-            <a:ext cx="11506200" cy="6172200"/>
+            <a:off x="342900" y="2066881"/>
+            <a:ext cx="11506200" cy="954107"/>
           </a:xfrm>
           <a:prstGeom prst="rect">
             <a:avLst/>
           </a:prstGeom>
-          <a:noFill/>
-          <a:ln w="38100">
-            <a:solidFill>
-              <a:schemeClr val="tx1"/>
-            </a:solidFill>
-          </a:ln>
-        </p:spPr>
-        <p:style>
-          <a:lnRef idx="2">
-            <a:schemeClr val="accent1">
-              <a:shade val="50000"/>
-            </a:schemeClr>
-          </a:lnRef>
-          <a:fillRef idx="1">
-            <a:schemeClr val="accent1"/>
-          </a:fillRef>
-          <a:effectRef idx="0">
-            <a:schemeClr val="accent1"/>
-          </a:effectRef>
-          <a:fontRef idx="minor">
-            <a:schemeClr val="lt1"/>
-          </a:fontRef>
-        </p:style>
+        </p:spPr>
         <p:txBody>
-          <a:bodyPr rtlCol="0" anchor="ctr"/>
+          <a:bodyPr wrap="square">
+            <a:spAutoFit/>
+          </a:bodyPr>
           <a:lstStyle/>
           <a:p>
             <a:pPr algn="ctr"/>
-            <a:endParaRPr lang="en-US"/>
+            <a:r>
+              <a:rPr lang="en-US" sz="2800" dirty="0">
+                <a:latin typeface="Aller" panose="02000503030000020004" pitchFamily="2" charset="0"/>
+              </a:rPr>
+              <a:t>Using the novel formulation developed by </a:t>
+            </a:r>
+          </a:p>
+          <a:p>
+            <a:pPr algn="ctr"/>
+            <a:r>
+              <a:rPr lang="en-US" sz="2800" dirty="0">
+                <a:latin typeface="Aller" panose="02000503030000020004" pitchFamily="2" charset="0"/>
+              </a:rPr>
+              <a:t>the Department of Civil Engineering</a:t>
+            </a:r>
+            <a:endParaRPr lang="en-US" sz="2800" dirty="0"/>
           </a:p>
         </p:txBody>
       </p:sp>
     </p:spTree>
     <p:extLst>
       <p:ext uri="{BB962C8B-B14F-4D97-AF65-F5344CB8AC3E}">
-        <p14:creationId xmlns:p14="http://schemas.microsoft.com/office/powerpoint/2010/main" val="704868869"/>
+        <p14:creationId xmlns:p14="http://schemas.microsoft.com/office/powerpoint/2010/main" val="1987627899"/>
       </p:ext>
     </p:extLst>
   </p:cSld>
@@ -12067,1224 +13396,91 @@
           <a:chExt cx="0" cy="0"/>
         </a:xfrm>
       </p:grpSpPr>
-      <p:cxnSp>
-        <p:nvCxnSpPr>
-          <p:cNvPr id="28" name="Straight Connector 27">
-            <a:extLst>
-              <a:ext uri="{FF2B5EF4-FFF2-40B4-BE49-F238E27FC236}">
-                <a16:creationId xmlns:a16="http://schemas.microsoft.com/office/drawing/2014/main" id="{88FC294F-4BC1-4B59-AA6B-0C076102DF2C}"/>
-              </a:ext>
-            </a:extLst>
-          </p:cNvPr>
-          <p:cNvCxnSpPr>
-            <a:cxnSpLocks/>
-            <a:stCxn id="29" idx="2"/>
-          </p:cNvCxnSpPr>
-          <p:nvPr/>
-        </p:nvCxnSpPr>
-        <p:spPr>
-          <a:xfrm>
-            <a:off x="6392360" y="1755401"/>
-            <a:ext cx="773047" cy="612939"/>
-          </a:xfrm>
-          <a:prstGeom prst="line">
-            <a:avLst/>
-          </a:prstGeom>
-          <a:ln>
-            <a:solidFill>
-              <a:schemeClr val="tx1"/>
-            </a:solidFill>
-          </a:ln>
-        </p:spPr>
-        <p:style>
-          <a:lnRef idx="1">
-            <a:schemeClr val="accent1"/>
-          </a:lnRef>
-          <a:fillRef idx="0">
-            <a:schemeClr val="accent1"/>
-          </a:fillRef>
-          <a:effectRef idx="0">
-            <a:schemeClr val="accent1"/>
-          </a:effectRef>
-          <a:fontRef idx="minor">
-            <a:schemeClr val="tx1"/>
-          </a:fontRef>
-        </p:style>
-      </p:cxnSp>
       <p:sp>
         <p:nvSpPr>
-          <p:cNvPr id="29" name="Rectangle 31">
-            <a:extLst>
-              <a:ext uri="{FF2B5EF4-FFF2-40B4-BE49-F238E27FC236}">
-                <a16:creationId xmlns:a16="http://schemas.microsoft.com/office/drawing/2014/main" id="{FE325594-2203-4EE2-A525-304A77D092A0}"/>
-              </a:ext>
-            </a:extLst>
-          </p:cNvPr>
-          <p:cNvSpPr/>
+          <p:cNvPr id="5" name="Title 1">
+            <a:extLst>
+              <a:ext uri="{FF2B5EF4-FFF2-40B4-BE49-F238E27FC236}">
+                <a16:creationId xmlns:a16="http://schemas.microsoft.com/office/drawing/2014/main" id="{42EA2A2D-D09E-4C65-B8B1-7A4C7A22FA38}"/>
+              </a:ext>
+            </a:extLst>
+          </p:cNvPr>
+          <p:cNvSpPr txBox="1">
+            <a:spLocks/>
+          </p:cNvSpPr>
           <p:nvPr/>
         </p:nvSpPr>
         <p:spPr>
           <a:xfrm>
-            <a:off x="4303121" y="1755401"/>
-            <a:ext cx="2089239" cy="2229597"/>
-          </a:xfrm>
-          <a:custGeom>
-            <a:avLst/>
-            <a:gdLst>
-              <a:gd name="connsiteX0" fmla="*/ 0 w 2089239"/>
-              <a:gd name="connsiteY0" fmla="*/ 0 h 2229597"/>
-              <a:gd name="connsiteX1" fmla="*/ 2089239 w 2089239"/>
-              <a:gd name="connsiteY1" fmla="*/ 0 h 2229597"/>
-              <a:gd name="connsiteX2" fmla="*/ 2089239 w 2089239"/>
-              <a:gd name="connsiteY2" fmla="*/ 2229597 h 2229597"/>
-              <a:gd name="connsiteX3" fmla="*/ 0 w 2089239"/>
-              <a:gd name="connsiteY3" fmla="*/ 2229597 h 2229597"/>
-              <a:gd name="connsiteX4" fmla="*/ 0 w 2089239"/>
-              <a:gd name="connsiteY4" fmla="*/ 0 h 2229597"/>
-              <a:gd name="connsiteX0" fmla="*/ 2089239 w 2180679"/>
-              <a:gd name="connsiteY0" fmla="*/ 2229597 h 2321037"/>
-              <a:gd name="connsiteX1" fmla="*/ 0 w 2180679"/>
-              <a:gd name="connsiteY1" fmla="*/ 2229597 h 2321037"/>
-              <a:gd name="connsiteX2" fmla="*/ 0 w 2180679"/>
-              <a:gd name="connsiteY2" fmla="*/ 0 h 2321037"/>
-              <a:gd name="connsiteX3" fmla="*/ 2089239 w 2180679"/>
-              <a:gd name="connsiteY3" fmla="*/ 0 h 2321037"/>
-              <a:gd name="connsiteX4" fmla="*/ 2180679 w 2180679"/>
-              <a:gd name="connsiteY4" fmla="*/ 2321037 h 2321037"/>
-              <a:gd name="connsiteX0" fmla="*/ 2089239 w 2089239"/>
-              <a:gd name="connsiteY0" fmla="*/ 2229597 h 2229597"/>
-              <a:gd name="connsiteX1" fmla="*/ 0 w 2089239"/>
-              <a:gd name="connsiteY1" fmla="*/ 2229597 h 2229597"/>
-              <a:gd name="connsiteX2" fmla="*/ 0 w 2089239"/>
-              <a:gd name="connsiteY2" fmla="*/ 0 h 2229597"/>
-              <a:gd name="connsiteX3" fmla="*/ 2089239 w 2089239"/>
-              <a:gd name="connsiteY3" fmla="*/ 0 h 2229597"/>
-              <a:gd name="connsiteX0" fmla="*/ 0 w 2089239"/>
-              <a:gd name="connsiteY0" fmla="*/ 2229597 h 2229597"/>
-              <a:gd name="connsiteX1" fmla="*/ 0 w 2089239"/>
-              <a:gd name="connsiteY1" fmla="*/ 0 h 2229597"/>
-              <a:gd name="connsiteX2" fmla="*/ 2089239 w 2089239"/>
-              <a:gd name="connsiteY2" fmla="*/ 0 h 2229597"/>
-            </a:gdLst>
-            <a:ahLst/>
-            <a:cxnLst>
-              <a:cxn ang="0">
-                <a:pos x="connsiteX0" y="connsiteY0"/>
-              </a:cxn>
-              <a:cxn ang="0">
-                <a:pos x="connsiteX1" y="connsiteY1"/>
-              </a:cxn>
-              <a:cxn ang="0">
-                <a:pos x="connsiteX2" y="connsiteY2"/>
-              </a:cxn>
-            </a:cxnLst>
-            <a:rect l="l" t="t" r="r" b="b"/>
-            <a:pathLst>
-              <a:path w="2089239" h="2229597">
-                <a:moveTo>
-                  <a:pt x="0" y="2229597"/>
-                </a:moveTo>
-                <a:lnTo>
-                  <a:pt x="0" y="0"/>
-                </a:lnTo>
-                <a:lnTo>
-                  <a:pt x="2089239" y="0"/>
-                </a:lnTo>
-              </a:path>
-            </a:pathLst>
-          </a:custGeom>
-          <a:solidFill>
-            <a:schemeClr val="bg1"/>
-          </a:solidFill>
-          <a:ln>
-            <a:solidFill>
-              <a:schemeClr val="tx1"/>
-            </a:solidFill>
-          </a:ln>
-        </p:spPr>
-        <p:style>
-          <a:lnRef idx="2">
-            <a:schemeClr val="accent1">
-              <a:shade val="50000"/>
-            </a:schemeClr>
-          </a:lnRef>
-          <a:fillRef idx="1">
-            <a:schemeClr val="accent1"/>
-          </a:fillRef>
-          <a:effectRef idx="0">
-            <a:schemeClr val="accent1"/>
-          </a:effectRef>
-          <a:fontRef idx="minor">
-            <a:schemeClr val="lt1"/>
-          </a:fontRef>
-        </p:style>
-        <p:txBody>
-          <a:bodyPr rtlCol="0" anchor="ctr"/>
-          <a:lstStyle/>
-          <a:p>
-            <a:pPr algn="ctr"/>
-            <a:endParaRPr lang="en-US"/>
-          </a:p>
-        </p:txBody>
-      </p:sp>
-      <p:graphicFrame>
-        <p:nvGraphicFramePr>
-          <p:cNvPr id="30" name="Table 29">
-            <a:extLst>
-              <a:ext uri="{FF2B5EF4-FFF2-40B4-BE49-F238E27FC236}">
-                <a16:creationId xmlns:a16="http://schemas.microsoft.com/office/drawing/2014/main" id="{6424C18C-25E4-4D59-A019-6FC964205409}"/>
-              </a:ext>
-            </a:extLst>
-          </p:cNvPr>
-          <p:cNvGraphicFramePr>
-            <a:graphicFrameLocks noGrp="1"/>
-          </p:cNvGraphicFramePr>
-          <p:nvPr>
-            <p:extLst>
-              <p:ext uri="{D42A27DB-BD31-4B8C-83A1-F6EECF244321}">
-                <p14:modId xmlns:p14="http://schemas.microsoft.com/office/powerpoint/2010/main" val="1983278786"/>
-              </p:ext>
-            </p:extLst>
-          </p:nvPr>
-        </p:nvGraphicFramePr>
-        <p:xfrm>
-          <a:off x="5060286" y="2368340"/>
-          <a:ext cx="2089239" cy="2229597"/>
-        </p:xfrm>
-        <a:graphic>
-          <a:graphicData uri="http://schemas.openxmlformats.org/drawingml/2006/table">
-            <a:tbl>
-              <a:tblPr firstRow="1" bandRow="1">
-                <a:tableStyleId>{5940675A-B579-460E-94D1-54222C63F5DA}</a:tableStyleId>
-              </a:tblPr>
-              <a:tblGrid>
-                <a:gridCol w="696413">
-                  <a:extLst>
-                    <a:ext uri="{9D8B030D-6E8A-4147-A177-3AD203B41FA5}">
-                      <a16:colId xmlns:a16="http://schemas.microsoft.com/office/drawing/2014/main" val="1849184776"/>
-                    </a:ext>
-                  </a:extLst>
-                </a:gridCol>
-                <a:gridCol w="696413">
-                  <a:extLst>
-                    <a:ext uri="{9D8B030D-6E8A-4147-A177-3AD203B41FA5}">
-                      <a16:colId xmlns:a16="http://schemas.microsoft.com/office/drawing/2014/main" val="1961847864"/>
-                    </a:ext>
-                  </a:extLst>
-                </a:gridCol>
-                <a:gridCol w="696413">
-                  <a:extLst>
-                    <a:ext uri="{9D8B030D-6E8A-4147-A177-3AD203B41FA5}">
-                      <a16:colId xmlns:a16="http://schemas.microsoft.com/office/drawing/2014/main" val="2765132368"/>
-                    </a:ext>
-                  </a:extLst>
-                </a:gridCol>
-              </a:tblGrid>
-              <a:tr h="743199">
-                <a:tc>
-                  <a:txBody>
-                    <a:bodyPr/>
-                    <a:lstStyle/>
-                    <a:p>
-                      <a:endParaRPr lang="en-US" dirty="0"/>
-                    </a:p>
-                  </a:txBody>
-                  <a:tcPr>
-                    <a:solidFill>
-                      <a:schemeClr val="bg1"/>
-                    </a:solidFill>
-                  </a:tcPr>
-                </a:tc>
-                <a:tc>
-                  <a:txBody>
-                    <a:bodyPr/>
-                    <a:lstStyle/>
-                    <a:p>
-                      <a:endParaRPr lang="en-US"/>
-                    </a:p>
-                  </a:txBody>
-                  <a:tcPr>
-                    <a:solidFill>
-                      <a:schemeClr val="bg1"/>
-                    </a:solidFill>
-                  </a:tcPr>
-                </a:tc>
-                <a:tc>
-                  <a:txBody>
-                    <a:bodyPr/>
-                    <a:lstStyle/>
-                    <a:p>
-                      <a:endParaRPr lang="en-US"/>
-                    </a:p>
-                  </a:txBody>
-                  <a:tcPr>
-                    <a:solidFill>
-                      <a:schemeClr val="bg1"/>
-                    </a:solidFill>
-                  </a:tcPr>
-                </a:tc>
-                <a:extLst>
-                  <a:ext uri="{0D108BD9-81ED-4DB2-BD59-A6C34878D82A}">
-                    <a16:rowId xmlns:a16="http://schemas.microsoft.com/office/drawing/2014/main" val="1252832314"/>
-                  </a:ext>
-                </a:extLst>
-              </a:tr>
-              <a:tr h="743199">
-                <a:tc>
-                  <a:txBody>
-                    <a:bodyPr/>
-                    <a:lstStyle/>
-                    <a:p>
-                      <a:endParaRPr lang="en-US"/>
-                    </a:p>
-                  </a:txBody>
-                  <a:tcPr>
-                    <a:solidFill>
-                      <a:schemeClr val="bg1"/>
-                    </a:solidFill>
-                  </a:tcPr>
-                </a:tc>
-                <a:tc>
-                  <a:txBody>
-                    <a:bodyPr/>
-                    <a:lstStyle/>
-                    <a:p>
-                      <a:endParaRPr lang="en-US"/>
-                    </a:p>
-                  </a:txBody>
-                  <a:tcPr>
-                    <a:solidFill>
-                      <a:schemeClr val="bg1"/>
-                    </a:solidFill>
-                  </a:tcPr>
-                </a:tc>
-                <a:tc>
-                  <a:txBody>
-                    <a:bodyPr/>
-                    <a:lstStyle/>
-                    <a:p>
-                      <a:endParaRPr lang="en-US"/>
-                    </a:p>
-                  </a:txBody>
-                  <a:tcPr>
-                    <a:solidFill>
-                      <a:schemeClr val="bg1"/>
-                    </a:solidFill>
-                  </a:tcPr>
-                </a:tc>
-                <a:extLst>
-                  <a:ext uri="{0D108BD9-81ED-4DB2-BD59-A6C34878D82A}">
-                    <a16:rowId xmlns:a16="http://schemas.microsoft.com/office/drawing/2014/main" val="3920488368"/>
-                  </a:ext>
-                </a:extLst>
-              </a:tr>
-              <a:tr h="743199">
-                <a:tc>
-                  <a:txBody>
-                    <a:bodyPr/>
-                    <a:lstStyle/>
-                    <a:p>
-                      <a:endParaRPr lang="en-US" dirty="0"/>
-                    </a:p>
-                  </a:txBody>
-                  <a:tcPr>
-                    <a:solidFill>
-                      <a:schemeClr val="bg1"/>
-                    </a:solidFill>
-                  </a:tcPr>
-                </a:tc>
-                <a:tc>
-                  <a:txBody>
-                    <a:bodyPr/>
-                    <a:lstStyle/>
-                    <a:p>
-                      <a:endParaRPr lang="en-US"/>
-                    </a:p>
-                  </a:txBody>
-                  <a:tcPr>
-                    <a:solidFill>
-                      <a:schemeClr val="bg1"/>
-                    </a:solidFill>
-                  </a:tcPr>
-                </a:tc>
-                <a:tc>
-                  <a:txBody>
-                    <a:bodyPr/>
-                    <a:lstStyle/>
-                    <a:p>
-                      <a:endParaRPr lang="en-US" dirty="0"/>
-                    </a:p>
-                  </a:txBody>
-                  <a:tcPr>
-                    <a:solidFill>
-                      <a:schemeClr val="bg1"/>
-                    </a:solidFill>
-                  </a:tcPr>
-                </a:tc>
-                <a:extLst>
-                  <a:ext uri="{0D108BD9-81ED-4DB2-BD59-A6C34878D82A}">
-                    <a16:rowId xmlns:a16="http://schemas.microsoft.com/office/drawing/2014/main" val="1480803187"/>
-                  </a:ext>
-                </a:extLst>
-              </a:tr>
-            </a:tbl>
-          </a:graphicData>
-        </a:graphic>
-      </p:graphicFrame>
-      <p:cxnSp>
-        <p:nvCxnSpPr>
-          <p:cNvPr id="31" name="Straight Connector 30">
-            <a:extLst>
-              <a:ext uri="{FF2B5EF4-FFF2-40B4-BE49-F238E27FC236}">
-                <a16:creationId xmlns:a16="http://schemas.microsoft.com/office/drawing/2014/main" id="{4F1FF781-27F4-4317-B237-1FECC05FF84A}"/>
-              </a:ext>
-            </a:extLst>
-          </p:cNvPr>
-          <p:cNvCxnSpPr/>
-          <p:nvPr/>
-        </p:nvCxnSpPr>
-        <p:spPr>
-          <a:xfrm>
-            <a:off x="4303121" y="1755401"/>
-            <a:ext cx="757165" cy="612939"/>
-          </a:xfrm>
-          <a:prstGeom prst="line">
-            <a:avLst/>
-          </a:prstGeom>
-          <a:ln>
-            <a:solidFill>
-              <a:schemeClr val="tx1"/>
-            </a:solidFill>
-          </a:ln>
-        </p:spPr>
-        <p:style>
-          <a:lnRef idx="1">
-            <a:schemeClr val="accent1"/>
-          </a:lnRef>
-          <a:fillRef idx="0">
-            <a:schemeClr val="accent1"/>
-          </a:fillRef>
-          <a:effectRef idx="0">
-            <a:schemeClr val="accent1"/>
-          </a:effectRef>
-          <a:fontRef idx="minor">
-            <a:schemeClr val="tx1"/>
-          </a:fontRef>
-        </p:style>
-      </p:cxnSp>
-      <p:cxnSp>
-        <p:nvCxnSpPr>
-          <p:cNvPr id="32" name="Straight Connector 31">
-            <a:extLst>
-              <a:ext uri="{FF2B5EF4-FFF2-40B4-BE49-F238E27FC236}">
-                <a16:creationId xmlns:a16="http://schemas.microsoft.com/office/drawing/2014/main" id="{7422A442-9FB9-4831-9830-8D5A35FDA591}"/>
-              </a:ext>
-            </a:extLst>
-          </p:cNvPr>
-          <p:cNvCxnSpPr/>
-          <p:nvPr/>
-        </p:nvCxnSpPr>
-        <p:spPr>
-          <a:xfrm>
-            <a:off x="4303121" y="3984998"/>
-            <a:ext cx="757165" cy="612939"/>
-          </a:xfrm>
-          <a:prstGeom prst="line">
-            <a:avLst/>
-          </a:prstGeom>
-          <a:ln>
-            <a:solidFill>
-              <a:schemeClr val="tx1"/>
-            </a:solidFill>
-          </a:ln>
-        </p:spPr>
-        <p:style>
-          <a:lnRef idx="1">
-            <a:schemeClr val="accent1"/>
-          </a:lnRef>
-          <a:fillRef idx="0">
-            <a:schemeClr val="accent1"/>
-          </a:fillRef>
-          <a:effectRef idx="0">
-            <a:schemeClr val="accent1"/>
-          </a:effectRef>
-          <a:fontRef idx="minor">
-            <a:schemeClr val="tx1"/>
-          </a:fontRef>
-        </p:style>
-      </p:cxnSp>
-      <p:cxnSp>
-        <p:nvCxnSpPr>
-          <p:cNvPr id="33" name="Straight Connector 32">
-            <a:extLst>
-              <a:ext uri="{FF2B5EF4-FFF2-40B4-BE49-F238E27FC236}">
-                <a16:creationId xmlns:a16="http://schemas.microsoft.com/office/drawing/2014/main" id="{0651B7AA-FEDC-4F28-9304-CDCC593993CA}"/>
-              </a:ext>
-            </a:extLst>
-          </p:cNvPr>
-          <p:cNvCxnSpPr>
-            <a:cxnSpLocks/>
-          </p:cNvCxnSpPr>
-          <p:nvPr/>
-        </p:nvCxnSpPr>
-        <p:spPr>
-          <a:xfrm>
-            <a:off x="4636469" y="2029530"/>
-            <a:ext cx="2113845" cy="0"/>
-          </a:xfrm>
-          <a:prstGeom prst="line">
-            <a:avLst/>
-          </a:prstGeom>
-          <a:ln>
-            <a:solidFill>
-              <a:schemeClr val="tx1"/>
-            </a:solidFill>
-          </a:ln>
-        </p:spPr>
-        <p:style>
-          <a:lnRef idx="1">
-            <a:schemeClr val="accent1"/>
-          </a:lnRef>
-          <a:fillRef idx="0">
-            <a:schemeClr val="accent1"/>
-          </a:fillRef>
-          <a:effectRef idx="0">
-            <a:schemeClr val="accent1"/>
-          </a:effectRef>
-          <a:fontRef idx="minor">
-            <a:schemeClr val="tx1"/>
-          </a:fontRef>
-        </p:style>
-      </p:cxnSp>
-      <p:cxnSp>
-        <p:nvCxnSpPr>
-          <p:cNvPr id="34" name="Straight Connector 33">
-            <a:extLst>
-              <a:ext uri="{FF2B5EF4-FFF2-40B4-BE49-F238E27FC236}">
-                <a16:creationId xmlns:a16="http://schemas.microsoft.com/office/drawing/2014/main" id="{4A973836-1895-4EE6-8975-5315381275E1}"/>
-              </a:ext>
-            </a:extLst>
-          </p:cNvPr>
-          <p:cNvCxnSpPr>
-            <a:cxnSpLocks/>
-          </p:cNvCxnSpPr>
-          <p:nvPr/>
-        </p:nvCxnSpPr>
-        <p:spPr>
-          <a:xfrm flipH="1">
-            <a:off x="4645193" y="2029530"/>
-            <a:ext cx="3660" cy="2229597"/>
-          </a:xfrm>
-          <a:prstGeom prst="line">
-            <a:avLst/>
-          </a:prstGeom>
-          <a:ln>
-            <a:solidFill>
-              <a:schemeClr val="tx1"/>
-            </a:solidFill>
-          </a:ln>
-        </p:spPr>
-        <p:style>
-          <a:lnRef idx="1">
-            <a:schemeClr val="accent1"/>
-          </a:lnRef>
-          <a:fillRef idx="0">
-            <a:schemeClr val="accent1"/>
-          </a:fillRef>
-          <a:effectRef idx="0">
-            <a:schemeClr val="accent1"/>
-          </a:effectRef>
-          <a:fontRef idx="minor">
-            <a:schemeClr val="tx1"/>
-          </a:fontRef>
-        </p:style>
-      </p:cxnSp>
-      <p:cxnSp>
-        <p:nvCxnSpPr>
-          <p:cNvPr id="35" name="Straight Connector 34">
-            <a:extLst>
-              <a:ext uri="{FF2B5EF4-FFF2-40B4-BE49-F238E27FC236}">
-                <a16:creationId xmlns:a16="http://schemas.microsoft.com/office/drawing/2014/main" id="{40F7B18C-F22A-4471-BD8A-36181A5C931D}"/>
-              </a:ext>
-            </a:extLst>
-          </p:cNvPr>
-          <p:cNvCxnSpPr/>
-          <p:nvPr/>
-        </p:nvCxnSpPr>
-        <p:spPr>
-          <a:xfrm>
-            <a:off x="4303121" y="2498561"/>
-            <a:ext cx="757165" cy="612939"/>
-          </a:xfrm>
-          <a:prstGeom prst="line">
-            <a:avLst/>
-          </a:prstGeom>
-          <a:ln>
-            <a:solidFill>
-              <a:schemeClr val="tx1"/>
-            </a:solidFill>
-          </a:ln>
-        </p:spPr>
-        <p:style>
-          <a:lnRef idx="1">
-            <a:schemeClr val="accent1"/>
-          </a:lnRef>
-          <a:fillRef idx="0">
-            <a:schemeClr val="accent1"/>
-          </a:fillRef>
-          <a:effectRef idx="0">
-            <a:schemeClr val="accent1"/>
-          </a:effectRef>
-          <a:fontRef idx="minor">
-            <a:schemeClr val="tx1"/>
-          </a:fontRef>
-        </p:style>
-      </p:cxnSp>
-      <p:cxnSp>
-        <p:nvCxnSpPr>
-          <p:cNvPr id="36" name="Straight Connector 35">
-            <a:extLst>
-              <a:ext uri="{FF2B5EF4-FFF2-40B4-BE49-F238E27FC236}">
-                <a16:creationId xmlns:a16="http://schemas.microsoft.com/office/drawing/2014/main" id="{28F211AC-4760-43B9-8B68-4C8D7E5157D9}"/>
-              </a:ext>
-            </a:extLst>
-          </p:cNvPr>
-          <p:cNvCxnSpPr/>
-          <p:nvPr/>
-        </p:nvCxnSpPr>
-        <p:spPr>
-          <a:xfrm>
-            <a:off x="4303121" y="3234994"/>
-            <a:ext cx="757165" cy="612939"/>
-          </a:xfrm>
-          <a:prstGeom prst="line">
-            <a:avLst/>
-          </a:prstGeom>
-          <a:ln>
-            <a:solidFill>
-              <a:schemeClr val="tx1"/>
-            </a:solidFill>
-          </a:ln>
-        </p:spPr>
-        <p:style>
-          <a:lnRef idx="1">
-            <a:schemeClr val="accent1"/>
-          </a:lnRef>
-          <a:fillRef idx="0">
-            <a:schemeClr val="accent1"/>
-          </a:fillRef>
-          <a:effectRef idx="0">
-            <a:schemeClr val="accent1"/>
-          </a:effectRef>
-          <a:fontRef idx="minor">
-            <a:schemeClr val="tx1"/>
-          </a:fontRef>
-        </p:style>
-      </p:cxnSp>
-      <p:cxnSp>
-        <p:nvCxnSpPr>
-          <p:cNvPr id="37" name="Straight Connector 36">
-            <a:extLst>
-              <a:ext uri="{FF2B5EF4-FFF2-40B4-BE49-F238E27FC236}">
-                <a16:creationId xmlns:a16="http://schemas.microsoft.com/office/drawing/2014/main" id="{0CFBE124-C586-4A42-99DD-A89D8F73446D}"/>
-              </a:ext>
-            </a:extLst>
-          </p:cNvPr>
-          <p:cNvCxnSpPr/>
-          <p:nvPr/>
-        </p:nvCxnSpPr>
-        <p:spPr>
-          <a:xfrm>
-            <a:off x="4996610" y="1755401"/>
-            <a:ext cx="757165" cy="612939"/>
-          </a:xfrm>
-          <a:prstGeom prst="line">
-            <a:avLst/>
-          </a:prstGeom>
-          <a:ln>
-            <a:solidFill>
-              <a:schemeClr val="tx1"/>
-            </a:solidFill>
-          </a:ln>
-        </p:spPr>
-        <p:style>
-          <a:lnRef idx="1">
-            <a:schemeClr val="accent1"/>
-          </a:lnRef>
-          <a:fillRef idx="0">
-            <a:schemeClr val="accent1"/>
-          </a:fillRef>
-          <a:effectRef idx="0">
-            <a:schemeClr val="accent1"/>
-          </a:effectRef>
-          <a:fontRef idx="minor">
-            <a:schemeClr val="tx1"/>
-          </a:fontRef>
-        </p:style>
-      </p:cxnSp>
-      <p:cxnSp>
-        <p:nvCxnSpPr>
-          <p:cNvPr id="38" name="Straight Connector 37">
-            <a:extLst>
-              <a:ext uri="{FF2B5EF4-FFF2-40B4-BE49-F238E27FC236}">
-                <a16:creationId xmlns:a16="http://schemas.microsoft.com/office/drawing/2014/main" id="{E1A60EC6-280E-40BE-98BB-474BEEF27D26}"/>
-              </a:ext>
-            </a:extLst>
-          </p:cNvPr>
-          <p:cNvCxnSpPr/>
-          <p:nvPr/>
-        </p:nvCxnSpPr>
-        <p:spPr>
-          <a:xfrm>
-            <a:off x="5682725" y="1755401"/>
-            <a:ext cx="757165" cy="612939"/>
-          </a:xfrm>
-          <a:prstGeom prst="line">
-            <a:avLst/>
-          </a:prstGeom>
-          <a:ln>
-            <a:solidFill>
-              <a:schemeClr val="tx1"/>
-            </a:solidFill>
-          </a:ln>
-        </p:spPr>
-        <p:style>
-          <a:lnRef idx="1">
-            <a:schemeClr val="accent1"/>
-          </a:lnRef>
-          <a:fillRef idx="0">
-            <a:schemeClr val="accent1"/>
-          </a:fillRef>
-          <a:effectRef idx="0">
-            <a:schemeClr val="accent1"/>
-          </a:effectRef>
-          <a:fontRef idx="minor">
-            <a:schemeClr val="tx1"/>
-          </a:fontRef>
-        </p:style>
-      </p:cxnSp>
-      <p:sp>
-        <p:nvSpPr>
-          <p:cNvPr id="5" name="TextBox 4">
-            <a:extLst>
-              <a:ext uri="{FF2B5EF4-FFF2-40B4-BE49-F238E27FC236}">
-                <a16:creationId xmlns:a16="http://schemas.microsoft.com/office/drawing/2014/main" id="{A7CF6DF1-320E-4B7B-80C3-8EE43DEBA22F}"/>
-              </a:ext>
-            </a:extLst>
-          </p:cNvPr>
-          <p:cNvSpPr txBox="1"/>
-          <p:nvPr/>
-        </p:nvSpPr>
-        <p:spPr>
-          <a:xfrm>
-            <a:off x="1588753" y="2174620"/>
-            <a:ext cx="1167148" cy="461665"/>
+            <a:off x="0" y="2444717"/>
+            <a:ext cx="12192000" cy="1968566"/>
           </a:xfrm>
           <a:prstGeom prst="rect">
             <a:avLst/>
           </a:prstGeom>
-          <a:noFill/>
         </p:spPr>
         <p:txBody>
-          <a:bodyPr wrap="square" rtlCol="0">
-            <a:spAutoFit/>
-          </a:bodyPr>
-          <a:lstStyle/>
+          <a:bodyPr anchor="ctr"/>
+          <a:lstStyle>
+            <a:lvl1pPr algn="l" defTabSz="914400" rtl="0" eaLnBrk="1" latinLnBrk="0" hangingPunct="1">
+              <a:lnSpc>
+                <a:spcPct val="90000"/>
+              </a:lnSpc>
+              <a:spcBef>
+                <a:spcPct val="0"/>
+              </a:spcBef>
+              <a:buNone/>
+              <a:defRPr sz="4400" kern="1200">
+                <a:solidFill>
+                  <a:schemeClr val="tx1"/>
+                </a:solidFill>
+                <a:latin typeface="+mj-lt"/>
+                <a:ea typeface="+mj-ea"/>
+                <a:cs typeface="+mj-cs"/>
+              </a:defRPr>
+            </a:lvl1pPr>
+          </a:lstStyle>
           <a:p>
             <a:pPr algn="ctr"/>
             <a:r>
-              <a:rPr lang="en-US" sz="2400" dirty="0">
-                <a:latin typeface="Aller" panose="02000503030000020004" pitchFamily="2" charset="0"/>
+              <a:rPr lang="en-US" sz="4800" dirty="0">
+                <a:latin typeface="Aller Display" panose="02000503000000020003" pitchFamily="2" charset="0"/>
               </a:rPr>
-              <a:t>Nodes</a:t>
+              <a:t>A</a:t>
+            </a:r>
+            <a:r>
+              <a:rPr lang="en-US" sz="4800" dirty="0">
+                <a:solidFill>
+                  <a:srgbClr val="00B0F0"/>
+                </a:solidFill>
+                <a:latin typeface="Aller Display" panose="02000503000000020003" pitchFamily="2" charset="0"/>
+              </a:rPr>
+              <a:t> SIMPLE</a:t>
+            </a:r>
+            <a:r>
+              <a:rPr lang="en-US" sz="4800" dirty="0">
+                <a:latin typeface="Aller Display" panose="02000503000000020003" pitchFamily="2" charset="0"/>
+              </a:rPr>
+              <a:t> OVERVIEW</a:t>
+            </a:r>
+          </a:p>
+          <a:p>
+            <a:pPr algn="ctr"/>
+            <a:r>
+              <a:rPr lang="en-US" sz="4800" dirty="0">
+                <a:latin typeface="Aller Display" panose="02000503000000020003" pitchFamily="2" charset="0"/>
+              </a:rPr>
+              <a:t>OF THE SOFTWARE</a:t>
             </a:r>
           </a:p>
         </p:txBody>
       </p:sp>
       <p:sp>
         <p:nvSpPr>
-          <p:cNvPr id="4" name="Oval 3">
-            <a:extLst>
-              <a:ext uri="{FF2B5EF4-FFF2-40B4-BE49-F238E27FC236}">
-                <a16:creationId xmlns:a16="http://schemas.microsoft.com/office/drawing/2014/main" id="{8B9042D3-B94A-4849-B967-889633D9E48F}"/>
-              </a:ext>
-            </a:extLst>
-          </p:cNvPr>
-          <p:cNvSpPr/>
-          <p:nvPr/>
-        </p:nvSpPr>
-        <p:spPr>
-          <a:xfrm>
-            <a:off x="4806860" y="2136520"/>
-            <a:ext cx="489040" cy="489040"/>
-          </a:xfrm>
-          <a:prstGeom prst="ellipse">
-            <a:avLst/>
-          </a:prstGeom>
-          <a:noFill/>
-          <a:effectLst>
-            <a:glow rad="63500">
-              <a:schemeClr val="accent1">
-                <a:satMod val="175000"/>
-                <a:alpha val="40000"/>
-              </a:schemeClr>
-            </a:glow>
-          </a:effectLst>
-        </p:spPr>
-        <p:style>
-          <a:lnRef idx="2">
-            <a:schemeClr val="accent1">
-              <a:shade val="50000"/>
-            </a:schemeClr>
-          </a:lnRef>
-          <a:fillRef idx="1">
-            <a:schemeClr val="accent1"/>
-          </a:fillRef>
-          <a:effectRef idx="0">
-            <a:schemeClr val="accent1"/>
-          </a:effectRef>
-          <a:fontRef idx="minor">
-            <a:schemeClr val="lt1"/>
-          </a:fontRef>
-        </p:style>
-        <p:txBody>
-          <a:bodyPr rtlCol="0" anchor="ctr"/>
-          <a:lstStyle/>
-          <a:p>
-            <a:pPr algn="ctr"/>
-            <a:endParaRPr lang="en-US"/>
-          </a:p>
-        </p:txBody>
-      </p:sp>
-      <p:sp>
-        <p:nvSpPr>
-          <p:cNvPr id="8" name="Oval 7">
-            <a:extLst>
-              <a:ext uri="{FF2B5EF4-FFF2-40B4-BE49-F238E27FC236}">
-                <a16:creationId xmlns:a16="http://schemas.microsoft.com/office/drawing/2014/main" id="{03312DC3-97D5-414A-B0CD-7999D5F0B329}"/>
-              </a:ext>
-            </a:extLst>
-          </p:cNvPr>
-          <p:cNvSpPr/>
-          <p:nvPr/>
-        </p:nvSpPr>
-        <p:spPr>
-          <a:xfrm>
-            <a:off x="5505360" y="2853980"/>
-            <a:ext cx="489040" cy="489040"/>
-          </a:xfrm>
-          <a:prstGeom prst="ellipse">
-            <a:avLst/>
-          </a:prstGeom>
-          <a:noFill/>
-          <a:effectLst>
-            <a:glow rad="63500">
-              <a:schemeClr val="accent1">
-                <a:satMod val="175000"/>
-                <a:alpha val="40000"/>
-              </a:schemeClr>
-            </a:glow>
-          </a:effectLst>
-        </p:spPr>
-        <p:style>
-          <a:lnRef idx="2">
-            <a:schemeClr val="accent1">
-              <a:shade val="50000"/>
-            </a:schemeClr>
-          </a:lnRef>
-          <a:fillRef idx="1">
-            <a:schemeClr val="accent1"/>
-          </a:fillRef>
-          <a:effectRef idx="0">
-            <a:schemeClr val="accent1"/>
-          </a:effectRef>
-          <a:fontRef idx="minor">
-            <a:schemeClr val="lt1"/>
-          </a:fontRef>
-        </p:style>
-        <p:txBody>
-          <a:bodyPr rtlCol="0" anchor="ctr"/>
-          <a:lstStyle/>
-          <a:p>
-            <a:pPr algn="ctr"/>
-            <a:endParaRPr lang="en-US"/>
-          </a:p>
-        </p:txBody>
-      </p:sp>
-      <p:sp>
-        <p:nvSpPr>
-          <p:cNvPr id="10" name="TextBox 9">
-            <a:extLst>
-              <a:ext uri="{FF2B5EF4-FFF2-40B4-BE49-F238E27FC236}">
-                <a16:creationId xmlns:a16="http://schemas.microsoft.com/office/drawing/2014/main" id="{EB2E93E5-2D17-467E-BB1C-42B1AD4BD25F}"/>
-              </a:ext>
-            </a:extLst>
-          </p:cNvPr>
-          <p:cNvSpPr txBox="1"/>
-          <p:nvPr/>
-        </p:nvSpPr>
-        <p:spPr>
-          <a:xfrm>
-            <a:off x="3537397" y="5023111"/>
-            <a:ext cx="5117206" cy="830997"/>
-          </a:xfrm>
-          <a:prstGeom prst="rect">
-            <a:avLst/>
-          </a:prstGeom>
-          <a:noFill/>
-        </p:spPr>
-        <p:txBody>
-          <a:bodyPr wrap="square" rtlCol="0">
-            <a:spAutoFit/>
-          </a:bodyPr>
-          <a:lstStyle/>
-          <a:p>
-            <a:pPr algn="ctr"/>
-            <a:r>
-              <a:rPr lang="en-US" sz="2400" b="1" dirty="0">
-                <a:latin typeface="Aller" panose="02000503030000020004" pitchFamily="2" charset="0"/>
-              </a:rPr>
-              <a:t>Simple 3 story building using reinforced concrete frames</a:t>
-            </a:r>
-          </a:p>
-        </p:txBody>
-      </p:sp>
-      <p:cxnSp>
-        <p:nvCxnSpPr>
-          <p:cNvPr id="7" name="Straight Arrow Connector 6">
-            <a:extLst>
-              <a:ext uri="{FF2B5EF4-FFF2-40B4-BE49-F238E27FC236}">
-                <a16:creationId xmlns:a16="http://schemas.microsoft.com/office/drawing/2014/main" id="{BCA07685-6678-4138-A164-697A7AC65A53}"/>
-              </a:ext>
-            </a:extLst>
-          </p:cNvPr>
-          <p:cNvCxnSpPr>
-            <a:cxnSpLocks/>
-            <a:stCxn id="5" idx="3"/>
-            <a:endCxn id="4" idx="2"/>
-          </p:cNvCxnSpPr>
-          <p:nvPr/>
-        </p:nvCxnSpPr>
-        <p:spPr>
-          <a:xfrm flipV="1">
-            <a:off x="2755901" y="2381040"/>
-            <a:ext cx="2050959" cy="24413"/>
-          </a:xfrm>
-          <a:prstGeom prst="straightConnector1">
-            <a:avLst/>
-          </a:prstGeom>
-          <a:ln>
-            <a:tailEnd type="triangle"/>
-          </a:ln>
-        </p:spPr>
-        <p:style>
-          <a:lnRef idx="1">
-            <a:schemeClr val="accent1"/>
-          </a:lnRef>
-          <a:fillRef idx="0">
-            <a:schemeClr val="accent1"/>
-          </a:fillRef>
-          <a:effectRef idx="0">
-            <a:schemeClr val="accent1"/>
-          </a:effectRef>
-          <a:fontRef idx="minor">
-            <a:schemeClr val="tx1"/>
-          </a:fontRef>
-        </p:style>
-      </p:cxnSp>
-      <p:cxnSp>
-        <p:nvCxnSpPr>
-          <p:cNvPr id="14" name="Straight Arrow Connector 13">
-            <a:extLst>
-              <a:ext uri="{FF2B5EF4-FFF2-40B4-BE49-F238E27FC236}">
-                <a16:creationId xmlns:a16="http://schemas.microsoft.com/office/drawing/2014/main" id="{50664F20-FF99-45A3-811A-D4682721D04B}"/>
-              </a:ext>
-            </a:extLst>
-          </p:cNvPr>
-          <p:cNvCxnSpPr>
-            <a:cxnSpLocks/>
-            <a:stCxn id="5" idx="3"/>
-            <a:endCxn id="8" idx="1"/>
-          </p:cNvCxnSpPr>
-          <p:nvPr/>
-        </p:nvCxnSpPr>
-        <p:spPr>
-          <a:xfrm>
-            <a:off x="2755901" y="2405453"/>
-            <a:ext cx="2821077" cy="520145"/>
-          </a:xfrm>
-          <a:prstGeom prst="straightConnector1">
-            <a:avLst/>
-          </a:prstGeom>
-          <a:ln>
-            <a:tailEnd type="triangle"/>
-          </a:ln>
-        </p:spPr>
-        <p:style>
-          <a:lnRef idx="1">
-            <a:schemeClr val="accent1"/>
-          </a:lnRef>
-          <a:fillRef idx="0">
-            <a:schemeClr val="accent1"/>
-          </a:fillRef>
-          <a:effectRef idx="0">
-            <a:schemeClr val="accent1"/>
-          </a:effectRef>
-          <a:fontRef idx="minor">
-            <a:schemeClr val="tx1"/>
-          </a:fontRef>
-        </p:style>
-      </p:cxnSp>
-      <p:sp>
-        <p:nvSpPr>
-          <p:cNvPr id="16" name="TextBox 15">
-            <a:extLst>
-              <a:ext uri="{FF2B5EF4-FFF2-40B4-BE49-F238E27FC236}">
-                <a16:creationId xmlns:a16="http://schemas.microsoft.com/office/drawing/2014/main" id="{091E6BAA-C219-4BF7-AA8E-F03C44B35E44}"/>
-              </a:ext>
-            </a:extLst>
-          </p:cNvPr>
-          <p:cNvSpPr txBox="1"/>
-          <p:nvPr/>
-        </p:nvSpPr>
-        <p:spPr>
-          <a:xfrm>
-            <a:off x="1867437" y="3970117"/>
-            <a:ext cx="1472038" cy="461665"/>
-          </a:xfrm>
-          <a:prstGeom prst="rect">
-            <a:avLst/>
-          </a:prstGeom>
-          <a:noFill/>
-        </p:spPr>
-        <p:txBody>
-          <a:bodyPr wrap="square" rtlCol="0">
-            <a:spAutoFit/>
-          </a:bodyPr>
-          <a:lstStyle/>
-          <a:p>
-            <a:pPr algn="ctr"/>
-            <a:r>
-              <a:rPr lang="en-US" sz="2400" dirty="0">
-                <a:latin typeface="Aller" panose="02000503030000020004" pitchFamily="2" charset="0"/>
-              </a:rPr>
-              <a:t>Columns</a:t>
-            </a:r>
-          </a:p>
-        </p:txBody>
-      </p:sp>
-      <p:cxnSp>
-        <p:nvCxnSpPr>
-          <p:cNvPr id="20" name="Straight Arrow Connector 19">
-            <a:extLst>
-              <a:ext uri="{FF2B5EF4-FFF2-40B4-BE49-F238E27FC236}">
-                <a16:creationId xmlns:a16="http://schemas.microsoft.com/office/drawing/2014/main" id="{30578E56-DEB8-411A-89BB-FB3D1863B63E}"/>
-              </a:ext>
-            </a:extLst>
-          </p:cNvPr>
-          <p:cNvCxnSpPr>
-            <a:cxnSpLocks/>
-            <a:stCxn id="16" idx="3"/>
-          </p:cNvCxnSpPr>
-          <p:nvPr/>
-        </p:nvCxnSpPr>
-        <p:spPr>
-          <a:xfrm flipV="1">
-            <a:off x="3339475" y="4165600"/>
-            <a:ext cx="1711905" cy="35350"/>
-          </a:xfrm>
-          <a:prstGeom prst="straightConnector1">
-            <a:avLst/>
-          </a:prstGeom>
-          <a:ln>
-            <a:tailEnd type="triangle"/>
-          </a:ln>
-        </p:spPr>
-        <p:style>
-          <a:lnRef idx="1">
-            <a:schemeClr val="accent1"/>
-          </a:lnRef>
-          <a:fillRef idx="0">
-            <a:schemeClr val="accent1"/>
-          </a:fillRef>
-          <a:effectRef idx="0">
-            <a:schemeClr val="accent1"/>
-          </a:effectRef>
-          <a:fontRef idx="minor">
-            <a:schemeClr val="tx1"/>
-          </a:fontRef>
-        </p:style>
-      </p:cxnSp>
-      <p:sp>
-        <p:nvSpPr>
-          <p:cNvPr id="21" name="TextBox 20">
-            <a:extLst>
-              <a:ext uri="{FF2B5EF4-FFF2-40B4-BE49-F238E27FC236}">
-                <a16:creationId xmlns:a16="http://schemas.microsoft.com/office/drawing/2014/main" id="{7E47F5AC-A922-46DE-86D9-922884070FBC}"/>
-              </a:ext>
-            </a:extLst>
-          </p:cNvPr>
-          <p:cNvSpPr txBox="1"/>
-          <p:nvPr/>
-        </p:nvSpPr>
-        <p:spPr>
-          <a:xfrm>
-            <a:off x="8166099" y="3098500"/>
-            <a:ext cx="1286993" cy="461665"/>
-          </a:xfrm>
-          <a:prstGeom prst="rect">
-            <a:avLst/>
-          </a:prstGeom>
-          <a:noFill/>
-        </p:spPr>
-        <p:txBody>
-          <a:bodyPr wrap="square" rtlCol="0">
-            <a:spAutoFit/>
-          </a:bodyPr>
-          <a:lstStyle/>
-          <a:p>
-            <a:pPr algn="ctr"/>
-            <a:r>
-              <a:rPr lang="en-US" sz="2400" dirty="0">
-                <a:latin typeface="Aller" panose="02000503030000020004" pitchFamily="2" charset="0"/>
-              </a:rPr>
-              <a:t>Beams</a:t>
-            </a:r>
-          </a:p>
-        </p:txBody>
-      </p:sp>
-      <p:cxnSp>
-        <p:nvCxnSpPr>
-          <p:cNvPr id="23" name="Straight Arrow Connector 22">
-            <a:extLst>
-              <a:ext uri="{FF2B5EF4-FFF2-40B4-BE49-F238E27FC236}">
-                <a16:creationId xmlns:a16="http://schemas.microsoft.com/office/drawing/2014/main" id="{77AC5E08-D9CF-431C-9E04-155A7ACB95E4}"/>
-              </a:ext>
-            </a:extLst>
-          </p:cNvPr>
-          <p:cNvCxnSpPr>
-            <a:cxnSpLocks/>
-            <a:stCxn id="21" idx="1"/>
-          </p:cNvCxnSpPr>
-          <p:nvPr/>
-        </p:nvCxnSpPr>
-        <p:spPr>
-          <a:xfrm flipH="1">
-            <a:off x="6807201" y="3329333"/>
-            <a:ext cx="1358898" cy="480667"/>
-          </a:xfrm>
-          <a:prstGeom prst="straightConnector1">
-            <a:avLst/>
-          </a:prstGeom>
-          <a:ln>
-            <a:tailEnd type="triangle"/>
-          </a:ln>
-        </p:spPr>
-        <p:style>
-          <a:lnRef idx="1">
-            <a:schemeClr val="accent1"/>
-          </a:lnRef>
-          <a:fillRef idx="0">
-            <a:schemeClr val="accent1"/>
-          </a:fillRef>
-          <a:effectRef idx="0">
-            <a:schemeClr val="accent1"/>
-          </a:effectRef>
-          <a:fontRef idx="minor">
-            <a:schemeClr val="tx1"/>
-          </a:fontRef>
-        </p:style>
-      </p:cxnSp>
-      <p:cxnSp>
-        <p:nvCxnSpPr>
-          <p:cNvPr id="25" name="Straight Arrow Connector 24">
-            <a:extLst>
-              <a:ext uri="{FF2B5EF4-FFF2-40B4-BE49-F238E27FC236}">
-                <a16:creationId xmlns:a16="http://schemas.microsoft.com/office/drawing/2014/main" id="{8DAE4884-3EBA-49E2-8865-15CB201C9738}"/>
-              </a:ext>
-            </a:extLst>
-          </p:cNvPr>
-          <p:cNvCxnSpPr>
-            <a:cxnSpLocks/>
-            <a:stCxn id="16" idx="3"/>
-          </p:cNvCxnSpPr>
-          <p:nvPr/>
-        </p:nvCxnSpPr>
-        <p:spPr>
-          <a:xfrm flipV="1">
-            <a:off x="3339475" y="3606802"/>
-            <a:ext cx="2375525" cy="594148"/>
-          </a:xfrm>
-          <a:prstGeom prst="straightConnector1">
-            <a:avLst/>
-          </a:prstGeom>
-          <a:ln>
-            <a:tailEnd type="triangle"/>
-          </a:ln>
-        </p:spPr>
-        <p:style>
-          <a:lnRef idx="1">
-            <a:schemeClr val="accent1"/>
-          </a:lnRef>
-          <a:fillRef idx="0">
-            <a:schemeClr val="accent1"/>
-          </a:fillRef>
-          <a:effectRef idx="0">
-            <a:schemeClr val="accent1"/>
-          </a:effectRef>
-          <a:fontRef idx="minor">
-            <a:schemeClr val="tx1"/>
-          </a:fontRef>
-        </p:style>
-      </p:cxnSp>
-      <p:cxnSp>
-        <p:nvCxnSpPr>
-          <p:cNvPr id="27" name="Straight Arrow Connector 26">
-            <a:extLst>
-              <a:ext uri="{FF2B5EF4-FFF2-40B4-BE49-F238E27FC236}">
-                <a16:creationId xmlns:a16="http://schemas.microsoft.com/office/drawing/2014/main" id="{FD92D02D-D3B0-4BE5-9F34-DA6305F992F8}"/>
-              </a:ext>
-            </a:extLst>
-          </p:cNvPr>
-          <p:cNvCxnSpPr>
-            <a:cxnSpLocks/>
-            <a:stCxn id="21" idx="1"/>
-          </p:cNvCxnSpPr>
-          <p:nvPr/>
-        </p:nvCxnSpPr>
-        <p:spPr>
-          <a:xfrm flipH="1" flipV="1">
-            <a:off x="6807201" y="2381041"/>
-            <a:ext cx="1358898" cy="948292"/>
-          </a:xfrm>
-          <a:prstGeom prst="straightConnector1">
-            <a:avLst/>
-          </a:prstGeom>
-          <a:ln>
-            <a:tailEnd type="triangle"/>
-          </a:ln>
-        </p:spPr>
-        <p:style>
-          <a:lnRef idx="1">
-            <a:schemeClr val="accent1"/>
-          </a:lnRef>
-          <a:fillRef idx="0">
-            <a:schemeClr val="accent1"/>
-          </a:fillRef>
-          <a:effectRef idx="0">
-            <a:schemeClr val="accent1"/>
-          </a:effectRef>
-          <a:fontRef idx="minor">
-            <a:schemeClr val="tx1"/>
-          </a:fontRef>
-        </p:style>
-      </p:cxnSp>
-      <p:sp>
-        <p:nvSpPr>
-          <p:cNvPr id="39" name="Rectangle 38">
-            <a:extLst>
-              <a:ext uri="{FF2B5EF4-FFF2-40B4-BE49-F238E27FC236}">
-                <a16:creationId xmlns:a16="http://schemas.microsoft.com/office/drawing/2014/main" id="{E42EEC87-4E9F-4B54-9A56-00994F92D8B8}"/>
+          <p:cNvPr id="6" name="Rectangle 5">
+            <a:extLst>
+              <a:ext uri="{FF2B5EF4-FFF2-40B4-BE49-F238E27FC236}">
+                <a16:creationId xmlns:a16="http://schemas.microsoft.com/office/drawing/2014/main" id="{3E815667-661B-4BCC-B445-0EBC7359289C}"/>
               </a:ext>
             </a:extLst>
           </p:cNvPr>
@@ -13334,7 +13530,7 @@
     </p:spTree>
     <p:extLst>
       <p:ext uri="{BB962C8B-B14F-4D97-AF65-F5344CB8AC3E}">
-        <p14:creationId xmlns:p14="http://schemas.microsoft.com/office/powerpoint/2010/main" val="2449023447"/>
+        <p14:creationId xmlns:p14="http://schemas.microsoft.com/office/powerpoint/2010/main" val="704868869"/>
       </p:ext>
     </p:extLst>
   </p:cSld>

--- a/Documentations/Mid evaluation presentation/FINITE ELEMENT BASED STRUCTURAL ANALYSIS.pptx
+++ b/Documentations/Mid evaluation presentation/FINITE ELEMENT BASED STRUCTURAL ANALYSIS.pptx
@@ -12114,6 +12114,50 @@
                             </p:childTnLst>
                           </p:cTn>
                         </p:par>
+                        <p:par>
+                          <p:cTn id="16" fill="hold">
+                            <p:stCondLst>
+                              <p:cond delay="750"/>
+                            </p:stCondLst>
+                            <p:childTnLst>
+                              <p:par>
+                                <p:cTn id="17" presetID="10" presetClass="entr" presetSubtype="0" fill="hold" nodeType="afterEffect">
+                                  <p:stCondLst>
+                                    <p:cond delay="0"/>
+                                  </p:stCondLst>
+                                  <p:childTnLst>
+                                    <p:set>
+                                      <p:cBhvr>
+                                        <p:cTn id="18" dur="1" fill="hold">
+                                          <p:stCondLst>
+                                            <p:cond delay="0"/>
+                                          </p:stCondLst>
+                                        </p:cTn>
+                                        <p:tgtEl>
+                                          <p:spTgt spid="4"/>
+                                        </p:tgtEl>
+                                        <p:attrNameLst>
+                                          <p:attrName>style.visibility</p:attrName>
+                                        </p:attrNameLst>
+                                      </p:cBhvr>
+                                      <p:to>
+                                        <p:strVal val="visible"/>
+                                      </p:to>
+                                    </p:set>
+                                    <p:animEffect transition="in" filter="fade">
+                                      <p:cBhvr>
+                                        <p:cTn id="19" dur="250"/>
+                                        <p:tgtEl>
+                                          <p:spTgt spid="4"/>
+                                        </p:tgtEl>
+                                      </p:cBhvr>
+                                    </p:animEffect>
+                                  </p:childTnLst>
+                                </p:cTn>
+                              </p:par>
+                            </p:childTnLst>
+                          </p:cTn>
+                        </p:par>
                       </p:childTnLst>
                     </p:cTn>
                   </p:par>
@@ -12398,7 +12442,7 @@
         </p:blipFill>
         <p:spPr>
           <a:xfrm>
-            <a:off x="1177949" y="1706713"/>
+            <a:off x="607565" y="836868"/>
             <a:ext cx="5204212" cy="3444574"/>
           </a:xfrm>
           <a:prstGeom prst="rect">
@@ -12406,80 +12450,204 @@
           </a:prstGeom>
         </p:spPr>
       </p:pic>
-      <p:pic>
-        <p:nvPicPr>
-          <p:cNvPr id="7" name="Picture 6">
-            <a:extLst>
-              <a:ext uri="{FF2B5EF4-FFF2-40B4-BE49-F238E27FC236}">
-                <a16:creationId xmlns:a16="http://schemas.microsoft.com/office/drawing/2014/main" id="{B2419480-2CBE-453B-B158-CBBA9E14CD89}"/>
-              </a:ext>
-            </a:extLst>
-          </p:cNvPr>
-          <p:cNvPicPr>
-            <a:picLocks noChangeAspect="1"/>
-          </p:cNvPicPr>
+      <p:grpSp>
+        <p:nvGrpSpPr>
+          <p:cNvPr id="5" name="Group 4">
+            <a:extLst>
+              <a:ext uri="{FF2B5EF4-FFF2-40B4-BE49-F238E27FC236}">
+                <a16:creationId xmlns:a16="http://schemas.microsoft.com/office/drawing/2014/main" id="{83DBD766-0B21-4198-9F08-35E00EE8C6BA}"/>
+              </a:ext>
+            </a:extLst>
+          </p:cNvPr>
+          <p:cNvGrpSpPr/>
           <p:nvPr/>
-        </p:nvPicPr>
-        <p:blipFill>
-          <a:blip r:embed="rId3">
-            <a:extLst>
-              <a:ext uri="{28A0092B-C50C-407E-A947-70E740481C1C}">
-                <a14:useLocalDpi xmlns:a14="http://schemas.microsoft.com/office/drawing/2010/main" val="0"/>
-              </a:ext>
-            </a:extLst>
-          </a:blip>
-          <a:stretch>
-            <a:fillRect/>
-          </a:stretch>
-        </p:blipFill>
-        <p:spPr>
+        </p:nvGrpSpPr>
+        <p:grpSpPr>
           <a:xfrm>
-            <a:off x="6967092" y="2028945"/>
-            <a:ext cx="4297077" cy="3444574"/>
-          </a:xfrm>
-          <a:prstGeom prst="rect">
-            <a:avLst/>
-          </a:prstGeom>
-        </p:spPr>
-      </p:pic>
-      <p:sp>
-        <p:nvSpPr>
-          <p:cNvPr id="8" name="TextBox 7">
-            <a:extLst>
-              <a:ext uri="{FF2B5EF4-FFF2-40B4-BE49-F238E27FC236}">
-                <a16:creationId xmlns:a16="http://schemas.microsoft.com/office/drawing/2014/main" id="{6A529A9B-A1AF-41A5-BAE9-9B7CE1015A48}"/>
-              </a:ext>
-            </a:extLst>
-          </p:cNvPr>
-          <p:cNvSpPr txBox="1"/>
+            <a:off x="7039094" y="738613"/>
+            <a:ext cx="4297077" cy="3813906"/>
+            <a:chOff x="6812052" y="1114957"/>
+            <a:chExt cx="4297077" cy="3813906"/>
+          </a:xfrm>
+        </p:grpSpPr>
+        <p:pic>
+          <p:nvPicPr>
+            <p:cNvPr id="7" name="Picture 6">
+              <a:extLst>
+                <a:ext uri="{FF2B5EF4-FFF2-40B4-BE49-F238E27FC236}">
+                  <a16:creationId xmlns:a16="http://schemas.microsoft.com/office/drawing/2014/main" id="{B2419480-2CBE-453B-B158-CBBA9E14CD89}"/>
+                </a:ext>
+              </a:extLst>
+            </p:cNvPr>
+            <p:cNvPicPr>
+              <a:picLocks noChangeAspect="1"/>
+            </p:cNvPicPr>
+            <p:nvPr/>
+          </p:nvPicPr>
+          <p:blipFill>
+            <a:blip r:embed="rId3">
+              <a:extLst>
+                <a:ext uri="{28A0092B-C50C-407E-A947-70E740481C1C}">
+                  <a14:useLocalDpi xmlns:a14="http://schemas.microsoft.com/office/drawing/2010/main" val="0"/>
+                </a:ext>
+              </a:extLst>
+            </a:blip>
+            <a:stretch>
+              <a:fillRect/>
+            </a:stretch>
+          </p:blipFill>
+          <p:spPr>
+            <a:xfrm>
+              <a:off x="6812052" y="1484289"/>
+              <a:ext cx="4297077" cy="3444574"/>
+            </a:xfrm>
+            <a:prstGeom prst="rect">
+              <a:avLst/>
+            </a:prstGeom>
+          </p:spPr>
+        </p:pic>
+        <p:sp>
+          <p:nvSpPr>
+            <p:cNvPr id="8" name="TextBox 7">
+              <a:extLst>
+                <a:ext uri="{FF2B5EF4-FFF2-40B4-BE49-F238E27FC236}">
+                  <a16:creationId xmlns:a16="http://schemas.microsoft.com/office/drawing/2014/main" id="{6A529A9B-A1AF-41A5-BAE9-9B7CE1015A48}"/>
+                </a:ext>
+              </a:extLst>
+            </p:cNvPr>
+            <p:cNvSpPr txBox="1"/>
+            <p:nvPr/>
+          </p:nvSpPr>
+          <p:spPr>
+            <a:xfrm>
+              <a:off x="7934793" y="1114957"/>
+              <a:ext cx="2130007" cy="369332"/>
+            </a:xfrm>
+            <a:prstGeom prst="rect">
+              <a:avLst/>
+            </a:prstGeom>
+            <a:noFill/>
+          </p:spPr>
+          <p:txBody>
+            <a:bodyPr wrap="none" rtlCol="0">
+              <a:spAutoFit/>
+            </a:bodyPr>
+            <a:lstStyle/>
+            <a:p>
+              <a:r>
+                <a:rPr lang="en-US" dirty="0">
+                  <a:latin typeface="Times New Roman" panose="02020603050405020304" pitchFamily="18" charset="0"/>
+                  <a:cs typeface="Times New Roman" panose="02020603050405020304" pitchFamily="18" charset="0"/>
+                </a:rPr>
+                <a:t>Steel material model</a:t>
+              </a:r>
+            </a:p>
+          </p:txBody>
+        </p:sp>
+      </p:grpSp>
+      <p:grpSp>
+        <p:nvGrpSpPr>
+          <p:cNvPr id="10" name="Group 9">
+            <a:extLst>
+              <a:ext uri="{FF2B5EF4-FFF2-40B4-BE49-F238E27FC236}">
+                <a16:creationId xmlns:a16="http://schemas.microsoft.com/office/drawing/2014/main" id="{16D7D5BE-E767-449F-83C5-1A393A98CF51}"/>
+              </a:ext>
+            </a:extLst>
+          </p:cNvPr>
+          <p:cNvGrpSpPr/>
           <p:nvPr/>
-        </p:nvSpPr>
-        <p:spPr>
+        </p:nvGrpSpPr>
+        <p:grpSpPr>
           <a:xfrm>
-            <a:off x="8050626" y="1503828"/>
-            <a:ext cx="2130007" cy="369332"/>
-          </a:xfrm>
-          <a:prstGeom prst="rect">
-            <a:avLst/>
-          </a:prstGeom>
-          <a:noFill/>
-        </p:spPr>
-        <p:txBody>
-          <a:bodyPr wrap="none" rtlCol="0">
-            <a:spAutoFit/>
-          </a:bodyPr>
-          <a:lstStyle/>
-          <a:p>
-            <a:r>
-              <a:rPr lang="en-US" dirty="0">
-                <a:latin typeface="Times New Roman" panose="02020603050405020304" pitchFamily="18" charset="0"/>
-                <a:cs typeface="Times New Roman" panose="02020603050405020304" pitchFamily="18" charset="0"/>
-              </a:rPr>
-              <a:t>Steel material model</a:t>
-            </a:r>
-          </a:p>
-        </p:txBody>
-      </p:sp>
+            <a:off x="2492236" y="4373774"/>
+            <a:ext cx="4546858" cy="2068331"/>
+            <a:chOff x="2492236" y="4373774"/>
+            <a:chExt cx="4546858" cy="2068331"/>
+          </a:xfrm>
+        </p:grpSpPr>
+        <p:pic>
+          <p:nvPicPr>
+            <p:cNvPr id="4" name="Picture 3">
+              <a:extLst>
+                <a:ext uri="{FF2B5EF4-FFF2-40B4-BE49-F238E27FC236}">
+                  <a16:creationId xmlns:a16="http://schemas.microsoft.com/office/drawing/2014/main" id="{6F0F143E-02D6-4970-AF07-AE4EFEBF1080}"/>
+                </a:ext>
+              </a:extLst>
+            </p:cNvPr>
+            <p:cNvPicPr>
+              <a:picLocks noChangeAspect="1"/>
+            </p:cNvPicPr>
+            <p:nvPr/>
+          </p:nvPicPr>
+          <p:blipFill rotWithShape="1">
+            <a:blip r:embed="rId4">
+              <a:extLst>
+                <a:ext uri="{28A0092B-C50C-407E-A947-70E740481C1C}">
+                  <a14:useLocalDpi xmlns:a14="http://schemas.microsoft.com/office/drawing/2010/main" val="0"/>
+                </a:ext>
+              </a:extLst>
+            </a:blip>
+            <a:srcRect t="2646" b="15778"/>
+            <a:stretch/>
+          </p:blipFill>
+          <p:spPr>
+            <a:xfrm>
+              <a:off x="4352440" y="4373774"/>
+              <a:ext cx="2686654" cy="2068331"/>
+            </a:xfrm>
+            <a:prstGeom prst="rect">
+              <a:avLst/>
+            </a:prstGeom>
+          </p:spPr>
+        </p:pic>
+        <p:sp>
+          <p:nvSpPr>
+            <p:cNvPr id="9" name="TextBox 8">
+              <a:extLst>
+                <a:ext uri="{FF2B5EF4-FFF2-40B4-BE49-F238E27FC236}">
+                  <a16:creationId xmlns:a16="http://schemas.microsoft.com/office/drawing/2014/main" id="{A602FF20-4357-4DA8-A107-037D7E3AF253}"/>
+                </a:ext>
+              </a:extLst>
+            </p:cNvPr>
+            <p:cNvSpPr txBox="1"/>
+            <p:nvPr/>
+          </p:nvSpPr>
+          <p:spPr>
+            <a:xfrm>
+              <a:off x="2492236" y="5038608"/>
+              <a:ext cx="2050561" cy="646331"/>
+            </a:xfrm>
+            <a:prstGeom prst="rect">
+              <a:avLst/>
+            </a:prstGeom>
+            <a:noFill/>
+          </p:spPr>
+          <p:txBody>
+            <a:bodyPr wrap="none" rtlCol="0">
+              <a:spAutoFit/>
+            </a:bodyPr>
+            <a:lstStyle/>
+            <a:p>
+              <a:r>
+                <a:rPr lang="en-US" dirty="0">
+                  <a:latin typeface="Times New Roman" panose="02020603050405020304" pitchFamily="18" charset="0"/>
+                  <a:cs typeface="Times New Roman" panose="02020603050405020304" pitchFamily="18" charset="0"/>
+                </a:rPr>
+                <a:t>Reinforced concrete</a:t>
+              </a:r>
+            </a:p>
+            <a:p>
+              <a:r>
+                <a:rPr lang="en-US" dirty="0">
+                  <a:latin typeface="Times New Roman" panose="02020603050405020304" pitchFamily="18" charset="0"/>
+                  <a:cs typeface="Times New Roman" panose="02020603050405020304" pitchFamily="18" charset="0"/>
+                </a:rPr>
+                <a:t>Cross section</a:t>
+              </a:r>
+            </a:p>
+          </p:txBody>
+        </p:sp>
+      </p:grpSp>
     </p:spTree>
     <p:extLst>
       <p:ext uri="{BB962C8B-B14F-4D97-AF65-F5344CB8AC3E}">
@@ -12493,6 +12661,180 @@
   <p:transition spd="slow">
     <p:wipe/>
   </p:transition>
+  <p:timing>
+    <p:tnLst>
+      <p:par>
+        <p:cTn id="1" dur="indefinite" restart="never" nodeType="tmRoot">
+          <p:childTnLst>
+            <p:seq concurrent="1" nextAc="seek">
+              <p:cTn id="2" dur="indefinite" nodeType="mainSeq">
+                <p:childTnLst>
+                  <p:par>
+                    <p:cTn id="3" fill="hold">
+                      <p:stCondLst>
+                        <p:cond delay="indefinite"/>
+                        <p:cond evt="onBegin" delay="0">
+                          <p:tn val="2"/>
+                        </p:cond>
+                      </p:stCondLst>
+                      <p:childTnLst>
+                        <p:par>
+                          <p:cTn id="4" fill="hold">
+                            <p:stCondLst>
+                              <p:cond delay="0"/>
+                            </p:stCondLst>
+                            <p:childTnLst>
+                              <p:par>
+                                <p:cTn id="5" presetID="10" presetClass="entr" presetSubtype="0" fill="hold" nodeType="afterEffect">
+                                  <p:stCondLst>
+                                    <p:cond delay="0"/>
+                                  </p:stCondLst>
+                                  <p:childTnLst>
+                                    <p:set>
+                                      <p:cBhvr>
+                                        <p:cTn id="6" dur="1" fill="hold">
+                                          <p:stCondLst>
+                                            <p:cond delay="0"/>
+                                          </p:stCondLst>
+                                        </p:cTn>
+                                        <p:tgtEl>
+                                          <p:spTgt spid="3"/>
+                                        </p:tgtEl>
+                                        <p:attrNameLst>
+                                          <p:attrName>style.visibility</p:attrName>
+                                        </p:attrNameLst>
+                                      </p:cBhvr>
+                                      <p:to>
+                                        <p:strVal val="visible"/>
+                                      </p:to>
+                                    </p:set>
+                                    <p:animEffect transition="in" filter="fade">
+                                      <p:cBhvr>
+                                        <p:cTn id="7" dur="250"/>
+                                        <p:tgtEl>
+                                          <p:spTgt spid="3"/>
+                                        </p:tgtEl>
+                                      </p:cBhvr>
+                                    </p:animEffect>
+                                  </p:childTnLst>
+                                </p:cTn>
+                              </p:par>
+                            </p:childTnLst>
+                          </p:cTn>
+                        </p:par>
+                        <p:par>
+                          <p:cTn id="8" fill="hold">
+                            <p:stCondLst>
+                              <p:cond delay="250"/>
+                            </p:stCondLst>
+                            <p:childTnLst>
+                              <p:par>
+                                <p:cTn id="9" presetID="10" presetClass="entr" presetSubtype="0" fill="hold" nodeType="afterEffect">
+                                  <p:stCondLst>
+                                    <p:cond delay="0"/>
+                                  </p:stCondLst>
+                                  <p:childTnLst>
+                                    <p:set>
+                                      <p:cBhvr>
+                                        <p:cTn id="10" dur="1" fill="hold">
+                                          <p:stCondLst>
+                                            <p:cond delay="0"/>
+                                          </p:stCondLst>
+                                        </p:cTn>
+                                        <p:tgtEl>
+                                          <p:spTgt spid="5"/>
+                                        </p:tgtEl>
+                                        <p:attrNameLst>
+                                          <p:attrName>style.visibility</p:attrName>
+                                        </p:attrNameLst>
+                                      </p:cBhvr>
+                                      <p:to>
+                                        <p:strVal val="visible"/>
+                                      </p:to>
+                                    </p:set>
+                                    <p:animEffect transition="in" filter="fade">
+                                      <p:cBhvr>
+                                        <p:cTn id="11" dur="250"/>
+                                        <p:tgtEl>
+                                          <p:spTgt spid="5"/>
+                                        </p:tgtEl>
+                                      </p:cBhvr>
+                                    </p:animEffect>
+                                  </p:childTnLst>
+                                </p:cTn>
+                              </p:par>
+                            </p:childTnLst>
+                          </p:cTn>
+                        </p:par>
+                        <p:par>
+                          <p:cTn id="12" fill="hold">
+                            <p:stCondLst>
+                              <p:cond delay="500"/>
+                            </p:stCondLst>
+                            <p:childTnLst>
+                              <p:par>
+                                <p:cTn id="13" presetID="10" presetClass="entr" presetSubtype="0" fill="hold" nodeType="afterEffect">
+                                  <p:stCondLst>
+                                    <p:cond delay="0"/>
+                                  </p:stCondLst>
+                                  <p:childTnLst>
+                                    <p:set>
+                                      <p:cBhvr>
+                                        <p:cTn id="14" dur="1" fill="hold">
+                                          <p:stCondLst>
+                                            <p:cond delay="0"/>
+                                          </p:stCondLst>
+                                        </p:cTn>
+                                        <p:tgtEl>
+                                          <p:spTgt spid="10"/>
+                                        </p:tgtEl>
+                                        <p:attrNameLst>
+                                          <p:attrName>style.visibility</p:attrName>
+                                        </p:attrNameLst>
+                                      </p:cBhvr>
+                                      <p:to>
+                                        <p:strVal val="visible"/>
+                                      </p:to>
+                                    </p:set>
+                                    <p:animEffect transition="in" filter="fade">
+                                      <p:cBhvr>
+                                        <p:cTn id="15" dur="250"/>
+                                        <p:tgtEl>
+                                          <p:spTgt spid="10"/>
+                                        </p:tgtEl>
+                                      </p:cBhvr>
+                                    </p:animEffect>
+                                  </p:childTnLst>
+                                </p:cTn>
+                              </p:par>
+                            </p:childTnLst>
+                          </p:cTn>
+                        </p:par>
+                      </p:childTnLst>
+                    </p:cTn>
+                  </p:par>
+                </p:childTnLst>
+              </p:cTn>
+              <p:prevCondLst>
+                <p:cond evt="onPrev" delay="0">
+                  <p:tgtEl>
+                    <p:sldTgt/>
+                  </p:tgtEl>
+                </p:cond>
+              </p:prevCondLst>
+              <p:nextCondLst>
+                <p:cond evt="onNext" delay="0">
+                  <p:tgtEl>
+                    <p:sldTgt/>
+                  </p:tgtEl>
+                </p:cond>
+              </p:nextCondLst>
+            </p:seq>
+          </p:childTnLst>
+        </p:cTn>
+      </p:par>
+    </p:tnLst>
+  </p:timing>
 </p:sld>
 </file>
 
@@ -13008,6 +13350,53 @@
                 <a:latin typeface="Aller Display" panose="02000503000000020003" pitchFamily="2" charset="0"/>
               </a:rPr>
               <a:t> e</a:t>
+            </a:r>
+          </a:p>
+        </p:txBody>
+      </p:sp>
+      <p:sp>
+        <p:nvSpPr>
+          <p:cNvPr id="14" name="TextBox 13">
+            <a:extLst>
+              <a:ext uri="{FF2B5EF4-FFF2-40B4-BE49-F238E27FC236}">
+                <a16:creationId xmlns:a16="http://schemas.microsoft.com/office/drawing/2014/main" id="{E03B2A09-2279-4466-B03E-170B6ACBA0EE}"/>
+              </a:ext>
+            </a:extLst>
+          </p:cNvPr>
+          <p:cNvSpPr txBox="1"/>
+          <p:nvPr/>
+        </p:nvSpPr>
+        <p:spPr>
+          <a:xfrm>
+            <a:off x="6799231" y="5488839"/>
+            <a:ext cx="4489898" cy="707886"/>
+          </a:xfrm>
+          <a:prstGeom prst="rect">
+            <a:avLst/>
+          </a:prstGeom>
+          <a:noFill/>
+        </p:spPr>
+        <p:txBody>
+          <a:bodyPr wrap="square" rtlCol="0">
+            <a:spAutoFit/>
+          </a:bodyPr>
+          <a:lstStyle/>
+          <a:p>
+            <a:pPr algn="ctr"/>
+            <a:r>
+              <a:rPr lang="en-US" sz="2000" b="1" dirty="0">
+                <a:latin typeface="Aller" panose="02000503030000020004" pitchFamily="2" charset="0"/>
+              </a:rPr>
+              <a:t>Developed in Berkeley,</a:t>
+            </a:r>
+          </a:p>
+          <a:p>
+            <a:pPr algn="ctr"/>
+            <a:r>
+              <a:rPr lang="en-US" sz="2000" b="1" dirty="0">
+                <a:latin typeface="Aller" panose="02000503030000020004" pitchFamily="2" charset="0"/>
+              </a:rPr>
+              <a:t>University of California</a:t>
             </a:r>
           </a:p>
         </p:txBody>
@@ -13348,7 +13737,7 @@
               <a:rPr lang="en-US" sz="2800" dirty="0">
                 <a:latin typeface="Aller" panose="02000503030000020004" pitchFamily="2" charset="0"/>
               </a:rPr>
-              <a:t>Using the novel formulation developed by </a:t>
+              <a:t>Using a novel formulation developed by </a:t>
             </a:r>
           </a:p>
           <a:p>
@@ -13376,6 +13765,95 @@
   <p:transition spd="slow">
     <p:wipe/>
   </p:transition>
+  <p:timing>
+    <p:tnLst>
+      <p:par>
+        <p:cTn id="1" dur="indefinite" restart="never" nodeType="tmRoot">
+          <p:childTnLst>
+            <p:seq concurrent="1" nextAc="seek">
+              <p:cTn id="2" dur="indefinite" nodeType="mainSeq">
+                <p:childTnLst>
+                  <p:par>
+                    <p:cTn id="3" fill="hold">
+                      <p:stCondLst>
+                        <p:cond delay="indefinite"/>
+                        <p:cond evt="onBegin" delay="0">
+                          <p:tn val="2"/>
+                        </p:cond>
+                      </p:stCondLst>
+                      <p:childTnLst>
+                        <p:par>
+                          <p:cTn id="4" fill="hold">
+                            <p:stCondLst>
+                              <p:cond delay="0"/>
+                            </p:stCondLst>
+                            <p:childTnLst>
+                              <p:par>
+                                <p:cTn id="5" presetID="10" presetClass="entr" presetSubtype="0" fill="hold" grpId="0" nodeType="afterEffect">
+                                  <p:stCondLst>
+                                    <p:cond delay="0"/>
+                                  </p:stCondLst>
+                                  <p:childTnLst>
+                                    <p:set>
+                                      <p:cBhvr>
+                                        <p:cTn id="6" dur="1" fill="hold">
+                                          <p:stCondLst>
+                                            <p:cond delay="0"/>
+                                          </p:stCondLst>
+                                        </p:cTn>
+                                        <p:tgtEl>
+                                          <p:spTgt spid="20"/>
+                                        </p:tgtEl>
+                                        <p:attrNameLst>
+                                          <p:attrName>style.visibility</p:attrName>
+                                        </p:attrNameLst>
+                                      </p:cBhvr>
+                                      <p:to>
+                                        <p:strVal val="visible"/>
+                                      </p:to>
+                                    </p:set>
+                                    <p:animEffect transition="in" filter="fade">
+                                      <p:cBhvr>
+                                        <p:cTn id="7" dur="250"/>
+                                        <p:tgtEl>
+                                          <p:spTgt spid="20"/>
+                                        </p:tgtEl>
+                                      </p:cBhvr>
+                                    </p:animEffect>
+                                  </p:childTnLst>
+                                </p:cTn>
+                              </p:par>
+                            </p:childTnLst>
+                          </p:cTn>
+                        </p:par>
+                      </p:childTnLst>
+                    </p:cTn>
+                  </p:par>
+                </p:childTnLst>
+              </p:cTn>
+              <p:prevCondLst>
+                <p:cond evt="onPrev" delay="0">
+                  <p:tgtEl>
+                    <p:sldTgt/>
+                  </p:tgtEl>
+                </p:cond>
+              </p:prevCondLst>
+              <p:nextCondLst>
+                <p:cond evt="onNext" delay="0">
+                  <p:tgtEl>
+                    <p:sldTgt/>
+                  </p:tgtEl>
+                </p:cond>
+              </p:nextCondLst>
+            </p:seq>
+          </p:childTnLst>
+        </p:cTn>
+      </p:par>
+    </p:tnLst>
+    <p:bldLst>
+      <p:bldP spid="20" grpId="0"/>
+    </p:bldLst>
+  </p:timing>
 </p:sld>
 </file>
 
